--- a/01 PhD Study/Research02-SATM/SATM-GRAPH-LARGE.pptx
+++ b/01 PhD Study/Research02-SATM/SATM-GRAPH-LARGE.pptx
@@ -115,7 +115,7 @@
 <file path=ppt/revisionInfo.xml><?xml version="1.0" encoding="utf-8"?>
 <p1510:revInfo xmlns:a="http://schemas.openxmlformats.org/drawingml/2006/main" xmlns:r="http://schemas.openxmlformats.org/officeDocument/2006/relationships" xmlns:p1510="http://schemas.microsoft.com/office/powerpoint/2015/10/main">
   <p1510:revLst>
-    <p1510:client id="{6DA0022E-A64E-415A-97D4-C7EAEDC0669F}" v="81" dt="2024-07-10T15:08:48.302"/>
+    <p1510:client id="{6DA0022E-A64E-415A-97D4-C7EAEDC0669F}" v="82" dt="2024-07-11T02:04:56.582"/>
   </p1510:revLst>
 </p1510:revInfo>
 </file>
@@ -125,12 +125,12 @@
   <pc:docChgLst>
     <pc:chgData name="#CUI SHUAIWEN#" userId="35a196ea-bcb8-475e-86cf-0b9eaca8a48f" providerId="ADAL" clId="{6DA0022E-A64E-415A-97D4-C7EAEDC0669F}"/>
     <pc:docChg chg="undo custSel addSld modSld">
-      <pc:chgData name="#CUI SHUAIWEN#" userId="35a196ea-bcb8-475e-86cf-0b9eaca8a48f" providerId="ADAL" clId="{6DA0022E-A64E-415A-97D4-C7EAEDC0669F}" dt="2024-07-10T15:09:00.596" v="724" actId="20577"/>
+      <pc:chgData name="#CUI SHUAIWEN#" userId="35a196ea-bcb8-475e-86cf-0b9eaca8a48f" providerId="ADAL" clId="{6DA0022E-A64E-415A-97D4-C7EAEDC0669F}" dt="2024-07-11T02:06:55.767" v="829" actId="1582"/>
       <pc:docMkLst>
         <pc:docMk/>
       </pc:docMkLst>
       <pc:sldChg chg="addSp delSp modSp new mod">
-        <pc:chgData name="#CUI SHUAIWEN#" userId="35a196ea-bcb8-475e-86cf-0b9eaca8a48f" providerId="ADAL" clId="{6DA0022E-A64E-415A-97D4-C7EAEDC0669F}" dt="2024-07-10T15:09:00.596" v="724" actId="20577"/>
+        <pc:chgData name="#CUI SHUAIWEN#" userId="35a196ea-bcb8-475e-86cf-0b9eaca8a48f" providerId="ADAL" clId="{6DA0022E-A64E-415A-97D4-C7EAEDC0669F}" dt="2024-07-11T02:06:55.767" v="829" actId="1582"/>
         <pc:sldMkLst>
           <pc:docMk/>
           <pc:sldMk cId="2454663500" sldId="256"/>
@@ -168,7 +168,7 @@
           </ac:spMkLst>
         </pc:spChg>
         <pc:spChg chg="add mod topLvl">
-          <ac:chgData name="#CUI SHUAIWEN#" userId="35a196ea-bcb8-475e-86cf-0b9eaca8a48f" providerId="ADAL" clId="{6DA0022E-A64E-415A-97D4-C7EAEDC0669F}" dt="2024-07-10T15:06:09.610" v="659" actId="14100"/>
+          <ac:chgData name="#CUI SHUAIWEN#" userId="35a196ea-bcb8-475e-86cf-0b9eaca8a48f" providerId="ADAL" clId="{6DA0022E-A64E-415A-97D4-C7EAEDC0669F}" dt="2024-07-11T02:00:39.364" v="732" actId="14100"/>
           <ac:spMkLst>
             <pc:docMk/>
             <pc:sldMk cId="2454663500" sldId="256"/>
@@ -192,7 +192,7 @@
           </ac:spMkLst>
         </pc:spChg>
         <pc:spChg chg="add mod topLvl">
-          <ac:chgData name="#CUI SHUAIWEN#" userId="35a196ea-bcb8-475e-86cf-0b9eaca8a48f" providerId="ADAL" clId="{6DA0022E-A64E-415A-97D4-C7EAEDC0669F}" dt="2024-07-10T15:06:04.025" v="657" actId="1076"/>
+          <ac:chgData name="#CUI SHUAIWEN#" userId="35a196ea-bcb8-475e-86cf-0b9eaca8a48f" providerId="ADAL" clId="{6DA0022E-A64E-415A-97D4-C7EAEDC0669F}" dt="2024-07-11T02:01:17.862" v="766" actId="20577"/>
           <ac:spMkLst>
             <pc:docMk/>
             <pc:sldMk cId="2454663500" sldId="256"/>
@@ -207,6 +207,38 @@
             <ac:spMk id="10" creationId="{676C862A-E87A-F519-D221-9EF72138CF21}"/>
           </ac:spMkLst>
         </pc:spChg>
+        <pc:spChg chg="mod">
+          <ac:chgData name="#CUI SHUAIWEN#" userId="35a196ea-bcb8-475e-86cf-0b9eaca8a48f" providerId="ADAL" clId="{6DA0022E-A64E-415A-97D4-C7EAEDC0669F}" dt="2024-07-11T02:04:56.582" v="804"/>
+          <ac:spMkLst>
+            <pc:docMk/>
+            <pc:sldMk cId="2454663500" sldId="256"/>
+            <ac:spMk id="10" creationId="{95EB523B-89BE-93C4-A6F4-81F013BEF475}"/>
+          </ac:spMkLst>
+        </pc:spChg>
+        <pc:spChg chg="mod">
+          <ac:chgData name="#CUI SHUAIWEN#" userId="35a196ea-bcb8-475e-86cf-0b9eaca8a48f" providerId="ADAL" clId="{6DA0022E-A64E-415A-97D4-C7EAEDC0669F}" dt="2024-07-11T02:04:56.582" v="804"/>
+          <ac:spMkLst>
+            <pc:docMk/>
+            <pc:sldMk cId="2454663500" sldId="256"/>
+            <ac:spMk id="11" creationId="{5D100B3D-43FB-BEA5-5E45-31604CA9C0AF}"/>
+          </ac:spMkLst>
+        </pc:spChg>
+        <pc:spChg chg="mod">
+          <ac:chgData name="#CUI SHUAIWEN#" userId="35a196ea-bcb8-475e-86cf-0b9eaca8a48f" providerId="ADAL" clId="{6DA0022E-A64E-415A-97D4-C7EAEDC0669F}" dt="2024-07-11T02:05:43.986" v="816" actId="207"/>
+          <ac:spMkLst>
+            <pc:docMk/>
+            <pc:sldMk cId="2454663500" sldId="256"/>
+            <ac:spMk id="13" creationId="{6DA7DCCC-92D2-2A44-9DA8-694D75B530A7}"/>
+          </ac:spMkLst>
+        </pc:spChg>
+        <pc:spChg chg="mod">
+          <ac:chgData name="#CUI SHUAIWEN#" userId="35a196ea-bcb8-475e-86cf-0b9eaca8a48f" providerId="ADAL" clId="{6DA0022E-A64E-415A-97D4-C7EAEDC0669F}" dt="2024-07-11T02:05:49.823" v="817" actId="207"/>
+          <ac:spMkLst>
+            <pc:docMk/>
+            <pc:sldMk cId="2454663500" sldId="256"/>
+            <ac:spMk id="14" creationId="{B76E91F7-5FEF-A56A-621C-BFEA6A47EB91}"/>
+          </ac:spMkLst>
+        </pc:spChg>
         <pc:spChg chg="add del mod">
           <ac:chgData name="#CUI SHUAIWEN#" userId="35a196ea-bcb8-475e-86cf-0b9eaca8a48f" providerId="ADAL" clId="{6DA0022E-A64E-415A-97D4-C7EAEDC0669F}" dt="2024-07-10T14:52:33.557" v="431" actId="478"/>
           <ac:spMkLst>
@@ -223,6 +255,14 @@
             <ac:spMk id="15" creationId="{B21DD2AC-2D62-D44E-1346-C616327B8796}"/>
           </ac:spMkLst>
         </pc:spChg>
+        <pc:spChg chg="del mod topLvl">
+          <ac:chgData name="#CUI SHUAIWEN#" userId="35a196ea-bcb8-475e-86cf-0b9eaca8a48f" providerId="ADAL" clId="{6DA0022E-A64E-415A-97D4-C7EAEDC0669F}" dt="2024-07-11T02:05:53.547" v="819" actId="478"/>
+          <ac:spMkLst>
+            <pc:docMk/>
+            <pc:sldMk cId="2454663500" sldId="256"/>
+            <ac:spMk id="16" creationId="{53E564E1-472F-5D13-E0DC-100982C56CF6}"/>
+          </ac:spMkLst>
+        </pc:spChg>
         <pc:spChg chg="add del mod">
           <ac:chgData name="#CUI SHUAIWEN#" userId="35a196ea-bcb8-475e-86cf-0b9eaca8a48f" providerId="ADAL" clId="{6DA0022E-A64E-415A-97D4-C7EAEDC0669F}" dt="2024-07-10T14:52:33.557" v="431" actId="478"/>
           <ac:spMkLst>
@@ -239,6 +279,22 @@
             <ac:spMk id="17" creationId="{2201D14A-CAE1-3C94-A735-F24AECA47A1D}"/>
           </ac:spMkLst>
         </pc:spChg>
+        <pc:spChg chg="add del mod topLvl">
+          <ac:chgData name="#CUI SHUAIWEN#" userId="35a196ea-bcb8-475e-86cf-0b9eaca8a48f" providerId="ADAL" clId="{6DA0022E-A64E-415A-97D4-C7EAEDC0669F}" dt="2024-07-11T02:06:19.530" v="824" actId="1076"/>
+          <ac:spMkLst>
+            <pc:docMk/>
+            <pc:sldMk cId="2454663500" sldId="256"/>
+            <ac:spMk id="17" creationId="{47F4BBAA-2951-C9CA-2F6A-1CECDCE0C712}"/>
+          </ac:spMkLst>
+        </pc:spChg>
+        <pc:spChg chg="add mod">
+          <ac:chgData name="#CUI SHUAIWEN#" userId="35a196ea-bcb8-475e-86cf-0b9eaca8a48f" providerId="ADAL" clId="{6DA0022E-A64E-415A-97D4-C7EAEDC0669F}" dt="2024-07-11T02:05:12.940" v="806" actId="14100"/>
+          <ac:spMkLst>
+            <pc:docMk/>
+            <pc:sldMk cId="2454663500" sldId="256"/>
+            <ac:spMk id="18" creationId="{EE676353-7BD8-9F63-280B-408BCE7923D2}"/>
+          </ac:spMkLst>
+        </pc:spChg>
         <pc:spChg chg="add del mod">
           <ac:chgData name="#CUI SHUAIWEN#" userId="35a196ea-bcb8-475e-86cf-0b9eaca8a48f" providerId="ADAL" clId="{6DA0022E-A64E-415A-97D4-C7EAEDC0669F}" dt="2024-07-10T14:52:33.557" v="431" actId="478"/>
           <ac:spMkLst>
@@ -247,6 +303,30 @@
             <ac:spMk id="19" creationId="{6AAE65C9-4ED9-1B06-9304-832061CE9D3A}"/>
           </ac:spMkLst>
         </pc:spChg>
+        <pc:spChg chg="mod">
+          <ac:chgData name="#CUI SHUAIWEN#" userId="35a196ea-bcb8-475e-86cf-0b9eaca8a48f" providerId="ADAL" clId="{6DA0022E-A64E-415A-97D4-C7EAEDC0669F}" dt="2024-07-11T02:04:56.582" v="804"/>
+          <ac:spMkLst>
+            <pc:docMk/>
+            <pc:sldMk cId="2454663500" sldId="256"/>
+            <ac:spMk id="20" creationId="{22D45907-6C95-615B-2575-166FBC428092}"/>
+          </ac:spMkLst>
+        </pc:spChg>
+        <pc:spChg chg="mod">
+          <ac:chgData name="#CUI SHUAIWEN#" userId="35a196ea-bcb8-475e-86cf-0b9eaca8a48f" providerId="ADAL" clId="{6DA0022E-A64E-415A-97D4-C7EAEDC0669F}" dt="2024-07-11T02:05:27.392" v="815" actId="20577"/>
+          <ac:spMkLst>
+            <pc:docMk/>
+            <pc:sldMk cId="2454663500" sldId="256"/>
+            <ac:spMk id="23" creationId="{26479A2B-6C48-9803-DE1D-365C49360B2E}"/>
+          </ac:spMkLst>
+        </pc:spChg>
+        <pc:spChg chg="add mod">
+          <ac:chgData name="#CUI SHUAIWEN#" userId="35a196ea-bcb8-475e-86cf-0b9eaca8a48f" providerId="ADAL" clId="{6DA0022E-A64E-415A-97D4-C7EAEDC0669F}" dt="2024-07-11T02:05:02.860" v="805" actId="1076"/>
+          <ac:spMkLst>
+            <pc:docMk/>
+            <pc:sldMk cId="2454663500" sldId="256"/>
+            <ac:spMk id="25" creationId="{22F04627-3257-287A-7FDF-5DD7053F22A3}"/>
+          </ac:spMkLst>
+        </pc:spChg>
         <pc:spChg chg="add del mod">
           <ac:chgData name="#CUI SHUAIWEN#" userId="35a196ea-bcb8-475e-86cf-0b9eaca8a48f" providerId="ADAL" clId="{6DA0022E-A64E-415A-97D4-C7EAEDC0669F}" dt="2024-07-10T14:52:33.557" v="431" actId="478"/>
           <ac:spMkLst>
@@ -255,6 +335,22 @@
             <ac:spMk id="25" creationId="{5F466C89-AAFF-9C5C-EFD0-837AE0B95CA9}"/>
           </ac:spMkLst>
         </pc:spChg>
+        <pc:spChg chg="mod">
+          <ac:chgData name="#CUI SHUAIWEN#" userId="35a196ea-bcb8-475e-86cf-0b9eaca8a48f" providerId="ADAL" clId="{6DA0022E-A64E-415A-97D4-C7EAEDC0669F}" dt="2024-07-11T02:04:56.582" v="804"/>
+          <ac:spMkLst>
+            <pc:docMk/>
+            <pc:sldMk cId="2454663500" sldId="256"/>
+            <ac:spMk id="27" creationId="{CE21A667-5596-53FD-FFFC-7E89FD2CE37D}"/>
+          </ac:spMkLst>
+        </pc:spChg>
+        <pc:spChg chg="mod">
+          <ac:chgData name="#CUI SHUAIWEN#" userId="35a196ea-bcb8-475e-86cf-0b9eaca8a48f" providerId="ADAL" clId="{6DA0022E-A64E-415A-97D4-C7EAEDC0669F}" dt="2024-07-11T02:04:56.582" v="804"/>
+          <ac:spMkLst>
+            <pc:docMk/>
+            <pc:sldMk cId="2454663500" sldId="256"/>
+            <ac:spMk id="28" creationId="{C0BDAD7F-2D0F-0A98-2B9C-5D7BDA3C2031}"/>
+          </ac:spMkLst>
+        </pc:spChg>
         <pc:spChg chg="add del mod">
           <ac:chgData name="#CUI SHUAIWEN#" userId="35a196ea-bcb8-475e-86cf-0b9eaca8a48f" providerId="ADAL" clId="{6DA0022E-A64E-415A-97D4-C7EAEDC0669F}" dt="2024-07-10T14:52:33.557" v="431" actId="478"/>
           <ac:spMkLst>
@@ -271,6 +367,14 @@
             <ac:spMk id="31" creationId="{01332C5B-5123-92F5-4F9F-485B774B6443}"/>
           </ac:spMkLst>
         </pc:spChg>
+        <pc:spChg chg="mod">
+          <ac:chgData name="#CUI SHUAIWEN#" userId="35a196ea-bcb8-475e-86cf-0b9eaca8a48f" providerId="ADAL" clId="{6DA0022E-A64E-415A-97D4-C7EAEDC0669F}" dt="2024-07-11T02:00:52.112" v="733" actId="1076"/>
+          <ac:spMkLst>
+            <pc:docMk/>
+            <pc:sldMk cId="2454663500" sldId="256"/>
+            <ac:spMk id="31" creationId="{079E88BB-68B2-352B-C7F2-1B7A073B2CD7}"/>
+          </ac:spMkLst>
+        </pc:spChg>
         <pc:spChg chg="add del mod">
           <ac:chgData name="#CUI SHUAIWEN#" userId="35a196ea-bcb8-475e-86cf-0b9eaca8a48f" providerId="ADAL" clId="{6DA0022E-A64E-415A-97D4-C7EAEDC0669F}" dt="2024-07-10T14:52:33.557" v="431" actId="478"/>
           <ac:spMkLst>
@@ -279,6 +383,14 @@
             <ac:spMk id="32" creationId="{878730E8-A781-CD88-AF24-CA667E6DCA15}"/>
           </ac:spMkLst>
         </pc:spChg>
+        <pc:spChg chg="mod">
+          <ac:chgData name="#CUI SHUAIWEN#" userId="35a196ea-bcb8-475e-86cf-0b9eaca8a48f" providerId="ADAL" clId="{6DA0022E-A64E-415A-97D4-C7EAEDC0669F}" dt="2024-07-11T02:00:52.112" v="733" actId="1076"/>
+          <ac:spMkLst>
+            <pc:docMk/>
+            <pc:sldMk cId="2454663500" sldId="256"/>
+            <ac:spMk id="32" creationId="{AFF38F29-2BDC-140D-26D2-6A03BE54E224}"/>
+          </ac:spMkLst>
+        </pc:spChg>
         <pc:spChg chg="add del mod">
           <ac:chgData name="#CUI SHUAIWEN#" userId="35a196ea-bcb8-475e-86cf-0b9eaca8a48f" providerId="ADAL" clId="{6DA0022E-A64E-415A-97D4-C7EAEDC0669F}" dt="2024-07-10T14:52:33.557" v="431" actId="478"/>
           <ac:spMkLst>
@@ -287,6 +399,14 @@
             <ac:spMk id="33" creationId="{60744B0B-DDD8-CD80-FA95-CED33B56C724}"/>
           </ac:spMkLst>
         </pc:spChg>
+        <pc:spChg chg="mod">
+          <ac:chgData name="#CUI SHUAIWEN#" userId="35a196ea-bcb8-475e-86cf-0b9eaca8a48f" providerId="ADAL" clId="{6DA0022E-A64E-415A-97D4-C7EAEDC0669F}" dt="2024-07-11T02:00:52.112" v="733" actId="1076"/>
+          <ac:spMkLst>
+            <pc:docMk/>
+            <pc:sldMk cId="2454663500" sldId="256"/>
+            <ac:spMk id="33" creationId="{71AD8B7F-5614-77D5-A8D0-1EC2AA2EBC3B}"/>
+          </ac:spMkLst>
+        </pc:spChg>
         <pc:spChg chg="add del mod">
           <ac:chgData name="#CUI SHUAIWEN#" userId="35a196ea-bcb8-475e-86cf-0b9eaca8a48f" providerId="ADAL" clId="{6DA0022E-A64E-415A-97D4-C7EAEDC0669F}" dt="2024-07-10T14:52:33.557" v="431" actId="478"/>
           <ac:spMkLst>
@@ -319,6 +439,38 @@
             <ac:spMk id="37" creationId="{51A297F5-9C30-6817-B25F-0B6000970905}"/>
           </ac:spMkLst>
         </pc:spChg>
+        <pc:spChg chg="mod">
+          <ac:chgData name="#CUI SHUAIWEN#" userId="35a196ea-bcb8-475e-86cf-0b9eaca8a48f" providerId="ADAL" clId="{6DA0022E-A64E-415A-97D4-C7EAEDC0669F}" dt="2024-07-11T02:00:52.112" v="733" actId="1076"/>
+          <ac:spMkLst>
+            <pc:docMk/>
+            <pc:sldMk cId="2454663500" sldId="256"/>
+            <ac:spMk id="38" creationId="{F214FA02-29FF-B9EA-062F-36D0190902EA}"/>
+          </ac:spMkLst>
+        </pc:spChg>
+        <pc:spChg chg="mod">
+          <ac:chgData name="#CUI SHUAIWEN#" userId="35a196ea-bcb8-475e-86cf-0b9eaca8a48f" providerId="ADAL" clId="{6DA0022E-A64E-415A-97D4-C7EAEDC0669F}" dt="2024-07-11T02:00:52.112" v="733" actId="1076"/>
+          <ac:spMkLst>
+            <pc:docMk/>
+            <pc:sldMk cId="2454663500" sldId="256"/>
+            <ac:spMk id="39" creationId="{A1525FC5-BEA5-51C0-7B00-AA5C76D6FC48}"/>
+          </ac:spMkLst>
+        </pc:spChg>
+        <pc:spChg chg="mod">
+          <ac:chgData name="#CUI SHUAIWEN#" userId="35a196ea-bcb8-475e-86cf-0b9eaca8a48f" providerId="ADAL" clId="{6DA0022E-A64E-415A-97D4-C7EAEDC0669F}" dt="2024-07-11T02:00:52.112" v="733" actId="1076"/>
+          <ac:spMkLst>
+            <pc:docMk/>
+            <pc:sldMk cId="2454663500" sldId="256"/>
+            <ac:spMk id="41" creationId="{D251D839-A1CF-668C-5A6E-43D849C5DF70}"/>
+          </ac:spMkLst>
+        </pc:spChg>
+        <pc:spChg chg="mod">
+          <ac:chgData name="#CUI SHUAIWEN#" userId="35a196ea-bcb8-475e-86cf-0b9eaca8a48f" providerId="ADAL" clId="{6DA0022E-A64E-415A-97D4-C7EAEDC0669F}" dt="2024-07-11T02:00:52.112" v="733" actId="1076"/>
+          <ac:spMkLst>
+            <pc:docMk/>
+            <pc:sldMk cId="2454663500" sldId="256"/>
+            <ac:spMk id="42" creationId="{D1B028A3-DA27-DC25-B42F-2D3B90C051C3}"/>
+          </ac:spMkLst>
+        </pc:spChg>
         <pc:spChg chg="add del mod">
           <ac:chgData name="#CUI SHUAIWEN#" userId="35a196ea-bcb8-475e-86cf-0b9eaca8a48f" providerId="ADAL" clId="{6DA0022E-A64E-415A-97D4-C7EAEDC0669F}" dt="2024-07-10T14:52:33.557" v="431" actId="478"/>
           <ac:spMkLst>
@@ -343,6 +495,22 @@
             <ac:spMk id="44" creationId="{1991B3CD-4522-FB3C-A841-986F88A758C2}"/>
           </ac:spMkLst>
         </pc:spChg>
+        <pc:spChg chg="mod">
+          <ac:chgData name="#CUI SHUAIWEN#" userId="35a196ea-bcb8-475e-86cf-0b9eaca8a48f" providerId="ADAL" clId="{6DA0022E-A64E-415A-97D4-C7EAEDC0669F}" dt="2024-07-11T02:00:52.112" v="733" actId="1076"/>
+          <ac:spMkLst>
+            <pc:docMk/>
+            <pc:sldMk cId="2454663500" sldId="256"/>
+            <ac:spMk id="44" creationId="{FE3319A8-7542-4055-DD99-8850443CCCF4}"/>
+          </ac:spMkLst>
+        </pc:spChg>
+        <pc:spChg chg="mod">
+          <ac:chgData name="#CUI SHUAIWEN#" userId="35a196ea-bcb8-475e-86cf-0b9eaca8a48f" providerId="ADAL" clId="{6DA0022E-A64E-415A-97D4-C7EAEDC0669F}" dt="2024-07-11T02:00:52.112" v="733" actId="1076"/>
+          <ac:spMkLst>
+            <pc:docMk/>
+            <pc:sldMk cId="2454663500" sldId="256"/>
+            <ac:spMk id="45" creationId="{FFF86FE6-7A95-B2BF-CBD3-B2AD9E31C7BE}"/>
+          </ac:spMkLst>
+        </pc:spChg>
         <pc:spChg chg="add del mod">
           <ac:chgData name="#CUI SHUAIWEN#" userId="35a196ea-bcb8-475e-86cf-0b9eaca8a48f" providerId="ADAL" clId="{6DA0022E-A64E-415A-97D4-C7EAEDC0669F}" dt="2024-07-10T14:52:33.557" v="431" actId="478"/>
           <ac:spMkLst>
@@ -359,6 +527,14 @@
             <ac:spMk id="47" creationId="{133CD380-85CE-57E5-6C81-29E1B6683D42}"/>
           </ac:spMkLst>
         </pc:spChg>
+        <pc:spChg chg="mod">
+          <ac:chgData name="#CUI SHUAIWEN#" userId="35a196ea-bcb8-475e-86cf-0b9eaca8a48f" providerId="ADAL" clId="{6DA0022E-A64E-415A-97D4-C7EAEDC0669F}" dt="2024-07-11T02:00:52.112" v="733" actId="1076"/>
+          <ac:spMkLst>
+            <pc:docMk/>
+            <pc:sldMk cId="2454663500" sldId="256"/>
+            <ac:spMk id="47" creationId="{6AFDE719-CDE4-FE3A-82D8-7096B22F4DA0}"/>
+          </ac:spMkLst>
+        </pc:spChg>
         <pc:spChg chg="add del mod">
           <ac:chgData name="#CUI SHUAIWEN#" userId="35a196ea-bcb8-475e-86cf-0b9eaca8a48f" providerId="ADAL" clId="{6DA0022E-A64E-415A-97D4-C7EAEDC0669F}" dt="2024-07-10T14:52:33.557" v="431" actId="478"/>
           <ac:spMkLst>
@@ -367,6 +543,14 @@
             <ac:spMk id="48" creationId="{B7E785C0-DC34-F424-2AB6-B4787442596A}"/>
           </ac:spMkLst>
         </pc:spChg>
+        <pc:spChg chg="mod">
+          <ac:chgData name="#CUI SHUAIWEN#" userId="35a196ea-bcb8-475e-86cf-0b9eaca8a48f" providerId="ADAL" clId="{6DA0022E-A64E-415A-97D4-C7EAEDC0669F}" dt="2024-07-11T02:00:52.112" v="733" actId="1076"/>
+          <ac:spMkLst>
+            <pc:docMk/>
+            <pc:sldMk cId="2454663500" sldId="256"/>
+            <ac:spMk id="49" creationId="{054D7D8F-B57E-8CEE-C55A-DD34CC5C070C}"/>
+          </ac:spMkLst>
+        </pc:spChg>
         <pc:spChg chg="add del mod">
           <ac:chgData name="#CUI SHUAIWEN#" userId="35a196ea-bcb8-475e-86cf-0b9eaca8a48f" providerId="ADAL" clId="{6DA0022E-A64E-415A-97D4-C7EAEDC0669F}" dt="2024-07-10T14:52:33.557" v="431" actId="478"/>
           <ac:spMkLst>
@@ -375,6 +559,14 @@
             <ac:spMk id="49" creationId="{5B224C44-6B93-7DAB-4F2A-EF5DEEBF79E3}"/>
           </ac:spMkLst>
         </pc:spChg>
+        <pc:spChg chg="mod">
+          <ac:chgData name="#CUI SHUAIWEN#" userId="35a196ea-bcb8-475e-86cf-0b9eaca8a48f" providerId="ADAL" clId="{6DA0022E-A64E-415A-97D4-C7EAEDC0669F}" dt="2024-07-11T02:00:52.112" v="733" actId="1076"/>
+          <ac:spMkLst>
+            <pc:docMk/>
+            <pc:sldMk cId="2454663500" sldId="256"/>
+            <ac:spMk id="50" creationId="{8B7DA9EE-DF0E-D9C5-4B47-268AD4337E4C}"/>
+          </ac:spMkLst>
+        </pc:spChg>
         <pc:spChg chg="add del mod">
           <ac:chgData name="#CUI SHUAIWEN#" userId="35a196ea-bcb8-475e-86cf-0b9eaca8a48f" providerId="ADAL" clId="{6DA0022E-A64E-415A-97D4-C7EAEDC0669F}" dt="2024-07-10T14:52:33.557" v="431" actId="478"/>
           <ac:spMkLst>
@@ -408,7 +600,7 @@
           </ac:spMkLst>
         </pc:spChg>
         <pc:spChg chg="add mod">
-          <ac:chgData name="#CUI SHUAIWEN#" userId="35a196ea-bcb8-475e-86cf-0b9eaca8a48f" providerId="ADAL" clId="{6DA0022E-A64E-415A-97D4-C7EAEDC0669F}" dt="2024-07-10T15:06:04.025" v="657" actId="1076"/>
+          <ac:chgData name="#CUI SHUAIWEN#" userId="35a196ea-bcb8-475e-86cf-0b9eaca8a48f" providerId="ADAL" clId="{6DA0022E-A64E-415A-97D4-C7EAEDC0669F}" dt="2024-07-11T02:04:33.431" v="803" actId="1076"/>
           <ac:spMkLst>
             <pc:docMk/>
             <pc:sldMk cId="2454663500" sldId="256"/>
@@ -416,7 +608,7 @@
           </ac:spMkLst>
         </pc:spChg>
         <pc:spChg chg="add mod">
-          <ac:chgData name="#CUI SHUAIWEN#" userId="35a196ea-bcb8-475e-86cf-0b9eaca8a48f" providerId="ADAL" clId="{6DA0022E-A64E-415A-97D4-C7EAEDC0669F}" dt="2024-07-10T15:06:04.025" v="657" actId="1076"/>
+          <ac:chgData name="#CUI SHUAIWEN#" userId="35a196ea-bcb8-475e-86cf-0b9eaca8a48f" providerId="ADAL" clId="{6DA0022E-A64E-415A-97D4-C7EAEDC0669F}" dt="2024-07-11T02:04:33.431" v="803" actId="1076"/>
           <ac:spMkLst>
             <pc:docMk/>
             <pc:sldMk cId="2454663500" sldId="256"/>
@@ -424,7 +616,7 @@
           </ac:spMkLst>
         </pc:spChg>
         <pc:spChg chg="add mod">
-          <ac:chgData name="#CUI SHUAIWEN#" userId="35a196ea-bcb8-475e-86cf-0b9eaca8a48f" providerId="ADAL" clId="{6DA0022E-A64E-415A-97D4-C7EAEDC0669F}" dt="2024-07-10T15:06:04.025" v="657" actId="1076"/>
+          <ac:chgData name="#CUI SHUAIWEN#" userId="35a196ea-bcb8-475e-86cf-0b9eaca8a48f" providerId="ADAL" clId="{6DA0022E-A64E-415A-97D4-C7EAEDC0669F}" dt="2024-07-11T02:04:33.431" v="803" actId="1076"/>
           <ac:spMkLst>
             <pc:docMk/>
             <pc:sldMk cId="2454663500" sldId="256"/>
@@ -432,7 +624,7 @@
           </ac:spMkLst>
         </pc:spChg>
         <pc:spChg chg="add mod">
-          <ac:chgData name="#CUI SHUAIWEN#" userId="35a196ea-bcb8-475e-86cf-0b9eaca8a48f" providerId="ADAL" clId="{6DA0022E-A64E-415A-97D4-C7EAEDC0669F}" dt="2024-07-10T15:06:04.025" v="657" actId="1076"/>
+          <ac:chgData name="#CUI SHUAIWEN#" userId="35a196ea-bcb8-475e-86cf-0b9eaca8a48f" providerId="ADAL" clId="{6DA0022E-A64E-415A-97D4-C7EAEDC0669F}" dt="2024-07-11T02:04:33.431" v="803" actId="1076"/>
           <ac:spMkLst>
             <pc:docMk/>
             <pc:sldMk cId="2454663500" sldId="256"/>
@@ -440,7 +632,7 @@
           </ac:spMkLst>
         </pc:spChg>
         <pc:spChg chg="add mod">
-          <ac:chgData name="#CUI SHUAIWEN#" userId="35a196ea-bcb8-475e-86cf-0b9eaca8a48f" providerId="ADAL" clId="{6DA0022E-A64E-415A-97D4-C7EAEDC0669F}" dt="2024-07-10T15:06:04.025" v="657" actId="1076"/>
+          <ac:chgData name="#CUI SHUAIWEN#" userId="35a196ea-bcb8-475e-86cf-0b9eaca8a48f" providerId="ADAL" clId="{6DA0022E-A64E-415A-97D4-C7EAEDC0669F}" dt="2024-07-11T02:04:33.431" v="803" actId="1076"/>
           <ac:spMkLst>
             <pc:docMk/>
             <pc:sldMk cId="2454663500" sldId="256"/>
@@ -448,7 +640,7 @@
           </ac:spMkLst>
         </pc:spChg>
         <pc:spChg chg="add mod">
-          <ac:chgData name="#CUI SHUAIWEN#" userId="35a196ea-bcb8-475e-86cf-0b9eaca8a48f" providerId="ADAL" clId="{6DA0022E-A64E-415A-97D4-C7EAEDC0669F}" dt="2024-07-10T15:06:04.025" v="657" actId="1076"/>
+          <ac:chgData name="#CUI SHUAIWEN#" userId="35a196ea-bcb8-475e-86cf-0b9eaca8a48f" providerId="ADAL" clId="{6DA0022E-A64E-415A-97D4-C7EAEDC0669F}" dt="2024-07-11T02:04:33.431" v="803" actId="1076"/>
           <ac:spMkLst>
             <pc:docMk/>
             <pc:sldMk cId="2454663500" sldId="256"/>
@@ -456,7 +648,7 @@
           </ac:spMkLst>
         </pc:spChg>
         <pc:spChg chg="add mod">
-          <ac:chgData name="#CUI SHUAIWEN#" userId="35a196ea-bcb8-475e-86cf-0b9eaca8a48f" providerId="ADAL" clId="{6DA0022E-A64E-415A-97D4-C7EAEDC0669F}" dt="2024-07-10T15:06:04.025" v="657" actId="1076"/>
+          <ac:chgData name="#CUI SHUAIWEN#" userId="35a196ea-bcb8-475e-86cf-0b9eaca8a48f" providerId="ADAL" clId="{6DA0022E-A64E-415A-97D4-C7EAEDC0669F}" dt="2024-07-11T02:04:33.431" v="803" actId="1076"/>
           <ac:spMkLst>
             <pc:docMk/>
             <pc:sldMk cId="2454663500" sldId="256"/>
@@ -464,7 +656,7 @@
           </ac:spMkLst>
         </pc:spChg>
         <pc:spChg chg="add mod">
-          <ac:chgData name="#CUI SHUAIWEN#" userId="35a196ea-bcb8-475e-86cf-0b9eaca8a48f" providerId="ADAL" clId="{6DA0022E-A64E-415A-97D4-C7EAEDC0669F}" dt="2024-07-10T15:06:04.025" v="657" actId="1076"/>
+          <ac:chgData name="#CUI SHUAIWEN#" userId="35a196ea-bcb8-475e-86cf-0b9eaca8a48f" providerId="ADAL" clId="{6DA0022E-A64E-415A-97D4-C7EAEDC0669F}" dt="2024-07-11T02:04:33.431" v="803" actId="1076"/>
           <ac:spMkLst>
             <pc:docMk/>
             <pc:sldMk cId="2454663500" sldId="256"/>
@@ -472,7 +664,7 @@
           </ac:spMkLst>
         </pc:spChg>
         <pc:spChg chg="add mod">
-          <ac:chgData name="#CUI SHUAIWEN#" userId="35a196ea-bcb8-475e-86cf-0b9eaca8a48f" providerId="ADAL" clId="{6DA0022E-A64E-415A-97D4-C7EAEDC0669F}" dt="2024-07-10T15:06:04.025" v="657" actId="1076"/>
+          <ac:chgData name="#CUI SHUAIWEN#" userId="35a196ea-bcb8-475e-86cf-0b9eaca8a48f" providerId="ADAL" clId="{6DA0022E-A64E-415A-97D4-C7EAEDC0669F}" dt="2024-07-11T02:04:33.431" v="803" actId="1076"/>
           <ac:spMkLst>
             <pc:docMk/>
             <pc:sldMk cId="2454663500" sldId="256"/>
@@ -480,7 +672,7 @@
           </ac:spMkLst>
         </pc:spChg>
         <pc:spChg chg="add mod">
-          <ac:chgData name="#CUI SHUAIWEN#" userId="35a196ea-bcb8-475e-86cf-0b9eaca8a48f" providerId="ADAL" clId="{6DA0022E-A64E-415A-97D4-C7EAEDC0669F}" dt="2024-07-10T15:06:04.025" v="657" actId="1076"/>
+          <ac:chgData name="#CUI SHUAIWEN#" userId="35a196ea-bcb8-475e-86cf-0b9eaca8a48f" providerId="ADAL" clId="{6DA0022E-A64E-415A-97D4-C7EAEDC0669F}" dt="2024-07-11T02:04:33.431" v="803" actId="1076"/>
           <ac:spMkLst>
             <pc:docMk/>
             <pc:sldMk cId="2454663500" sldId="256"/>
@@ -488,7 +680,7 @@
           </ac:spMkLst>
         </pc:spChg>
         <pc:spChg chg="add mod">
-          <ac:chgData name="#CUI SHUAIWEN#" userId="35a196ea-bcb8-475e-86cf-0b9eaca8a48f" providerId="ADAL" clId="{6DA0022E-A64E-415A-97D4-C7EAEDC0669F}" dt="2024-07-10T15:06:04.025" v="657" actId="1076"/>
+          <ac:chgData name="#CUI SHUAIWEN#" userId="35a196ea-bcb8-475e-86cf-0b9eaca8a48f" providerId="ADAL" clId="{6DA0022E-A64E-415A-97D4-C7EAEDC0669F}" dt="2024-07-11T02:04:33.431" v="803" actId="1076"/>
           <ac:spMkLst>
             <pc:docMk/>
             <pc:sldMk cId="2454663500" sldId="256"/>
@@ -496,7 +688,7 @@
           </ac:spMkLst>
         </pc:spChg>
         <pc:spChg chg="add mod">
-          <ac:chgData name="#CUI SHUAIWEN#" userId="35a196ea-bcb8-475e-86cf-0b9eaca8a48f" providerId="ADAL" clId="{6DA0022E-A64E-415A-97D4-C7EAEDC0669F}" dt="2024-07-10T15:06:04.025" v="657" actId="1076"/>
+          <ac:chgData name="#CUI SHUAIWEN#" userId="35a196ea-bcb8-475e-86cf-0b9eaca8a48f" providerId="ADAL" clId="{6DA0022E-A64E-415A-97D4-C7EAEDC0669F}" dt="2024-07-11T02:04:33.431" v="803" actId="1076"/>
           <ac:spMkLst>
             <pc:docMk/>
             <pc:sldMk cId="2454663500" sldId="256"/>
@@ -504,7 +696,7 @@
           </ac:spMkLst>
         </pc:spChg>
         <pc:spChg chg="add mod">
-          <ac:chgData name="#CUI SHUAIWEN#" userId="35a196ea-bcb8-475e-86cf-0b9eaca8a48f" providerId="ADAL" clId="{6DA0022E-A64E-415A-97D4-C7EAEDC0669F}" dt="2024-07-10T15:06:04.025" v="657" actId="1076"/>
+          <ac:chgData name="#CUI SHUAIWEN#" userId="35a196ea-bcb8-475e-86cf-0b9eaca8a48f" providerId="ADAL" clId="{6DA0022E-A64E-415A-97D4-C7EAEDC0669F}" dt="2024-07-11T02:04:33.431" v="803" actId="1076"/>
           <ac:spMkLst>
             <pc:docMk/>
             <pc:sldMk cId="2454663500" sldId="256"/>
@@ -512,7 +704,7 @@
           </ac:spMkLst>
         </pc:spChg>
         <pc:spChg chg="add mod">
-          <ac:chgData name="#CUI SHUAIWEN#" userId="35a196ea-bcb8-475e-86cf-0b9eaca8a48f" providerId="ADAL" clId="{6DA0022E-A64E-415A-97D4-C7EAEDC0669F}" dt="2024-07-10T15:06:04.025" v="657" actId="1076"/>
+          <ac:chgData name="#CUI SHUAIWEN#" userId="35a196ea-bcb8-475e-86cf-0b9eaca8a48f" providerId="ADAL" clId="{6DA0022E-A64E-415A-97D4-C7EAEDC0669F}" dt="2024-07-11T02:04:33.431" v="803" actId="1076"/>
           <ac:spMkLst>
             <pc:docMk/>
             <pc:sldMk cId="2454663500" sldId="256"/>
@@ -520,7 +712,7 @@
           </ac:spMkLst>
         </pc:spChg>
         <pc:spChg chg="add mod">
-          <ac:chgData name="#CUI SHUAIWEN#" userId="35a196ea-bcb8-475e-86cf-0b9eaca8a48f" providerId="ADAL" clId="{6DA0022E-A64E-415A-97D4-C7EAEDC0669F}" dt="2024-07-10T15:06:04.025" v="657" actId="1076"/>
+          <ac:chgData name="#CUI SHUAIWEN#" userId="35a196ea-bcb8-475e-86cf-0b9eaca8a48f" providerId="ADAL" clId="{6DA0022E-A64E-415A-97D4-C7EAEDC0669F}" dt="2024-07-11T02:04:33.431" v="803" actId="1076"/>
           <ac:spMkLst>
             <pc:docMk/>
             <pc:sldMk cId="2454663500" sldId="256"/>
@@ -528,7 +720,7 @@
           </ac:spMkLst>
         </pc:spChg>
         <pc:spChg chg="add mod">
-          <ac:chgData name="#CUI SHUAIWEN#" userId="35a196ea-bcb8-475e-86cf-0b9eaca8a48f" providerId="ADAL" clId="{6DA0022E-A64E-415A-97D4-C7EAEDC0669F}" dt="2024-07-10T15:06:04.025" v="657" actId="1076"/>
+          <ac:chgData name="#CUI SHUAIWEN#" userId="35a196ea-bcb8-475e-86cf-0b9eaca8a48f" providerId="ADAL" clId="{6DA0022E-A64E-415A-97D4-C7EAEDC0669F}" dt="2024-07-11T02:04:33.431" v="803" actId="1076"/>
           <ac:spMkLst>
             <pc:docMk/>
             <pc:sldMk cId="2454663500" sldId="256"/>
@@ -544,7 +736,7 @@
           </ac:spMkLst>
         </pc:spChg>
         <pc:spChg chg="add mod">
-          <ac:chgData name="#CUI SHUAIWEN#" userId="35a196ea-bcb8-475e-86cf-0b9eaca8a48f" providerId="ADAL" clId="{6DA0022E-A64E-415A-97D4-C7EAEDC0669F}" dt="2024-07-10T15:06:04.025" v="657" actId="1076"/>
+          <ac:chgData name="#CUI SHUAIWEN#" userId="35a196ea-bcb8-475e-86cf-0b9eaca8a48f" providerId="ADAL" clId="{6DA0022E-A64E-415A-97D4-C7EAEDC0669F}" dt="2024-07-11T02:04:33.431" v="803" actId="1076"/>
           <ac:spMkLst>
             <pc:docMk/>
             <pc:sldMk cId="2454663500" sldId="256"/>
@@ -552,7 +744,7 @@
           </ac:spMkLst>
         </pc:spChg>
         <pc:spChg chg="add mod">
-          <ac:chgData name="#CUI SHUAIWEN#" userId="35a196ea-bcb8-475e-86cf-0b9eaca8a48f" providerId="ADAL" clId="{6DA0022E-A64E-415A-97D4-C7EAEDC0669F}" dt="2024-07-10T15:06:04.025" v="657" actId="1076"/>
+          <ac:chgData name="#CUI SHUAIWEN#" userId="35a196ea-bcb8-475e-86cf-0b9eaca8a48f" providerId="ADAL" clId="{6DA0022E-A64E-415A-97D4-C7EAEDC0669F}" dt="2024-07-11T02:04:33.431" v="803" actId="1076"/>
           <ac:spMkLst>
             <pc:docMk/>
             <pc:sldMk cId="2454663500" sldId="256"/>
@@ -560,7 +752,7 @@
           </ac:spMkLst>
         </pc:spChg>
         <pc:spChg chg="add mod">
-          <ac:chgData name="#CUI SHUAIWEN#" userId="35a196ea-bcb8-475e-86cf-0b9eaca8a48f" providerId="ADAL" clId="{6DA0022E-A64E-415A-97D4-C7EAEDC0669F}" dt="2024-07-10T15:06:04.025" v="657" actId="1076"/>
+          <ac:chgData name="#CUI SHUAIWEN#" userId="35a196ea-bcb8-475e-86cf-0b9eaca8a48f" providerId="ADAL" clId="{6DA0022E-A64E-415A-97D4-C7EAEDC0669F}" dt="2024-07-11T02:04:33.431" v="803" actId="1076"/>
           <ac:spMkLst>
             <pc:docMk/>
             <pc:sldMk cId="2454663500" sldId="256"/>
@@ -568,7 +760,7 @@
           </ac:spMkLst>
         </pc:spChg>
         <pc:spChg chg="add mod ord">
-          <ac:chgData name="#CUI SHUAIWEN#" userId="35a196ea-bcb8-475e-86cf-0b9eaca8a48f" providerId="ADAL" clId="{6DA0022E-A64E-415A-97D4-C7EAEDC0669F}" dt="2024-07-10T15:06:04.025" v="657" actId="1076"/>
+          <ac:chgData name="#CUI SHUAIWEN#" userId="35a196ea-bcb8-475e-86cf-0b9eaca8a48f" providerId="ADAL" clId="{6DA0022E-A64E-415A-97D4-C7EAEDC0669F}" dt="2024-07-11T02:04:33.431" v="803" actId="1076"/>
           <ac:spMkLst>
             <pc:docMk/>
             <pc:sldMk cId="2454663500" sldId="256"/>
@@ -576,7 +768,7 @@
           </ac:spMkLst>
         </pc:spChg>
         <pc:spChg chg="add mod ord">
-          <ac:chgData name="#CUI SHUAIWEN#" userId="35a196ea-bcb8-475e-86cf-0b9eaca8a48f" providerId="ADAL" clId="{6DA0022E-A64E-415A-97D4-C7EAEDC0669F}" dt="2024-07-10T15:06:04.025" v="657" actId="1076"/>
+          <ac:chgData name="#CUI SHUAIWEN#" userId="35a196ea-bcb8-475e-86cf-0b9eaca8a48f" providerId="ADAL" clId="{6DA0022E-A64E-415A-97D4-C7EAEDC0669F}" dt="2024-07-11T02:04:33.431" v="803" actId="1076"/>
           <ac:spMkLst>
             <pc:docMk/>
             <pc:sldMk cId="2454663500" sldId="256"/>
@@ -584,7 +776,7 @@
           </ac:spMkLst>
         </pc:spChg>
         <pc:spChg chg="add mod">
-          <ac:chgData name="#CUI SHUAIWEN#" userId="35a196ea-bcb8-475e-86cf-0b9eaca8a48f" providerId="ADAL" clId="{6DA0022E-A64E-415A-97D4-C7EAEDC0669F}" dt="2024-07-10T15:06:04.025" v="657" actId="1076"/>
+          <ac:chgData name="#CUI SHUAIWEN#" userId="35a196ea-bcb8-475e-86cf-0b9eaca8a48f" providerId="ADAL" clId="{6DA0022E-A64E-415A-97D4-C7EAEDC0669F}" dt="2024-07-11T02:04:33.431" v="803" actId="1076"/>
           <ac:spMkLst>
             <pc:docMk/>
             <pc:sldMk cId="2454663500" sldId="256"/>
@@ -608,7 +800,7 @@
           </ac:spMkLst>
         </pc:spChg>
         <pc:spChg chg="add mod">
-          <ac:chgData name="#CUI SHUAIWEN#" userId="35a196ea-bcb8-475e-86cf-0b9eaca8a48f" providerId="ADAL" clId="{6DA0022E-A64E-415A-97D4-C7EAEDC0669F}" dt="2024-07-10T15:06:43.162" v="663" actId="1076"/>
+          <ac:chgData name="#CUI SHUAIWEN#" userId="35a196ea-bcb8-475e-86cf-0b9eaca8a48f" providerId="ADAL" clId="{6DA0022E-A64E-415A-97D4-C7EAEDC0669F}" dt="2024-07-11T02:04:33.431" v="803" actId="1076"/>
           <ac:spMkLst>
             <pc:docMk/>
             <pc:sldMk cId="2454663500" sldId="256"/>
@@ -616,7 +808,7 @@
           </ac:spMkLst>
         </pc:spChg>
         <pc:spChg chg="add mod">
-          <ac:chgData name="#CUI SHUAIWEN#" userId="35a196ea-bcb8-475e-86cf-0b9eaca8a48f" providerId="ADAL" clId="{6DA0022E-A64E-415A-97D4-C7EAEDC0669F}" dt="2024-07-10T15:06:43.162" v="663" actId="1076"/>
+          <ac:chgData name="#CUI SHUAIWEN#" userId="35a196ea-bcb8-475e-86cf-0b9eaca8a48f" providerId="ADAL" clId="{6DA0022E-A64E-415A-97D4-C7EAEDC0669F}" dt="2024-07-11T02:04:33.431" v="803" actId="1076"/>
           <ac:spMkLst>
             <pc:docMk/>
             <pc:sldMk cId="2454663500" sldId="256"/>
@@ -624,7 +816,7 @@
           </ac:spMkLst>
         </pc:spChg>
         <pc:spChg chg="add mod">
-          <ac:chgData name="#CUI SHUAIWEN#" userId="35a196ea-bcb8-475e-86cf-0b9eaca8a48f" providerId="ADAL" clId="{6DA0022E-A64E-415A-97D4-C7EAEDC0669F}" dt="2024-07-10T15:06:43.162" v="663" actId="1076"/>
+          <ac:chgData name="#CUI SHUAIWEN#" userId="35a196ea-bcb8-475e-86cf-0b9eaca8a48f" providerId="ADAL" clId="{6DA0022E-A64E-415A-97D4-C7EAEDC0669F}" dt="2024-07-11T02:04:33.431" v="803" actId="1076"/>
           <ac:spMkLst>
             <pc:docMk/>
             <pc:sldMk cId="2454663500" sldId="256"/>
@@ -632,7 +824,7 @@
           </ac:spMkLst>
         </pc:spChg>
         <pc:spChg chg="add mod">
-          <ac:chgData name="#CUI SHUAIWEN#" userId="35a196ea-bcb8-475e-86cf-0b9eaca8a48f" providerId="ADAL" clId="{6DA0022E-A64E-415A-97D4-C7EAEDC0669F}" dt="2024-07-10T15:06:43.162" v="663" actId="1076"/>
+          <ac:chgData name="#CUI SHUAIWEN#" userId="35a196ea-bcb8-475e-86cf-0b9eaca8a48f" providerId="ADAL" clId="{6DA0022E-A64E-415A-97D4-C7EAEDC0669F}" dt="2024-07-11T02:04:33.431" v="803" actId="1076"/>
           <ac:spMkLst>
             <pc:docMk/>
             <pc:sldMk cId="2454663500" sldId="256"/>
@@ -640,7 +832,7 @@
           </ac:spMkLst>
         </pc:spChg>
         <pc:spChg chg="add mod">
-          <ac:chgData name="#CUI SHUAIWEN#" userId="35a196ea-bcb8-475e-86cf-0b9eaca8a48f" providerId="ADAL" clId="{6DA0022E-A64E-415A-97D4-C7EAEDC0669F}" dt="2024-07-10T15:06:43.162" v="663" actId="1076"/>
+          <ac:chgData name="#CUI SHUAIWEN#" userId="35a196ea-bcb8-475e-86cf-0b9eaca8a48f" providerId="ADAL" clId="{6DA0022E-A64E-415A-97D4-C7EAEDC0669F}" dt="2024-07-11T02:04:33.431" v="803" actId="1076"/>
           <ac:spMkLst>
             <pc:docMk/>
             <pc:sldMk cId="2454663500" sldId="256"/>
@@ -648,7 +840,7 @@
           </ac:spMkLst>
         </pc:spChg>
         <pc:spChg chg="add mod">
-          <ac:chgData name="#CUI SHUAIWEN#" userId="35a196ea-bcb8-475e-86cf-0b9eaca8a48f" providerId="ADAL" clId="{6DA0022E-A64E-415A-97D4-C7EAEDC0669F}" dt="2024-07-10T15:06:43.162" v="663" actId="1076"/>
+          <ac:chgData name="#CUI SHUAIWEN#" userId="35a196ea-bcb8-475e-86cf-0b9eaca8a48f" providerId="ADAL" clId="{6DA0022E-A64E-415A-97D4-C7EAEDC0669F}" dt="2024-07-11T02:04:33.431" v="803" actId="1076"/>
           <ac:spMkLst>
             <pc:docMk/>
             <pc:sldMk cId="2454663500" sldId="256"/>
@@ -656,7 +848,7 @@
           </ac:spMkLst>
         </pc:spChg>
         <pc:spChg chg="add mod">
-          <ac:chgData name="#CUI SHUAIWEN#" userId="35a196ea-bcb8-475e-86cf-0b9eaca8a48f" providerId="ADAL" clId="{6DA0022E-A64E-415A-97D4-C7EAEDC0669F}" dt="2024-07-10T15:06:43.162" v="663" actId="1076"/>
+          <ac:chgData name="#CUI SHUAIWEN#" userId="35a196ea-bcb8-475e-86cf-0b9eaca8a48f" providerId="ADAL" clId="{6DA0022E-A64E-415A-97D4-C7EAEDC0669F}" dt="2024-07-11T02:04:33.431" v="803" actId="1076"/>
           <ac:spMkLst>
             <pc:docMk/>
             <pc:sldMk cId="2454663500" sldId="256"/>
@@ -664,7 +856,7 @@
           </ac:spMkLst>
         </pc:spChg>
         <pc:spChg chg="add mod">
-          <ac:chgData name="#CUI SHUAIWEN#" userId="35a196ea-bcb8-475e-86cf-0b9eaca8a48f" providerId="ADAL" clId="{6DA0022E-A64E-415A-97D4-C7EAEDC0669F}" dt="2024-07-10T15:06:43.162" v="663" actId="1076"/>
+          <ac:chgData name="#CUI SHUAIWEN#" userId="35a196ea-bcb8-475e-86cf-0b9eaca8a48f" providerId="ADAL" clId="{6DA0022E-A64E-415A-97D4-C7EAEDC0669F}" dt="2024-07-11T02:04:33.431" v="803" actId="1076"/>
           <ac:spMkLst>
             <pc:docMk/>
             <pc:sldMk cId="2454663500" sldId="256"/>
@@ -672,7 +864,7 @@
           </ac:spMkLst>
         </pc:spChg>
         <pc:spChg chg="add mod">
-          <ac:chgData name="#CUI SHUAIWEN#" userId="35a196ea-bcb8-475e-86cf-0b9eaca8a48f" providerId="ADAL" clId="{6DA0022E-A64E-415A-97D4-C7EAEDC0669F}" dt="2024-07-10T15:06:43.162" v="663" actId="1076"/>
+          <ac:chgData name="#CUI SHUAIWEN#" userId="35a196ea-bcb8-475e-86cf-0b9eaca8a48f" providerId="ADAL" clId="{6DA0022E-A64E-415A-97D4-C7EAEDC0669F}" dt="2024-07-11T02:04:33.431" v="803" actId="1076"/>
           <ac:spMkLst>
             <pc:docMk/>
             <pc:sldMk cId="2454663500" sldId="256"/>
@@ -680,7 +872,7 @@
           </ac:spMkLst>
         </pc:spChg>
         <pc:spChg chg="add mod">
-          <ac:chgData name="#CUI SHUAIWEN#" userId="35a196ea-bcb8-475e-86cf-0b9eaca8a48f" providerId="ADAL" clId="{6DA0022E-A64E-415A-97D4-C7EAEDC0669F}" dt="2024-07-10T15:06:43.162" v="663" actId="1076"/>
+          <ac:chgData name="#CUI SHUAIWEN#" userId="35a196ea-bcb8-475e-86cf-0b9eaca8a48f" providerId="ADAL" clId="{6DA0022E-A64E-415A-97D4-C7EAEDC0669F}" dt="2024-07-11T02:04:33.431" v="803" actId="1076"/>
           <ac:spMkLst>
             <pc:docMk/>
             <pc:sldMk cId="2454663500" sldId="256"/>
@@ -760,7 +952,7 @@
           </ac:spMkLst>
         </pc:spChg>
         <pc:spChg chg="add mod">
-          <ac:chgData name="#CUI SHUAIWEN#" userId="35a196ea-bcb8-475e-86cf-0b9eaca8a48f" providerId="ADAL" clId="{6DA0022E-A64E-415A-97D4-C7EAEDC0669F}" dt="2024-07-10T15:06:43.162" v="663" actId="1076"/>
+          <ac:chgData name="#CUI SHUAIWEN#" userId="35a196ea-bcb8-475e-86cf-0b9eaca8a48f" providerId="ADAL" clId="{6DA0022E-A64E-415A-97D4-C7EAEDC0669F}" dt="2024-07-11T02:04:33.431" v="803" actId="1076"/>
           <ac:spMkLst>
             <pc:docMk/>
             <pc:sldMk cId="2454663500" sldId="256"/>
@@ -768,7 +960,7 @@
           </ac:spMkLst>
         </pc:spChg>
         <pc:spChg chg="add mod">
-          <ac:chgData name="#CUI SHUAIWEN#" userId="35a196ea-bcb8-475e-86cf-0b9eaca8a48f" providerId="ADAL" clId="{6DA0022E-A64E-415A-97D4-C7EAEDC0669F}" dt="2024-07-10T15:06:43.162" v="663" actId="1076"/>
+          <ac:chgData name="#CUI SHUAIWEN#" userId="35a196ea-bcb8-475e-86cf-0b9eaca8a48f" providerId="ADAL" clId="{6DA0022E-A64E-415A-97D4-C7EAEDC0669F}" dt="2024-07-11T02:04:33.431" v="803" actId="1076"/>
           <ac:spMkLst>
             <pc:docMk/>
             <pc:sldMk cId="2454663500" sldId="256"/>
@@ -776,7 +968,7 @@
           </ac:spMkLst>
         </pc:spChg>
         <pc:spChg chg="add mod">
-          <ac:chgData name="#CUI SHUAIWEN#" userId="35a196ea-bcb8-475e-86cf-0b9eaca8a48f" providerId="ADAL" clId="{6DA0022E-A64E-415A-97D4-C7EAEDC0669F}" dt="2024-07-10T15:06:43.162" v="663" actId="1076"/>
+          <ac:chgData name="#CUI SHUAIWEN#" userId="35a196ea-bcb8-475e-86cf-0b9eaca8a48f" providerId="ADAL" clId="{6DA0022E-A64E-415A-97D4-C7EAEDC0669F}" dt="2024-07-11T02:04:33.431" v="803" actId="1076"/>
           <ac:spMkLst>
             <pc:docMk/>
             <pc:sldMk cId="2454663500" sldId="256"/>
@@ -784,7 +976,7 @@
           </ac:spMkLst>
         </pc:spChg>
         <pc:spChg chg="add mod">
-          <ac:chgData name="#CUI SHUAIWEN#" userId="35a196ea-bcb8-475e-86cf-0b9eaca8a48f" providerId="ADAL" clId="{6DA0022E-A64E-415A-97D4-C7EAEDC0669F}" dt="2024-07-10T15:06:43.162" v="663" actId="1076"/>
+          <ac:chgData name="#CUI SHUAIWEN#" userId="35a196ea-bcb8-475e-86cf-0b9eaca8a48f" providerId="ADAL" clId="{6DA0022E-A64E-415A-97D4-C7EAEDC0669F}" dt="2024-07-11T02:04:33.431" v="803" actId="1076"/>
           <ac:spMkLst>
             <pc:docMk/>
             <pc:sldMk cId="2454663500" sldId="256"/>
@@ -792,11 +984,35 @@
           </ac:spMkLst>
         </pc:spChg>
         <pc:spChg chg="add mod">
-          <ac:chgData name="#CUI SHUAIWEN#" userId="35a196ea-bcb8-475e-86cf-0b9eaca8a48f" providerId="ADAL" clId="{6DA0022E-A64E-415A-97D4-C7EAEDC0669F}" dt="2024-07-10T15:06:43.162" v="663" actId="1076"/>
+          <ac:chgData name="#CUI SHUAIWEN#" userId="35a196ea-bcb8-475e-86cf-0b9eaca8a48f" providerId="ADAL" clId="{6DA0022E-A64E-415A-97D4-C7EAEDC0669F}" dt="2024-07-11T02:04:33.431" v="803" actId="1076"/>
           <ac:spMkLst>
             <pc:docMk/>
             <pc:sldMk cId="2454663500" sldId="256"/>
             <ac:spMk id="133" creationId="{69963666-6D0E-3972-1439-71FCB0E50A10}"/>
+          </ac:spMkLst>
+        </pc:spChg>
+        <pc:spChg chg="mod">
+          <ac:chgData name="#CUI SHUAIWEN#" userId="35a196ea-bcb8-475e-86cf-0b9eaca8a48f" providerId="ADAL" clId="{6DA0022E-A64E-415A-97D4-C7EAEDC0669F}" dt="2024-07-11T02:00:52.112" v="733" actId="1076"/>
+          <ac:spMkLst>
+            <pc:docMk/>
+            <pc:sldMk cId="2454663500" sldId="256"/>
+            <ac:spMk id="135" creationId="{4C1AF9AF-0AC7-FEC1-B9E0-83682B0195E3}"/>
+          </ac:spMkLst>
+        </pc:spChg>
+        <pc:spChg chg="mod">
+          <ac:chgData name="#CUI SHUAIWEN#" userId="35a196ea-bcb8-475e-86cf-0b9eaca8a48f" providerId="ADAL" clId="{6DA0022E-A64E-415A-97D4-C7EAEDC0669F}" dt="2024-07-11T02:00:52.112" v="733" actId="1076"/>
+          <ac:spMkLst>
+            <pc:docMk/>
+            <pc:sldMk cId="2454663500" sldId="256"/>
+            <ac:spMk id="136" creationId="{0706D5E6-E101-1D6F-D28C-E74873284D54}"/>
+          </ac:spMkLst>
+        </pc:spChg>
+        <pc:spChg chg="mod">
+          <ac:chgData name="#CUI SHUAIWEN#" userId="35a196ea-bcb8-475e-86cf-0b9eaca8a48f" providerId="ADAL" clId="{6DA0022E-A64E-415A-97D4-C7EAEDC0669F}" dt="2024-07-11T02:00:52.112" v="733" actId="1076"/>
+          <ac:spMkLst>
+            <pc:docMk/>
+            <pc:sldMk cId="2454663500" sldId="256"/>
+            <ac:spMk id="141" creationId="{D0F8532B-1EFE-9B8C-ED64-490CA9AED722}"/>
           </ac:spMkLst>
         </pc:spChg>
         <pc:spChg chg="add del mod">
@@ -808,7 +1024,7 @@
           </ac:spMkLst>
         </pc:spChg>
         <pc:spChg chg="add mod">
-          <ac:chgData name="#CUI SHUAIWEN#" userId="35a196ea-bcb8-475e-86cf-0b9eaca8a48f" providerId="ADAL" clId="{6DA0022E-A64E-415A-97D4-C7EAEDC0669F}" dt="2024-07-10T15:06:43.162" v="663" actId="1076"/>
+          <ac:chgData name="#CUI SHUAIWEN#" userId="35a196ea-bcb8-475e-86cf-0b9eaca8a48f" providerId="ADAL" clId="{6DA0022E-A64E-415A-97D4-C7EAEDC0669F}" dt="2024-07-11T02:04:33.431" v="803" actId="1076"/>
           <ac:spMkLst>
             <pc:docMk/>
             <pc:sldMk cId="2454663500" sldId="256"/>
@@ -816,7 +1032,7 @@
           </ac:spMkLst>
         </pc:spChg>
         <pc:spChg chg="add mod">
-          <ac:chgData name="#CUI SHUAIWEN#" userId="35a196ea-bcb8-475e-86cf-0b9eaca8a48f" providerId="ADAL" clId="{6DA0022E-A64E-415A-97D4-C7EAEDC0669F}" dt="2024-07-10T15:06:43.162" v="663" actId="1076"/>
+          <ac:chgData name="#CUI SHUAIWEN#" userId="35a196ea-bcb8-475e-86cf-0b9eaca8a48f" providerId="ADAL" clId="{6DA0022E-A64E-415A-97D4-C7EAEDC0669F}" dt="2024-07-11T02:04:33.431" v="803" actId="1076"/>
           <ac:spMkLst>
             <pc:docMk/>
             <pc:sldMk cId="2454663500" sldId="256"/>
@@ -824,7 +1040,7 @@
           </ac:spMkLst>
         </pc:spChg>
         <pc:spChg chg="add mod">
-          <ac:chgData name="#CUI SHUAIWEN#" userId="35a196ea-bcb8-475e-86cf-0b9eaca8a48f" providerId="ADAL" clId="{6DA0022E-A64E-415A-97D4-C7EAEDC0669F}" dt="2024-07-10T15:06:43.162" v="663" actId="1076"/>
+          <ac:chgData name="#CUI SHUAIWEN#" userId="35a196ea-bcb8-475e-86cf-0b9eaca8a48f" providerId="ADAL" clId="{6DA0022E-A64E-415A-97D4-C7EAEDC0669F}" dt="2024-07-11T02:04:33.431" v="803" actId="1076"/>
           <ac:spMkLst>
             <pc:docMk/>
             <pc:sldMk cId="2454663500" sldId="256"/>
@@ -832,7 +1048,7 @@
           </ac:spMkLst>
         </pc:spChg>
         <pc:spChg chg="add mod">
-          <ac:chgData name="#CUI SHUAIWEN#" userId="35a196ea-bcb8-475e-86cf-0b9eaca8a48f" providerId="ADAL" clId="{6DA0022E-A64E-415A-97D4-C7EAEDC0669F}" dt="2024-07-10T15:06:43.162" v="663" actId="1076"/>
+          <ac:chgData name="#CUI SHUAIWEN#" userId="35a196ea-bcb8-475e-86cf-0b9eaca8a48f" providerId="ADAL" clId="{6DA0022E-A64E-415A-97D4-C7EAEDC0669F}" dt="2024-07-11T02:04:33.431" v="803" actId="1076"/>
           <ac:spMkLst>
             <pc:docMk/>
             <pc:sldMk cId="2454663500" sldId="256"/>
@@ -840,7 +1056,7 @@
           </ac:spMkLst>
         </pc:spChg>
         <pc:spChg chg="add mod">
-          <ac:chgData name="#CUI SHUAIWEN#" userId="35a196ea-bcb8-475e-86cf-0b9eaca8a48f" providerId="ADAL" clId="{6DA0022E-A64E-415A-97D4-C7EAEDC0669F}" dt="2024-07-10T15:06:43.162" v="663" actId="1076"/>
+          <ac:chgData name="#CUI SHUAIWEN#" userId="35a196ea-bcb8-475e-86cf-0b9eaca8a48f" providerId="ADAL" clId="{6DA0022E-A64E-415A-97D4-C7EAEDC0669F}" dt="2024-07-11T02:04:33.431" v="803" actId="1076"/>
           <ac:spMkLst>
             <pc:docMk/>
             <pc:sldMk cId="2454663500" sldId="256"/>
@@ -848,7 +1064,7 @@
           </ac:spMkLst>
         </pc:spChg>
         <pc:spChg chg="add mod">
-          <ac:chgData name="#CUI SHUAIWEN#" userId="35a196ea-bcb8-475e-86cf-0b9eaca8a48f" providerId="ADAL" clId="{6DA0022E-A64E-415A-97D4-C7EAEDC0669F}" dt="2024-07-10T15:06:43.162" v="663" actId="1076"/>
+          <ac:chgData name="#CUI SHUAIWEN#" userId="35a196ea-bcb8-475e-86cf-0b9eaca8a48f" providerId="ADAL" clId="{6DA0022E-A64E-415A-97D4-C7EAEDC0669F}" dt="2024-07-11T02:04:33.431" v="803" actId="1076"/>
           <ac:spMkLst>
             <pc:docMk/>
             <pc:sldMk cId="2454663500" sldId="256"/>
@@ -856,7 +1072,7 @@
           </ac:spMkLst>
         </pc:spChg>
         <pc:spChg chg="add mod">
-          <ac:chgData name="#CUI SHUAIWEN#" userId="35a196ea-bcb8-475e-86cf-0b9eaca8a48f" providerId="ADAL" clId="{6DA0022E-A64E-415A-97D4-C7EAEDC0669F}" dt="2024-07-10T15:06:43.162" v="663" actId="1076"/>
+          <ac:chgData name="#CUI SHUAIWEN#" userId="35a196ea-bcb8-475e-86cf-0b9eaca8a48f" providerId="ADAL" clId="{6DA0022E-A64E-415A-97D4-C7EAEDC0669F}" dt="2024-07-11T02:04:33.431" v="803" actId="1076"/>
           <ac:spMkLst>
             <pc:docMk/>
             <pc:sldMk cId="2454663500" sldId="256"/>
@@ -864,7 +1080,7 @@
           </ac:spMkLst>
         </pc:spChg>
         <pc:spChg chg="add mod">
-          <ac:chgData name="#CUI SHUAIWEN#" userId="35a196ea-bcb8-475e-86cf-0b9eaca8a48f" providerId="ADAL" clId="{6DA0022E-A64E-415A-97D4-C7EAEDC0669F}" dt="2024-07-10T15:06:43.162" v="663" actId="1076"/>
+          <ac:chgData name="#CUI SHUAIWEN#" userId="35a196ea-bcb8-475e-86cf-0b9eaca8a48f" providerId="ADAL" clId="{6DA0022E-A64E-415A-97D4-C7EAEDC0669F}" dt="2024-07-11T02:04:33.431" v="803" actId="1076"/>
           <ac:spMkLst>
             <pc:docMk/>
             <pc:sldMk cId="2454663500" sldId="256"/>
@@ -872,7 +1088,7 @@
           </ac:spMkLst>
         </pc:spChg>
         <pc:spChg chg="add mod">
-          <ac:chgData name="#CUI SHUAIWEN#" userId="35a196ea-bcb8-475e-86cf-0b9eaca8a48f" providerId="ADAL" clId="{6DA0022E-A64E-415A-97D4-C7EAEDC0669F}" dt="2024-07-10T15:06:43.162" v="663" actId="1076"/>
+          <ac:chgData name="#CUI SHUAIWEN#" userId="35a196ea-bcb8-475e-86cf-0b9eaca8a48f" providerId="ADAL" clId="{6DA0022E-A64E-415A-97D4-C7EAEDC0669F}" dt="2024-07-11T02:04:33.431" v="803" actId="1076"/>
           <ac:spMkLst>
             <pc:docMk/>
             <pc:sldMk cId="2454663500" sldId="256"/>
@@ -880,7 +1096,7 @@
           </ac:spMkLst>
         </pc:spChg>
         <pc:spChg chg="add mod">
-          <ac:chgData name="#CUI SHUAIWEN#" userId="35a196ea-bcb8-475e-86cf-0b9eaca8a48f" providerId="ADAL" clId="{6DA0022E-A64E-415A-97D4-C7EAEDC0669F}" dt="2024-07-10T15:06:43.162" v="663" actId="1076"/>
+          <ac:chgData name="#CUI SHUAIWEN#" userId="35a196ea-bcb8-475e-86cf-0b9eaca8a48f" providerId="ADAL" clId="{6DA0022E-A64E-415A-97D4-C7EAEDC0669F}" dt="2024-07-11T02:04:33.431" v="803" actId="1076"/>
           <ac:spMkLst>
             <pc:docMk/>
             <pc:sldMk cId="2454663500" sldId="256"/>
@@ -888,7 +1104,7 @@
           </ac:spMkLst>
         </pc:spChg>
         <pc:spChg chg="add mod">
-          <ac:chgData name="#CUI SHUAIWEN#" userId="35a196ea-bcb8-475e-86cf-0b9eaca8a48f" providerId="ADAL" clId="{6DA0022E-A64E-415A-97D4-C7EAEDC0669F}" dt="2024-07-10T15:06:43.162" v="663" actId="1076"/>
+          <ac:chgData name="#CUI SHUAIWEN#" userId="35a196ea-bcb8-475e-86cf-0b9eaca8a48f" providerId="ADAL" clId="{6DA0022E-A64E-415A-97D4-C7EAEDC0669F}" dt="2024-07-11T02:04:33.431" v="803" actId="1076"/>
           <ac:spMkLst>
             <pc:docMk/>
             <pc:sldMk cId="2454663500" sldId="256"/>
@@ -896,7 +1112,7 @@
           </ac:spMkLst>
         </pc:spChg>
         <pc:spChg chg="add mod">
-          <ac:chgData name="#CUI SHUAIWEN#" userId="35a196ea-bcb8-475e-86cf-0b9eaca8a48f" providerId="ADAL" clId="{6DA0022E-A64E-415A-97D4-C7EAEDC0669F}" dt="2024-07-10T15:06:43.162" v="663" actId="1076"/>
+          <ac:chgData name="#CUI SHUAIWEN#" userId="35a196ea-bcb8-475e-86cf-0b9eaca8a48f" providerId="ADAL" clId="{6DA0022E-A64E-415A-97D4-C7EAEDC0669F}" dt="2024-07-11T02:04:33.431" v="803" actId="1076"/>
           <ac:spMkLst>
             <pc:docMk/>
             <pc:sldMk cId="2454663500" sldId="256"/>
@@ -904,7 +1120,7 @@
           </ac:spMkLst>
         </pc:spChg>
         <pc:spChg chg="add mod">
-          <ac:chgData name="#CUI SHUAIWEN#" userId="35a196ea-bcb8-475e-86cf-0b9eaca8a48f" providerId="ADAL" clId="{6DA0022E-A64E-415A-97D4-C7EAEDC0669F}" dt="2024-07-10T15:06:43.162" v="663" actId="1076"/>
+          <ac:chgData name="#CUI SHUAIWEN#" userId="35a196ea-bcb8-475e-86cf-0b9eaca8a48f" providerId="ADAL" clId="{6DA0022E-A64E-415A-97D4-C7EAEDC0669F}" dt="2024-07-11T02:04:33.431" v="803" actId="1076"/>
           <ac:spMkLst>
             <pc:docMk/>
             <pc:sldMk cId="2454663500" sldId="256"/>
@@ -912,7 +1128,7 @@
           </ac:spMkLst>
         </pc:spChg>
         <pc:spChg chg="add mod">
-          <ac:chgData name="#CUI SHUAIWEN#" userId="35a196ea-bcb8-475e-86cf-0b9eaca8a48f" providerId="ADAL" clId="{6DA0022E-A64E-415A-97D4-C7EAEDC0669F}" dt="2024-07-10T15:06:43.162" v="663" actId="1076"/>
+          <ac:chgData name="#CUI SHUAIWEN#" userId="35a196ea-bcb8-475e-86cf-0b9eaca8a48f" providerId="ADAL" clId="{6DA0022E-A64E-415A-97D4-C7EAEDC0669F}" dt="2024-07-11T02:04:33.431" v="803" actId="1076"/>
           <ac:spMkLst>
             <pc:docMk/>
             <pc:sldMk cId="2454663500" sldId="256"/>
@@ -920,7 +1136,7 @@
           </ac:spMkLst>
         </pc:spChg>
         <pc:spChg chg="add mod">
-          <ac:chgData name="#CUI SHUAIWEN#" userId="35a196ea-bcb8-475e-86cf-0b9eaca8a48f" providerId="ADAL" clId="{6DA0022E-A64E-415A-97D4-C7EAEDC0669F}" dt="2024-07-10T15:06:43.162" v="663" actId="1076"/>
+          <ac:chgData name="#CUI SHUAIWEN#" userId="35a196ea-bcb8-475e-86cf-0b9eaca8a48f" providerId="ADAL" clId="{6DA0022E-A64E-415A-97D4-C7EAEDC0669F}" dt="2024-07-11T02:04:33.431" v="803" actId="1076"/>
           <ac:spMkLst>
             <pc:docMk/>
             <pc:sldMk cId="2454663500" sldId="256"/>
@@ -928,7 +1144,7 @@
           </ac:spMkLst>
         </pc:spChg>
         <pc:spChg chg="add mod">
-          <ac:chgData name="#CUI SHUAIWEN#" userId="35a196ea-bcb8-475e-86cf-0b9eaca8a48f" providerId="ADAL" clId="{6DA0022E-A64E-415A-97D4-C7EAEDC0669F}" dt="2024-07-10T15:06:49.097" v="664" actId="1076"/>
+          <ac:chgData name="#CUI SHUAIWEN#" userId="35a196ea-bcb8-475e-86cf-0b9eaca8a48f" providerId="ADAL" clId="{6DA0022E-A64E-415A-97D4-C7EAEDC0669F}" dt="2024-07-11T02:04:33.431" v="803" actId="1076"/>
           <ac:spMkLst>
             <pc:docMk/>
             <pc:sldMk cId="2454663500" sldId="256"/>
@@ -936,7 +1152,7 @@
           </ac:spMkLst>
         </pc:spChg>
         <pc:spChg chg="add mod">
-          <ac:chgData name="#CUI SHUAIWEN#" userId="35a196ea-bcb8-475e-86cf-0b9eaca8a48f" providerId="ADAL" clId="{6DA0022E-A64E-415A-97D4-C7EAEDC0669F}" dt="2024-07-10T15:06:43.162" v="663" actId="1076"/>
+          <ac:chgData name="#CUI SHUAIWEN#" userId="35a196ea-bcb8-475e-86cf-0b9eaca8a48f" providerId="ADAL" clId="{6DA0022E-A64E-415A-97D4-C7EAEDC0669F}" dt="2024-07-11T02:04:33.431" v="803" actId="1076"/>
           <ac:spMkLst>
             <pc:docMk/>
             <pc:sldMk cId="2454663500" sldId="256"/>
@@ -967,6 +1183,14 @@
             <ac:spMk id="169" creationId="{4E18F0C2-74C2-30B3-CE26-E452B5CC3974}"/>
           </ac:spMkLst>
         </pc:spChg>
+        <pc:spChg chg="mod">
+          <ac:chgData name="#CUI SHUAIWEN#" userId="35a196ea-bcb8-475e-86cf-0b9eaca8a48f" providerId="ADAL" clId="{6DA0022E-A64E-415A-97D4-C7EAEDC0669F}" dt="2024-07-11T02:00:52.112" v="733" actId="1076"/>
+          <ac:spMkLst>
+            <pc:docMk/>
+            <pc:sldMk cId="2454663500" sldId="256"/>
+            <ac:spMk id="170" creationId="{3B50C3EB-EC27-3034-E013-433DD7E05406}"/>
+          </ac:spMkLst>
+        </pc:spChg>
         <pc:spChg chg="add mod">
           <ac:chgData name="#CUI SHUAIWEN#" userId="35a196ea-bcb8-475e-86cf-0b9eaca8a48f" providerId="ADAL" clId="{6DA0022E-A64E-415A-97D4-C7EAEDC0669F}" dt="2024-07-10T14:53:32.355" v="438" actId="164"/>
           <ac:spMkLst>
@@ -991,6 +1215,14 @@
             <ac:spMk id="172" creationId="{5D7F52BC-44A0-6FC4-5E18-849924EB0C19}"/>
           </ac:spMkLst>
         </pc:spChg>
+        <pc:spChg chg="mod">
+          <ac:chgData name="#CUI SHUAIWEN#" userId="35a196ea-bcb8-475e-86cf-0b9eaca8a48f" providerId="ADAL" clId="{6DA0022E-A64E-415A-97D4-C7EAEDC0669F}" dt="2024-07-11T02:00:52.112" v="733" actId="1076"/>
+          <ac:spMkLst>
+            <pc:docMk/>
+            <pc:sldMk cId="2454663500" sldId="256"/>
+            <ac:spMk id="175" creationId="{FDF91D48-DCB1-874C-7A9E-977FAACD836E}"/>
+          </ac:spMkLst>
+        </pc:spChg>
         <pc:spChg chg="add mod">
           <ac:chgData name="#CUI SHUAIWEN#" userId="35a196ea-bcb8-475e-86cf-0b9eaca8a48f" providerId="ADAL" clId="{6DA0022E-A64E-415A-97D4-C7EAEDC0669F}" dt="2024-07-10T14:53:32.355" v="438" actId="164"/>
           <ac:spMkLst>
@@ -999,6 +1231,46 @@
             <ac:spMk id="177" creationId="{C63E3AC9-EDAA-EBE3-EFD9-0763C4090885}"/>
           </ac:spMkLst>
         </pc:spChg>
+        <pc:spChg chg="mod">
+          <ac:chgData name="#CUI SHUAIWEN#" userId="35a196ea-bcb8-475e-86cf-0b9eaca8a48f" providerId="ADAL" clId="{6DA0022E-A64E-415A-97D4-C7EAEDC0669F}" dt="2024-07-11T02:00:52.112" v="733" actId="1076"/>
+          <ac:spMkLst>
+            <pc:docMk/>
+            <pc:sldMk cId="2454663500" sldId="256"/>
+            <ac:spMk id="177" creationId="{F288D121-25EC-9E43-382D-45402B15867A}"/>
+          </ac:spMkLst>
+        </pc:spChg>
+        <pc:spChg chg="mod">
+          <ac:chgData name="#CUI SHUAIWEN#" userId="35a196ea-bcb8-475e-86cf-0b9eaca8a48f" providerId="ADAL" clId="{6DA0022E-A64E-415A-97D4-C7EAEDC0669F}" dt="2024-07-11T02:00:52.112" v="733" actId="1076"/>
+          <ac:spMkLst>
+            <pc:docMk/>
+            <pc:sldMk cId="2454663500" sldId="256"/>
+            <ac:spMk id="178" creationId="{A57C3D8A-54C8-F32F-66AF-A9A89BB8B1EA}"/>
+          </ac:spMkLst>
+        </pc:spChg>
+        <pc:spChg chg="mod">
+          <ac:chgData name="#CUI SHUAIWEN#" userId="35a196ea-bcb8-475e-86cf-0b9eaca8a48f" providerId="ADAL" clId="{6DA0022E-A64E-415A-97D4-C7EAEDC0669F}" dt="2024-07-11T02:00:52.112" v="733" actId="1076"/>
+          <ac:spMkLst>
+            <pc:docMk/>
+            <pc:sldMk cId="2454663500" sldId="256"/>
+            <ac:spMk id="179" creationId="{1ACC6147-B157-2137-8E17-D2FFF5271537}"/>
+          </ac:spMkLst>
+        </pc:spChg>
+        <pc:spChg chg="mod">
+          <ac:chgData name="#CUI SHUAIWEN#" userId="35a196ea-bcb8-475e-86cf-0b9eaca8a48f" providerId="ADAL" clId="{6DA0022E-A64E-415A-97D4-C7EAEDC0669F}" dt="2024-07-11T02:00:52.112" v="733" actId="1076"/>
+          <ac:spMkLst>
+            <pc:docMk/>
+            <pc:sldMk cId="2454663500" sldId="256"/>
+            <ac:spMk id="180" creationId="{2769E91A-5A76-ECA3-908F-3740884E71F7}"/>
+          </ac:spMkLst>
+        </pc:spChg>
+        <pc:spChg chg="mod">
+          <ac:chgData name="#CUI SHUAIWEN#" userId="35a196ea-bcb8-475e-86cf-0b9eaca8a48f" providerId="ADAL" clId="{6DA0022E-A64E-415A-97D4-C7EAEDC0669F}" dt="2024-07-11T02:00:52.112" v="733" actId="1076"/>
+          <ac:spMkLst>
+            <pc:docMk/>
+            <pc:sldMk cId="2454663500" sldId="256"/>
+            <ac:spMk id="181" creationId="{A679AC4E-92CC-260B-B63E-7E46019F400F}"/>
+          </ac:spMkLst>
+        </pc:spChg>
         <pc:spChg chg="add mod">
           <ac:chgData name="#CUI SHUAIWEN#" userId="35a196ea-bcb8-475e-86cf-0b9eaca8a48f" providerId="ADAL" clId="{6DA0022E-A64E-415A-97D4-C7EAEDC0669F}" dt="2024-07-10T14:53:28.460" v="437" actId="1076"/>
           <ac:spMkLst>
@@ -1120,7 +1392,7 @@
           </ac:spMkLst>
         </pc:spChg>
         <pc:spChg chg="add mod ord">
-          <ac:chgData name="#CUI SHUAIWEN#" userId="35a196ea-bcb8-475e-86cf-0b9eaca8a48f" providerId="ADAL" clId="{6DA0022E-A64E-415A-97D4-C7EAEDC0669F}" dt="2024-07-10T15:08:06.793" v="692" actId="14100"/>
+          <ac:chgData name="#CUI SHUAIWEN#" userId="35a196ea-bcb8-475e-86cf-0b9eaca8a48f" providerId="ADAL" clId="{6DA0022E-A64E-415A-97D4-C7EAEDC0669F}" dt="2024-07-11T02:04:33.431" v="803" actId="1076"/>
           <ac:spMkLst>
             <pc:docMk/>
             <pc:sldMk cId="2454663500" sldId="256"/>
@@ -1128,7 +1400,7 @@
           </ac:spMkLst>
         </pc:spChg>
         <pc:spChg chg="add mod">
-          <ac:chgData name="#CUI SHUAIWEN#" userId="35a196ea-bcb8-475e-86cf-0b9eaca8a48f" providerId="ADAL" clId="{6DA0022E-A64E-415A-97D4-C7EAEDC0669F}" dt="2024-07-10T15:07:30.815" v="686" actId="1076"/>
+          <ac:chgData name="#CUI SHUAIWEN#" userId="35a196ea-bcb8-475e-86cf-0b9eaca8a48f" providerId="ADAL" clId="{6DA0022E-A64E-415A-97D4-C7EAEDC0669F}" dt="2024-07-11T02:04:33.431" v="803" actId="1076"/>
           <ac:spMkLst>
             <pc:docMk/>
             <pc:sldMk cId="2454663500" sldId="256"/>
@@ -1136,7 +1408,7 @@
           </ac:spMkLst>
         </pc:spChg>
         <pc:spChg chg="add mod">
-          <ac:chgData name="#CUI SHUAIWEN#" userId="35a196ea-bcb8-475e-86cf-0b9eaca8a48f" providerId="ADAL" clId="{6DA0022E-A64E-415A-97D4-C7EAEDC0669F}" dt="2024-07-10T15:07:30.815" v="686" actId="1076"/>
+          <ac:chgData name="#CUI SHUAIWEN#" userId="35a196ea-bcb8-475e-86cf-0b9eaca8a48f" providerId="ADAL" clId="{6DA0022E-A64E-415A-97D4-C7EAEDC0669F}" dt="2024-07-11T02:04:33.431" v="803" actId="1076"/>
           <ac:spMkLst>
             <pc:docMk/>
             <pc:sldMk cId="2454663500" sldId="256"/>
@@ -1144,7 +1416,7 @@
           </ac:spMkLst>
         </pc:spChg>
         <pc:spChg chg="add mod">
-          <ac:chgData name="#CUI SHUAIWEN#" userId="35a196ea-bcb8-475e-86cf-0b9eaca8a48f" providerId="ADAL" clId="{6DA0022E-A64E-415A-97D4-C7EAEDC0669F}" dt="2024-07-10T15:07:30.815" v="686" actId="1076"/>
+          <ac:chgData name="#CUI SHUAIWEN#" userId="35a196ea-bcb8-475e-86cf-0b9eaca8a48f" providerId="ADAL" clId="{6DA0022E-A64E-415A-97D4-C7EAEDC0669F}" dt="2024-07-11T02:04:33.431" v="803" actId="1076"/>
           <ac:spMkLst>
             <pc:docMk/>
             <pc:sldMk cId="2454663500" sldId="256"/>
@@ -1152,7 +1424,7 @@
           </ac:spMkLst>
         </pc:spChg>
         <pc:spChg chg="add mod">
-          <ac:chgData name="#CUI SHUAIWEN#" userId="35a196ea-bcb8-475e-86cf-0b9eaca8a48f" providerId="ADAL" clId="{6DA0022E-A64E-415A-97D4-C7EAEDC0669F}" dt="2024-07-10T15:07:30.815" v="686" actId="1076"/>
+          <ac:chgData name="#CUI SHUAIWEN#" userId="35a196ea-bcb8-475e-86cf-0b9eaca8a48f" providerId="ADAL" clId="{6DA0022E-A64E-415A-97D4-C7EAEDC0669F}" dt="2024-07-11T02:04:33.431" v="803" actId="1076"/>
           <ac:spMkLst>
             <pc:docMk/>
             <pc:sldMk cId="2454663500" sldId="256"/>
@@ -1160,7 +1432,7 @@
           </ac:spMkLst>
         </pc:spChg>
         <pc:spChg chg="add mod">
-          <ac:chgData name="#CUI SHUAIWEN#" userId="35a196ea-bcb8-475e-86cf-0b9eaca8a48f" providerId="ADAL" clId="{6DA0022E-A64E-415A-97D4-C7EAEDC0669F}" dt="2024-07-10T15:08:15.499" v="694" actId="1076"/>
+          <ac:chgData name="#CUI SHUAIWEN#" userId="35a196ea-bcb8-475e-86cf-0b9eaca8a48f" providerId="ADAL" clId="{6DA0022E-A64E-415A-97D4-C7EAEDC0669F}" dt="2024-07-11T02:04:33.431" v="803" actId="1076"/>
           <ac:spMkLst>
             <pc:docMk/>
             <pc:sldMk cId="2454663500" sldId="256"/>
@@ -1168,7 +1440,7 @@
           </ac:spMkLst>
         </pc:spChg>
         <pc:spChg chg="add mod">
-          <ac:chgData name="#CUI SHUAIWEN#" userId="35a196ea-bcb8-475e-86cf-0b9eaca8a48f" providerId="ADAL" clId="{6DA0022E-A64E-415A-97D4-C7EAEDC0669F}" dt="2024-07-10T15:08:15.499" v="694" actId="1076"/>
+          <ac:chgData name="#CUI SHUAIWEN#" userId="35a196ea-bcb8-475e-86cf-0b9eaca8a48f" providerId="ADAL" clId="{6DA0022E-A64E-415A-97D4-C7EAEDC0669F}" dt="2024-07-11T02:04:33.431" v="803" actId="1076"/>
           <ac:spMkLst>
             <pc:docMk/>
             <pc:sldMk cId="2454663500" sldId="256"/>
@@ -1176,7 +1448,7 @@
           </ac:spMkLst>
         </pc:spChg>
         <pc:spChg chg="add mod">
-          <ac:chgData name="#CUI SHUAIWEN#" userId="35a196ea-bcb8-475e-86cf-0b9eaca8a48f" providerId="ADAL" clId="{6DA0022E-A64E-415A-97D4-C7EAEDC0669F}" dt="2024-07-10T15:07:30.815" v="686" actId="1076"/>
+          <ac:chgData name="#CUI SHUAIWEN#" userId="35a196ea-bcb8-475e-86cf-0b9eaca8a48f" providerId="ADAL" clId="{6DA0022E-A64E-415A-97D4-C7EAEDC0669F}" dt="2024-07-11T02:04:33.431" v="803" actId="1076"/>
           <ac:spMkLst>
             <pc:docMk/>
             <pc:sldMk cId="2454663500" sldId="256"/>
@@ -1184,7 +1456,7 @@
           </ac:spMkLst>
         </pc:spChg>
         <pc:spChg chg="add mod">
-          <ac:chgData name="#CUI SHUAIWEN#" userId="35a196ea-bcb8-475e-86cf-0b9eaca8a48f" providerId="ADAL" clId="{6DA0022E-A64E-415A-97D4-C7EAEDC0669F}" dt="2024-07-10T15:07:30.815" v="686" actId="1076"/>
+          <ac:chgData name="#CUI SHUAIWEN#" userId="35a196ea-bcb8-475e-86cf-0b9eaca8a48f" providerId="ADAL" clId="{6DA0022E-A64E-415A-97D4-C7EAEDC0669F}" dt="2024-07-11T02:04:33.431" v="803" actId="1076"/>
           <ac:spMkLst>
             <pc:docMk/>
             <pc:sldMk cId="2454663500" sldId="256"/>
@@ -1200,7 +1472,7 @@
           </ac:spMkLst>
         </pc:spChg>
         <pc:spChg chg="add mod">
-          <ac:chgData name="#CUI SHUAIWEN#" userId="35a196ea-bcb8-475e-86cf-0b9eaca8a48f" providerId="ADAL" clId="{6DA0022E-A64E-415A-97D4-C7EAEDC0669F}" dt="2024-07-10T15:06:43.162" v="663" actId="1076"/>
+          <ac:chgData name="#CUI SHUAIWEN#" userId="35a196ea-bcb8-475e-86cf-0b9eaca8a48f" providerId="ADAL" clId="{6DA0022E-A64E-415A-97D4-C7EAEDC0669F}" dt="2024-07-11T02:04:33.431" v="803" actId="1076"/>
           <ac:spMkLst>
             <pc:docMk/>
             <pc:sldMk cId="2454663500" sldId="256"/>
@@ -1208,15 +1480,23 @@
           </ac:spMkLst>
         </pc:spChg>
         <pc:spChg chg="add mod">
-          <ac:chgData name="#CUI SHUAIWEN#" userId="35a196ea-bcb8-475e-86cf-0b9eaca8a48f" providerId="ADAL" clId="{6DA0022E-A64E-415A-97D4-C7EAEDC0669F}" dt="2024-07-10T15:06:43.162" v="663" actId="1076"/>
+          <ac:chgData name="#CUI SHUAIWEN#" userId="35a196ea-bcb8-475e-86cf-0b9eaca8a48f" providerId="ADAL" clId="{6DA0022E-A64E-415A-97D4-C7EAEDC0669F}" dt="2024-07-11T02:04:33.431" v="803" actId="1076"/>
           <ac:spMkLst>
             <pc:docMk/>
             <pc:sldMk cId="2454663500" sldId="256"/>
             <ac:spMk id="235" creationId="{0FC490C3-0DCE-8F2B-CEA8-452BCF1DB183}"/>
           </ac:spMkLst>
         </pc:spChg>
+        <pc:spChg chg="mod">
+          <ac:chgData name="#CUI SHUAIWEN#" userId="35a196ea-bcb8-475e-86cf-0b9eaca8a48f" providerId="ADAL" clId="{6DA0022E-A64E-415A-97D4-C7EAEDC0669F}" dt="2024-07-11T02:00:52.112" v="733" actId="1076"/>
+          <ac:spMkLst>
+            <pc:docMk/>
+            <pc:sldMk cId="2454663500" sldId="256"/>
+            <ac:spMk id="238" creationId="{60FFF04F-E423-A84E-BE7E-E2CADC2A6C27}"/>
+          </ac:spMkLst>
+        </pc:spChg>
         <pc:spChg chg="add mod">
-          <ac:chgData name="#CUI SHUAIWEN#" userId="35a196ea-bcb8-475e-86cf-0b9eaca8a48f" providerId="ADAL" clId="{6DA0022E-A64E-415A-97D4-C7EAEDC0669F}" dt="2024-07-10T15:07:21.502" v="684" actId="1076"/>
+          <ac:chgData name="#CUI SHUAIWEN#" userId="35a196ea-bcb8-475e-86cf-0b9eaca8a48f" providerId="ADAL" clId="{6DA0022E-A64E-415A-97D4-C7EAEDC0669F}" dt="2024-07-11T02:04:33.431" v="803" actId="1076"/>
           <ac:spMkLst>
             <pc:docMk/>
             <pc:sldMk cId="2454663500" sldId="256"/>
@@ -1224,7 +1504,7 @@
           </ac:spMkLst>
         </pc:spChg>
         <pc:spChg chg="add mod">
-          <ac:chgData name="#CUI SHUAIWEN#" userId="35a196ea-bcb8-475e-86cf-0b9eaca8a48f" providerId="ADAL" clId="{6DA0022E-A64E-415A-97D4-C7EAEDC0669F}" dt="2024-07-10T15:08:15.499" v="694" actId="1076"/>
+          <ac:chgData name="#CUI SHUAIWEN#" userId="35a196ea-bcb8-475e-86cf-0b9eaca8a48f" providerId="ADAL" clId="{6DA0022E-A64E-415A-97D4-C7EAEDC0669F}" dt="2024-07-11T02:04:33.431" v="803" actId="1076"/>
           <ac:spMkLst>
             <pc:docMk/>
             <pc:sldMk cId="2454663500" sldId="256"/>
@@ -1232,7 +1512,7 @@
           </ac:spMkLst>
         </pc:spChg>
         <pc:spChg chg="add mod">
-          <ac:chgData name="#CUI SHUAIWEN#" userId="35a196ea-bcb8-475e-86cf-0b9eaca8a48f" providerId="ADAL" clId="{6DA0022E-A64E-415A-97D4-C7EAEDC0669F}" dt="2024-07-10T15:08:15.499" v="694" actId="1076"/>
+          <ac:chgData name="#CUI SHUAIWEN#" userId="35a196ea-bcb8-475e-86cf-0b9eaca8a48f" providerId="ADAL" clId="{6DA0022E-A64E-415A-97D4-C7EAEDC0669F}" dt="2024-07-11T02:04:33.431" v="803" actId="1076"/>
           <ac:spMkLst>
             <pc:docMk/>
             <pc:sldMk cId="2454663500" sldId="256"/>
@@ -1240,7 +1520,7 @@
           </ac:spMkLst>
         </pc:spChg>
         <pc:spChg chg="add mod">
-          <ac:chgData name="#CUI SHUAIWEN#" userId="35a196ea-bcb8-475e-86cf-0b9eaca8a48f" providerId="ADAL" clId="{6DA0022E-A64E-415A-97D4-C7EAEDC0669F}" dt="2024-07-10T15:08:46.905" v="706" actId="1076"/>
+          <ac:chgData name="#CUI SHUAIWEN#" userId="35a196ea-bcb8-475e-86cf-0b9eaca8a48f" providerId="ADAL" clId="{6DA0022E-A64E-415A-97D4-C7EAEDC0669F}" dt="2024-07-11T02:04:33.431" v="803" actId="1076"/>
           <ac:spMkLst>
             <pc:docMk/>
             <pc:sldMk cId="2454663500" sldId="256"/>
@@ -1248,19 +1528,1203 @@
           </ac:spMkLst>
         </pc:spChg>
         <pc:spChg chg="add mod">
-          <ac:chgData name="#CUI SHUAIWEN#" userId="35a196ea-bcb8-475e-86cf-0b9eaca8a48f" providerId="ADAL" clId="{6DA0022E-A64E-415A-97D4-C7EAEDC0669F}" dt="2024-07-10T15:09:00.596" v="724" actId="20577"/>
+          <ac:chgData name="#CUI SHUAIWEN#" userId="35a196ea-bcb8-475e-86cf-0b9eaca8a48f" providerId="ADAL" clId="{6DA0022E-A64E-415A-97D4-C7EAEDC0669F}" dt="2024-07-11T02:04:33.431" v="803" actId="1076"/>
           <ac:spMkLst>
             <pc:docMk/>
             <pc:sldMk cId="2454663500" sldId="256"/>
             <ac:spMk id="260" creationId="{39166D5C-8578-C6D7-97AE-315E483725BA}"/>
           </ac:spMkLst>
         </pc:spChg>
+        <pc:spChg chg="mod">
+          <ac:chgData name="#CUI SHUAIWEN#" userId="35a196ea-bcb8-475e-86cf-0b9eaca8a48f" providerId="ADAL" clId="{6DA0022E-A64E-415A-97D4-C7EAEDC0669F}" dt="2024-07-11T02:00:52.112" v="733" actId="1076"/>
+          <ac:spMkLst>
+            <pc:docMk/>
+            <pc:sldMk cId="2454663500" sldId="256"/>
+            <ac:spMk id="262" creationId="{D27E2A20-AA66-E558-17E5-DCED7088A56D}"/>
+          </ac:spMkLst>
+        </pc:spChg>
+        <pc:spChg chg="mod">
+          <ac:chgData name="#CUI SHUAIWEN#" userId="35a196ea-bcb8-475e-86cf-0b9eaca8a48f" providerId="ADAL" clId="{6DA0022E-A64E-415A-97D4-C7EAEDC0669F}" dt="2024-07-11T02:00:52.112" v="733" actId="1076"/>
+          <ac:spMkLst>
+            <pc:docMk/>
+            <pc:sldMk cId="2454663500" sldId="256"/>
+            <ac:spMk id="264" creationId="{404A2183-97E3-CCA3-B2AA-BFD07B705671}"/>
+          </ac:spMkLst>
+        </pc:spChg>
+        <pc:spChg chg="mod">
+          <ac:chgData name="#CUI SHUAIWEN#" userId="35a196ea-bcb8-475e-86cf-0b9eaca8a48f" providerId="ADAL" clId="{6DA0022E-A64E-415A-97D4-C7EAEDC0669F}" dt="2024-07-11T02:00:52.112" v="733" actId="1076"/>
+          <ac:spMkLst>
+            <pc:docMk/>
+            <pc:sldMk cId="2454663500" sldId="256"/>
+            <ac:spMk id="265" creationId="{DD6DB731-96C0-76D8-FB6C-8F7F34B1AF9E}"/>
+          </ac:spMkLst>
+        </pc:spChg>
+        <pc:spChg chg="mod">
+          <ac:chgData name="#CUI SHUAIWEN#" userId="35a196ea-bcb8-475e-86cf-0b9eaca8a48f" providerId="ADAL" clId="{6DA0022E-A64E-415A-97D4-C7EAEDC0669F}" dt="2024-07-11T02:00:52.112" v="733" actId="1076"/>
+          <ac:spMkLst>
+            <pc:docMk/>
+            <pc:sldMk cId="2454663500" sldId="256"/>
+            <ac:spMk id="266" creationId="{6977D7F1-6442-C59C-2DA5-6B5ABEAADD47}"/>
+          </ac:spMkLst>
+        </pc:spChg>
+        <pc:spChg chg="mod">
+          <ac:chgData name="#CUI SHUAIWEN#" userId="35a196ea-bcb8-475e-86cf-0b9eaca8a48f" providerId="ADAL" clId="{6DA0022E-A64E-415A-97D4-C7EAEDC0669F}" dt="2024-07-11T02:00:52.112" v="733" actId="1076"/>
+          <ac:spMkLst>
+            <pc:docMk/>
+            <pc:sldMk cId="2454663500" sldId="256"/>
+            <ac:spMk id="270" creationId="{5329D4C8-295F-91D7-9E91-1234716BF431}"/>
+          </ac:spMkLst>
+        </pc:spChg>
+        <pc:spChg chg="mod">
+          <ac:chgData name="#CUI SHUAIWEN#" userId="35a196ea-bcb8-475e-86cf-0b9eaca8a48f" providerId="ADAL" clId="{6DA0022E-A64E-415A-97D4-C7EAEDC0669F}" dt="2024-07-11T02:00:52.112" v="733" actId="1076"/>
+          <ac:spMkLst>
+            <pc:docMk/>
+            <pc:sldMk cId="2454663500" sldId="256"/>
+            <ac:spMk id="271" creationId="{D42216AA-7852-1A14-5474-01F411B56774}"/>
+          </ac:spMkLst>
+        </pc:spChg>
+        <pc:spChg chg="mod">
+          <ac:chgData name="#CUI SHUAIWEN#" userId="35a196ea-bcb8-475e-86cf-0b9eaca8a48f" providerId="ADAL" clId="{6DA0022E-A64E-415A-97D4-C7EAEDC0669F}" dt="2024-07-11T02:00:52.112" v="733" actId="1076"/>
+          <ac:spMkLst>
+            <pc:docMk/>
+            <pc:sldMk cId="2454663500" sldId="256"/>
+            <ac:spMk id="272" creationId="{94132311-156A-C76F-2779-D8BBC9788859}"/>
+          </ac:spMkLst>
+        </pc:spChg>
+        <pc:spChg chg="mod">
+          <ac:chgData name="#CUI SHUAIWEN#" userId="35a196ea-bcb8-475e-86cf-0b9eaca8a48f" providerId="ADAL" clId="{6DA0022E-A64E-415A-97D4-C7EAEDC0669F}" dt="2024-07-11T02:00:52.112" v="733" actId="1076"/>
+          <ac:spMkLst>
+            <pc:docMk/>
+            <pc:sldMk cId="2454663500" sldId="256"/>
+            <ac:spMk id="274" creationId="{5447F662-EA06-5AA4-C3F0-DE0FFDEFA9C0}"/>
+          </ac:spMkLst>
+        </pc:spChg>
+        <pc:spChg chg="mod">
+          <ac:chgData name="#CUI SHUAIWEN#" userId="35a196ea-bcb8-475e-86cf-0b9eaca8a48f" providerId="ADAL" clId="{6DA0022E-A64E-415A-97D4-C7EAEDC0669F}" dt="2024-07-11T02:00:52.112" v="733" actId="1076"/>
+          <ac:spMkLst>
+            <pc:docMk/>
+            <pc:sldMk cId="2454663500" sldId="256"/>
+            <ac:spMk id="275" creationId="{2CF043E7-FE0C-D963-A1D6-CE7FEA5D6C38}"/>
+          </ac:spMkLst>
+        </pc:spChg>
+        <pc:spChg chg="mod">
+          <ac:chgData name="#CUI SHUAIWEN#" userId="35a196ea-bcb8-475e-86cf-0b9eaca8a48f" providerId="ADAL" clId="{6DA0022E-A64E-415A-97D4-C7EAEDC0669F}" dt="2024-07-11T02:00:52.112" v="733" actId="1076"/>
+          <ac:spMkLst>
+            <pc:docMk/>
+            <pc:sldMk cId="2454663500" sldId="256"/>
+            <ac:spMk id="277" creationId="{68B74BBA-7A79-8B99-39BC-F011B071E279}"/>
+          </ac:spMkLst>
+        </pc:spChg>
+        <pc:spChg chg="mod">
+          <ac:chgData name="#CUI SHUAIWEN#" userId="35a196ea-bcb8-475e-86cf-0b9eaca8a48f" providerId="ADAL" clId="{6DA0022E-A64E-415A-97D4-C7EAEDC0669F}" dt="2024-07-11T02:00:52.112" v="733" actId="1076"/>
+          <ac:spMkLst>
+            <pc:docMk/>
+            <pc:sldMk cId="2454663500" sldId="256"/>
+            <ac:spMk id="294" creationId="{666FB61F-E4D9-C0BD-FD66-86293C92A3F3}"/>
+          </ac:spMkLst>
+        </pc:spChg>
+        <pc:spChg chg="mod">
+          <ac:chgData name="#CUI SHUAIWEN#" userId="35a196ea-bcb8-475e-86cf-0b9eaca8a48f" providerId="ADAL" clId="{6DA0022E-A64E-415A-97D4-C7EAEDC0669F}" dt="2024-07-11T02:00:52.112" v="733" actId="1076"/>
+          <ac:spMkLst>
+            <pc:docMk/>
+            <pc:sldMk cId="2454663500" sldId="256"/>
+            <ac:spMk id="295" creationId="{C31D88E0-5871-2D43-7CDB-5CC10243684F}"/>
+          </ac:spMkLst>
+        </pc:spChg>
+        <pc:spChg chg="mod">
+          <ac:chgData name="#CUI SHUAIWEN#" userId="35a196ea-bcb8-475e-86cf-0b9eaca8a48f" providerId="ADAL" clId="{6DA0022E-A64E-415A-97D4-C7EAEDC0669F}" dt="2024-07-11T02:00:52.112" v="733" actId="1076"/>
+          <ac:spMkLst>
+            <pc:docMk/>
+            <pc:sldMk cId="2454663500" sldId="256"/>
+            <ac:spMk id="296" creationId="{389844C4-EFA2-820B-BB1C-1E8EAC3F2EFE}"/>
+          </ac:spMkLst>
+        </pc:spChg>
+        <pc:spChg chg="mod">
+          <ac:chgData name="#CUI SHUAIWEN#" userId="35a196ea-bcb8-475e-86cf-0b9eaca8a48f" providerId="ADAL" clId="{6DA0022E-A64E-415A-97D4-C7EAEDC0669F}" dt="2024-07-11T02:00:52.112" v="733" actId="1076"/>
+          <ac:spMkLst>
+            <pc:docMk/>
+            <pc:sldMk cId="2454663500" sldId="256"/>
+            <ac:spMk id="298" creationId="{B52894B1-36EC-302D-4833-AF4B58059C3D}"/>
+          </ac:spMkLst>
+        </pc:spChg>
+        <pc:spChg chg="mod">
+          <ac:chgData name="#CUI SHUAIWEN#" userId="35a196ea-bcb8-475e-86cf-0b9eaca8a48f" providerId="ADAL" clId="{6DA0022E-A64E-415A-97D4-C7EAEDC0669F}" dt="2024-07-11T02:00:52.112" v="733" actId="1076"/>
+          <ac:spMkLst>
+            <pc:docMk/>
+            <pc:sldMk cId="2454663500" sldId="256"/>
+            <ac:spMk id="299" creationId="{017717B5-F9F1-A58E-FCD1-F1CCE95A8DDD}"/>
+          </ac:spMkLst>
+        </pc:spChg>
+        <pc:spChg chg="mod">
+          <ac:chgData name="#CUI SHUAIWEN#" userId="35a196ea-bcb8-475e-86cf-0b9eaca8a48f" providerId="ADAL" clId="{6DA0022E-A64E-415A-97D4-C7EAEDC0669F}" dt="2024-07-11T02:00:52.112" v="733" actId="1076"/>
+          <ac:spMkLst>
+            <pc:docMk/>
+            <pc:sldMk cId="2454663500" sldId="256"/>
+            <ac:spMk id="300" creationId="{D270788A-E1D3-B219-89DA-978531E3AD37}"/>
+          </ac:spMkLst>
+        </pc:spChg>
+        <pc:spChg chg="mod">
+          <ac:chgData name="#CUI SHUAIWEN#" userId="35a196ea-bcb8-475e-86cf-0b9eaca8a48f" providerId="ADAL" clId="{6DA0022E-A64E-415A-97D4-C7EAEDC0669F}" dt="2024-07-11T02:00:52.112" v="733" actId="1076"/>
+          <ac:spMkLst>
+            <pc:docMk/>
+            <pc:sldMk cId="2454663500" sldId="256"/>
+            <ac:spMk id="301" creationId="{C9C8873E-F689-C57C-970E-5DAD611CC39E}"/>
+          </ac:spMkLst>
+        </pc:spChg>
+        <pc:spChg chg="mod">
+          <ac:chgData name="#CUI SHUAIWEN#" userId="35a196ea-bcb8-475e-86cf-0b9eaca8a48f" providerId="ADAL" clId="{6DA0022E-A64E-415A-97D4-C7EAEDC0669F}" dt="2024-07-11T02:00:52.112" v="733" actId="1076"/>
+          <ac:spMkLst>
+            <pc:docMk/>
+            <pc:sldMk cId="2454663500" sldId="256"/>
+            <ac:spMk id="302" creationId="{34560F9B-FFAF-2B5C-6BFE-462D45413EF7}"/>
+          </ac:spMkLst>
+        </pc:spChg>
+        <pc:spChg chg="mod">
+          <ac:chgData name="#CUI SHUAIWEN#" userId="35a196ea-bcb8-475e-86cf-0b9eaca8a48f" providerId="ADAL" clId="{6DA0022E-A64E-415A-97D4-C7EAEDC0669F}" dt="2024-07-11T02:00:52.112" v="733" actId="1076"/>
+          <ac:spMkLst>
+            <pc:docMk/>
+            <pc:sldMk cId="2454663500" sldId="256"/>
+            <ac:spMk id="303" creationId="{156347B7-05EE-0EF5-EB77-1E2E189859B0}"/>
+          </ac:spMkLst>
+        </pc:spChg>
+        <pc:spChg chg="mod">
+          <ac:chgData name="#CUI SHUAIWEN#" userId="35a196ea-bcb8-475e-86cf-0b9eaca8a48f" providerId="ADAL" clId="{6DA0022E-A64E-415A-97D4-C7EAEDC0669F}" dt="2024-07-11T02:00:52.112" v="733" actId="1076"/>
+          <ac:spMkLst>
+            <pc:docMk/>
+            <pc:sldMk cId="2454663500" sldId="256"/>
+            <ac:spMk id="304" creationId="{E44A1453-782F-43C8-A010-D607E5E10265}"/>
+          </ac:spMkLst>
+        </pc:spChg>
+        <pc:spChg chg="mod">
+          <ac:chgData name="#CUI SHUAIWEN#" userId="35a196ea-bcb8-475e-86cf-0b9eaca8a48f" providerId="ADAL" clId="{6DA0022E-A64E-415A-97D4-C7EAEDC0669F}" dt="2024-07-11T02:00:52.112" v="733" actId="1076"/>
+          <ac:spMkLst>
+            <pc:docMk/>
+            <pc:sldMk cId="2454663500" sldId="256"/>
+            <ac:spMk id="305" creationId="{D787705C-82E7-8CAB-97EA-BDF5CBF76559}"/>
+          </ac:spMkLst>
+        </pc:spChg>
+        <pc:spChg chg="mod">
+          <ac:chgData name="#CUI SHUAIWEN#" userId="35a196ea-bcb8-475e-86cf-0b9eaca8a48f" providerId="ADAL" clId="{6DA0022E-A64E-415A-97D4-C7EAEDC0669F}" dt="2024-07-11T02:00:52.112" v="733" actId="1076"/>
+          <ac:spMkLst>
+            <pc:docMk/>
+            <pc:sldMk cId="2454663500" sldId="256"/>
+            <ac:spMk id="306" creationId="{3048608C-8FEC-CD04-43F0-011240FE5EFD}"/>
+          </ac:spMkLst>
+        </pc:spChg>
+        <pc:spChg chg="mod">
+          <ac:chgData name="#CUI SHUAIWEN#" userId="35a196ea-bcb8-475e-86cf-0b9eaca8a48f" providerId="ADAL" clId="{6DA0022E-A64E-415A-97D4-C7EAEDC0669F}" dt="2024-07-11T02:00:52.112" v="733" actId="1076"/>
+          <ac:spMkLst>
+            <pc:docMk/>
+            <pc:sldMk cId="2454663500" sldId="256"/>
+            <ac:spMk id="307" creationId="{768EE1F2-5222-2264-2BC6-AF61AAF403D3}"/>
+          </ac:spMkLst>
+        </pc:spChg>
+        <pc:spChg chg="mod">
+          <ac:chgData name="#CUI SHUAIWEN#" userId="35a196ea-bcb8-475e-86cf-0b9eaca8a48f" providerId="ADAL" clId="{6DA0022E-A64E-415A-97D4-C7EAEDC0669F}" dt="2024-07-11T02:00:52.112" v="733" actId="1076"/>
+          <ac:spMkLst>
+            <pc:docMk/>
+            <pc:sldMk cId="2454663500" sldId="256"/>
+            <ac:spMk id="308" creationId="{969CA290-19DB-304E-1D0D-4D5A1034CF20}"/>
+          </ac:spMkLst>
+        </pc:spChg>
+        <pc:spChg chg="mod">
+          <ac:chgData name="#CUI SHUAIWEN#" userId="35a196ea-bcb8-475e-86cf-0b9eaca8a48f" providerId="ADAL" clId="{6DA0022E-A64E-415A-97D4-C7EAEDC0669F}" dt="2024-07-11T02:00:52.112" v="733" actId="1076"/>
+          <ac:spMkLst>
+            <pc:docMk/>
+            <pc:sldMk cId="2454663500" sldId="256"/>
+            <ac:spMk id="309" creationId="{69D20BB8-626A-8066-6984-D35077BA357A}"/>
+          </ac:spMkLst>
+        </pc:spChg>
+        <pc:spChg chg="mod">
+          <ac:chgData name="#CUI SHUAIWEN#" userId="35a196ea-bcb8-475e-86cf-0b9eaca8a48f" providerId="ADAL" clId="{6DA0022E-A64E-415A-97D4-C7EAEDC0669F}" dt="2024-07-11T02:00:52.112" v="733" actId="1076"/>
+          <ac:spMkLst>
+            <pc:docMk/>
+            <pc:sldMk cId="2454663500" sldId="256"/>
+            <ac:spMk id="310" creationId="{E96D32AB-16F3-35C2-DDB3-1301D87FEE11}"/>
+          </ac:spMkLst>
+        </pc:spChg>
+        <pc:spChg chg="mod">
+          <ac:chgData name="#CUI SHUAIWEN#" userId="35a196ea-bcb8-475e-86cf-0b9eaca8a48f" providerId="ADAL" clId="{6DA0022E-A64E-415A-97D4-C7EAEDC0669F}" dt="2024-07-11T02:00:52.112" v="733" actId="1076"/>
+          <ac:spMkLst>
+            <pc:docMk/>
+            <pc:sldMk cId="2454663500" sldId="256"/>
+            <ac:spMk id="311" creationId="{E38F37F1-D304-D1E7-DF98-B10925DD6A89}"/>
+          </ac:spMkLst>
+        </pc:spChg>
+        <pc:spChg chg="mod">
+          <ac:chgData name="#CUI SHUAIWEN#" userId="35a196ea-bcb8-475e-86cf-0b9eaca8a48f" providerId="ADAL" clId="{6DA0022E-A64E-415A-97D4-C7EAEDC0669F}" dt="2024-07-11T02:00:52.112" v="733" actId="1076"/>
+          <ac:spMkLst>
+            <pc:docMk/>
+            <pc:sldMk cId="2454663500" sldId="256"/>
+            <ac:spMk id="312" creationId="{D8158616-D653-E5E0-B2E3-C4E0AA78B539}"/>
+          </ac:spMkLst>
+        </pc:spChg>
+        <pc:spChg chg="mod">
+          <ac:chgData name="#CUI SHUAIWEN#" userId="35a196ea-bcb8-475e-86cf-0b9eaca8a48f" providerId="ADAL" clId="{6DA0022E-A64E-415A-97D4-C7EAEDC0669F}" dt="2024-07-11T02:00:52.112" v="733" actId="1076"/>
+          <ac:spMkLst>
+            <pc:docMk/>
+            <pc:sldMk cId="2454663500" sldId="256"/>
+            <ac:spMk id="313" creationId="{F46742BB-84A5-81FF-E269-FCDDE2376EFA}"/>
+          </ac:spMkLst>
+        </pc:spChg>
+        <pc:spChg chg="mod">
+          <ac:chgData name="#CUI SHUAIWEN#" userId="35a196ea-bcb8-475e-86cf-0b9eaca8a48f" providerId="ADAL" clId="{6DA0022E-A64E-415A-97D4-C7EAEDC0669F}" dt="2024-07-11T02:00:52.112" v="733" actId="1076"/>
+          <ac:spMkLst>
+            <pc:docMk/>
+            <pc:sldMk cId="2454663500" sldId="256"/>
+            <ac:spMk id="314" creationId="{6F7123E6-A99B-4794-18E9-AC1C3019045D}"/>
+          </ac:spMkLst>
+        </pc:spChg>
+        <pc:spChg chg="mod">
+          <ac:chgData name="#CUI SHUAIWEN#" userId="35a196ea-bcb8-475e-86cf-0b9eaca8a48f" providerId="ADAL" clId="{6DA0022E-A64E-415A-97D4-C7EAEDC0669F}" dt="2024-07-11T02:00:52.112" v="733" actId="1076"/>
+          <ac:spMkLst>
+            <pc:docMk/>
+            <pc:sldMk cId="2454663500" sldId="256"/>
+            <ac:spMk id="315" creationId="{A51D5FDF-042D-B6D7-495D-E8CD62064D91}"/>
+          </ac:spMkLst>
+        </pc:spChg>
+        <pc:spChg chg="mod">
+          <ac:chgData name="#CUI SHUAIWEN#" userId="35a196ea-bcb8-475e-86cf-0b9eaca8a48f" providerId="ADAL" clId="{6DA0022E-A64E-415A-97D4-C7EAEDC0669F}" dt="2024-07-11T02:00:52.112" v="733" actId="1076"/>
+          <ac:spMkLst>
+            <pc:docMk/>
+            <pc:sldMk cId="2454663500" sldId="256"/>
+            <ac:spMk id="316" creationId="{73D6EDE0-C572-7327-E7AB-5FB7178C804A}"/>
+          </ac:spMkLst>
+        </pc:spChg>
+        <pc:spChg chg="mod">
+          <ac:chgData name="#CUI SHUAIWEN#" userId="35a196ea-bcb8-475e-86cf-0b9eaca8a48f" providerId="ADAL" clId="{6DA0022E-A64E-415A-97D4-C7EAEDC0669F}" dt="2024-07-11T02:00:52.112" v="733" actId="1076"/>
+          <ac:spMkLst>
+            <pc:docMk/>
+            <pc:sldMk cId="2454663500" sldId="256"/>
+            <ac:spMk id="317" creationId="{A3F1B793-9A10-AA85-FB67-50205F6226BE}"/>
+          </ac:spMkLst>
+        </pc:spChg>
+        <pc:spChg chg="mod">
+          <ac:chgData name="#CUI SHUAIWEN#" userId="35a196ea-bcb8-475e-86cf-0b9eaca8a48f" providerId="ADAL" clId="{6DA0022E-A64E-415A-97D4-C7EAEDC0669F}" dt="2024-07-11T02:00:52.112" v="733" actId="1076"/>
+          <ac:spMkLst>
+            <pc:docMk/>
+            <pc:sldMk cId="2454663500" sldId="256"/>
+            <ac:spMk id="322" creationId="{4232BAC6-F5D0-B865-6B8F-CCE1A4C0E32B}"/>
+          </ac:spMkLst>
+        </pc:spChg>
+        <pc:spChg chg="mod">
+          <ac:chgData name="#CUI SHUAIWEN#" userId="35a196ea-bcb8-475e-86cf-0b9eaca8a48f" providerId="ADAL" clId="{6DA0022E-A64E-415A-97D4-C7EAEDC0669F}" dt="2024-07-11T02:00:52.112" v="733" actId="1076"/>
+          <ac:spMkLst>
+            <pc:docMk/>
+            <pc:sldMk cId="2454663500" sldId="256"/>
+            <ac:spMk id="328" creationId="{AA3AF0A7-E97F-1EEB-D006-A6AC2B40A0E7}"/>
+          </ac:spMkLst>
+        </pc:spChg>
+        <pc:spChg chg="mod">
+          <ac:chgData name="#CUI SHUAIWEN#" userId="35a196ea-bcb8-475e-86cf-0b9eaca8a48f" providerId="ADAL" clId="{6DA0022E-A64E-415A-97D4-C7EAEDC0669F}" dt="2024-07-11T02:00:52.112" v="733" actId="1076"/>
+          <ac:spMkLst>
+            <pc:docMk/>
+            <pc:sldMk cId="2454663500" sldId="256"/>
+            <ac:spMk id="339" creationId="{094CFBAE-8E38-EDDB-A582-A5886108B145}"/>
+          </ac:spMkLst>
+        </pc:spChg>
+        <pc:spChg chg="mod">
+          <ac:chgData name="#CUI SHUAIWEN#" userId="35a196ea-bcb8-475e-86cf-0b9eaca8a48f" providerId="ADAL" clId="{6DA0022E-A64E-415A-97D4-C7EAEDC0669F}" dt="2024-07-11T02:00:52.112" v="733" actId="1076"/>
+          <ac:spMkLst>
+            <pc:docMk/>
+            <pc:sldMk cId="2454663500" sldId="256"/>
+            <ac:spMk id="340" creationId="{030BA2B9-477D-7D10-F6DA-A51D5AA41942}"/>
+          </ac:spMkLst>
+        </pc:spChg>
+        <pc:spChg chg="mod">
+          <ac:chgData name="#CUI SHUAIWEN#" userId="35a196ea-bcb8-475e-86cf-0b9eaca8a48f" providerId="ADAL" clId="{6DA0022E-A64E-415A-97D4-C7EAEDC0669F}" dt="2024-07-11T02:00:52.112" v="733" actId="1076"/>
+          <ac:spMkLst>
+            <pc:docMk/>
+            <pc:sldMk cId="2454663500" sldId="256"/>
+            <ac:spMk id="346" creationId="{B57FF252-1CE7-7067-A73F-7A9566F5CF34}"/>
+          </ac:spMkLst>
+        </pc:spChg>
+        <pc:spChg chg="mod">
+          <ac:chgData name="#CUI SHUAIWEN#" userId="35a196ea-bcb8-475e-86cf-0b9eaca8a48f" providerId="ADAL" clId="{6DA0022E-A64E-415A-97D4-C7EAEDC0669F}" dt="2024-07-11T02:00:52.112" v="733" actId="1076"/>
+          <ac:spMkLst>
+            <pc:docMk/>
+            <pc:sldMk cId="2454663500" sldId="256"/>
+            <ac:spMk id="354" creationId="{E26C4A7A-CDAC-9B88-0A96-3AB64AE8562F}"/>
+          </ac:spMkLst>
+        </pc:spChg>
+        <pc:spChg chg="mod">
+          <ac:chgData name="#CUI SHUAIWEN#" userId="35a196ea-bcb8-475e-86cf-0b9eaca8a48f" providerId="ADAL" clId="{6DA0022E-A64E-415A-97D4-C7EAEDC0669F}" dt="2024-07-11T02:00:52.112" v="733" actId="1076"/>
+          <ac:spMkLst>
+            <pc:docMk/>
+            <pc:sldMk cId="2454663500" sldId="256"/>
+            <ac:spMk id="355" creationId="{4614FF58-866C-5681-C74C-1CF98DA6183A}"/>
+          </ac:spMkLst>
+        </pc:spChg>
+        <pc:spChg chg="mod">
+          <ac:chgData name="#CUI SHUAIWEN#" userId="35a196ea-bcb8-475e-86cf-0b9eaca8a48f" providerId="ADAL" clId="{6DA0022E-A64E-415A-97D4-C7EAEDC0669F}" dt="2024-07-11T02:01:52.026" v="770" actId="14100"/>
+          <ac:spMkLst>
+            <pc:docMk/>
+            <pc:sldMk cId="2454663500" sldId="256"/>
+            <ac:spMk id="376" creationId="{1BE7095B-6CF2-63B7-C3EA-70F1A8EB8284}"/>
+          </ac:spMkLst>
+        </pc:spChg>
+        <pc:spChg chg="mod">
+          <ac:chgData name="#CUI SHUAIWEN#" userId="35a196ea-bcb8-475e-86cf-0b9eaca8a48f" providerId="ADAL" clId="{6DA0022E-A64E-415A-97D4-C7EAEDC0669F}" dt="2024-07-11T02:02:36.489" v="802" actId="20577"/>
+          <ac:spMkLst>
+            <pc:docMk/>
+            <pc:sldMk cId="2454663500" sldId="256"/>
+            <ac:spMk id="377" creationId="{A53A3E7E-0041-96E2-1B0E-EF9A5B9E8F2C}"/>
+          </ac:spMkLst>
+        </pc:spChg>
+        <pc:spChg chg="mod">
+          <ac:chgData name="#CUI SHUAIWEN#" userId="35a196ea-bcb8-475e-86cf-0b9eaca8a48f" providerId="ADAL" clId="{6DA0022E-A64E-415A-97D4-C7EAEDC0669F}" dt="2024-07-11T02:01:46.971" v="769" actId="1076"/>
+          <ac:spMkLst>
+            <pc:docMk/>
+            <pc:sldMk cId="2454663500" sldId="256"/>
+            <ac:spMk id="434" creationId="{B6E645CB-E644-296A-FBC2-E57E0985DBEC}"/>
+          </ac:spMkLst>
+        </pc:spChg>
+        <pc:spChg chg="mod">
+          <ac:chgData name="#CUI SHUAIWEN#" userId="35a196ea-bcb8-475e-86cf-0b9eaca8a48f" providerId="ADAL" clId="{6DA0022E-A64E-415A-97D4-C7EAEDC0669F}" dt="2024-07-11T02:01:46.971" v="769" actId="1076"/>
+          <ac:spMkLst>
+            <pc:docMk/>
+            <pc:sldMk cId="2454663500" sldId="256"/>
+            <ac:spMk id="503" creationId="{272E6B89-35B6-95BA-C9A8-68D86FC6CAFE}"/>
+          </ac:spMkLst>
+        </pc:spChg>
+        <pc:spChg chg="mod">
+          <ac:chgData name="#CUI SHUAIWEN#" userId="35a196ea-bcb8-475e-86cf-0b9eaca8a48f" providerId="ADAL" clId="{6DA0022E-A64E-415A-97D4-C7EAEDC0669F}" dt="2024-07-11T02:01:46.971" v="769" actId="1076"/>
+          <ac:spMkLst>
+            <pc:docMk/>
+            <pc:sldMk cId="2454663500" sldId="256"/>
+            <ac:spMk id="504" creationId="{BAA20F6B-9141-F470-F195-A7D9970351AA}"/>
+          </ac:spMkLst>
+        </pc:spChg>
+        <pc:spChg chg="mod">
+          <ac:chgData name="#CUI SHUAIWEN#" userId="35a196ea-bcb8-475e-86cf-0b9eaca8a48f" providerId="ADAL" clId="{6DA0022E-A64E-415A-97D4-C7EAEDC0669F}" dt="2024-07-11T02:01:46.971" v="769" actId="1076"/>
+          <ac:spMkLst>
+            <pc:docMk/>
+            <pc:sldMk cId="2454663500" sldId="256"/>
+            <ac:spMk id="510" creationId="{71BB056B-6D14-7E10-E773-832FCE41D5A6}"/>
+          </ac:spMkLst>
+        </pc:spChg>
+        <pc:spChg chg="mod">
+          <ac:chgData name="#CUI SHUAIWEN#" userId="35a196ea-bcb8-475e-86cf-0b9eaca8a48f" providerId="ADAL" clId="{6DA0022E-A64E-415A-97D4-C7EAEDC0669F}" dt="2024-07-11T02:01:46.971" v="769" actId="1076"/>
+          <ac:spMkLst>
+            <pc:docMk/>
+            <pc:sldMk cId="2454663500" sldId="256"/>
+            <ac:spMk id="515" creationId="{628745BE-0EDA-537B-7684-967E53A4975D}"/>
+          </ac:spMkLst>
+        </pc:spChg>
+        <pc:spChg chg="mod">
+          <ac:chgData name="#CUI SHUAIWEN#" userId="35a196ea-bcb8-475e-86cf-0b9eaca8a48f" providerId="ADAL" clId="{6DA0022E-A64E-415A-97D4-C7EAEDC0669F}" dt="2024-07-11T02:01:46.971" v="769" actId="1076"/>
+          <ac:spMkLst>
+            <pc:docMk/>
+            <pc:sldMk cId="2454663500" sldId="256"/>
+            <ac:spMk id="516" creationId="{2A9D8853-F6A0-959F-2364-D46C81FC6CF6}"/>
+          </ac:spMkLst>
+        </pc:spChg>
+        <pc:spChg chg="mod">
+          <ac:chgData name="#CUI SHUAIWEN#" userId="35a196ea-bcb8-475e-86cf-0b9eaca8a48f" providerId="ADAL" clId="{6DA0022E-A64E-415A-97D4-C7EAEDC0669F}" dt="2024-07-11T02:01:46.971" v="769" actId="1076"/>
+          <ac:spMkLst>
+            <pc:docMk/>
+            <pc:sldMk cId="2454663500" sldId="256"/>
+            <ac:spMk id="521" creationId="{91E75130-98D9-8C87-4835-27E0805A8580}"/>
+          </ac:spMkLst>
+        </pc:spChg>
+        <pc:spChg chg="mod">
+          <ac:chgData name="#CUI SHUAIWEN#" userId="35a196ea-bcb8-475e-86cf-0b9eaca8a48f" providerId="ADAL" clId="{6DA0022E-A64E-415A-97D4-C7EAEDC0669F}" dt="2024-07-11T02:01:46.971" v="769" actId="1076"/>
+          <ac:spMkLst>
+            <pc:docMk/>
+            <pc:sldMk cId="2454663500" sldId="256"/>
+            <ac:spMk id="522" creationId="{93199BD8-3BAC-B4A9-399D-1EEA60C2857D}"/>
+          </ac:spMkLst>
+        </pc:spChg>
+        <pc:spChg chg="mod">
+          <ac:chgData name="#CUI SHUAIWEN#" userId="35a196ea-bcb8-475e-86cf-0b9eaca8a48f" providerId="ADAL" clId="{6DA0022E-A64E-415A-97D4-C7EAEDC0669F}" dt="2024-07-11T02:01:46.971" v="769" actId="1076"/>
+          <ac:spMkLst>
+            <pc:docMk/>
+            <pc:sldMk cId="2454663500" sldId="256"/>
+            <ac:spMk id="524" creationId="{7CD939B1-6E65-A0A3-017D-C0E5FBAF40A8}"/>
+          </ac:spMkLst>
+        </pc:spChg>
+        <pc:spChg chg="mod">
+          <ac:chgData name="#CUI SHUAIWEN#" userId="35a196ea-bcb8-475e-86cf-0b9eaca8a48f" providerId="ADAL" clId="{6DA0022E-A64E-415A-97D4-C7EAEDC0669F}" dt="2024-07-11T02:01:46.971" v="769" actId="1076"/>
+          <ac:spMkLst>
+            <pc:docMk/>
+            <pc:sldMk cId="2454663500" sldId="256"/>
+            <ac:spMk id="525" creationId="{F8FA659C-2EDA-4056-6490-83539000A54F}"/>
+          </ac:spMkLst>
+        </pc:spChg>
+        <pc:spChg chg="mod">
+          <ac:chgData name="#CUI SHUAIWEN#" userId="35a196ea-bcb8-475e-86cf-0b9eaca8a48f" providerId="ADAL" clId="{6DA0022E-A64E-415A-97D4-C7EAEDC0669F}" dt="2024-07-11T02:01:46.971" v="769" actId="1076"/>
+          <ac:spMkLst>
+            <pc:docMk/>
+            <pc:sldMk cId="2454663500" sldId="256"/>
+            <ac:spMk id="527" creationId="{9B9CE234-2342-2877-64DA-5F3E4ABFD758}"/>
+          </ac:spMkLst>
+        </pc:spChg>
+        <pc:spChg chg="mod">
+          <ac:chgData name="#CUI SHUAIWEN#" userId="35a196ea-bcb8-475e-86cf-0b9eaca8a48f" providerId="ADAL" clId="{6DA0022E-A64E-415A-97D4-C7EAEDC0669F}" dt="2024-07-11T02:01:46.971" v="769" actId="1076"/>
+          <ac:spMkLst>
+            <pc:docMk/>
+            <pc:sldMk cId="2454663500" sldId="256"/>
+            <ac:spMk id="529" creationId="{8D1727FB-BBE6-457A-9AE5-B67F604FDB56}"/>
+          </ac:spMkLst>
+        </pc:spChg>
+        <pc:spChg chg="mod">
+          <ac:chgData name="#CUI SHUAIWEN#" userId="35a196ea-bcb8-475e-86cf-0b9eaca8a48f" providerId="ADAL" clId="{6DA0022E-A64E-415A-97D4-C7EAEDC0669F}" dt="2024-07-11T02:01:46.971" v="769" actId="1076"/>
+          <ac:spMkLst>
+            <pc:docMk/>
+            <pc:sldMk cId="2454663500" sldId="256"/>
+            <ac:spMk id="530" creationId="{4B3084BD-C1FC-8837-244F-C53A1E6B88F7}"/>
+          </ac:spMkLst>
+        </pc:spChg>
+        <pc:spChg chg="mod">
+          <ac:chgData name="#CUI SHUAIWEN#" userId="35a196ea-bcb8-475e-86cf-0b9eaca8a48f" providerId="ADAL" clId="{6DA0022E-A64E-415A-97D4-C7EAEDC0669F}" dt="2024-07-11T02:01:46.971" v="769" actId="1076"/>
+          <ac:spMkLst>
+            <pc:docMk/>
+            <pc:sldMk cId="2454663500" sldId="256"/>
+            <ac:spMk id="533" creationId="{68085F26-B6E3-A175-5E50-C44698C68779}"/>
+          </ac:spMkLst>
+        </pc:spChg>
+        <pc:spChg chg="mod">
+          <ac:chgData name="#CUI SHUAIWEN#" userId="35a196ea-bcb8-475e-86cf-0b9eaca8a48f" providerId="ADAL" clId="{6DA0022E-A64E-415A-97D4-C7EAEDC0669F}" dt="2024-07-11T02:01:46.971" v="769" actId="1076"/>
+          <ac:spMkLst>
+            <pc:docMk/>
+            <pc:sldMk cId="2454663500" sldId="256"/>
+            <ac:spMk id="534" creationId="{E002A088-F712-10FF-C527-E652718B9812}"/>
+          </ac:spMkLst>
+        </pc:spChg>
+        <pc:spChg chg="mod">
+          <ac:chgData name="#CUI SHUAIWEN#" userId="35a196ea-bcb8-475e-86cf-0b9eaca8a48f" providerId="ADAL" clId="{6DA0022E-A64E-415A-97D4-C7EAEDC0669F}" dt="2024-07-11T02:01:46.971" v="769" actId="1076"/>
+          <ac:spMkLst>
+            <pc:docMk/>
+            <pc:sldMk cId="2454663500" sldId="256"/>
+            <ac:spMk id="536" creationId="{93011B9C-38C8-4449-0A86-49394EB1F4EF}"/>
+          </ac:spMkLst>
+        </pc:spChg>
+        <pc:spChg chg="mod">
+          <ac:chgData name="#CUI SHUAIWEN#" userId="35a196ea-bcb8-475e-86cf-0b9eaca8a48f" providerId="ADAL" clId="{6DA0022E-A64E-415A-97D4-C7EAEDC0669F}" dt="2024-07-11T02:01:46.971" v="769" actId="1076"/>
+          <ac:spMkLst>
+            <pc:docMk/>
+            <pc:sldMk cId="2454663500" sldId="256"/>
+            <ac:spMk id="537" creationId="{B3642D23-EDB4-3F7F-4148-28F9FF91CE99}"/>
+          </ac:spMkLst>
+        </pc:spChg>
+        <pc:spChg chg="mod">
+          <ac:chgData name="#CUI SHUAIWEN#" userId="35a196ea-bcb8-475e-86cf-0b9eaca8a48f" providerId="ADAL" clId="{6DA0022E-A64E-415A-97D4-C7EAEDC0669F}" dt="2024-07-11T02:01:46.971" v="769" actId="1076"/>
+          <ac:spMkLst>
+            <pc:docMk/>
+            <pc:sldMk cId="2454663500" sldId="256"/>
+            <ac:spMk id="538" creationId="{CFE9BF87-FF35-577C-3ADA-DE6B00396107}"/>
+          </ac:spMkLst>
+        </pc:spChg>
+        <pc:spChg chg="mod">
+          <ac:chgData name="#CUI SHUAIWEN#" userId="35a196ea-bcb8-475e-86cf-0b9eaca8a48f" providerId="ADAL" clId="{6DA0022E-A64E-415A-97D4-C7EAEDC0669F}" dt="2024-07-11T02:01:46.971" v="769" actId="1076"/>
+          <ac:spMkLst>
+            <pc:docMk/>
+            <pc:sldMk cId="2454663500" sldId="256"/>
+            <ac:spMk id="539" creationId="{BA2ACDC9-B49E-483A-C562-AA5DFE6FCF3F}"/>
+          </ac:spMkLst>
+        </pc:spChg>
+        <pc:spChg chg="mod">
+          <ac:chgData name="#CUI SHUAIWEN#" userId="35a196ea-bcb8-475e-86cf-0b9eaca8a48f" providerId="ADAL" clId="{6DA0022E-A64E-415A-97D4-C7EAEDC0669F}" dt="2024-07-11T02:01:46.971" v="769" actId="1076"/>
+          <ac:spMkLst>
+            <pc:docMk/>
+            <pc:sldMk cId="2454663500" sldId="256"/>
+            <ac:spMk id="541" creationId="{DF27E407-394B-4206-1397-670A763EA0F4}"/>
+          </ac:spMkLst>
+        </pc:spChg>
+        <pc:spChg chg="mod">
+          <ac:chgData name="#CUI SHUAIWEN#" userId="35a196ea-bcb8-475e-86cf-0b9eaca8a48f" providerId="ADAL" clId="{6DA0022E-A64E-415A-97D4-C7EAEDC0669F}" dt="2024-07-11T02:01:46.971" v="769" actId="1076"/>
+          <ac:spMkLst>
+            <pc:docMk/>
+            <pc:sldMk cId="2454663500" sldId="256"/>
+            <ac:spMk id="542" creationId="{4099CCA7-01B2-77AD-1110-2A43639A473A}"/>
+          </ac:spMkLst>
+        </pc:spChg>
+        <pc:spChg chg="mod">
+          <ac:chgData name="#CUI SHUAIWEN#" userId="35a196ea-bcb8-475e-86cf-0b9eaca8a48f" providerId="ADAL" clId="{6DA0022E-A64E-415A-97D4-C7EAEDC0669F}" dt="2024-07-11T02:01:46.971" v="769" actId="1076"/>
+          <ac:spMkLst>
+            <pc:docMk/>
+            <pc:sldMk cId="2454663500" sldId="256"/>
+            <ac:spMk id="545" creationId="{A0B8D375-4EA2-2F81-0504-55CFCECBCCF4}"/>
+          </ac:spMkLst>
+        </pc:spChg>
+        <pc:spChg chg="mod">
+          <ac:chgData name="#CUI SHUAIWEN#" userId="35a196ea-bcb8-475e-86cf-0b9eaca8a48f" providerId="ADAL" clId="{6DA0022E-A64E-415A-97D4-C7EAEDC0669F}" dt="2024-07-11T02:01:46.971" v="769" actId="1076"/>
+          <ac:spMkLst>
+            <pc:docMk/>
+            <pc:sldMk cId="2454663500" sldId="256"/>
+            <ac:spMk id="547" creationId="{43600C2A-75CD-68E9-1873-CFEFC38D133D}"/>
+          </ac:spMkLst>
+        </pc:spChg>
+        <pc:spChg chg="mod">
+          <ac:chgData name="#CUI SHUAIWEN#" userId="35a196ea-bcb8-475e-86cf-0b9eaca8a48f" providerId="ADAL" clId="{6DA0022E-A64E-415A-97D4-C7EAEDC0669F}" dt="2024-07-11T02:01:46.971" v="769" actId="1076"/>
+          <ac:spMkLst>
+            <pc:docMk/>
+            <pc:sldMk cId="2454663500" sldId="256"/>
+            <ac:spMk id="552" creationId="{CD2C68E5-2C50-C14D-137B-D5A3FBA63E3B}"/>
+          </ac:spMkLst>
+        </pc:spChg>
+        <pc:spChg chg="mod">
+          <ac:chgData name="#CUI SHUAIWEN#" userId="35a196ea-bcb8-475e-86cf-0b9eaca8a48f" providerId="ADAL" clId="{6DA0022E-A64E-415A-97D4-C7EAEDC0669F}" dt="2024-07-11T02:01:46.971" v="769" actId="1076"/>
+          <ac:spMkLst>
+            <pc:docMk/>
+            <pc:sldMk cId="2454663500" sldId="256"/>
+            <ac:spMk id="554" creationId="{533B31B0-0A72-A724-1ED2-8DF2F9C1D236}"/>
+          </ac:spMkLst>
+        </pc:spChg>
+        <pc:spChg chg="mod">
+          <ac:chgData name="#CUI SHUAIWEN#" userId="35a196ea-bcb8-475e-86cf-0b9eaca8a48f" providerId="ADAL" clId="{6DA0022E-A64E-415A-97D4-C7EAEDC0669F}" dt="2024-07-11T02:01:46.971" v="769" actId="1076"/>
+          <ac:spMkLst>
+            <pc:docMk/>
+            <pc:sldMk cId="2454663500" sldId="256"/>
+            <ac:spMk id="555" creationId="{EB8A9A81-1593-5ACD-F581-B56C16950085}"/>
+          </ac:spMkLst>
+        </pc:spChg>
+        <pc:spChg chg="mod">
+          <ac:chgData name="#CUI SHUAIWEN#" userId="35a196ea-bcb8-475e-86cf-0b9eaca8a48f" providerId="ADAL" clId="{6DA0022E-A64E-415A-97D4-C7EAEDC0669F}" dt="2024-07-11T02:01:46.971" v="769" actId="1076"/>
+          <ac:spMkLst>
+            <pc:docMk/>
+            <pc:sldMk cId="2454663500" sldId="256"/>
+            <ac:spMk id="556" creationId="{D2367331-F7AC-2B9B-6232-D0E5E07E14E2}"/>
+          </ac:spMkLst>
+        </pc:spChg>
+        <pc:spChg chg="mod">
+          <ac:chgData name="#CUI SHUAIWEN#" userId="35a196ea-bcb8-475e-86cf-0b9eaca8a48f" providerId="ADAL" clId="{6DA0022E-A64E-415A-97D4-C7EAEDC0669F}" dt="2024-07-11T02:01:46.971" v="769" actId="1076"/>
+          <ac:spMkLst>
+            <pc:docMk/>
+            <pc:sldMk cId="2454663500" sldId="256"/>
+            <ac:spMk id="557" creationId="{797CAD5C-092E-BB1B-DA16-934468A03C8E}"/>
+          </ac:spMkLst>
+        </pc:spChg>
+        <pc:spChg chg="mod">
+          <ac:chgData name="#CUI SHUAIWEN#" userId="35a196ea-bcb8-475e-86cf-0b9eaca8a48f" providerId="ADAL" clId="{6DA0022E-A64E-415A-97D4-C7EAEDC0669F}" dt="2024-07-11T02:01:46.971" v="769" actId="1076"/>
+          <ac:spMkLst>
+            <pc:docMk/>
+            <pc:sldMk cId="2454663500" sldId="256"/>
+            <ac:spMk id="558" creationId="{674AC061-3519-06BC-611B-07962863E28D}"/>
+          </ac:spMkLst>
+        </pc:spChg>
+        <pc:spChg chg="mod">
+          <ac:chgData name="#CUI SHUAIWEN#" userId="35a196ea-bcb8-475e-86cf-0b9eaca8a48f" providerId="ADAL" clId="{6DA0022E-A64E-415A-97D4-C7EAEDC0669F}" dt="2024-07-11T02:01:46.971" v="769" actId="1076"/>
+          <ac:spMkLst>
+            <pc:docMk/>
+            <pc:sldMk cId="2454663500" sldId="256"/>
+            <ac:spMk id="559" creationId="{4EE40741-B720-AC74-1C5E-9BCBEEAA4198}"/>
+          </ac:spMkLst>
+        </pc:spChg>
+        <pc:spChg chg="mod">
+          <ac:chgData name="#CUI SHUAIWEN#" userId="35a196ea-bcb8-475e-86cf-0b9eaca8a48f" providerId="ADAL" clId="{6DA0022E-A64E-415A-97D4-C7EAEDC0669F}" dt="2024-07-11T02:01:46.971" v="769" actId="1076"/>
+          <ac:spMkLst>
+            <pc:docMk/>
+            <pc:sldMk cId="2454663500" sldId="256"/>
+            <ac:spMk id="560" creationId="{2B9841E3-EF7A-7CF2-7ACF-643B1390871E}"/>
+          </ac:spMkLst>
+        </pc:spChg>
+        <pc:spChg chg="mod">
+          <ac:chgData name="#CUI SHUAIWEN#" userId="35a196ea-bcb8-475e-86cf-0b9eaca8a48f" providerId="ADAL" clId="{6DA0022E-A64E-415A-97D4-C7EAEDC0669F}" dt="2024-07-11T02:01:46.971" v="769" actId="1076"/>
+          <ac:spMkLst>
+            <pc:docMk/>
+            <pc:sldMk cId="2454663500" sldId="256"/>
+            <ac:spMk id="561" creationId="{322F8FF3-6530-F442-FA26-81C91F7FB2B7}"/>
+          </ac:spMkLst>
+        </pc:spChg>
+        <pc:spChg chg="mod">
+          <ac:chgData name="#CUI SHUAIWEN#" userId="35a196ea-bcb8-475e-86cf-0b9eaca8a48f" providerId="ADAL" clId="{6DA0022E-A64E-415A-97D4-C7EAEDC0669F}" dt="2024-07-11T02:01:46.971" v="769" actId="1076"/>
+          <ac:spMkLst>
+            <pc:docMk/>
+            <pc:sldMk cId="2454663500" sldId="256"/>
+            <ac:spMk id="564" creationId="{19EA88CB-717F-D912-00F8-9876F6E56310}"/>
+          </ac:spMkLst>
+        </pc:spChg>
+        <pc:spChg chg="mod">
+          <ac:chgData name="#CUI SHUAIWEN#" userId="35a196ea-bcb8-475e-86cf-0b9eaca8a48f" providerId="ADAL" clId="{6DA0022E-A64E-415A-97D4-C7EAEDC0669F}" dt="2024-07-11T02:01:46.971" v="769" actId="1076"/>
+          <ac:spMkLst>
+            <pc:docMk/>
+            <pc:sldMk cId="2454663500" sldId="256"/>
+            <ac:spMk id="575" creationId="{21C4CB21-9F18-9CC6-305B-E0956B237281}"/>
+          </ac:spMkLst>
+        </pc:spChg>
+        <pc:spChg chg="mod">
+          <ac:chgData name="#CUI SHUAIWEN#" userId="35a196ea-bcb8-475e-86cf-0b9eaca8a48f" providerId="ADAL" clId="{6DA0022E-A64E-415A-97D4-C7EAEDC0669F}" dt="2024-07-11T02:01:46.971" v="769" actId="1076"/>
+          <ac:spMkLst>
+            <pc:docMk/>
+            <pc:sldMk cId="2454663500" sldId="256"/>
+            <ac:spMk id="576" creationId="{406BEA50-BE6F-3116-0B8D-7A296A6031D3}"/>
+          </ac:spMkLst>
+        </pc:spChg>
+        <pc:spChg chg="mod">
+          <ac:chgData name="#CUI SHUAIWEN#" userId="35a196ea-bcb8-475e-86cf-0b9eaca8a48f" providerId="ADAL" clId="{6DA0022E-A64E-415A-97D4-C7EAEDC0669F}" dt="2024-07-11T02:01:46.971" v="769" actId="1076"/>
+          <ac:spMkLst>
+            <pc:docMk/>
+            <pc:sldMk cId="2454663500" sldId="256"/>
+            <ac:spMk id="577" creationId="{2B4E7FF5-A982-AB2C-0CDD-AD0E38C16BE8}"/>
+          </ac:spMkLst>
+        </pc:spChg>
+        <pc:spChg chg="mod">
+          <ac:chgData name="#CUI SHUAIWEN#" userId="35a196ea-bcb8-475e-86cf-0b9eaca8a48f" providerId="ADAL" clId="{6DA0022E-A64E-415A-97D4-C7EAEDC0669F}" dt="2024-07-11T02:01:46.971" v="769" actId="1076"/>
+          <ac:spMkLst>
+            <pc:docMk/>
+            <pc:sldMk cId="2454663500" sldId="256"/>
+            <ac:spMk id="578" creationId="{994E7571-5D26-F91C-43BB-D154CC339563}"/>
+          </ac:spMkLst>
+        </pc:spChg>
+        <pc:spChg chg="mod">
+          <ac:chgData name="#CUI SHUAIWEN#" userId="35a196ea-bcb8-475e-86cf-0b9eaca8a48f" providerId="ADAL" clId="{6DA0022E-A64E-415A-97D4-C7EAEDC0669F}" dt="2024-07-11T02:01:46.971" v="769" actId="1076"/>
+          <ac:spMkLst>
+            <pc:docMk/>
+            <pc:sldMk cId="2454663500" sldId="256"/>
+            <ac:spMk id="579" creationId="{D254CC06-83D5-714A-AC18-8290C00ADDCD}"/>
+          </ac:spMkLst>
+        </pc:spChg>
+        <pc:spChg chg="mod">
+          <ac:chgData name="#CUI SHUAIWEN#" userId="35a196ea-bcb8-475e-86cf-0b9eaca8a48f" providerId="ADAL" clId="{6DA0022E-A64E-415A-97D4-C7EAEDC0669F}" dt="2024-07-11T02:01:46.971" v="769" actId="1076"/>
+          <ac:spMkLst>
+            <pc:docMk/>
+            <pc:sldMk cId="2454663500" sldId="256"/>
+            <ac:spMk id="580" creationId="{C4D3E2C5-1ED7-C6B3-E005-5B3260CCF6BF}"/>
+          </ac:spMkLst>
+        </pc:spChg>
+        <pc:spChg chg="mod">
+          <ac:chgData name="#CUI SHUAIWEN#" userId="35a196ea-bcb8-475e-86cf-0b9eaca8a48f" providerId="ADAL" clId="{6DA0022E-A64E-415A-97D4-C7EAEDC0669F}" dt="2024-07-11T02:01:46.971" v="769" actId="1076"/>
+          <ac:spMkLst>
+            <pc:docMk/>
+            <pc:sldMk cId="2454663500" sldId="256"/>
+            <ac:spMk id="581" creationId="{4A233CEC-50DF-0AC2-EE37-E48EF67D6BC6}"/>
+          </ac:spMkLst>
+        </pc:spChg>
+        <pc:spChg chg="mod">
+          <ac:chgData name="#CUI SHUAIWEN#" userId="35a196ea-bcb8-475e-86cf-0b9eaca8a48f" providerId="ADAL" clId="{6DA0022E-A64E-415A-97D4-C7EAEDC0669F}" dt="2024-07-11T02:01:46.971" v="769" actId="1076"/>
+          <ac:spMkLst>
+            <pc:docMk/>
+            <pc:sldMk cId="2454663500" sldId="256"/>
+            <ac:spMk id="586" creationId="{154CAA3A-53F3-F5C9-E5D7-CFE98493D2E5}"/>
+          </ac:spMkLst>
+        </pc:spChg>
+        <pc:spChg chg="mod">
+          <ac:chgData name="#CUI SHUAIWEN#" userId="35a196ea-bcb8-475e-86cf-0b9eaca8a48f" providerId="ADAL" clId="{6DA0022E-A64E-415A-97D4-C7EAEDC0669F}" dt="2024-07-11T02:01:46.971" v="769" actId="1076"/>
+          <ac:spMkLst>
+            <pc:docMk/>
+            <pc:sldMk cId="2454663500" sldId="256"/>
+            <ac:spMk id="597" creationId="{2725112D-E5F3-4E16-677A-7CDF871F6157}"/>
+          </ac:spMkLst>
+        </pc:spChg>
+        <pc:spChg chg="mod">
+          <ac:chgData name="#CUI SHUAIWEN#" userId="35a196ea-bcb8-475e-86cf-0b9eaca8a48f" providerId="ADAL" clId="{6DA0022E-A64E-415A-97D4-C7EAEDC0669F}" dt="2024-07-11T02:01:46.971" v="769" actId="1076"/>
+          <ac:spMkLst>
+            <pc:docMk/>
+            <pc:sldMk cId="2454663500" sldId="256"/>
+            <ac:spMk id="598" creationId="{2AA59336-2A86-CE45-286D-D0CEAE49DDD9}"/>
+          </ac:spMkLst>
+        </pc:spChg>
+        <pc:spChg chg="mod">
+          <ac:chgData name="#CUI SHUAIWEN#" userId="35a196ea-bcb8-475e-86cf-0b9eaca8a48f" providerId="ADAL" clId="{6DA0022E-A64E-415A-97D4-C7EAEDC0669F}" dt="2024-07-11T02:01:46.971" v="769" actId="1076"/>
+          <ac:spMkLst>
+            <pc:docMk/>
+            <pc:sldMk cId="2454663500" sldId="256"/>
+            <ac:spMk id="599" creationId="{DF56185C-8F2F-B0E2-A759-FEAC18DEA28D}"/>
+          </ac:spMkLst>
+        </pc:spChg>
+        <pc:spChg chg="mod">
+          <ac:chgData name="#CUI SHUAIWEN#" userId="35a196ea-bcb8-475e-86cf-0b9eaca8a48f" providerId="ADAL" clId="{6DA0022E-A64E-415A-97D4-C7EAEDC0669F}" dt="2024-07-11T02:01:46.971" v="769" actId="1076"/>
+          <ac:spMkLst>
+            <pc:docMk/>
+            <pc:sldMk cId="2454663500" sldId="256"/>
+            <ac:spMk id="600" creationId="{1C17A390-8BDC-BB85-DDBC-AD6E5831CDF6}"/>
+          </ac:spMkLst>
+        </pc:spChg>
+        <pc:spChg chg="mod">
+          <ac:chgData name="#CUI SHUAIWEN#" userId="35a196ea-bcb8-475e-86cf-0b9eaca8a48f" providerId="ADAL" clId="{6DA0022E-A64E-415A-97D4-C7EAEDC0669F}" dt="2024-07-11T02:01:46.971" v="769" actId="1076"/>
+          <ac:spMkLst>
+            <pc:docMk/>
+            <pc:sldMk cId="2454663500" sldId="256"/>
+            <ac:spMk id="601" creationId="{7BFEEE84-CD94-00AD-3685-A7C400BA276A}"/>
+          </ac:spMkLst>
+        </pc:spChg>
+        <pc:spChg chg="mod">
+          <ac:chgData name="#CUI SHUAIWEN#" userId="35a196ea-bcb8-475e-86cf-0b9eaca8a48f" providerId="ADAL" clId="{6DA0022E-A64E-415A-97D4-C7EAEDC0669F}" dt="2024-07-11T02:01:46.971" v="769" actId="1076"/>
+          <ac:spMkLst>
+            <pc:docMk/>
+            <pc:sldMk cId="2454663500" sldId="256"/>
+            <ac:spMk id="602" creationId="{3B1EB549-4BA2-0A4C-9C07-AEF7BC5DAC55}"/>
+          </ac:spMkLst>
+        </pc:spChg>
+        <pc:spChg chg="mod">
+          <ac:chgData name="#CUI SHUAIWEN#" userId="35a196ea-bcb8-475e-86cf-0b9eaca8a48f" providerId="ADAL" clId="{6DA0022E-A64E-415A-97D4-C7EAEDC0669F}" dt="2024-07-11T02:01:46.971" v="769" actId="1076"/>
+          <ac:spMkLst>
+            <pc:docMk/>
+            <pc:sldMk cId="2454663500" sldId="256"/>
+            <ac:spMk id="603" creationId="{9D19C0AF-7F48-DA06-B175-F6940B4B0988}"/>
+          </ac:spMkLst>
+        </pc:spChg>
+        <pc:spChg chg="mod">
+          <ac:chgData name="#CUI SHUAIWEN#" userId="35a196ea-bcb8-475e-86cf-0b9eaca8a48f" providerId="ADAL" clId="{6DA0022E-A64E-415A-97D4-C7EAEDC0669F}" dt="2024-07-11T02:01:46.971" v="769" actId="1076"/>
+          <ac:spMkLst>
+            <pc:docMk/>
+            <pc:sldMk cId="2454663500" sldId="256"/>
+            <ac:spMk id="605" creationId="{F4B3C02F-ECCF-B70B-711D-FE27571C9975}"/>
+          </ac:spMkLst>
+        </pc:spChg>
+        <pc:spChg chg="mod">
+          <ac:chgData name="#CUI SHUAIWEN#" userId="35a196ea-bcb8-475e-86cf-0b9eaca8a48f" providerId="ADAL" clId="{6DA0022E-A64E-415A-97D4-C7EAEDC0669F}" dt="2024-07-11T02:01:46.971" v="769" actId="1076"/>
+          <ac:spMkLst>
+            <pc:docMk/>
+            <pc:sldMk cId="2454663500" sldId="256"/>
+            <ac:spMk id="606" creationId="{F2725EDD-D244-EA30-B6C2-C5FD25696E3E}"/>
+          </ac:spMkLst>
+        </pc:spChg>
+        <pc:spChg chg="mod">
+          <ac:chgData name="#CUI SHUAIWEN#" userId="35a196ea-bcb8-475e-86cf-0b9eaca8a48f" providerId="ADAL" clId="{6DA0022E-A64E-415A-97D4-C7EAEDC0669F}" dt="2024-07-11T02:01:46.971" v="769" actId="1076"/>
+          <ac:spMkLst>
+            <pc:docMk/>
+            <pc:sldMk cId="2454663500" sldId="256"/>
+            <ac:spMk id="607" creationId="{031C20F7-9D31-9E46-8138-507DA38E9BAB}"/>
+          </ac:spMkLst>
+        </pc:spChg>
+        <pc:spChg chg="mod">
+          <ac:chgData name="#CUI SHUAIWEN#" userId="35a196ea-bcb8-475e-86cf-0b9eaca8a48f" providerId="ADAL" clId="{6DA0022E-A64E-415A-97D4-C7EAEDC0669F}" dt="2024-07-11T02:01:46.971" v="769" actId="1076"/>
+          <ac:spMkLst>
+            <pc:docMk/>
+            <pc:sldMk cId="2454663500" sldId="256"/>
+            <ac:spMk id="608" creationId="{CCBD917B-595A-339C-EAF7-5B0D64A2FFE3}"/>
+          </ac:spMkLst>
+        </pc:spChg>
+        <pc:spChg chg="mod">
+          <ac:chgData name="#CUI SHUAIWEN#" userId="35a196ea-bcb8-475e-86cf-0b9eaca8a48f" providerId="ADAL" clId="{6DA0022E-A64E-415A-97D4-C7EAEDC0669F}" dt="2024-07-11T02:01:46.971" v="769" actId="1076"/>
+          <ac:spMkLst>
+            <pc:docMk/>
+            <pc:sldMk cId="2454663500" sldId="256"/>
+            <ac:spMk id="609" creationId="{0DCC55EC-C7F8-C0AC-4803-070EBA998172}"/>
+          </ac:spMkLst>
+        </pc:spChg>
+        <pc:spChg chg="mod">
+          <ac:chgData name="#CUI SHUAIWEN#" userId="35a196ea-bcb8-475e-86cf-0b9eaca8a48f" providerId="ADAL" clId="{6DA0022E-A64E-415A-97D4-C7EAEDC0669F}" dt="2024-07-11T02:01:46.971" v="769" actId="1076"/>
+          <ac:spMkLst>
+            <pc:docMk/>
+            <pc:sldMk cId="2454663500" sldId="256"/>
+            <ac:spMk id="610" creationId="{1CABB648-7C2A-A649-A08B-920BD69A02C8}"/>
+          </ac:spMkLst>
+        </pc:spChg>
+        <pc:spChg chg="mod">
+          <ac:chgData name="#CUI SHUAIWEN#" userId="35a196ea-bcb8-475e-86cf-0b9eaca8a48f" providerId="ADAL" clId="{6DA0022E-A64E-415A-97D4-C7EAEDC0669F}" dt="2024-07-11T02:01:46.971" v="769" actId="1076"/>
+          <ac:spMkLst>
+            <pc:docMk/>
+            <pc:sldMk cId="2454663500" sldId="256"/>
+            <ac:spMk id="611" creationId="{2145FBA9-5F4D-3F4C-49DA-FAA441E78E8F}"/>
+          </ac:spMkLst>
+        </pc:spChg>
+        <pc:spChg chg="mod">
+          <ac:chgData name="#CUI SHUAIWEN#" userId="35a196ea-bcb8-475e-86cf-0b9eaca8a48f" providerId="ADAL" clId="{6DA0022E-A64E-415A-97D4-C7EAEDC0669F}" dt="2024-07-11T02:01:46.971" v="769" actId="1076"/>
+          <ac:spMkLst>
+            <pc:docMk/>
+            <pc:sldMk cId="2454663500" sldId="256"/>
+            <ac:spMk id="612" creationId="{F39DC4B9-5E8E-22DF-B4B9-D8F74C914CBC}"/>
+          </ac:spMkLst>
+        </pc:spChg>
+        <pc:spChg chg="mod">
+          <ac:chgData name="#CUI SHUAIWEN#" userId="35a196ea-bcb8-475e-86cf-0b9eaca8a48f" providerId="ADAL" clId="{6DA0022E-A64E-415A-97D4-C7EAEDC0669F}" dt="2024-07-11T02:01:46.971" v="769" actId="1076"/>
+          <ac:spMkLst>
+            <pc:docMk/>
+            <pc:sldMk cId="2454663500" sldId="256"/>
+            <ac:spMk id="613" creationId="{C81C29A3-1C37-CC6D-7892-DB63B8ED548A}"/>
+          </ac:spMkLst>
+        </pc:spChg>
+        <pc:spChg chg="mod">
+          <ac:chgData name="#CUI SHUAIWEN#" userId="35a196ea-bcb8-475e-86cf-0b9eaca8a48f" providerId="ADAL" clId="{6DA0022E-A64E-415A-97D4-C7EAEDC0669F}" dt="2024-07-11T02:01:46.971" v="769" actId="1076"/>
+          <ac:spMkLst>
+            <pc:docMk/>
+            <pc:sldMk cId="2454663500" sldId="256"/>
+            <ac:spMk id="620" creationId="{07E54022-0B71-7877-6120-02B65294E663}"/>
+          </ac:spMkLst>
+        </pc:spChg>
+        <pc:spChg chg="mod">
+          <ac:chgData name="#CUI SHUAIWEN#" userId="35a196ea-bcb8-475e-86cf-0b9eaca8a48f" providerId="ADAL" clId="{6DA0022E-A64E-415A-97D4-C7EAEDC0669F}" dt="2024-07-11T02:01:46.971" v="769" actId="1076"/>
+          <ac:spMkLst>
+            <pc:docMk/>
+            <pc:sldMk cId="2454663500" sldId="256"/>
+            <ac:spMk id="621" creationId="{D535CD6C-2B2A-FBCE-7F8A-55F037D6E66F}"/>
+          </ac:spMkLst>
+        </pc:spChg>
+        <pc:spChg chg="mod">
+          <ac:chgData name="#CUI SHUAIWEN#" userId="35a196ea-bcb8-475e-86cf-0b9eaca8a48f" providerId="ADAL" clId="{6DA0022E-A64E-415A-97D4-C7EAEDC0669F}" dt="2024-07-11T02:01:46.971" v="769" actId="1076"/>
+          <ac:spMkLst>
+            <pc:docMk/>
+            <pc:sldMk cId="2454663500" sldId="256"/>
+            <ac:spMk id="622" creationId="{CA8AEB4B-4A7C-1237-73C1-7CA20FE9B827}"/>
+          </ac:spMkLst>
+        </pc:spChg>
+        <pc:spChg chg="mod">
+          <ac:chgData name="#CUI SHUAIWEN#" userId="35a196ea-bcb8-475e-86cf-0b9eaca8a48f" providerId="ADAL" clId="{6DA0022E-A64E-415A-97D4-C7EAEDC0669F}" dt="2024-07-11T02:01:46.971" v="769" actId="1076"/>
+          <ac:spMkLst>
+            <pc:docMk/>
+            <pc:sldMk cId="2454663500" sldId="256"/>
+            <ac:spMk id="623" creationId="{A1CEE1B8-4B1E-D102-DF79-A4ECFAC2C626}"/>
+          </ac:spMkLst>
+        </pc:spChg>
+        <pc:spChg chg="mod">
+          <ac:chgData name="#CUI SHUAIWEN#" userId="35a196ea-bcb8-475e-86cf-0b9eaca8a48f" providerId="ADAL" clId="{6DA0022E-A64E-415A-97D4-C7EAEDC0669F}" dt="2024-07-11T02:01:46.971" v="769" actId="1076"/>
+          <ac:spMkLst>
+            <pc:docMk/>
+            <pc:sldMk cId="2454663500" sldId="256"/>
+            <ac:spMk id="624" creationId="{89EACFF5-C40F-2F41-929C-2C7F5FE02366}"/>
+          </ac:spMkLst>
+        </pc:spChg>
+        <pc:spChg chg="mod">
+          <ac:chgData name="#CUI SHUAIWEN#" userId="35a196ea-bcb8-475e-86cf-0b9eaca8a48f" providerId="ADAL" clId="{6DA0022E-A64E-415A-97D4-C7EAEDC0669F}" dt="2024-07-11T02:01:46.971" v="769" actId="1076"/>
+          <ac:spMkLst>
+            <pc:docMk/>
+            <pc:sldMk cId="2454663500" sldId="256"/>
+            <ac:spMk id="625" creationId="{47373648-2672-7C97-876C-CE3476FEC55C}"/>
+          </ac:spMkLst>
+        </pc:spChg>
+        <pc:spChg chg="mod">
+          <ac:chgData name="#CUI SHUAIWEN#" userId="35a196ea-bcb8-475e-86cf-0b9eaca8a48f" providerId="ADAL" clId="{6DA0022E-A64E-415A-97D4-C7EAEDC0669F}" dt="2024-07-11T02:01:46.971" v="769" actId="1076"/>
+          <ac:spMkLst>
+            <pc:docMk/>
+            <pc:sldMk cId="2454663500" sldId="256"/>
+            <ac:spMk id="630" creationId="{5169B107-E89F-F731-5EB9-9D42E76D88CA}"/>
+          </ac:spMkLst>
+        </pc:spChg>
+        <pc:spChg chg="mod">
+          <ac:chgData name="#CUI SHUAIWEN#" userId="35a196ea-bcb8-475e-86cf-0b9eaca8a48f" providerId="ADAL" clId="{6DA0022E-A64E-415A-97D4-C7EAEDC0669F}" dt="2024-07-11T02:01:46.971" v="769" actId="1076"/>
+          <ac:spMkLst>
+            <pc:docMk/>
+            <pc:sldMk cId="2454663500" sldId="256"/>
+            <ac:spMk id="635" creationId="{A001C5A8-C480-C80A-5572-BA02CF9F0E48}"/>
+          </ac:spMkLst>
+        </pc:spChg>
+        <pc:spChg chg="mod">
+          <ac:chgData name="#CUI SHUAIWEN#" userId="35a196ea-bcb8-475e-86cf-0b9eaca8a48f" providerId="ADAL" clId="{6DA0022E-A64E-415A-97D4-C7EAEDC0669F}" dt="2024-07-11T02:01:46.971" v="769" actId="1076"/>
+          <ac:spMkLst>
+            <pc:docMk/>
+            <pc:sldMk cId="2454663500" sldId="256"/>
+            <ac:spMk id="636" creationId="{BC57B161-EC20-D4A8-6BDA-BAE503B3D253}"/>
+          </ac:spMkLst>
+        </pc:spChg>
+        <pc:spChg chg="mod">
+          <ac:chgData name="#CUI SHUAIWEN#" userId="35a196ea-bcb8-475e-86cf-0b9eaca8a48f" providerId="ADAL" clId="{6DA0022E-A64E-415A-97D4-C7EAEDC0669F}" dt="2024-07-11T02:01:46.971" v="769" actId="1076"/>
+          <ac:spMkLst>
+            <pc:docMk/>
+            <pc:sldMk cId="2454663500" sldId="256"/>
+            <ac:spMk id="637" creationId="{524FE1BE-9DC4-B05A-DEA5-85C6E55DCB8B}"/>
+          </ac:spMkLst>
+        </pc:spChg>
+        <pc:spChg chg="mod">
+          <ac:chgData name="#CUI SHUAIWEN#" userId="35a196ea-bcb8-475e-86cf-0b9eaca8a48f" providerId="ADAL" clId="{6DA0022E-A64E-415A-97D4-C7EAEDC0669F}" dt="2024-07-11T02:01:46.971" v="769" actId="1076"/>
+          <ac:spMkLst>
+            <pc:docMk/>
+            <pc:sldMk cId="2454663500" sldId="256"/>
+            <ac:spMk id="643" creationId="{E450B9B2-5831-FA9E-85CF-AD3A162FD93A}"/>
+          </ac:spMkLst>
+        </pc:spChg>
+        <pc:spChg chg="mod">
+          <ac:chgData name="#CUI SHUAIWEN#" userId="35a196ea-bcb8-475e-86cf-0b9eaca8a48f" providerId="ADAL" clId="{6DA0022E-A64E-415A-97D4-C7EAEDC0669F}" dt="2024-07-11T02:01:46.971" v="769" actId="1076"/>
+          <ac:spMkLst>
+            <pc:docMk/>
+            <pc:sldMk cId="2454663500" sldId="256"/>
+            <ac:spMk id="644" creationId="{D87E4EE7-4F17-6D65-0070-B17DF3554AFF}"/>
+          </ac:spMkLst>
+        </pc:spChg>
+        <pc:spChg chg="mod">
+          <ac:chgData name="#CUI SHUAIWEN#" userId="35a196ea-bcb8-475e-86cf-0b9eaca8a48f" providerId="ADAL" clId="{6DA0022E-A64E-415A-97D4-C7EAEDC0669F}" dt="2024-07-11T02:01:46.971" v="769" actId="1076"/>
+          <ac:spMkLst>
+            <pc:docMk/>
+            <pc:sldMk cId="2454663500" sldId="256"/>
+            <ac:spMk id="646" creationId="{9369F532-E275-BB93-A896-767688E9AED3}"/>
+          </ac:spMkLst>
+        </pc:spChg>
+        <pc:spChg chg="mod">
+          <ac:chgData name="#CUI SHUAIWEN#" userId="35a196ea-bcb8-475e-86cf-0b9eaca8a48f" providerId="ADAL" clId="{6DA0022E-A64E-415A-97D4-C7EAEDC0669F}" dt="2024-07-11T02:01:46.971" v="769" actId="1076"/>
+          <ac:spMkLst>
+            <pc:docMk/>
+            <pc:sldMk cId="2454663500" sldId="256"/>
+            <ac:spMk id="647" creationId="{58E1A810-6401-8362-6DEE-6C962C8012AE}"/>
+          </ac:spMkLst>
+        </pc:spChg>
+        <pc:spChg chg="mod">
+          <ac:chgData name="#CUI SHUAIWEN#" userId="35a196ea-bcb8-475e-86cf-0b9eaca8a48f" providerId="ADAL" clId="{6DA0022E-A64E-415A-97D4-C7EAEDC0669F}" dt="2024-07-11T02:01:46.971" v="769" actId="1076"/>
+          <ac:spMkLst>
+            <pc:docMk/>
+            <pc:sldMk cId="2454663500" sldId="256"/>
+            <ac:spMk id="648" creationId="{0283711B-860C-351D-5294-E233FC434E54}"/>
+          </ac:spMkLst>
+        </pc:spChg>
+        <pc:spChg chg="mod">
+          <ac:chgData name="#CUI SHUAIWEN#" userId="35a196ea-bcb8-475e-86cf-0b9eaca8a48f" providerId="ADAL" clId="{6DA0022E-A64E-415A-97D4-C7EAEDC0669F}" dt="2024-07-11T02:01:46.971" v="769" actId="1076"/>
+          <ac:spMkLst>
+            <pc:docMk/>
+            <pc:sldMk cId="2454663500" sldId="256"/>
+            <ac:spMk id="649" creationId="{23042139-ACD2-BE0E-D64C-C092E1746D52}"/>
+          </ac:spMkLst>
+        </pc:spChg>
+        <pc:spChg chg="mod">
+          <ac:chgData name="#CUI SHUAIWEN#" userId="35a196ea-bcb8-475e-86cf-0b9eaca8a48f" providerId="ADAL" clId="{6DA0022E-A64E-415A-97D4-C7EAEDC0669F}" dt="2024-07-11T02:01:46.971" v="769" actId="1076"/>
+          <ac:spMkLst>
+            <pc:docMk/>
+            <pc:sldMk cId="2454663500" sldId="256"/>
+            <ac:spMk id="650" creationId="{876D4F23-0536-27EB-77DB-D96AD78FC1F3}"/>
+          </ac:spMkLst>
+        </pc:spChg>
+        <pc:spChg chg="mod">
+          <ac:chgData name="#CUI SHUAIWEN#" userId="35a196ea-bcb8-475e-86cf-0b9eaca8a48f" providerId="ADAL" clId="{6DA0022E-A64E-415A-97D4-C7EAEDC0669F}" dt="2024-07-11T02:01:46.971" v="769" actId="1076"/>
+          <ac:spMkLst>
+            <pc:docMk/>
+            <pc:sldMk cId="2454663500" sldId="256"/>
+            <ac:spMk id="651" creationId="{C0F48490-7DA7-D0B4-3B38-3B63A65FDC16}"/>
+          </ac:spMkLst>
+        </pc:spChg>
+        <pc:spChg chg="mod">
+          <ac:chgData name="#CUI SHUAIWEN#" userId="35a196ea-bcb8-475e-86cf-0b9eaca8a48f" providerId="ADAL" clId="{6DA0022E-A64E-415A-97D4-C7EAEDC0669F}" dt="2024-07-11T02:01:46.971" v="769" actId="1076"/>
+          <ac:spMkLst>
+            <pc:docMk/>
+            <pc:sldMk cId="2454663500" sldId="256"/>
+            <ac:spMk id="652" creationId="{6532777F-3695-5F63-9CF7-821F7ACB3541}"/>
+          </ac:spMkLst>
+        </pc:spChg>
+        <pc:spChg chg="mod">
+          <ac:chgData name="#CUI SHUAIWEN#" userId="35a196ea-bcb8-475e-86cf-0b9eaca8a48f" providerId="ADAL" clId="{6DA0022E-A64E-415A-97D4-C7EAEDC0669F}" dt="2024-07-11T02:01:46.971" v="769" actId="1076"/>
+          <ac:spMkLst>
+            <pc:docMk/>
+            <pc:sldMk cId="2454663500" sldId="256"/>
+            <ac:spMk id="653" creationId="{1A6CA1EF-1D52-BBD7-B9FB-9E6AB8CD3C60}"/>
+          </ac:spMkLst>
+        </pc:spChg>
+        <pc:spChg chg="mod">
+          <ac:chgData name="#CUI SHUAIWEN#" userId="35a196ea-bcb8-475e-86cf-0b9eaca8a48f" providerId="ADAL" clId="{6DA0022E-A64E-415A-97D4-C7EAEDC0669F}" dt="2024-07-11T02:01:46.971" v="769" actId="1076"/>
+          <ac:spMkLst>
+            <pc:docMk/>
+            <pc:sldMk cId="2454663500" sldId="256"/>
+            <ac:spMk id="672" creationId="{9AD905F2-B0DB-63CA-4A3D-B2369339A604}"/>
+          </ac:spMkLst>
+        </pc:spChg>
+        <pc:spChg chg="mod">
+          <ac:chgData name="#CUI SHUAIWEN#" userId="35a196ea-bcb8-475e-86cf-0b9eaca8a48f" providerId="ADAL" clId="{6DA0022E-A64E-415A-97D4-C7EAEDC0669F}" dt="2024-07-11T02:01:46.971" v="769" actId="1076"/>
+          <ac:spMkLst>
+            <pc:docMk/>
+            <pc:sldMk cId="2454663500" sldId="256"/>
+            <ac:spMk id="673" creationId="{80E464D7-31BD-5C19-37B4-59487ADAE0C5}"/>
+          </ac:spMkLst>
+        </pc:spChg>
+        <pc:spChg chg="mod">
+          <ac:chgData name="#CUI SHUAIWEN#" userId="35a196ea-bcb8-475e-86cf-0b9eaca8a48f" providerId="ADAL" clId="{6DA0022E-A64E-415A-97D4-C7EAEDC0669F}" dt="2024-07-11T02:01:46.971" v="769" actId="1076"/>
+          <ac:spMkLst>
+            <pc:docMk/>
+            <pc:sldMk cId="2454663500" sldId="256"/>
+            <ac:spMk id="674" creationId="{631085EA-C72C-2289-5CC1-AC22DBDBE597}"/>
+          </ac:spMkLst>
+        </pc:spChg>
+        <pc:spChg chg="mod">
+          <ac:chgData name="#CUI SHUAIWEN#" userId="35a196ea-bcb8-475e-86cf-0b9eaca8a48f" providerId="ADAL" clId="{6DA0022E-A64E-415A-97D4-C7EAEDC0669F}" dt="2024-07-11T02:01:46.971" v="769" actId="1076"/>
+          <ac:spMkLst>
+            <pc:docMk/>
+            <pc:sldMk cId="2454663500" sldId="256"/>
+            <ac:spMk id="675" creationId="{F6653C9D-039B-D3F2-C971-2F6635B05D02}"/>
+          </ac:spMkLst>
+        </pc:spChg>
+        <pc:spChg chg="mod">
+          <ac:chgData name="#CUI SHUAIWEN#" userId="35a196ea-bcb8-475e-86cf-0b9eaca8a48f" providerId="ADAL" clId="{6DA0022E-A64E-415A-97D4-C7EAEDC0669F}" dt="2024-07-11T02:01:46.971" v="769" actId="1076"/>
+          <ac:spMkLst>
+            <pc:docMk/>
+            <pc:sldMk cId="2454663500" sldId="256"/>
+            <ac:spMk id="676" creationId="{923B019A-C823-357D-2F55-189CFE702CB5}"/>
+          </ac:spMkLst>
+        </pc:spChg>
+        <pc:spChg chg="mod">
+          <ac:chgData name="#CUI SHUAIWEN#" userId="35a196ea-bcb8-475e-86cf-0b9eaca8a48f" providerId="ADAL" clId="{6DA0022E-A64E-415A-97D4-C7EAEDC0669F}" dt="2024-07-11T02:01:46.971" v="769" actId="1076"/>
+          <ac:spMkLst>
+            <pc:docMk/>
+            <pc:sldMk cId="2454663500" sldId="256"/>
+            <ac:spMk id="677" creationId="{579A4CA0-BBC3-E581-1231-BF5EB5D1317C}"/>
+          </ac:spMkLst>
+        </pc:spChg>
+        <pc:spChg chg="mod">
+          <ac:chgData name="#CUI SHUAIWEN#" userId="35a196ea-bcb8-475e-86cf-0b9eaca8a48f" providerId="ADAL" clId="{6DA0022E-A64E-415A-97D4-C7EAEDC0669F}" dt="2024-07-11T02:01:46.971" v="769" actId="1076"/>
+          <ac:spMkLst>
+            <pc:docMk/>
+            <pc:sldMk cId="2454663500" sldId="256"/>
+            <ac:spMk id="678" creationId="{BB4EBB7E-EAAD-C62F-2FE6-02CC4717F4ED}"/>
+          </ac:spMkLst>
+        </pc:spChg>
+        <pc:spChg chg="mod">
+          <ac:chgData name="#CUI SHUAIWEN#" userId="35a196ea-bcb8-475e-86cf-0b9eaca8a48f" providerId="ADAL" clId="{6DA0022E-A64E-415A-97D4-C7EAEDC0669F}" dt="2024-07-11T02:01:46.971" v="769" actId="1076"/>
+          <ac:spMkLst>
+            <pc:docMk/>
+            <pc:sldMk cId="2454663500" sldId="256"/>
+            <ac:spMk id="679" creationId="{896EADF6-47C1-BED3-545C-A1F873316FB2}"/>
+          </ac:spMkLst>
+        </pc:spChg>
+        <pc:spChg chg="mod">
+          <ac:chgData name="#CUI SHUAIWEN#" userId="35a196ea-bcb8-475e-86cf-0b9eaca8a48f" providerId="ADAL" clId="{6DA0022E-A64E-415A-97D4-C7EAEDC0669F}" dt="2024-07-11T02:01:46.971" v="769" actId="1076"/>
+          <ac:spMkLst>
+            <pc:docMk/>
+            <pc:sldMk cId="2454663500" sldId="256"/>
+            <ac:spMk id="680" creationId="{D5EE7ED1-6A10-5833-04BB-F480EF51E47B}"/>
+          </ac:spMkLst>
+        </pc:spChg>
+        <pc:spChg chg="mod">
+          <ac:chgData name="#CUI SHUAIWEN#" userId="35a196ea-bcb8-475e-86cf-0b9eaca8a48f" providerId="ADAL" clId="{6DA0022E-A64E-415A-97D4-C7EAEDC0669F}" dt="2024-07-11T02:01:46.971" v="769" actId="1076"/>
+          <ac:spMkLst>
+            <pc:docMk/>
+            <pc:sldMk cId="2454663500" sldId="256"/>
+            <ac:spMk id="681" creationId="{9B0D4FBC-4FB1-A05A-29CA-294A071FF2F7}"/>
+          </ac:spMkLst>
+        </pc:spChg>
+        <pc:spChg chg="mod">
+          <ac:chgData name="#CUI SHUAIWEN#" userId="35a196ea-bcb8-475e-86cf-0b9eaca8a48f" providerId="ADAL" clId="{6DA0022E-A64E-415A-97D4-C7EAEDC0669F}" dt="2024-07-11T02:01:46.971" v="769" actId="1076"/>
+          <ac:spMkLst>
+            <pc:docMk/>
+            <pc:sldMk cId="2454663500" sldId="256"/>
+            <ac:spMk id="682" creationId="{D75A4D26-2038-E6A7-5AE2-5F6810605C74}"/>
+          </ac:spMkLst>
+        </pc:spChg>
+        <pc:spChg chg="mod">
+          <ac:chgData name="#CUI SHUAIWEN#" userId="35a196ea-bcb8-475e-86cf-0b9eaca8a48f" providerId="ADAL" clId="{6DA0022E-A64E-415A-97D4-C7EAEDC0669F}" dt="2024-07-11T02:01:46.971" v="769" actId="1076"/>
+          <ac:spMkLst>
+            <pc:docMk/>
+            <pc:sldMk cId="2454663500" sldId="256"/>
+            <ac:spMk id="683" creationId="{B7DC91B0-0E8D-DFF6-BD35-AC5CCE1089D3}"/>
+          </ac:spMkLst>
+        </pc:spChg>
+        <pc:spChg chg="mod">
+          <ac:chgData name="#CUI SHUAIWEN#" userId="35a196ea-bcb8-475e-86cf-0b9eaca8a48f" providerId="ADAL" clId="{6DA0022E-A64E-415A-97D4-C7EAEDC0669F}" dt="2024-07-11T02:01:46.971" v="769" actId="1076"/>
+          <ac:spMkLst>
+            <pc:docMk/>
+            <pc:sldMk cId="2454663500" sldId="256"/>
+            <ac:spMk id="684" creationId="{5ED126B9-ED07-C338-AAE1-83285FD97555}"/>
+          </ac:spMkLst>
+        </pc:spChg>
+        <pc:spChg chg="mod">
+          <ac:chgData name="#CUI SHUAIWEN#" userId="35a196ea-bcb8-475e-86cf-0b9eaca8a48f" providerId="ADAL" clId="{6DA0022E-A64E-415A-97D4-C7EAEDC0669F}" dt="2024-07-11T02:01:46.971" v="769" actId="1076"/>
+          <ac:spMkLst>
+            <pc:docMk/>
+            <pc:sldMk cId="2454663500" sldId="256"/>
+            <ac:spMk id="685" creationId="{7B0F2915-0DDF-6B67-4165-BE9102556517}"/>
+          </ac:spMkLst>
+        </pc:spChg>
+        <pc:spChg chg="mod">
+          <ac:chgData name="#CUI SHUAIWEN#" userId="35a196ea-bcb8-475e-86cf-0b9eaca8a48f" providerId="ADAL" clId="{6DA0022E-A64E-415A-97D4-C7EAEDC0669F}" dt="2024-07-11T02:01:46.971" v="769" actId="1076"/>
+          <ac:spMkLst>
+            <pc:docMk/>
+            <pc:sldMk cId="2454663500" sldId="256"/>
+            <ac:spMk id="686" creationId="{6AF5EB92-B7EC-4AA3-61F5-3F65FE6DA8C8}"/>
+          </ac:spMkLst>
+        </pc:spChg>
+        <pc:spChg chg="mod">
+          <ac:chgData name="#CUI SHUAIWEN#" userId="35a196ea-bcb8-475e-86cf-0b9eaca8a48f" providerId="ADAL" clId="{6DA0022E-A64E-415A-97D4-C7EAEDC0669F}" dt="2024-07-11T02:01:46.971" v="769" actId="1076"/>
+          <ac:spMkLst>
+            <pc:docMk/>
+            <pc:sldMk cId="2454663500" sldId="256"/>
+            <ac:spMk id="688" creationId="{76AB4F89-DE75-E78B-C1E4-920F0DCA8D68}"/>
+          </ac:spMkLst>
+        </pc:spChg>
+        <pc:spChg chg="mod">
+          <ac:chgData name="#CUI SHUAIWEN#" userId="35a196ea-bcb8-475e-86cf-0b9eaca8a48f" providerId="ADAL" clId="{6DA0022E-A64E-415A-97D4-C7EAEDC0669F}" dt="2024-07-11T02:01:46.971" v="769" actId="1076"/>
+          <ac:spMkLst>
+            <pc:docMk/>
+            <pc:sldMk cId="2454663500" sldId="256"/>
+            <ac:spMk id="691" creationId="{451C3102-9536-261C-5C55-804AE5812687}"/>
+          </ac:spMkLst>
+        </pc:spChg>
+        <pc:spChg chg="mod">
+          <ac:chgData name="#CUI SHUAIWEN#" userId="35a196ea-bcb8-475e-86cf-0b9eaca8a48f" providerId="ADAL" clId="{6DA0022E-A64E-415A-97D4-C7EAEDC0669F}" dt="2024-07-11T02:01:46.971" v="769" actId="1076"/>
+          <ac:spMkLst>
+            <pc:docMk/>
+            <pc:sldMk cId="2454663500" sldId="256"/>
+            <ac:spMk id="704" creationId="{72C43BBD-2E95-2705-00AD-81B40C0E993B}"/>
+          </ac:spMkLst>
+        </pc:spChg>
+        <pc:spChg chg="mod">
+          <ac:chgData name="#CUI SHUAIWEN#" userId="35a196ea-bcb8-475e-86cf-0b9eaca8a48f" providerId="ADAL" clId="{6DA0022E-A64E-415A-97D4-C7EAEDC0669F}" dt="2024-07-11T02:01:46.971" v="769" actId="1076"/>
+          <ac:spMkLst>
+            <pc:docMk/>
+            <pc:sldMk cId="2454663500" sldId="256"/>
+            <ac:spMk id="710" creationId="{EA074634-7195-7027-CB76-9A16FE278482}"/>
+          </ac:spMkLst>
+        </pc:spChg>
+        <pc:spChg chg="mod">
+          <ac:chgData name="#CUI SHUAIWEN#" userId="35a196ea-bcb8-475e-86cf-0b9eaca8a48f" providerId="ADAL" clId="{6DA0022E-A64E-415A-97D4-C7EAEDC0669F}" dt="2024-07-11T02:01:46.971" v="769" actId="1076"/>
+          <ac:spMkLst>
+            <pc:docMk/>
+            <pc:sldMk cId="2454663500" sldId="256"/>
+            <ac:spMk id="711" creationId="{DF68818D-B45B-7C65-561C-964FC9150584}"/>
+          </ac:spMkLst>
+        </pc:spChg>
+        <pc:spChg chg="mod">
+          <ac:chgData name="#CUI SHUAIWEN#" userId="35a196ea-bcb8-475e-86cf-0b9eaca8a48f" providerId="ADAL" clId="{6DA0022E-A64E-415A-97D4-C7EAEDC0669F}" dt="2024-07-11T02:01:46.971" v="769" actId="1076"/>
+          <ac:spMkLst>
+            <pc:docMk/>
+            <pc:sldMk cId="2454663500" sldId="256"/>
+            <ac:spMk id="722" creationId="{E1181843-2F51-5624-499D-C36E8BB07D3B}"/>
+          </ac:spMkLst>
+        </pc:spChg>
+        <pc:spChg chg="mod">
+          <ac:chgData name="#CUI SHUAIWEN#" userId="35a196ea-bcb8-475e-86cf-0b9eaca8a48f" providerId="ADAL" clId="{6DA0022E-A64E-415A-97D4-C7EAEDC0669F}" dt="2024-07-11T02:00:52.112" v="733" actId="1076"/>
+          <ac:spMkLst>
+            <pc:docMk/>
+            <pc:sldMk cId="2454663500" sldId="256"/>
+            <ac:spMk id="734" creationId="{C38B8498-E706-3392-0526-51459F5C98C4}"/>
+          </ac:spMkLst>
+        </pc:spChg>
+        <pc:spChg chg="mod">
+          <ac:chgData name="#CUI SHUAIWEN#" userId="35a196ea-bcb8-475e-86cf-0b9eaca8a48f" providerId="ADAL" clId="{6DA0022E-A64E-415A-97D4-C7EAEDC0669F}" dt="2024-07-11T02:00:52.112" v="733" actId="1076"/>
+          <ac:spMkLst>
+            <pc:docMk/>
+            <pc:sldMk cId="2454663500" sldId="256"/>
+            <ac:spMk id="736" creationId="{192AE076-3134-E555-15AF-32EC55FCDC7C}"/>
+          </ac:spMkLst>
+        </pc:spChg>
+        <pc:spChg chg="mod">
+          <ac:chgData name="#CUI SHUAIWEN#" userId="35a196ea-bcb8-475e-86cf-0b9eaca8a48f" providerId="ADAL" clId="{6DA0022E-A64E-415A-97D4-C7EAEDC0669F}" dt="2024-07-11T02:01:46.971" v="769" actId="1076"/>
+          <ac:spMkLst>
+            <pc:docMk/>
+            <pc:sldMk cId="2454663500" sldId="256"/>
+            <ac:spMk id="737" creationId="{F0699A4F-73FB-82B5-B35E-F8E12DA69739}"/>
+          </ac:spMkLst>
+        </pc:spChg>
+        <pc:spChg chg="mod">
+          <ac:chgData name="#CUI SHUAIWEN#" userId="35a196ea-bcb8-475e-86cf-0b9eaca8a48f" providerId="ADAL" clId="{6DA0022E-A64E-415A-97D4-C7EAEDC0669F}" dt="2024-07-11T02:01:46.971" v="769" actId="1076"/>
+          <ac:spMkLst>
+            <pc:docMk/>
+            <pc:sldMk cId="2454663500" sldId="256"/>
+            <ac:spMk id="760" creationId="{FC3A94E2-6692-614D-BC7F-41F28BF4852C}"/>
+          </ac:spMkLst>
+        </pc:spChg>
+        <pc:spChg chg="mod">
+          <ac:chgData name="#CUI SHUAIWEN#" userId="35a196ea-bcb8-475e-86cf-0b9eaca8a48f" providerId="ADAL" clId="{6DA0022E-A64E-415A-97D4-C7EAEDC0669F}" dt="2024-07-11T02:01:46.971" v="769" actId="1076"/>
+          <ac:spMkLst>
+            <pc:docMk/>
+            <pc:sldMk cId="2454663500" sldId="256"/>
+            <ac:spMk id="761" creationId="{E4F37C6D-AAFD-497E-F59C-7341965D4CDE}"/>
+          </ac:spMkLst>
+        </pc:spChg>
+        <pc:spChg chg="mod">
+          <ac:chgData name="#CUI SHUAIWEN#" userId="35a196ea-bcb8-475e-86cf-0b9eaca8a48f" providerId="ADAL" clId="{6DA0022E-A64E-415A-97D4-C7EAEDC0669F}" dt="2024-07-11T02:01:46.971" v="769" actId="1076"/>
+          <ac:spMkLst>
+            <pc:docMk/>
+            <pc:sldMk cId="2454663500" sldId="256"/>
+            <ac:spMk id="762" creationId="{56FA03CB-525F-2C82-CE41-8BE579E5C36F}"/>
+          </ac:spMkLst>
+        </pc:spChg>
+        <pc:grpChg chg="add mod">
+          <ac:chgData name="#CUI SHUAIWEN#" userId="35a196ea-bcb8-475e-86cf-0b9eaca8a48f" providerId="ADAL" clId="{6DA0022E-A64E-415A-97D4-C7EAEDC0669F}" dt="2024-07-11T02:06:19.530" v="824" actId="1076"/>
+          <ac:grpSpMkLst>
+            <pc:docMk/>
+            <pc:sldMk cId="2454663500" sldId="256"/>
+            <ac:grpSpMk id="7" creationId="{719234D8-018C-BDC4-6BE8-3C38A2043787}"/>
+          </ac:grpSpMkLst>
+        </pc:grpChg>
         <pc:grpChg chg="add del mod">
           <ac:chgData name="#CUI SHUAIWEN#" userId="35a196ea-bcb8-475e-86cf-0b9eaca8a48f" providerId="ADAL" clId="{6DA0022E-A64E-415A-97D4-C7EAEDC0669F}" dt="2024-07-10T14:26:08.368" v="59" actId="165"/>
           <ac:grpSpMkLst>
             <pc:docMk/>
             <pc:sldMk cId="2454663500" sldId="256"/>
             <ac:grpSpMk id="11" creationId="{88C4EE6B-1AB2-0244-1B13-8A79E9BE5E6C}"/>
+          </ac:grpSpMkLst>
+        </pc:grpChg>
+        <pc:grpChg chg="add mod">
+          <ac:chgData name="#CUI SHUAIWEN#" userId="35a196ea-bcb8-475e-86cf-0b9eaca8a48f" providerId="ADAL" clId="{6DA0022E-A64E-415A-97D4-C7EAEDC0669F}" dt="2024-07-11T02:06:19.530" v="824" actId="1076"/>
+          <ac:grpSpMkLst>
+            <pc:docMk/>
+            <pc:sldMk cId="2454663500" sldId="256"/>
+            <ac:grpSpMk id="12" creationId="{B5BA3ED0-4032-E85E-6C95-8AFE14797EE7}"/>
           </ac:grpSpMkLst>
         </pc:grpChg>
         <pc:grpChg chg="add del mod">
@@ -1280,6 +2744,38 @@
           </ac:grpSpMkLst>
         </pc:grpChg>
         <pc:grpChg chg="add del mod">
+          <ac:chgData name="#CUI SHUAIWEN#" userId="35a196ea-bcb8-475e-86cf-0b9eaca8a48f" providerId="ADAL" clId="{6DA0022E-A64E-415A-97D4-C7EAEDC0669F}" dt="2024-07-11T02:05:53.547" v="819" actId="478"/>
+          <ac:grpSpMkLst>
+            <pc:docMk/>
+            <pc:sldMk cId="2454663500" sldId="256"/>
+            <ac:grpSpMk id="15" creationId="{E4C4FBE0-7B21-D0C6-94BE-00C0EEC6C222}"/>
+          </ac:grpSpMkLst>
+        </pc:grpChg>
+        <pc:grpChg chg="add mod">
+          <ac:chgData name="#CUI SHUAIWEN#" userId="35a196ea-bcb8-475e-86cf-0b9eaca8a48f" providerId="ADAL" clId="{6DA0022E-A64E-415A-97D4-C7EAEDC0669F}" dt="2024-07-11T02:06:19.530" v="824" actId="1076"/>
+          <ac:grpSpMkLst>
+            <pc:docMk/>
+            <pc:sldMk cId="2454663500" sldId="256"/>
+            <ac:grpSpMk id="19" creationId="{910D8C76-1609-70FA-677D-56F87A74CB0D}"/>
+          </ac:grpSpMkLst>
+        </pc:grpChg>
+        <pc:grpChg chg="add mod">
+          <ac:chgData name="#CUI SHUAIWEN#" userId="35a196ea-bcb8-475e-86cf-0b9eaca8a48f" providerId="ADAL" clId="{6DA0022E-A64E-415A-97D4-C7EAEDC0669F}" dt="2024-07-11T02:06:19.530" v="824" actId="1076"/>
+          <ac:grpSpMkLst>
+            <pc:docMk/>
+            <pc:sldMk cId="2454663500" sldId="256"/>
+            <ac:grpSpMk id="22" creationId="{B2766121-1778-12F4-6F0D-C6AE5DBF56B3}"/>
+          </ac:grpSpMkLst>
+        </pc:grpChg>
+        <pc:grpChg chg="add del mod">
+          <ac:chgData name="#CUI SHUAIWEN#" userId="35a196ea-bcb8-475e-86cf-0b9eaca8a48f" providerId="ADAL" clId="{6DA0022E-A64E-415A-97D4-C7EAEDC0669F}" dt="2024-07-11T02:05:51.825" v="818" actId="478"/>
+          <ac:grpSpMkLst>
+            <pc:docMk/>
+            <pc:sldMk cId="2454663500" sldId="256"/>
+            <ac:grpSpMk id="26" creationId="{591D67EC-3975-D128-1848-D0339FE7AB3D}"/>
+          </ac:grpSpMkLst>
+        </pc:grpChg>
+        <pc:grpChg chg="add del mod">
           <ac:chgData name="#CUI SHUAIWEN#" userId="35a196ea-bcb8-475e-86cf-0b9eaca8a48f" providerId="ADAL" clId="{6DA0022E-A64E-415A-97D4-C7EAEDC0669F}" dt="2024-07-10T14:53:43.447" v="443" actId="478"/>
           <ac:grpSpMkLst>
             <pc:docMk/>
@@ -1288,7 +2784,7 @@
           </ac:grpSpMkLst>
         </pc:grpChg>
         <pc:grpChg chg="add mod">
-          <ac:chgData name="#CUI SHUAIWEN#" userId="35a196ea-bcb8-475e-86cf-0b9eaca8a48f" providerId="ADAL" clId="{6DA0022E-A64E-415A-97D4-C7EAEDC0669F}" dt="2024-07-10T15:08:09.725" v="693" actId="1076"/>
+          <ac:chgData name="#CUI SHUAIWEN#" userId="35a196ea-bcb8-475e-86cf-0b9eaca8a48f" providerId="ADAL" clId="{6DA0022E-A64E-415A-97D4-C7EAEDC0669F}" dt="2024-07-11T02:04:33.431" v="803" actId="1076"/>
           <ac:grpSpMkLst>
             <pc:docMk/>
             <pc:sldMk cId="2454663500" sldId="256"/>
@@ -1304,7 +2800,7 @@
           </ac:grpSpMkLst>
         </pc:grpChg>
         <pc:grpChg chg="add mod">
-          <ac:chgData name="#CUI SHUAIWEN#" userId="35a196ea-bcb8-475e-86cf-0b9eaca8a48f" providerId="ADAL" clId="{6DA0022E-A64E-415A-97D4-C7EAEDC0669F}" dt="2024-07-10T15:08:09.725" v="693" actId="1076"/>
+          <ac:chgData name="#CUI SHUAIWEN#" userId="35a196ea-bcb8-475e-86cf-0b9eaca8a48f" providerId="ADAL" clId="{6DA0022E-A64E-415A-97D4-C7EAEDC0669F}" dt="2024-07-11T02:04:33.431" v="803" actId="1076"/>
           <ac:grpSpMkLst>
             <pc:docMk/>
             <pc:sldMk cId="2454663500" sldId="256"/>
@@ -1391,6 +2887,38 @@
             <ac:picMk id="29" creationId="{2C5DFA25-17E2-4852-7EC3-8167988C571F}"/>
           </ac:picMkLst>
         </pc:picChg>
+        <pc:picChg chg="mod">
+          <ac:chgData name="#CUI SHUAIWEN#" userId="35a196ea-bcb8-475e-86cf-0b9eaca8a48f" providerId="ADAL" clId="{6DA0022E-A64E-415A-97D4-C7EAEDC0669F}" dt="2024-07-11T02:00:52.112" v="733" actId="1076"/>
+          <ac:picMkLst>
+            <pc:docMk/>
+            <pc:sldMk cId="2454663500" sldId="256"/>
+            <ac:picMk id="34" creationId="{7350A7C6-D281-4B74-D589-ADE5A2F5114D}"/>
+          </ac:picMkLst>
+        </pc:picChg>
+        <pc:picChg chg="mod">
+          <ac:chgData name="#CUI SHUAIWEN#" userId="35a196ea-bcb8-475e-86cf-0b9eaca8a48f" providerId="ADAL" clId="{6DA0022E-A64E-415A-97D4-C7EAEDC0669F}" dt="2024-07-11T02:00:52.112" v="733" actId="1076"/>
+          <ac:picMkLst>
+            <pc:docMk/>
+            <pc:sldMk cId="2454663500" sldId="256"/>
+            <ac:picMk id="35" creationId="{63EA9573-07FF-AF1C-7A7B-805B2DBF3576}"/>
+          </ac:picMkLst>
+        </pc:picChg>
+        <pc:picChg chg="mod">
+          <ac:chgData name="#CUI SHUAIWEN#" userId="35a196ea-bcb8-475e-86cf-0b9eaca8a48f" providerId="ADAL" clId="{6DA0022E-A64E-415A-97D4-C7EAEDC0669F}" dt="2024-07-11T02:00:52.112" v="733" actId="1076"/>
+          <ac:picMkLst>
+            <pc:docMk/>
+            <pc:sldMk cId="2454663500" sldId="256"/>
+            <ac:picMk id="36" creationId="{1955AAE5-7AF2-415C-65B2-91BEC132904E}"/>
+          </ac:picMkLst>
+        </pc:picChg>
+        <pc:picChg chg="mod">
+          <ac:chgData name="#CUI SHUAIWEN#" userId="35a196ea-bcb8-475e-86cf-0b9eaca8a48f" providerId="ADAL" clId="{6DA0022E-A64E-415A-97D4-C7EAEDC0669F}" dt="2024-07-11T02:00:52.112" v="733" actId="1076"/>
+          <ac:picMkLst>
+            <pc:docMk/>
+            <pc:sldMk cId="2454663500" sldId="256"/>
+            <ac:picMk id="37" creationId="{59FEA89B-3C52-1E7A-0403-98372CEB24D0}"/>
+          </ac:picMkLst>
+        </pc:picChg>
         <pc:picChg chg="add del mod">
           <ac:chgData name="#CUI SHUAIWEN#" userId="35a196ea-bcb8-475e-86cf-0b9eaca8a48f" providerId="ADAL" clId="{6DA0022E-A64E-415A-97D4-C7EAEDC0669F}" dt="2024-07-10T14:52:33.557" v="431" actId="478"/>
           <ac:picMkLst>
@@ -1423,12 +2951,12 @@
             <ac:picMk id="41" creationId="{4DA9FAED-08BC-2053-B93D-D954AB457EA7}"/>
           </ac:picMkLst>
         </pc:picChg>
-        <pc:picChg chg="add del mod">
-          <ac:chgData name="#CUI SHUAIWEN#" userId="35a196ea-bcb8-475e-86cf-0b9eaca8a48f" providerId="ADAL" clId="{6DA0022E-A64E-415A-97D4-C7EAEDC0669F}" dt="2024-07-10T14:52:33.557" v="431" actId="478"/>
+        <pc:picChg chg="mod">
+          <ac:chgData name="#CUI SHUAIWEN#" userId="35a196ea-bcb8-475e-86cf-0b9eaca8a48f" providerId="ADAL" clId="{6DA0022E-A64E-415A-97D4-C7EAEDC0669F}" dt="2024-07-11T02:00:52.112" v="733" actId="1076"/>
           <ac:picMkLst>
             <pc:docMk/>
             <pc:sldMk cId="2454663500" sldId="256"/>
-            <ac:picMk id="45" creationId="{649DD808-C56A-FEB2-CA27-31F19897C569}"/>
+            <ac:picMk id="43" creationId="{3010C534-5FE9-F138-7411-4CB8E929F6AC}"/>
           </ac:picMkLst>
         </pc:picChg>
         <pc:picChg chg="add del mod">
@@ -1436,11 +2964,27 @@
           <ac:picMkLst>
             <pc:docMk/>
             <pc:sldMk cId="2454663500" sldId="256"/>
+            <ac:picMk id="45" creationId="{649DD808-C56A-FEB2-CA27-31F19897C569}"/>
+          </ac:picMkLst>
+        </pc:picChg>
+        <pc:picChg chg="mod">
+          <ac:chgData name="#CUI SHUAIWEN#" userId="35a196ea-bcb8-475e-86cf-0b9eaca8a48f" providerId="ADAL" clId="{6DA0022E-A64E-415A-97D4-C7EAEDC0669F}" dt="2024-07-11T02:00:52.112" v="733" actId="1076"/>
+          <ac:picMkLst>
+            <pc:docMk/>
+            <pc:sldMk cId="2454663500" sldId="256"/>
+            <ac:picMk id="48" creationId="{64354C80-E0D0-D66D-9E90-36F2C639478C}"/>
+          </ac:picMkLst>
+        </pc:picChg>
+        <pc:picChg chg="add del mod">
+          <ac:chgData name="#CUI SHUAIWEN#" userId="35a196ea-bcb8-475e-86cf-0b9eaca8a48f" providerId="ADAL" clId="{6DA0022E-A64E-415A-97D4-C7EAEDC0669F}" dt="2024-07-10T14:52:33.557" v="431" actId="478"/>
+          <ac:picMkLst>
+            <pc:docMk/>
+            <pc:sldMk cId="2454663500" sldId="256"/>
             <ac:picMk id="50" creationId="{5CC947CB-4503-FEE5-010A-1EC144C76935}"/>
           </ac:picMkLst>
         </pc:picChg>
         <pc:picChg chg="add mod">
-          <ac:chgData name="#CUI SHUAIWEN#" userId="35a196ea-bcb8-475e-86cf-0b9eaca8a48f" providerId="ADAL" clId="{6DA0022E-A64E-415A-97D4-C7EAEDC0669F}" dt="2024-07-10T15:06:04.025" v="657" actId="1076"/>
+          <ac:chgData name="#CUI SHUAIWEN#" userId="35a196ea-bcb8-475e-86cf-0b9eaca8a48f" providerId="ADAL" clId="{6DA0022E-A64E-415A-97D4-C7EAEDC0669F}" dt="2024-07-11T02:04:33.431" v="803" actId="1076"/>
           <ac:picMkLst>
             <pc:docMk/>
             <pc:sldMk cId="2454663500" sldId="256"/>
@@ -1448,7 +2992,7 @@
           </ac:picMkLst>
         </pc:picChg>
         <pc:picChg chg="add mod">
-          <ac:chgData name="#CUI SHUAIWEN#" userId="35a196ea-bcb8-475e-86cf-0b9eaca8a48f" providerId="ADAL" clId="{6DA0022E-A64E-415A-97D4-C7EAEDC0669F}" dt="2024-07-10T15:06:04.025" v="657" actId="1076"/>
+          <ac:chgData name="#CUI SHUAIWEN#" userId="35a196ea-bcb8-475e-86cf-0b9eaca8a48f" providerId="ADAL" clId="{6DA0022E-A64E-415A-97D4-C7EAEDC0669F}" dt="2024-07-11T02:04:33.431" v="803" actId="1076"/>
           <ac:picMkLst>
             <pc:docMk/>
             <pc:sldMk cId="2454663500" sldId="256"/>
@@ -1456,7 +3000,7 @@
           </ac:picMkLst>
         </pc:picChg>
         <pc:picChg chg="add mod">
-          <ac:chgData name="#CUI SHUAIWEN#" userId="35a196ea-bcb8-475e-86cf-0b9eaca8a48f" providerId="ADAL" clId="{6DA0022E-A64E-415A-97D4-C7EAEDC0669F}" dt="2024-07-10T15:06:04.025" v="657" actId="1076"/>
+          <ac:chgData name="#CUI SHUAIWEN#" userId="35a196ea-bcb8-475e-86cf-0b9eaca8a48f" providerId="ADAL" clId="{6DA0022E-A64E-415A-97D4-C7EAEDC0669F}" dt="2024-07-11T02:04:33.431" v="803" actId="1076"/>
           <ac:picMkLst>
             <pc:docMk/>
             <pc:sldMk cId="2454663500" sldId="256"/>
@@ -1464,7 +3008,7 @@
           </ac:picMkLst>
         </pc:picChg>
         <pc:picChg chg="add mod">
-          <ac:chgData name="#CUI SHUAIWEN#" userId="35a196ea-bcb8-475e-86cf-0b9eaca8a48f" providerId="ADAL" clId="{6DA0022E-A64E-415A-97D4-C7EAEDC0669F}" dt="2024-07-10T15:06:04.025" v="657" actId="1076"/>
+          <ac:chgData name="#CUI SHUAIWEN#" userId="35a196ea-bcb8-475e-86cf-0b9eaca8a48f" providerId="ADAL" clId="{6DA0022E-A64E-415A-97D4-C7EAEDC0669F}" dt="2024-07-11T02:04:33.431" v="803" actId="1076"/>
           <ac:picMkLst>
             <pc:docMk/>
             <pc:sldMk cId="2454663500" sldId="256"/>
@@ -1472,7 +3016,7 @@
           </ac:picMkLst>
         </pc:picChg>
         <pc:picChg chg="add mod">
-          <ac:chgData name="#CUI SHUAIWEN#" userId="35a196ea-bcb8-475e-86cf-0b9eaca8a48f" providerId="ADAL" clId="{6DA0022E-A64E-415A-97D4-C7EAEDC0669F}" dt="2024-07-10T15:06:04.025" v="657" actId="1076"/>
+          <ac:chgData name="#CUI SHUAIWEN#" userId="35a196ea-bcb8-475e-86cf-0b9eaca8a48f" providerId="ADAL" clId="{6DA0022E-A64E-415A-97D4-C7EAEDC0669F}" dt="2024-07-11T02:04:33.431" v="803" actId="1076"/>
           <ac:picMkLst>
             <pc:docMk/>
             <pc:sldMk cId="2454663500" sldId="256"/>
@@ -1480,7 +3024,7 @@
           </ac:picMkLst>
         </pc:picChg>
         <pc:picChg chg="add mod">
-          <ac:chgData name="#CUI SHUAIWEN#" userId="35a196ea-bcb8-475e-86cf-0b9eaca8a48f" providerId="ADAL" clId="{6DA0022E-A64E-415A-97D4-C7EAEDC0669F}" dt="2024-07-10T15:06:04.025" v="657" actId="1076"/>
+          <ac:chgData name="#CUI SHUAIWEN#" userId="35a196ea-bcb8-475e-86cf-0b9eaca8a48f" providerId="ADAL" clId="{6DA0022E-A64E-415A-97D4-C7EAEDC0669F}" dt="2024-07-11T02:04:33.431" v="803" actId="1076"/>
           <ac:picMkLst>
             <pc:docMk/>
             <pc:sldMk cId="2454663500" sldId="256"/>
@@ -1488,7 +3032,7 @@
           </ac:picMkLst>
         </pc:picChg>
         <pc:picChg chg="add mod">
-          <ac:chgData name="#CUI SHUAIWEN#" userId="35a196ea-bcb8-475e-86cf-0b9eaca8a48f" providerId="ADAL" clId="{6DA0022E-A64E-415A-97D4-C7EAEDC0669F}" dt="2024-07-10T15:06:04.025" v="657" actId="1076"/>
+          <ac:chgData name="#CUI SHUAIWEN#" userId="35a196ea-bcb8-475e-86cf-0b9eaca8a48f" providerId="ADAL" clId="{6DA0022E-A64E-415A-97D4-C7EAEDC0669F}" dt="2024-07-11T02:04:33.431" v="803" actId="1076"/>
           <ac:picMkLst>
             <pc:docMk/>
             <pc:sldMk cId="2454663500" sldId="256"/>
@@ -1496,7 +3040,7 @@
           </ac:picMkLst>
         </pc:picChg>
         <pc:picChg chg="add mod">
-          <ac:chgData name="#CUI SHUAIWEN#" userId="35a196ea-bcb8-475e-86cf-0b9eaca8a48f" providerId="ADAL" clId="{6DA0022E-A64E-415A-97D4-C7EAEDC0669F}" dt="2024-07-10T15:06:04.025" v="657" actId="1076"/>
+          <ac:chgData name="#CUI SHUAIWEN#" userId="35a196ea-bcb8-475e-86cf-0b9eaca8a48f" providerId="ADAL" clId="{6DA0022E-A64E-415A-97D4-C7EAEDC0669F}" dt="2024-07-11T02:04:33.431" v="803" actId="1076"/>
           <ac:picMkLst>
             <pc:docMk/>
             <pc:sldMk cId="2454663500" sldId="256"/>
@@ -1504,7 +3048,7 @@
           </ac:picMkLst>
         </pc:picChg>
         <pc:picChg chg="add mod">
-          <ac:chgData name="#CUI SHUAIWEN#" userId="35a196ea-bcb8-475e-86cf-0b9eaca8a48f" providerId="ADAL" clId="{6DA0022E-A64E-415A-97D4-C7EAEDC0669F}" dt="2024-07-10T15:06:04.025" v="657" actId="1076"/>
+          <ac:chgData name="#CUI SHUAIWEN#" userId="35a196ea-bcb8-475e-86cf-0b9eaca8a48f" providerId="ADAL" clId="{6DA0022E-A64E-415A-97D4-C7EAEDC0669F}" dt="2024-07-11T02:04:33.431" v="803" actId="1076"/>
           <ac:picMkLst>
             <pc:docMk/>
             <pc:sldMk cId="2454663500" sldId="256"/>
@@ -1512,7 +3056,7 @@
           </ac:picMkLst>
         </pc:picChg>
         <pc:picChg chg="add mod">
-          <ac:chgData name="#CUI SHUAIWEN#" userId="35a196ea-bcb8-475e-86cf-0b9eaca8a48f" providerId="ADAL" clId="{6DA0022E-A64E-415A-97D4-C7EAEDC0669F}" dt="2024-07-10T15:06:04.025" v="657" actId="1076"/>
+          <ac:chgData name="#CUI SHUAIWEN#" userId="35a196ea-bcb8-475e-86cf-0b9eaca8a48f" providerId="ADAL" clId="{6DA0022E-A64E-415A-97D4-C7EAEDC0669F}" dt="2024-07-11T02:04:33.431" v="803" actId="1076"/>
           <ac:picMkLst>
             <pc:docMk/>
             <pc:sldMk cId="2454663500" sldId="256"/>
@@ -1520,7 +3064,7 @@
           </ac:picMkLst>
         </pc:picChg>
         <pc:picChg chg="add mod">
-          <ac:chgData name="#CUI SHUAIWEN#" userId="35a196ea-bcb8-475e-86cf-0b9eaca8a48f" providerId="ADAL" clId="{6DA0022E-A64E-415A-97D4-C7EAEDC0669F}" dt="2024-07-10T15:06:04.025" v="657" actId="1076"/>
+          <ac:chgData name="#CUI SHUAIWEN#" userId="35a196ea-bcb8-475e-86cf-0b9eaca8a48f" providerId="ADAL" clId="{6DA0022E-A64E-415A-97D4-C7EAEDC0669F}" dt="2024-07-11T02:04:33.431" v="803" actId="1076"/>
           <ac:picMkLst>
             <pc:docMk/>
             <pc:sldMk cId="2454663500" sldId="256"/>
@@ -1528,7 +3072,7 @@
           </ac:picMkLst>
         </pc:picChg>
         <pc:picChg chg="add mod">
-          <ac:chgData name="#CUI SHUAIWEN#" userId="35a196ea-bcb8-475e-86cf-0b9eaca8a48f" providerId="ADAL" clId="{6DA0022E-A64E-415A-97D4-C7EAEDC0669F}" dt="2024-07-10T15:06:04.025" v="657" actId="1076"/>
+          <ac:chgData name="#CUI SHUAIWEN#" userId="35a196ea-bcb8-475e-86cf-0b9eaca8a48f" providerId="ADAL" clId="{6DA0022E-A64E-415A-97D4-C7EAEDC0669F}" dt="2024-07-11T02:04:33.431" v="803" actId="1076"/>
           <ac:picMkLst>
             <pc:docMk/>
             <pc:sldMk cId="2454663500" sldId="256"/>
@@ -1536,7 +3080,7 @@
           </ac:picMkLst>
         </pc:picChg>
         <pc:picChg chg="add mod">
-          <ac:chgData name="#CUI SHUAIWEN#" userId="35a196ea-bcb8-475e-86cf-0b9eaca8a48f" providerId="ADAL" clId="{6DA0022E-A64E-415A-97D4-C7EAEDC0669F}" dt="2024-07-10T15:06:04.025" v="657" actId="1076"/>
+          <ac:chgData name="#CUI SHUAIWEN#" userId="35a196ea-bcb8-475e-86cf-0b9eaca8a48f" providerId="ADAL" clId="{6DA0022E-A64E-415A-97D4-C7EAEDC0669F}" dt="2024-07-11T02:04:33.431" v="803" actId="1076"/>
           <ac:picMkLst>
             <pc:docMk/>
             <pc:sldMk cId="2454663500" sldId="256"/>
@@ -1544,7 +3088,7 @@
           </ac:picMkLst>
         </pc:picChg>
         <pc:picChg chg="add mod">
-          <ac:chgData name="#CUI SHUAIWEN#" userId="35a196ea-bcb8-475e-86cf-0b9eaca8a48f" providerId="ADAL" clId="{6DA0022E-A64E-415A-97D4-C7EAEDC0669F}" dt="2024-07-10T15:06:04.025" v="657" actId="1076"/>
+          <ac:chgData name="#CUI SHUAIWEN#" userId="35a196ea-bcb8-475e-86cf-0b9eaca8a48f" providerId="ADAL" clId="{6DA0022E-A64E-415A-97D4-C7EAEDC0669F}" dt="2024-07-11T02:04:33.431" v="803" actId="1076"/>
           <ac:picMkLst>
             <pc:docMk/>
             <pc:sldMk cId="2454663500" sldId="256"/>
@@ -1560,15 +3104,23 @@
           </ac:picMkLst>
         </pc:picChg>
         <pc:picChg chg="add mod">
-          <ac:chgData name="#CUI SHUAIWEN#" userId="35a196ea-bcb8-475e-86cf-0b9eaca8a48f" providerId="ADAL" clId="{6DA0022E-A64E-415A-97D4-C7EAEDC0669F}" dt="2024-07-10T15:06:43.162" v="663" actId="1076"/>
+          <ac:chgData name="#CUI SHUAIWEN#" userId="35a196ea-bcb8-475e-86cf-0b9eaca8a48f" providerId="ADAL" clId="{6DA0022E-A64E-415A-97D4-C7EAEDC0669F}" dt="2024-07-11T02:04:33.431" v="803" actId="1076"/>
           <ac:picMkLst>
             <pc:docMk/>
             <pc:sldMk cId="2454663500" sldId="256"/>
             <ac:picMk id="128" creationId="{9C9E9D54-C1D8-134B-0362-A37DC6068371}"/>
           </ac:picMkLst>
         </pc:picChg>
+        <pc:picChg chg="mod">
+          <ac:chgData name="#CUI SHUAIWEN#" userId="35a196ea-bcb8-475e-86cf-0b9eaca8a48f" providerId="ADAL" clId="{6DA0022E-A64E-415A-97D4-C7EAEDC0669F}" dt="2024-07-11T02:00:52.112" v="733" actId="1076"/>
+          <ac:picMkLst>
+            <pc:docMk/>
+            <pc:sldMk cId="2454663500" sldId="256"/>
+            <ac:picMk id="137" creationId="{2F33BE68-9E67-7BE5-6377-F3580E1A9378}"/>
+          </ac:picMkLst>
+        </pc:picChg>
         <pc:picChg chg="add mod">
-          <ac:chgData name="#CUI SHUAIWEN#" userId="35a196ea-bcb8-475e-86cf-0b9eaca8a48f" providerId="ADAL" clId="{6DA0022E-A64E-415A-97D4-C7EAEDC0669F}" dt="2024-07-10T15:06:43.162" v="663" actId="1076"/>
+          <ac:chgData name="#CUI SHUAIWEN#" userId="35a196ea-bcb8-475e-86cf-0b9eaca8a48f" providerId="ADAL" clId="{6DA0022E-A64E-415A-97D4-C7EAEDC0669F}" dt="2024-07-11T02:04:33.431" v="803" actId="1076"/>
           <ac:picMkLst>
             <pc:docMk/>
             <pc:sldMk cId="2454663500" sldId="256"/>
@@ -1576,15 +3128,167 @@
           </ac:picMkLst>
         </pc:picChg>
         <pc:picChg chg="add mod">
-          <ac:chgData name="#CUI SHUAIWEN#" userId="35a196ea-bcb8-475e-86cf-0b9eaca8a48f" providerId="ADAL" clId="{6DA0022E-A64E-415A-97D4-C7EAEDC0669F}" dt="2024-07-10T15:07:01.953" v="668" actId="1076"/>
+          <ac:chgData name="#CUI SHUAIWEN#" userId="35a196ea-bcb8-475e-86cf-0b9eaca8a48f" providerId="ADAL" clId="{6DA0022E-A64E-415A-97D4-C7EAEDC0669F}" dt="2024-07-11T02:04:33.431" v="803" actId="1076"/>
           <ac:picMkLst>
             <pc:docMk/>
             <pc:sldMk cId="2454663500" sldId="256"/>
             <ac:picMk id="246" creationId="{A51BF00B-CF28-7CAC-B4A8-ECD3C1060FED}"/>
           </ac:picMkLst>
         </pc:picChg>
+        <pc:picChg chg="mod">
+          <ac:chgData name="#CUI SHUAIWEN#" userId="35a196ea-bcb8-475e-86cf-0b9eaca8a48f" providerId="ADAL" clId="{6DA0022E-A64E-415A-97D4-C7EAEDC0669F}" dt="2024-07-11T02:00:52.112" v="733" actId="1076"/>
+          <ac:picMkLst>
+            <pc:docMk/>
+            <pc:sldMk cId="2454663500" sldId="256"/>
+            <ac:picMk id="320" creationId="{18BEC8B9-39DF-B489-66A4-9998CD880840}"/>
+          </ac:picMkLst>
+        </pc:picChg>
+        <pc:picChg chg="mod">
+          <ac:chgData name="#CUI SHUAIWEN#" userId="35a196ea-bcb8-475e-86cf-0b9eaca8a48f" providerId="ADAL" clId="{6DA0022E-A64E-415A-97D4-C7EAEDC0669F}" dt="2024-07-11T02:00:52.112" v="733" actId="1076"/>
+          <ac:picMkLst>
+            <pc:docMk/>
+            <pc:sldMk cId="2454663500" sldId="256"/>
+            <ac:picMk id="321" creationId="{6E42C5A6-9AA1-F21E-7880-7198BD9527CF}"/>
+          </ac:picMkLst>
+        </pc:picChg>
+        <pc:picChg chg="mod">
+          <ac:chgData name="#CUI SHUAIWEN#" userId="35a196ea-bcb8-475e-86cf-0b9eaca8a48f" providerId="ADAL" clId="{6DA0022E-A64E-415A-97D4-C7EAEDC0669F}" dt="2024-07-11T02:01:46.971" v="769" actId="1076"/>
+          <ac:picMkLst>
+            <pc:docMk/>
+            <pc:sldMk cId="2454663500" sldId="256"/>
+            <ac:picMk id="511" creationId="{2137FD81-6432-2E94-4AB3-3A6BBE7D406F}"/>
+          </ac:picMkLst>
+        </pc:picChg>
+        <pc:picChg chg="mod">
+          <ac:chgData name="#CUI SHUAIWEN#" userId="35a196ea-bcb8-475e-86cf-0b9eaca8a48f" providerId="ADAL" clId="{6DA0022E-A64E-415A-97D4-C7EAEDC0669F}" dt="2024-07-11T02:01:46.971" v="769" actId="1076"/>
+          <ac:picMkLst>
+            <pc:docMk/>
+            <pc:sldMk cId="2454663500" sldId="256"/>
+            <ac:picMk id="512" creationId="{3154A889-2A2C-FA2A-41A3-4062FFECE014}"/>
+          </ac:picMkLst>
+        </pc:picChg>
+        <pc:picChg chg="mod">
+          <ac:chgData name="#CUI SHUAIWEN#" userId="35a196ea-bcb8-475e-86cf-0b9eaca8a48f" providerId="ADAL" clId="{6DA0022E-A64E-415A-97D4-C7EAEDC0669F}" dt="2024-07-11T02:01:46.971" v="769" actId="1076"/>
+          <ac:picMkLst>
+            <pc:docMk/>
+            <pc:sldMk cId="2454663500" sldId="256"/>
+            <ac:picMk id="513" creationId="{0AF6733B-310D-60A6-9CD5-8A6FE8E6A5E8}"/>
+          </ac:picMkLst>
+        </pc:picChg>
+        <pc:picChg chg="mod">
+          <ac:chgData name="#CUI SHUAIWEN#" userId="35a196ea-bcb8-475e-86cf-0b9eaca8a48f" providerId="ADAL" clId="{6DA0022E-A64E-415A-97D4-C7EAEDC0669F}" dt="2024-07-11T02:01:46.971" v="769" actId="1076"/>
+          <ac:picMkLst>
+            <pc:docMk/>
+            <pc:sldMk cId="2454663500" sldId="256"/>
+            <ac:picMk id="514" creationId="{8C3FEE2F-57E0-7B71-FCC2-592709386719}"/>
+          </ac:picMkLst>
+        </pc:picChg>
+        <pc:picChg chg="mod">
+          <ac:chgData name="#CUI SHUAIWEN#" userId="35a196ea-bcb8-475e-86cf-0b9eaca8a48f" providerId="ADAL" clId="{6DA0022E-A64E-415A-97D4-C7EAEDC0669F}" dt="2024-07-11T02:01:46.971" v="769" actId="1076"/>
+          <ac:picMkLst>
+            <pc:docMk/>
+            <pc:sldMk cId="2454663500" sldId="256"/>
+            <ac:picMk id="517" creationId="{BFBDD7EA-4910-4D86-0473-1EA0CF260BED}"/>
+          </ac:picMkLst>
+        </pc:picChg>
+        <pc:picChg chg="mod">
+          <ac:chgData name="#CUI SHUAIWEN#" userId="35a196ea-bcb8-475e-86cf-0b9eaca8a48f" providerId="ADAL" clId="{6DA0022E-A64E-415A-97D4-C7EAEDC0669F}" dt="2024-07-11T02:01:46.971" v="769" actId="1076"/>
+          <ac:picMkLst>
+            <pc:docMk/>
+            <pc:sldMk cId="2454663500" sldId="256"/>
+            <ac:picMk id="518" creationId="{EC62CFE6-AEB0-E3F9-CFDD-302BE57C31B6}"/>
+          </ac:picMkLst>
+        </pc:picChg>
+        <pc:picChg chg="mod">
+          <ac:chgData name="#CUI SHUAIWEN#" userId="35a196ea-bcb8-475e-86cf-0b9eaca8a48f" providerId="ADAL" clId="{6DA0022E-A64E-415A-97D4-C7EAEDC0669F}" dt="2024-07-11T02:01:46.971" v="769" actId="1076"/>
+          <ac:picMkLst>
+            <pc:docMk/>
+            <pc:sldMk cId="2454663500" sldId="256"/>
+            <ac:picMk id="519" creationId="{A0E15560-6DEE-D8F2-D0C6-22EC3555B671}"/>
+          </ac:picMkLst>
+        </pc:picChg>
+        <pc:picChg chg="mod">
+          <ac:chgData name="#CUI SHUAIWEN#" userId="35a196ea-bcb8-475e-86cf-0b9eaca8a48f" providerId="ADAL" clId="{6DA0022E-A64E-415A-97D4-C7EAEDC0669F}" dt="2024-07-11T02:01:46.971" v="769" actId="1076"/>
+          <ac:picMkLst>
+            <pc:docMk/>
+            <pc:sldMk cId="2454663500" sldId="256"/>
+            <ac:picMk id="520" creationId="{90E7059B-71B7-663E-ADBB-AA93433358B1}"/>
+          </ac:picMkLst>
+        </pc:picChg>
+        <pc:picChg chg="mod">
+          <ac:chgData name="#CUI SHUAIWEN#" userId="35a196ea-bcb8-475e-86cf-0b9eaca8a48f" providerId="ADAL" clId="{6DA0022E-A64E-415A-97D4-C7EAEDC0669F}" dt="2024-07-11T02:01:46.971" v="769" actId="1076"/>
+          <ac:picMkLst>
+            <pc:docMk/>
+            <pc:sldMk cId="2454663500" sldId="256"/>
+            <ac:picMk id="523" creationId="{65F72CDE-24E8-D2AE-07B8-096503D1A447}"/>
+          </ac:picMkLst>
+        </pc:picChg>
+        <pc:picChg chg="mod">
+          <ac:chgData name="#CUI SHUAIWEN#" userId="35a196ea-bcb8-475e-86cf-0b9eaca8a48f" providerId="ADAL" clId="{6DA0022E-A64E-415A-97D4-C7EAEDC0669F}" dt="2024-07-11T02:01:46.971" v="769" actId="1076"/>
+          <ac:picMkLst>
+            <pc:docMk/>
+            <pc:sldMk cId="2454663500" sldId="256"/>
+            <ac:picMk id="528" creationId="{D82E20B7-3C04-9E73-DC0A-0E8AA2083047}"/>
+          </ac:picMkLst>
+        </pc:picChg>
+        <pc:picChg chg="mod">
+          <ac:chgData name="#CUI SHUAIWEN#" userId="35a196ea-bcb8-475e-86cf-0b9eaca8a48f" providerId="ADAL" clId="{6DA0022E-A64E-415A-97D4-C7EAEDC0669F}" dt="2024-07-11T02:01:46.971" v="769" actId="1076"/>
+          <ac:picMkLst>
+            <pc:docMk/>
+            <pc:sldMk cId="2454663500" sldId="256"/>
+            <ac:picMk id="531" creationId="{5694FEC0-5EF3-BE9F-A57E-02FB85CEEF0A}"/>
+          </ac:picMkLst>
+        </pc:picChg>
+        <pc:picChg chg="mod">
+          <ac:chgData name="#CUI SHUAIWEN#" userId="35a196ea-bcb8-475e-86cf-0b9eaca8a48f" providerId="ADAL" clId="{6DA0022E-A64E-415A-97D4-C7EAEDC0669F}" dt="2024-07-11T02:01:46.971" v="769" actId="1076"/>
+          <ac:picMkLst>
+            <pc:docMk/>
+            <pc:sldMk cId="2454663500" sldId="256"/>
+            <ac:picMk id="535" creationId="{5954027F-9261-5A4F-DF93-C874ADB7EA10}"/>
+          </ac:picMkLst>
+        </pc:picChg>
+        <pc:picChg chg="mod">
+          <ac:chgData name="#CUI SHUAIWEN#" userId="35a196ea-bcb8-475e-86cf-0b9eaca8a48f" providerId="ADAL" clId="{6DA0022E-A64E-415A-97D4-C7EAEDC0669F}" dt="2024-07-11T02:01:46.971" v="769" actId="1076"/>
+          <ac:picMkLst>
+            <pc:docMk/>
+            <pc:sldMk cId="2454663500" sldId="256"/>
+            <ac:picMk id="543" creationId="{7F2910E0-5C4D-C3DB-E296-F9CB86F29E1D}"/>
+          </ac:picMkLst>
+        </pc:picChg>
+        <pc:picChg chg="mod">
+          <ac:chgData name="#CUI SHUAIWEN#" userId="35a196ea-bcb8-475e-86cf-0b9eaca8a48f" providerId="ADAL" clId="{6DA0022E-A64E-415A-97D4-C7EAEDC0669F}" dt="2024-07-11T02:01:46.971" v="769" actId="1076"/>
+          <ac:picMkLst>
+            <pc:docMk/>
+            <pc:sldMk cId="2454663500" sldId="256"/>
+            <ac:picMk id="689" creationId="{7733B273-6022-83FE-200D-BE4D9658CEFC}"/>
+          </ac:picMkLst>
+        </pc:picChg>
+        <pc:picChg chg="mod">
+          <ac:chgData name="#CUI SHUAIWEN#" userId="35a196ea-bcb8-475e-86cf-0b9eaca8a48f" providerId="ADAL" clId="{6DA0022E-A64E-415A-97D4-C7EAEDC0669F}" dt="2024-07-11T02:01:46.971" v="769" actId="1076"/>
+          <ac:picMkLst>
+            <pc:docMk/>
+            <pc:sldMk cId="2454663500" sldId="256"/>
+            <ac:picMk id="705" creationId="{ED754C74-8BF5-8488-7041-6929DE97F3E0}"/>
+          </ac:picMkLst>
+        </pc:picChg>
+        <pc:cxnChg chg="mod">
+          <ac:chgData name="#CUI SHUAIWEN#" userId="35a196ea-bcb8-475e-86cf-0b9eaca8a48f" providerId="ADAL" clId="{6DA0022E-A64E-415A-97D4-C7EAEDC0669F}" dt="2024-07-11T02:06:55.767" v="829" actId="1582"/>
+          <ac:cxnSpMkLst>
+            <pc:docMk/>
+            <pc:sldMk cId="2454663500" sldId="256"/>
+            <ac:cxnSpMk id="21" creationId="{7E0591CC-2B5E-74FA-2B51-F817521F69C8}"/>
+          </ac:cxnSpMkLst>
+        </pc:cxnChg>
+        <pc:cxnChg chg="mod">
+          <ac:chgData name="#CUI SHUAIWEN#" userId="35a196ea-bcb8-475e-86cf-0b9eaca8a48f" providerId="ADAL" clId="{6DA0022E-A64E-415A-97D4-C7EAEDC0669F}" dt="2024-07-11T02:06:39.501" v="828" actId="14100"/>
+          <ac:cxnSpMkLst>
+            <pc:docMk/>
+            <pc:sldMk cId="2454663500" sldId="256"/>
+            <ac:cxnSpMk id="24" creationId="{7456A233-C4DF-0434-EAE1-3A00F9F0AFE8}"/>
+          </ac:cxnSpMkLst>
+        </pc:cxnChg>
         <pc:cxnChg chg="add mod">
-          <ac:chgData name="#CUI SHUAIWEN#" userId="35a196ea-bcb8-475e-86cf-0b9eaca8a48f" providerId="ADAL" clId="{6DA0022E-A64E-415A-97D4-C7EAEDC0669F}" dt="2024-07-10T15:06:43.162" v="663" actId="1076"/>
+          <ac:chgData name="#CUI SHUAIWEN#" userId="35a196ea-bcb8-475e-86cf-0b9eaca8a48f" providerId="ADAL" clId="{6DA0022E-A64E-415A-97D4-C7EAEDC0669F}" dt="2024-07-11T02:04:33.431" v="803" actId="1076"/>
           <ac:cxnSpMkLst>
             <pc:docMk/>
             <pc:sldMk cId="2454663500" sldId="256"/>
@@ -1592,7 +3296,7 @@
           </ac:cxnSpMkLst>
         </pc:cxnChg>
         <pc:cxnChg chg="add mod">
-          <ac:chgData name="#CUI SHUAIWEN#" userId="35a196ea-bcb8-475e-86cf-0b9eaca8a48f" providerId="ADAL" clId="{6DA0022E-A64E-415A-97D4-C7EAEDC0669F}" dt="2024-07-10T15:06:43.162" v="663" actId="1076"/>
+          <ac:chgData name="#CUI SHUAIWEN#" userId="35a196ea-bcb8-475e-86cf-0b9eaca8a48f" providerId="ADAL" clId="{6DA0022E-A64E-415A-97D4-C7EAEDC0669F}" dt="2024-07-11T02:04:33.431" v="803" actId="1076"/>
           <ac:cxnSpMkLst>
             <pc:docMk/>
             <pc:sldMk cId="2454663500" sldId="256"/>
@@ -1600,7 +3304,7 @@
           </ac:cxnSpMkLst>
         </pc:cxnChg>
         <pc:cxnChg chg="add mod">
-          <ac:chgData name="#CUI SHUAIWEN#" userId="35a196ea-bcb8-475e-86cf-0b9eaca8a48f" providerId="ADAL" clId="{6DA0022E-A64E-415A-97D4-C7EAEDC0669F}" dt="2024-07-10T15:06:43.162" v="663" actId="1076"/>
+          <ac:chgData name="#CUI SHUAIWEN#" userId="35a196ea-bcb8-475e-86cf-0b9eaca8a48f" providerId="ADAL" clId="{6DA0022E-A64E-415A-97D4-C7EAEDC0669F}" dt="2024-07-11T02:04:33.431" v="803" actId="1076"/>
           <ac:cxnSpMkLst>
             <pc:docMk/>
             <pc:sldMk cId="2454663500" sldId="256"/>
@@ -1608,7 +3312,7 @@
           </ac:cxnSpMkLst>
         </pc:cxnChg>
         <pc:cxnChg chg="add mod">
-          <ac:chgData name="#CUI SHUAIWEN#" userId="35a196ea-bcb8-475e-86cf-0b9eaca8a48f" providerId="ADAL" clId="{6DA0022E-A64E-415A-97D4-C7EAEDC0669F}" dt="2024-07-10T15:06:43.162" v="663" actId="1076"/>
+          <ac:chgData name="#CUI SHUAIWEN#" userId="35a196ea-bcb8-475e-86cf-0b9eaca8a48f" providerId="ADAL" clId="{6DA0022E-A64E-415A-97D4-C7EAEDC0669F}" dt="2024-07-11T02:04:33.431" v="803" actId="1076"/>
           <ac:cxnSpMkLst>
             <pc:docMk/>
             <pc:sldMk cId="2454663500" sldId="256"/>
@@ -1616,7 +3320,7 @@
           </ac:cxnSpMkLst>
         </pc:cxnChg>
         <pc:cxnChg chg="add mod">
-          <ac:chgData name="#CUI SHUAIWEN#" userId="35a196ea-bcb8-475e-86cf-0b9eaca8a48f" providerId="ADAL" clId="{6DA0022E-A64E-415A-97D4-C7EAEDC0669F}" dt="2024-07-10T15:06:43.162" v="663" actId="1076"/>
+          <ac:chgData name="#CUI SHUAIWEN#" userId="35a196ea-bcb8-475e-86cf-0b9eaca8a48f" providerId="ADAL" clId="{6DA0022E-A64E-415A-97D4-C7EAEDC0669F}" dt="2024-07-11T02:04:33.431" v="803" actId="1076"/>
           <ac:cxnSpMkLst>
             <pc:docMk/>
             <pc:sldMk cId="2454663500" sldId="256"/>
@@ -1624,7 +3328,7 @@
           </ac:cxnSpMkLst>
         </pc:cxnChg>
         <pc:cxnChg chg="add mod">
-          <ac:chgData name="#CUI SHUAIWEN#" userId="35a196ea-bcb8-475e-86cf-0b9eaca8a48f" providerId="ADAL" clId="{6DA0022E-A64E-415A-97D4-C7EAEDC0669F}" dt="2024-07-10T15:06:43.162" v="663" actId="1076"/>
+          <ac:chgData name="#CUI SHUAIWEN#" userId="35a196ea-bcb8-475e-86cf-0b9eaca8a48f" providerId="ADAL" clId="{6DA0022E-A64E-415A-97D4-C7EAEDC0669F}" dt="2024-07-11T02:04:33.431" v="803" actId="1076"/>
           <ac:cxnSpMkLst>
             <pc:docMk/>
             <pc:sldMk cId="2454663500" sldId="256"/>
@@ -1632,7 +3336,7 @@
           </ac:cxnSpMkLst>
         </pc:cxnChg>
         <pc:cxnChg chg="add mod">
-          <ac:chgData name="#CUI SHUAIWEN#" userId="35a196ea-bcb8-475e-86cf-0b9eaca8a48f" providerId="ADAL" clId="{6DA0022E-A64E-415A-97D4-C7EAEDC0669F}" dt="2024-07-10T15:06:43.162" v="663" actId="1076"/>
+          <ac:chgData name="#CUI SHUAIWEN#" userId="35a196ea-bcb8-475e-86cf-0b9eaca8a48f" providerId="ADAL" clId="{6DA0022E-A64E-415A-97D4-C7EAEDC0669F}" dt="2024-07-11T02:04:33.431" v="803" actId="1076"/>
           <ac:cxnSpMkLst>
             <pc:docMk/>
             <pc:sldMk cId="2454663500" sldId="256"/>
@@ -1695,8 +3399,16 @@
             <ac:cxnSpMk id="126" creationId="{08CA0C5D-CE78-91FD-98FB-50FB88670DC7}"/>
           </ac:cxnSpMkLst>
         </pc:cxnChg>
+        <pc:cxnChg chg="mod">
+          <ac:chgData name="#CUI SHUAIWEN#" userId="35a196ea-bcb8-475e-86cf-0b9eaca8a48f" providerId="ADAL" clId="{6DA0022E-A64E-415A-97D4-C7EAEDC0669F}" dt="2024-07-11T02:00:52.112" v="733" actId="1076"/>
+          <ac:cxnSpMkLst>
+            <pc:docMk/>
+            <pc:sldMk cId="2454663500" sldId="256"/>
+            <ac:cxnSpMk id="138" creationId="{823303A5-A26F-481B-96B6-B4B0B7F78B43}"/>
+          </ac:cxnSpMkLst>
+        </pc:cxnChg>
         <pc:cxnChg chg="add mod">
-          <ac:chgData name="#CUI SHUAIWEN#" userId="35a196ea-bcb8-475e-86cf-0b9eaca8a48f" providerId="ADAL" clId="{6DA0022E-A64E-415A-97D4-C7EAEDC0669F}" dt="2024-07-10T15:06:43.162" v="663" actId="1076"/>
+          <ac:chgData name="#CUI SHUAIWEN#" userId="35a196ea-bcb8-475e-86cf-0b9eaca8a48f" providerId="ADAL" clId="{6DA0022E-A64E-415A-97D4-C7EAEDC0669F}" dt="2024-07-11T02:04:33.431" v="803" actId="1076"/>
           <ac:cxnSpMkLst>
             <pc:docMk/>
             <pc:sldMk cId="2454663500" sldId="256"/>
@@ -1704,7 +3416,7 @@
           </ac:cxnSpMkLst>
         </pc:cxnChg>
         <pc:cxnChg chg="add mod">
-          <ac:chgData name="#CUI SHUAIWEN#" userId="35a196ea-bcb8-475e-86cf-0b9eaca8a48f" providerId="ADAL" clId="{6DA0022E-A64E-415A-97D4-C7EAEDC0669F}" dt="2024-07-10T15:06:43.162" v="663" actId="1076"/>
+          <ac:chgData name="#CUI SHUAIWEN#" userId="35a196ea-bcb8-475e-86cf-0b9eaca8a48f" providerId="ADAL" clId="{6DA0022E-A64E-415A-97D4-C7EAEDC0669F}" dt="2024-07-11T02:04:33.431" v="803" actId="1076"/>
           <ac:cxnSpMkLst>
             <pc:docMk/>
             <pc:sldMk cId="2454663500" sldId="256"/>
@@ -1712,7 +3424,7 @@
           </ac:cxnSpMkLst>
         </pc:cxnChg>
         <pc:cxnChg chg="add mod">
-          <ac:chgData name="#CUI SHUAIWEN#" userId="35a196ea-bcb8-475e-86cf-0b9eaca8a48f" providerId="ADAL" clId="{6DA0022E-A64E-415A-97D4-C7EAEDC0669F}" dt="2024-07-10T15:06:43.162" v="663" actId="1076"/>
+          <ac:chgData name="#CUI SHUAIWEN#" userId="35a196ea-bcb8-475e-86cf-0b9eaca8a48f" providerId="ADAL" clId="{6DA0022E-A64E-415A-97D4-C7EAEDC0669F}" dt="2024-07-11T02:04:33.431" v="803" actId="1076"/>
           <ac:cxnSpMkLst>
             <pc:docMk/>
             <pc:sldMk cId="2454663500" sldId="256"/>
@@ -1720,7 +3432,7 @@
           </ac:cxnSpMkLst>
         </pc:cxnChg>
         <pc:cxnChg chg="add mod">
-          <ac:chgData name="#CUI SHUAIWEN#" userId="35a196ea-bcb8-475e-86cf-0b9eaca8a48f" providerId="ADAL" clId="{6DA0022E-A64E-415A-97D4-C7EAEDC0669F}" dt="2024-07-10T15:06:43.162" v="663" actId="1076"/>
+          <ac:chgData name="#CUI SHUAIWEN#" userId="35a196ea-bcb8-475e-86cf-0b9eaca8a48f" providerId="ADAL" clId="{6DA0022E-A64E-415A-97D4-C7EAEDC0669F}" dt="2024-07-11T02:04:33.431" v="803" actId="1076"/>
           <ac:cxnSpMkLst>
             <pc:docMk/>
             <pc:sldMk cId="2454663500" sldId="256"/>
@@ -1728,7 +3440,7 @@
           </ac:cxnSpMkLst>
         </pc:cxnChg>
         <pc:cxnChg chg="add mod">
-          <ac:chgData name="#CUI SHUAIWEN#" userId="35a196ea-bcb8-475e-86cf-0b9eaca8a48f" providerId="ADAL" clId="{6DA0022E-A64E-415A-97D4-C7EAEDC0669F}" dt="2024-07-10T15:06:43.162" v="663" actId="1076"/>
+          <ac:chgData name="#CUI SHUAIWEN#" userId="35a196ea-bcb8-475e-86cf-0b9eaca8a48f" providerId="ADAL" clId="{6DA0022E-A64E-415A-97D4-C7EAEDC0669F}" dt="2024-07-11T02:04:33.431" v="803" actId="1076"/>
           <ac:cxnSpMkLst>
             <pc:docMk/>
             <pc:sldMk cId="2454663500" sldId="256"/>
@@ -1736,7 +3448,7 @@
           </ac:cxnSpMkLst>
         </pc:cxnChg>
         <pc:cxnChg chg="add mod">
-          <ac:chgData name="#CUI SHUAIWEN#" userId="35a196ea-bcb8-475e-86cf-0b9eaca8a48f" providerId="ADAL" clId="{6DA0022E-A64E-415A-97D4-C7EAEDC0669F}" dt="2024-07-10T15:06:43.162" v="663" actId="1076"/>
+          <ac:chgData name="#CUI SHUAIWEN#" userId="35a196ea-bcb8-475e-86cf-0b9eaca8a48f" providerId="ADAL" clId="{6DA0022E-A64E-415A-97D4-C7EAEDC0669F}" dt="2024-07-11T02:04:33.431" v="803" actId="1076"/>
           <ac:cxnSpMkLst>
             <pc:docMk/>
             <pc:sldMk cId="2454663500" sldId="256"/>
@@ -1744,11 +3456,43 @@
           </ac:cxnSpMkLst>
         </pc:cxnChg>
         <pc:cxnChg chg="add mod">
-          <ac:chgData name="#CUI SHUAIWEN#" userId="35a196ea-bcb8-475e-86cf-0b9eaca8a48f" providerId="ADAL" clId="{6DA0022E-A64E-415A-97D4-C7EAEDC0669F}" dt="2024-07-10T15:06:43.162" v="663" actId="1076"/>
+          <ac:chgData name="#CUI SHUAIWEN#" userId="35a196ea-bcb8-475e-86cf-0b9eaca8a48f" providerId="ADAL" clId="{6DA0022E-A64E-415A-97D4-C7EAEDC0669F}" dt="2024-07-11T02:04:33.431" v="803" actId="1076"/>
           <ac:cxnSpMkLst>
             <pc:docMk/>
             <pc:sldMk cId="2454663500" sldId="256"/>
             <ac:cxnSpMk id="158" creationId="{2BCA2FCD-94A0-9F75-B3FD-BA46720E2F1F}"/>
+          </ac:cxnSpMkLst>
+        </pc:cxnChg>
+        <pc:cxnChg chg="mod">
+          <ac:chgData name="#CUI SHUAIWEN#" userId="35a196ea-bcb8-475e-86cf-0b9eaca8a48f" providerId="ADAL" clId="{6DA0022E-A64E-415A-97D4-C7EAEDC0669F}" dt="2024-07-11T02:00:52.112" v="733" actId="1076"/>
+          <ac:cxnSpMkLst>
+            <pc:docMk/>
+            <pc:sldMk cId="2454663500" sldId="256"/>
+            <ac:cxnSpMk id="169" creationId="{CF93CEA0-EEFC-1C4F-D84D-63D5942B2931}"/>
+          </ac:cxnSpMkLst>
+        </pc:cxnChg>
+        <pc:cxnChg chg="mod">
+          <ac:chgData name="#CUI SHUAIWEN#" userId="35a196ea-bcb8-475e-86cf-0b9eaca8a48f" providerId="ADAL" clId="{6DA0022E-A64E-415A-97D4-C7EAEDC0669F}" dt="2024-07-11T02:00:52.112" v="733" actId="1076"/>
+          <ac:cxnSpMkLst>
+            <pc:docMk/>
+            <pc:sldMk cId="2454663500" sldId="256"/>
+            <ac:cxnSpMk id="171" creationId="{FE71B2E9-9F6E-F757-FB1E-2C9A00E14CE1}"/>
+          </ac:cxnSpMkLst>
+        </pc:cxnChg>
+        <pc:cxnChg chg="mod">
+          <ac:chgData name="#CUI SHUAIWEN#" userId="35a196ea-bcb8-475e-86cf-0b9eaca8a48f" providerId="ADAL" clId="{6DA0022E-A64E-415A-97D4-C7EAEDC0669F}" dt="2024-07-11T02:00:52.112" v="733" actId="1076"/>
+          <ac:cxnSpMkLst>
+            <pc:docMk/>
+            <pc:sldMk cId="2454663500" sldId="256"/>
+            <ac:cxnSpMk id="172" creationId="{F3E2552C-8EBA-3E0B-6FB6-34086D78A738}"/>
+          </ac:cxnSpMkLst>
+        </pc:cxnChg>
+        <pc:cxnChg chg="mod">
+          <ac:chgData name="#CUI SHUAIWEN#" userId="35a196ea-bcb8-475e-86cf-0b9eaca8a48f" providerId="ADAL" clId="{6DA0022E-A64E-415A-97D4-C7EAEDC0669F}" dt="2024-07-11T02:00:52.112" v="733" actId="1076"/>
+          <ac:cxnSpMkLst>
+            <pc:docMk/>
+            <pc:sldMk cId="2454663500" sldId="256"/>
+            <ac:cxnSpMk id="173" creationId="{EEEE8EF3-DA0A-AE9B-935D-64735BA148E2}"/>
           </ac:cxnSpMkLst>
         </pc:cxnChg>
         <pc:cxnChg chg="add mod">
@@ -1757,6 +3501,14 @@
             <pc:docMk/>
             <pc:sldMk cId="2454663500" sldId="256"/>
             <ac:cxnSpMk id="173" creationId="{F6F8F279-E290-8E44-07FD-ADA679772188}"/>
+          </ac:cxnSpMkLst>
+        </pc:cxnChg>
+        <pc:cxnChg chg="mod">
+          <ac:chgData name="#CUI SHUAIWEN#" userId="35a196ea-bcb8-475e-86cf-0b9eaca8a48f" providerId="ADAL" clId="{6DA0022E-A64E-415A-97D4-C7EAEDC0669F}" dt="2024-07-11T02:00:52.112" v="733" actId="1076"/>
+          <ac:cxnSpMkLst>
+            <pc:docMk/>
+            <pc:sldMk cId="2454663500" sldId="256"/>
+            <ac:cxnSpMk id="174" creationId="{58915C18-189D-00C7-8E95-E5764444C301}"/>
           </ac:cxnSpMkLst>
         </pc:cxnChg>
         <pc:cxnChg chg="add mod">
@@ -1783,6 +3535,14 @@
             <ac:cxnSpMk id="176" creationId="{6DB9248E-A7C5-3C22-E503-F8B6DC605E8A}"/>
           </ac:cxnSpMkLst>
         </pc:cxnChg>
+        <pc:cxnChg chg="mod">
+          <ac:chgData name="#CUI SHUAIWEN#" userId="35a196ea-bcb8-475e-86cf-0b9eaca8a48f" providerId="ADAL" clId="{6DA0022E-A64E-415A-97D4-C7EAEDC0669F}" dt="2024-07-11T02:00:52.112" v="733" actId="1076"/>
+          <ac:cxnSpMkLst>
+            <pc:docMk/>
+            <pc:sldMk cId="2454663500" sldId="256"/>
+            <ac:cxnSpMk id="176" creationId="{9ED27AC9-A273-8226-BD90-E714549C7EE7}"/>
+          </ac:cxnSpMkLst>
+        </pc:cxnChg>
         <pc:cxnChg chg="add mod">
           <ac:chgData name="#CUI SHUAIWEN#" userId="35a196ea-bcb8-475e-86cf-0b9eaca8a48f" providerId="ADAL" clId="{6DA0022E-A64E-415A-97D4-C7EAEDC0669F}" dt="2024-07-10T14:53:43.447" v="443" actId="478"/>
           <ac:cxnSpMkLst>
@@ -1944,7 +3704,7 @@
           </ac:cxnSpMkLst>
         </pc:cxnChg>
         <pc:cxnChg chg="add mod">
-          <ac:chgData name="#CUI SHUAIWEN#" userId="35a196ea-bcb8-475e-86cf-0b9eaca8a48f" providerId="ADAL" clId="{6DA0022E-A64E-415A-97D4-C7EAEDC0669F}" dt="2024-07-10T15:07:30.815" v="686" actId="1076"/>
+          <ac:chgData name="#CUI SHUAIWEN#" userId="35a196ea-bcb8-475e-86cf-0b9eaca8a48f" providerId="ADAL" clId="{6DA0022E-A64E-415A-97D4-C7EAEDC0669F}" dt="2024-07-11T02:04:33.431" v="803" actId="1076"/>
           <ac:cxnSpMkLst>
             <pc:docMk/>
             <pc:sldMk cId="2454663500" sldId="256"/>
@@ -1952,7 +3712,7 @@
           </ac:cxnSpMkLst>
         </pc:cxnChg>
         <pc:cxnChg chg="add mod">
-          <ac:chgData name="#CUI SHUAIWEN#" userId="35a196ea-bcb8-475e-86cf-0b9eaca8a48f" providerId="ADAL" clId="{6DA0022E-A64E-415A-97D4-C7EAEDC0669F}" dt="2024-07-10T15:07:30.815" v="686" actId="1076"/>
+          <ac:chgData name="#CUI SHUAIWEN#" userId="35a196ea-bcb8-475e-86cf-0b9eaca8a48f" providerId="ADAL" clId="{6DA0022E-A64E-415A-97D4-C7EAEDC0669F}" dt="2024-07-11T02:04:33.431" v="803" actId="1076"/>
           <ac:cxnSpMkLst>
             <pc:docMk/>
             <pc:sldMk cId="2454663500" sldId="256"/>
@@ -1960,7 +3720,7 @@
           </ac:cxnSpMkLst>
         </pc:cxnChg>
         <pc:cxnChg chg="add mod">
-          <ac:chgData name="#CUI SHUAIWEN#" userId="35a196ea-bcb8-475e-86cf-0b9eaca8a48f" providerId="ADAL" clId="{6DA0022E-A64E-415A-97D4-C7EAEDC0669F}" dt="2024-07-10T15:07:30.815" v="686" actId="1076"/>
+          <ac:chgData name="#CUI SHUAIWEN#" userId="35a196ea-bcb8-475e-86cf-0b9eaca8a48f" providerId="ADAL" clId="{6DA0022E-A64E-415A-97D4-C7EAEDC0669F}" dt="2024-07-11T02:04:33.431" v="803" actId="1076"/>
           <ac:cxnSpMkLst>
             <pc:docMk/>
             <pc:sldMk cId="2454663500" sldId="256"/>
@@ -1968,11 +3728,331 @@
           </ac:cxnSpMkLst>
         </pc:cxnChg>
         <pc:cxnChg chg="add mod">
-          <ac:chgData name="#CUI SHUAIWEN#" userId="35a196ea-bcb8-475e-86cf-0b9eaca8a48f" providerId="ADAL" clId="{6DA0022E-A64E-415A-97D4-C7EAEDC0669F}" dt="2024-07-10T15:07:36.596" v="687" actId="14100"/>
+          <ac:chgData name="#CUI SHUAIWEN#" userId="35a196ea-bcb8-475e-86cf-0b9eaca8a48f" providerId="ADAL" clId="{6DA0022E-A64E-415A-97D4-C7EAEDC0669F}" dt="2024-07-11T02:04:33.431" v="803" actId="1076"/>
           <ac:cxnSpMkLst>
             <pc:docMk/>
             <pc:sldMk cId="2454663500" sldId="256"/>
             <ac:cxnSpMk id="239" creationId="{E1FAC899-936D-04FE-EADC-06E04369681C}"/>
+          </ac:cxnSpMkLst>
+        </pc:cxnChg>
+        <pc:cxnChg chg="mod">
+          <ac:chgData name="#CUI SHUAIWEN#" userId="35a196ea-bcb8-475e-86cf-0b9eaca8a48f" providerId="ADAL" clId="{6DA0022E-A64E-415A-97D4-C7EAEDC0669F}" dt="2024-07-11T02:00:52.112" v="733" actId="1076"/>
+          <ac:cxnSpMkLst>
+            <pc:docMk/>
+            <pc:sldMk cId="2454663500" sldId="256"/>
+            <ac:cxnSpMk id="268" creationId="{38B5A731-D405-5C9D-ADD9-674EEF3BE0DE}"/>
+          </ac:cxnSpMkLst>
+        </pc:cxnChg>
+        <pc:cxnChg chg="mod">
+          <ac:chgData name="#CUI SHUAIWEN#" userId="35a196ea-bcb8-475e-86cf-0b9eaca8a48f" providerId="ADAL" clId="{6DA0022E-A64E-415A-97D4-C7EAEDC0669F}" dt="2024-07-11T02:00:52.112" v="733" actId="1076"/>
+          <ac:cxnSpMkLst>
+            <pc:docMk/>
+            <pc:sldMk cId="2454663500" sldId="256"/>
+            <ac:cxnSpMk id="297" creationId="{6279CA95-4CD3-F370-ACC0-C128D87C155F}"/>
+          </ac:cxnSpMkLst>
+        </pc:cxnChg>
+        <pc:cxnChg chg="mod">
+          <ac:chgData name="#CUI SHUAIWEN#" userId="35a196ea-bcb8-475e-86cf-0b9eaca8a48f" providerId="ADAL" clId="{6DA0022E-A64E-415A-97D4-C7EAEDC0669F}" dt="2024-07-11T02:00:52.112" v="733" actId="1076"/>
+          <ac:cxnSpMkLst>
+            <pc:docMk/>
+            <pc:sldMk cId="2454663500" sldId="256"/>
+            <ac:cxnSpMk id="324" creationId="{F7E9BA5A-85B2-8C4F-61A3-DEFC299368B8}"/>
+          </ac:cxnSpMkLst>
+        </pc:cxnChg>
+        <pc:cxnChg chg="mod">
+          <ac:chgData name="#CUI SHUAIWEN#" userId="35a196ea-bcb8-475e-86cf-0b9eaca8a48f" providerId="ADAL" clId="{6DA0022E-A64E-415A-97D4-C7EAEDC0669F}" dt="2024-07-11T02:00:52.112" v="733" actId="1076"/>
+          <ac:cxnSpMkLst>
+            <pc:docMk/>
+            <pc:sldMk cId="2454663500" sldId="256"/>
+            <ac:cxnSpMk id="327" creationId="{6D2C25B2-1B8A-F41B-3C7D-57E629E412EC}"/>
+          </ac:cxnSpMkLst>
+        </pc:cxnChg>
+        <pc:cxnChg chg="mod">
+          <ac:chgData name="#CUI SHUAIWEN#" userId="35a196ea-bcb8-475e-86cf-0b9eaca8a48f" providerId="ADAL" clId="{6DA0022E-A64E-415A-97D4-C7EAEDC0669F}" dt="2024-07-11T02:00:52.112" v="733" actId="1076"/>
+          <ac:cxnSpMkLst>
+            <pc:docMk/>
+            <pc:sldMk cId="2454663500" sldId="256"/>
+            <ac:cxnSpMk id="341" creationId="{85EF8E54-1609-796B-CE0D-E79DB20B4561}"/>
+          </ac:cxnSpMkLst>
+        </pc:cxnChg>
+        <pc:cxnChg chg="mod">
+          <ac:chgData name="#CUI SHUAIWEN#" userId="35a196ea-bcb8-475e-86cf-0b9eaca8a48f" providerId="ADAL" clId="{6DA0022E-A64E-415A-97D4-C7EAEDC0669F}" dt="2024-07-11T02:00:52.112" v="733" actId="1076"/>
+          <ac:cxnSpMkLst>
+            <pc:docMk/>
+            <pc:sldMk cId="2454663500" sldId="256"/>
+            <ac:cxnSpMk id="350" creationId="{E00C1A71-0BF3-2EE7-0FFE-DEE6EF4A97DF}"/>
+          </ac:cxnSpMkLst>
+        </pc:cxnChg>
+        <pc:cxnChg chg="mod">
+          <ac:chgData name="#CUI SHUAIWEN#" userId="35a196ea-bcb8-475e-86cf-0b9eaca8a48f" providerId="ADAL" clId="{6DA0022E-A64E-415A-97D4-C7EAEDC0669F}" dt="2024-07-11T02:00:52.112" v="733" actId="1076"/>
+          <ac:cxnSpMkLst>
+            <pc:docMk/>
+            <pc:sldMk cId="2454663500" sldId="256"/>
+            <ac:cxnSpMk id="362" creationId="{C4D376B1-A2B2-D3BE-6AFA-1F2A17185886}"/>
+          </ac:cxnSpMkLst>
+        </pc:cxnChg>
+        <pc:cxnChg chg="mod">
+          <ac:chgData name="#CUI SHUAIWEN#" userId="35a196ea-bcb8-475e-86cf-0b9eaca8a48f" providerId="ADAL" clId="{6DA0022E-A64E-415A-97D4-C7EAEDC0669F}" dt="2024-07-11T02:01:46.971" v="769" actId="1076"/>
+          <ac:cxnSpMkLst>
+            <pc:docMk/>
+            <pc:sldMk cId="2454663500" sldId="256"/>
+            <ac:cxnSpMk id="544" creationId="{B5B42FCD-53EA-A175-F5FA-127742A30864}"/>
+          </ac:cxnSpMkLst>
+        </pc:cxnChg>
+        <pc:cxnChg chg="mod">
+          <ac:chgData name="#CUI SHUAIWEN#" userId="35a196ea-bcb8-475e-86cf-0b9eaca8a48f" providerId="ADAL" clId="{6DA0022E-A64E-415A-97D4-C7EAEDC0669F}" dt="2024-07-11T02:01:46.971" v="769" actId="1076"/>
+          <ac:cxnSpMkLst>
+            <pc:docMk/>
+            <pc:sldMk cId="2454663500" sldId="256"/>
+            <ac:cxnSpMk id="546" creationId="{5C75D158-EDDF-61D4-05EC-13D997804635}"/>
+          </ac:cxnSpMkLst>
+        </pc:cxnChg>
+        <pc:cxnChg chg="mod">
+          <ac:chgData name="#CUI SHUAIWEN#" userId="35a196ea-bcb8-475e-86cf-0b9eaca8a48f" providerId="ADAL" clId="{6DA0022E-A64E-415A-97D4-C7EAEDC0669F}" dt="2024-07-11T02:01:46.971" v="769" actId="1076"/>
+          <ac:cxnSpMkLst>
+            <pc:docMk/>
+            <pc:sldMk cId="2454663500" sldId="256"/>
+            <ac:cxnSpMk id="548" creationId="{BAB2225C-5822-5D3E-0B8C-CEF2D9F69986}"/>
+          </ac:cxnSpMkLst>
+        </pc:cxnChg>
+        <pc:cxnChg chg="mod">
+          <ac:chgData name="#CUI SHUAIWEN#" userId="35a196ea-bcb8-475e-86cf-0b9eaca8a48f" providerId="ADAL" clId="{6DA0022E-A64E-415A-97D4-C7EAEDC0669F}" dt="2024-07-11T02:01:46.971" v="769" actId="1076"/>
+          <ac:cxnSpMkLst>
+            <pc:docMk/>
+            <pc:sldMk cId="2454663500" sldId="256"/>
+            <ac:cxnSpMk id="549" creationId="{E56D4113-1CBA-059A-6351-01721898E7FF}"/>
+          </ac:cxnSpMkLst>
+        </pc:cxnChg>
+        <pc:cxnChg chg="mod">
+          <ac:chgData name="#CUI SHUAIWEN#" userId="35a196ea-bcb8-475e-86cf-0b9eaca8a48f" providerId="ADAL" clId="{6DA0022E-A64E-415A-97D4-C7EAEDC0669F}" dt="2024-07-11T02:01:46.971" v="769" actId="1076"/>
+          <ac:cxnSpMkLst>
+            <pc:docMk/>
+            <pc:sldMk cId="2454663500" sldId="256"/>
+            <ac:cxnSpMk id="550" creationId="{A92F8EC8-7561-878B-02A6-F11530019272}"/>
+          </ac:cxnSpMkLst>
+        </pc:cxnChg>
+        <pc:cxnChg chg="mod">
+          <ac:chgData name="#CUI SHUAIWEN#" userId="35a196ea-bcb8-475e-86cf-0b9eaca8a48f" providerId="ADAL" clId="{6DA0022E-A64E-415A-97D4-C7EAEDC0669F}" dt="2024-07-11T02:01:46.971" v="769" actId="1076"/>
+          <ac:cxnSpMkLst>
+            <pc:docMk/>
+            <pc:sldMk cId="2454663500" sldId="256"/>
+            <ac:cxnSpMk id="551" creationId="{42F0E9FB-BBB9-6C80-8FB6-B694DC2A1902}"/>
+          </ac:cxnSpMkLst>
+        </pc:cxnChg>
+        <pc:cxnChg chg="mod">
+          <ac:chgData name="#CUI SHUAIWEN#" userId="35a196ea-bcb8-475e-86cf-0b9eaca8a48f" providerId="ADAL" clId="{6DA0022E-A64E-415A-97D4-C7EAEDC0669F}" dt="2024-07-11T02:01:46.971" v="769" actId="1076"/>
+          <ac:cxnSpMkLst>
+            <pc:docMk/>
+            <pc:sldMk cId="2454663500" sldId="256"/>
+            <ac:cxnSpMk id="553" creationId="{C615C56D-F0BB-08A4-93F9-6021E0CC4290}"/>
+          </ac:cxnSpMkLst>
+        </pc:cxnChg>
+        <pc:cxnChg chg="mod">
+          <ac:chgData name="#CUI SHUAIWEN#" userId="35a196ea-bcb8-475e-86cf-0b9eaca8a48f" providerId="ADAL" clId="{6DA0022E-A64E-415A-97D4-C7EAEDC0669F}" dt="2024-07-11T02:01:46.971" v="769" actId="1076"/>
+          <ac:cxnSpMkLst>
+            <pc:docMk/>
+            <pc:sldMk cId="2454663500" sldId="256"/>
+            <ac:cxnSpMk id="565" creationId="{8CD70B0F-0221-E337-135D-FF3A652C2B96}"/>
+          </ac:cxnSpMkLst>
+        </pc:cxnChg>
+        <pc:cxnChg chg="mod">
+          <ac:chgData name="#CUI SHUAIWEN#" userId="35a196ea-bcb8-475e-86cf-0b9eaca8a48f" providerId="ADAL" clId="{6DA0022E-A64E-415A-97D4-C7EAEDC0669F}" dt="2024-07-11T02:01:46.971" v="769" actId="1076"/>
+          <ac:cxnSpMkLst>
+            <pc:docMk/>
+            <pc:sldMk cId="2454663500" sldId="256"/>
+            <ac:cxnSpMk id="568" creationId="{253EECD7-B2A4-4057-3F7F-CA1C3C09CC51}"/>
+          </ac:cxnSpMkLst>
+        </pc:cxnChg>
+        <pc:cxnChg chg="mod">
+          <ac:chgData name="#CUI SHUAIWEN#" userId="35a196ea-bcb8-475e-86cf-0b9eaca8a48f" providerId="ADAL" clId="{6DA0022E-A64E-415A-97D4-C7EAEDC0669F}" dt="2024-07-11T02:01:46.971" v="769" actId="1076"/>
+          <ac:cxnSpMkLst>
+            <pc:docMk/>
+            <pc:sldMk cId="2454663500" sldId="256"/>
+            <ac:cxnSpMk id="582" creationId="{93B7D7B4-169B-F73B-F24D-0F0FBAA832E4}"/>
+          </ac:cxnSpMkLst>
+        </pc:cxnChg>
+        <pc:cxnChg chg="mod">
+          <ac:chgData name="#CUI SHUAIWEN#" userId="35a196ea-bcb8-475e-86cf-0b9eaca8a48f" providerId="ADAL" clId="{6DA0022E-A64E-415A-97D4-C7EAEDC0669F}" dt="2024-07-11T02:01:46.971" v="769" actId="1076"/>
+          <ac:cxnSpMkLst>
+            <pc:docMk/>
+            <pc:sldMk cId="2454663500" sldId="256"/>
+            <ac:cxnSpMk id="583" creationId="{05603766-F173-8F8E-178E-19AF8344C90A}"/>
+          </ac:cxnSpMkLst>
+        </pc:cxnChg>
+        <pc:cxnChg chg="mod">
+          <ac:chgData name="#CUI SHUAIWEN#" userId="35a196ea-bcb8-475e-86cf-0b9eaca8a48f" providerId="ADAL" clId="{6DA0022E-A64E-415A-97D4-C7EAEDC0669F}" dt="2024-07-11T02:01:46.971" v="769" actId="1076"/>
+          <ac:cxnSpMkLst>
+            <pc:docMk/>
+            <pc:sldMk cId="2454663500" sldId="256"/>
+            <ac:cxnSpMk id="584" creationId="{DAF4BC3A-C239-648C-A412-F7942C28D0AF}"/>
+          </ac:cxnSpMkLst>
+        </pc:cxnChg>
+        <pc:cxnChg chg="mod">
+          <ac:chgData name="#CUI SHUAIWEN#" userId="35a196ea-bcb8-475e-86cf-0b9eaca8a48f" providerId="ADAL" clId="{6DA0022E-A64E-415A-97D4-C7EAEDC0669F}" dt="2024-07-11T02:01:46.971" v="769" actId="1076"/>
+          <ac:cxnSpMkLst>
+            <pc:docMk/>
+            <pc:sldMk cId="2454663500" sldId="256"/>
+            <ac:cxnSpMk id="585" creationId="{8A8B3A4E-38F5-8475-37D8-2DE8E1B36D81}"/>
+          </ac:cxnSpMkLst>
+        </pc:cxnChg>
+        <pc:cxnChg chg="mod">
+          <ac:chgData name="#CUI SHUAIWEN#" userId="35a196ea-bcb8-475e-86cf-0b9eaca8a48f" providerId="ADAL" clId="{6DA0022E-A64E-415A-97D4-C7EAEDC0669F}" dt="2024-07-11T02:01:46.971" v="769" actId="1076"/>
+          <ac:cxnSpMkLst>
+            <pc:docMk/>
+            <pc:sldMk cId="2454663500" sldId="256"/>
+            <ac:cxnSpMk id="587" creationId="{D2C3F402-859D-ADEF-9B17-B42E0DFB86CC}"/>
+          </ac:cxnSpMkLst>
+        </pc:cxnChg>
+        <pc:cxnChg chg="mod">
+          <ac:chgData name="#CUI SHUAIWEN#" userId="35a196ea-bcb8-475e-86cf-0b9eaca8a48f" providerId="ADAL" clId="{6DA0022E-A64E-415A-97D4-C7EAEDC0669F}" dt="2024-07-11T02:01:46.971" v="769" actId="1076"/>
+          <ac:cxnSpMkLst>
+            <pc:docMk/>
+            <pc:sldMk cId="2454663500" sldId="256"/>
+            <ac:cxnSpMk id="588" creationId="{56B12FAD-65A9-365C-A016-4338008ED06B}"/>
+          </ac:cxnSpMkLst>
+        </pc:cxnChg>
+        <pc:cxnChg chg="mod">
+          <ac:chgData name="#CUI SHUAIWEN#" userId="35a196ea-bcb8-475e-86cf-0b9eaca8a48f" providerId="ADAL" clId="{6DA0022E-A64E-415A-97D4-C7EAEDC0669F}" dt="2024-07-11T02:01:46.971" v="769" actId="1076"/>
+          <ac:cxnSpMkLst>
+            <pc:docMk/>
+            <pc:sldMk cId="2454663500" sldId="256"/>
+            <ac:cxnSpMk id="589" creationId="{5A92686B-6AC3-AC7F-62AA-31A4BAAD1438}"/>
+          </ac:cxnSpMkLst>
+        </pc:cxnChg>
+        <pc:cxnChg chg="mod">
+          <ac:chgData name="#CUI SHUAIWEN#" userId="35a196ea-bcb8-475e-86cf-0b9eaca8a48f" providerId="ADAL" clId="{6DA0022E-A64E-415A-97D4-C7EAEDC0669F}" dt="2024-07-11T02:01:46.971" v="769" actId="1076"/>
+          <ac:cxnSpMkLst>
+            <pc:docMk/>
+            <pc:sldMk cId="2454663500" sldId="256"/>
+            <ac:cxnSpMk id="590" creationId="{EC44CB1C-C6F0-9E91-4304-6AB2C1EBCA71}"/>
+          </ac:cxnSpMkLst>
+        </pc:cxnChg>
+        <pc:cxnChg chg="mod">
+          <ac:chgData name="#CUI SHUAIWEN#" userId="35a196ea-bcb8-475e-86cf-0b9eaca8a48f" providerId="ADAL" clId="{6DA0022E-A64E-415A-97D4-C7EAEDC0669F}" dt="2024-07-11T02:01:46.971" v="769" actId="1076"/>
+          <ac:cxnSpMkLst>
+            <pc:docMk/>
+            <pc:sldMk cId="2454663500" sldId="256"/>
+            <ac:cxnSpMk id="604" creationId="{8DBF4330-4DAF-45C9-990A-33FDF57DC71A}"/>
+          </ac:cxnSpMkLst>
+        </pc:cxnChg>
+        <pc:cxnChg chg="mod">
+          <ac:chgData name="#CUI SHUAIWEN#" userId="35a196ea-bcb8-475e-86cf-0b9eaca8a48f" providerId="ADAL" clId="{6DA0022E-A64E-415A-97D4-C7EAEDC0669F}" dt="2024-07-11T02:01:46.971" v="769" actId="1076"/>
+          <ac:cxnSpMkLst>
+            <pc:docMk/>
+            <pc:sldMk cId="2454663500" sldId="256"/>
+            <ac:cxnSpMk id="626" creationId="{3E3AEF2E-7262-CE52-2448-89E16B7B465A}"/>
+          </ac:cxnSpMkLst>
+        </pc:cxnChg>
+        <pc:cxnChg chg="mod">
+          <ac:chgData name="#CUI SHUAIWEN#" userId="35a196ea-bcb8-475e-86cf-0b9eaca8a48f" providerId="ADAL" clId="{6DA0022E-A64E-415A-97D4-C7EAEDC0669F}" dt="2024-07-11T02:01:46.971" v="769" actId="1076"/>
+          <ac:cxnSpMkLst>
+            <pc:docMk/>
+            <pc:sldMk cId="2454663500" sldId="256"/>
+            <ac:cxnSpMk id="627" creationId="{372372F5-1489-DC58-7C3A-5508678E2F3F}"/>
+          </ac:cxnSpMkLst>
+        </pc:cxnChg>
+        <pc:cxnChg chg="mod">
+          <ac:chgData name="#CUI SHUAIWEN#" userId="35a196ea-bcb8-475e-86cf-0b9eaca8a48f" providerId="ADAL" clId="{6DA0022E-A64E-415A-97D4-C7EAEDC0669F}" dt="2024-07-11T02:01:46.971" v="769" actId="1076"/>
+          <ac:cxnSpMkLst>
+            <pc:docMk/>
+            <pc:sldMk cId="2454663500" sldId="256"/>
+            <ac:cxnSpMk id="628" creationId="{77FCF5F5-7864-BE71-C9A7-B3365E923BAE}"/>
+          </ac:cxnSpMkLst>
+        </pc:cxnChg>
+        <pc:cxnChg chg="mod">
+          <ac:chgData name="#CUI SHUAIWEN#" userId="35a196ea-bcb8-475e-86cf-0b9eaca8a48f" providerId="ADAL" clId="{6DA0022E-A64E-415A-97D4-C7EAEDC0669F}" dt="2024-07-11T02:01:46.971" v="769" actId="1076"/>
+          <ac:cxnSpMkLst>
+            <pc:docMk/>
+            <pc:sldMk cId="2454663500" sldId="256"/>
+            <ac:cxnSpMk id="629" creationId="{0A79F22C-A835-66F6-F9B0-2FA3E9BBA942}"/>
+          </ac:cxnSpMkLst>
+        </pc:cxnChg>
+        <pc:cxnChg chg="mod">
+          <ac:chgData name="#CUI SHUAIWEN#" userId="35a196ea-bcb8-475e-86cf-0b9eaca8a48f" providerId="ADAL" clId="{6DA0022E-A64E-415A-97D4-C7EAEDC0669F}" dt="2024-07-11T02:01:46.971" v="769" actId="1076"/>
+          <ac:cxnSpMkLst>
+            <pc:docMk/>
+            <pc:sldMk cId="2454663500" sldId="256"/>
+            <ac:cxnSpMk id="631" creationId="{27C6E61B-AD5F-619F-1376-F95BEB6C1A7F}"/>
+          </ac:cxnSpMkLst>
+        </pc:cxnChg>
+        <pc:cxnChg chg="mod">
+          <ac:chgData name="#CUI SHUAIWEN#" userId="35a196ea-bcb8-475e-86cf-0b9eaca8a48f" providerId="ADAL" clId="{6DA0022E-A64E-415A-97D4-C7EAEDC0669F}" dt="2024-07-11T02:01:46.971" v="769" actId="1076"/>
+          <ac:cxnSpMkLst>
+            <pc:docMk/>
+            <pc:sldMk cId="2454663500" sldId="256"/>
+            <ac:cxnSpMk id="632" creationId="{BB1D030E-D439-4051-36E6-3468C718DC28}"/>
+          </ac:cxnSpMkLst>
+        </pc:cxnChg>
+        <pc:cxnChg chg="mod">
+          <ac:chgData name="#CUI SHUAIWEN#" userId="35a196ea-bcb8-475e-86cf-0b9eaca8a48f" providerId="ADAL" clId="{6DA0022E-A64E-415A-97D4-C7EAEDC0669F}" dt="2024-07-11T02:01:46.971" v="769" actId="1076"/>
+          <ac:cxnSpMkLst>
+            <pc:docMk/>
+            <pc:sldMk cId="2454663500" sldId="256"/>
+            <ac:cxnSpMk id="633" creationId="{40562831-A1CF-149D-CB81-93B5EAA99216}"/>
+          </ac:cxnSpMkLst>
+        </pc:cxnChg>
+        <pc:cxnChg chg="mod">
+          <ac:chgData name="#CUI SHUAIWEN#" userId="35a196ea-bcb8-475e-86cf-0b9eaca8a48f" providerId="ADAL" clId="{6DA0022E-A64E-415A-97D4-C7EAEDC0669F}" dt="2024-07-11T02:01:46.971" v="769" actId="1076"/>
+          <ac:cxnSpMkLst>
+            <pc:docMk/>
+            <pc:sldMk cId="2454663500" sldId="256"/>
+            <ac:cxnSpMk id="634" creationId="{159E0F96-71C1-21FE-56EA-39C131142D14}"/>
+          </ac:cxnSpMkLst>
+        </pc:cxnChg>
+        <pc:cxnChg chg="mod">
+          <ac:chgData name="#CUI SHUAIWEN#" userId="35a196ea-bcb8-475e-86cf-0b9eaca8a48f" providerId="ADAL" clId="{6DA0022E-A64E-415A-97D4-C7EAEDC0669F}" dt="2024-07-11T02:01:46.971" v="769" actId="1076"/>
+          <ac:cxnSpMkLst>
+            <pc:docMk/>
+            <pc:sldMk cId="2454663500" sldId="256"/>
+            <ac:cxnSpMk id="654" creationId="{72A411AA-5C47-F2F1-A044-97EB74423519}"/>
+          </ac:cxnSpMkLst>
+        </pc:cxnChg>
+        <pc:cxnChg chg="mod">
+          <ac:chgData name="#CUI SHUAIWEN#" userId="35a196ea-bcb8-475e-86cf-0b9eaca8a48f" providerId="ADAL" clId="{6DA0022E-A64E-415A-97D4-C7EAEDC0669F}" dt="2024-07-11T02:01:46.971" v="769" actId="1076"/>
+          <ac:cxnSpMkLst>
+            <pc:docMk/>
+            <pc:sldMk cId="2454663500" sldId="256"/>
+            <ac:cxnSpMk id="658" creationId="{A8D1C005-F761-3340-2EE6-5586601DCF77}"/>
+          </ac:cxnSpMkLst>
+        </pc:cxnChg>
+        <pc:cxnChg chg="mod">
+          <ac:chgData name="#CUI SHUAIWEN#" userId="35a196ea-bcb8-475e-86cf-0b9eaca8a48f" providerId="ADAL" clId="{6DA0022E-A64E-415A-97D4-C7EAEDC0669F}" dt="2024-07-11T02:01:46.971" v="769" actId="1076"/>
+          <ac:cxnSpMkLst>
+            <pc:docMk/>
+            <pc:sldMk cId="2454663500" sldId="256"/>
+            <ac:cxnSpMk id="662" creationId="{E2637172-9DDF-81DC-EA84-A9BC9A81CC9A}"/>
+          </ac:cxnSpMkLst>
+        </pc:cxnChg>
+        <pc:cxnChg chg="mod">
+          <ac:chgData name="#CUI SHUAIWEN#" userId="35a196ea-bcb8-475e-86cf-0b9eaca8a48f" providerId="ADAL" clId="{6DA0022E-A64E-415A-97D4-C7EAEDC0669F}" dt="2024-07-11T02:01:46.971" v="769" actId="1076"/>
+          <ac:cxnSpMkLst>
+            <pc:docMk/>
+            <pc:sldMk cId="2454663500" sldId="256"/>
+            <ac:cxnSpMk id="706" creationId="{0820AAF2-D3FC-375B-9C93-FA057B93DBF3}"/>
+          </ac:cxnSpMkLst>
+        </pc:cxnChg>
+        <pc:cxnChg chg="mod">
+          <ac:chgData name="#CUI SHUAIWEN#" userId="35a196ea-bcb8-475e-86cf-0b9eaca8a48f" providerId="ADAL" clId="{6DA0022E-A64E-415A-97D4-C7EAEDC0669F}" dt="2024-07-11T02:01:46.971" v="769" actId="1076"/>
+          <ac:cxnSpMkLst>
+            <pc:docMk/>
+            <pc:sldMk cId="2454663500" sldId="256"/>
+            <ac:cxnSpMk id="723" creationId="{28BE3D30-7ECF-BB75-6C27-05B09889D34C}"/>
+          </ac:cxnSpMkLst>
+        </pc:cxnChg>
+        <pc:cxnChg chg="mod">
+          <ac:chgData name="#CUI SHUAIWEN#" userId="35a196ea-bcb8-475e-86cf-0b9eaca8a48f" providerId="ADAL" clId="{6DA0022E-A64E-415A-97D4-C7EAEDC0669F}" dt="2024-07-11T02:01:46.971" v="769" actId="1076"/>
+          <ac:cxnSpMkLst>
+            <pc:docMk/>
+            <pc:sldMk cId="2454663500" sldId="256"/>
+            <ac:cxnSpMk id="727" creationId="{8EDD4CD2-4D63-B516-CA9B-E541A68383BA}"/>
+          </ac:cxnSpMkLst>
+        </pc:cxnChg>
+        <pc:cxnChg chg="mod">
+          <ac:chgData name="#CUI SHUAIWEN#" userId="35a196ea-bcb8-475e-86cf-0b9eaca8a48f" providerId="ADAL" clId="{6DA0022E-A64E-415A-97D4-C7EAEDC0669F}" dt="2024-07-11T02:01:46.971" v="769" actId="1076"/>
+          <ac:cxnSpMkLst>
+            <pc:docMk/>
+            <pc:sldMk cId="2454663500" sldId="256"/>
+            <ac:cxnSpMk id="738" creationId="{7ED8F22E-16F6-D3B3-F49C-965AC5217583}"/>
           </ac:cxnSpMkLst>
         </pc:cxnChg>
       </pc:sldChg>
@@ -4854,7 +6934,7 @@
         </p:nvSpPr>
         <p:spPr>
           <a:xfrm>
-            <a:off x="5749624" y="8634865"/>
+            <a:off x="5749624" y="9116045"/>
             <a:ext cx="131591" cy="554564"/>
           </a:xfrm>
           <a:prstGeom prst="roundRect">
@@ -5002,7 +7082,7 @@
         </p:nvSpPr>
         <p:spPr>
           <a:xfrm>
-            <a:off x="800815" y="10189862"/>
+            <a:off x="800815" y="10671042"/>
             <a:ext cx="147004" cy="192005"/>
           </a:xfrm>
           <a:prstGeom prst="roundRect">
@@ -5150,7 +7230,7 @@
         </p:nvSpPr>
         <p:spPr>
           <a:xfrm>
-            <a:off x="802490" y="10588838"/>
+            <a:off x="802490" y="11070018"/>
             <a:ext cx="149978" cy="439563"/>
           </a:xfrm>
           <a:prstGeom prst="roundRect">
@@ -5298,7 +7378,7 @@
         </p:nvSpPr>
         <p:spPr>
           <a:xfrm>
-            <a:off x="800815" y="10382728"/>
+            <a:off x="800815" y="10863908"/>
             <a:ext cx="147004" cy="192005"/>
           </a:xfrm>
           <a:prstGeom prst="roundRect">
@@ -5446,7 +7526,7 @@
         </p:nvSpPr>
         <p:spPr>
           <a:xfrm>
-            <a:off x="5747514" y="8101663"/>
+            <a:off x="5747514" y="8582843"/>
             <a:ext cx="131591" cy="554564"/>
           </a:xfrm>
           <a:prstGeom prst="roundRect">
@@ -5594,7 +7674,7 @@
         </p:nvSpPr>
         <p:spPr>
           <a:xfrm>
-            <a:off x="1146335" y="4892320"/>
+            <a:off x="1146335" y="5166703"/>
             <a:ext cx="147004" cy="439563"/>
           </a:xfrm>
           <a:prstGeom prst="roundRect">
@@ -5742,7 +7822,7 @@
         </p:nvSpPr>
         <p:spPr>
           <a:xfrm>
-            <a:off x="1149309" y="5314845"/>
+            <a:off x="1149309" y="5589228"/>
             <a:ext cx="147004" cy="439563"/>
           </a:xfrm>
           <a:prstGeom prst="roundRect">
@@ -5890,7 +7970,7 @@
         </p:nvSpPr>
         <p:spPr>
           <a:xfrm>
-            <a:off x="5468942" y="3788422"/>
+            <a:off x="5468942" y="4062805"/>
             <a:ext cx="147004" cy="564404"/>
           </a:xfrm>
           <a:prstGeom prst="roundRect">
@@ -6038,7 +8118,7 @@
         </p:nvSpPr>
         <p:spPr>
           <a:xfrm>
-            <a:off x="5920876" y="587323"/>
+            <a:off x="6034863" y="587323"/>
             <a:ext cx="2399669" cy="2039192"/>
           </a:xfrm>
           <a:prstGeom prst="roundRect">
@@ -6095,7 +8175,7 @@
         </p:nvSpPr>
         <p:spPr>
           <a:xfrm>
-            <a:off x="2895908" y="587321"/>
+            <a:off x="3009895" y="587321"/>
             <a:ext cx="1089600" cy="1019596"/>
           </a:xfrm>
           <a:prstGeom prst="roundRect">
@@ -6152,7 +8232,7 @@
         </p:nvSpPr>
         <p:spPr>
           <a:xfrm>
-            <a:off x="2907069" y="1609406"/>
+            <a:off x="3021056" y="1609406"/>
             <a:ext cx="1078438" cy="1019596"/>
           </a:xfrm>
           <a:prstGeom prst="roundRect">
@@ -6298,7 +8378,7 @@
         <p:spPr>
           <a:xfrm>
             <a:off x="163199" y="2999643"/>
-            <a:ext cx="8537176" cy="4329709"/>
+            <a:ext cx="8537176" cy="4624988"/>
           </a:xfrm>
           <a:prstGeom prst="rect">
             <a:avLst/>
@@ -6348,7 +8428,7 @@
         <p:spPr>
           <a:xfrm>
             <a:off x="163202" y="3002622"/>
-            <a:ext cx="2047875" cy="307777"/>
+            <a:ext cx="3730225" cy="307777"/>
           </a:xfrm>
           <a:prstGeom prst="rect">
             <a:avLst/>
@@ -6366,7 +8446,7 @@
                 <a:latin typeface="Times New Roman" panose="02020603050405020304" pitchFamily="18" charset="0"/>
                 <a:cs typeface="Times New Roman" panose="02020603050405020304" pitchFamily="18" charset="0"/>
               </a:rPr>
-              <a:t>PHASE I</a:t>
+              <a:t>PHASE I – OFF-BOARD OPTIMIZATION</a:t>
             </a:r>
           </a:p>
         </p:txBody>
@@ -6385,7 +8465,7 @@
         </p:nvSpPr>
         <p:spPr>
           <a:xfrm>
-            <a:off x="260344" y="587321"/>
+            <a:off x="374331" y="587321"/>
             <a:ext cx="1272180" cy="1020182"/>
           </a:xfrm>
           <a:prstGeom prst="roundRect">
@@ -6442,7 +8522,7 @@
         </p:nvSpPr>
         <p:spPr>
           <a:xfrm>
-            <a:off x="260348" y="1606917"/>
+            <a:off x="374335" y="1606917"/>
             <a:ext cx="1252219" cy="1019596"/>
           </a:xfrm>
           <a:prstGeom prst="roundRect">
@@ -6499,7 +8579,7 @@
         </p:nvSpPr>
         <p:spPr>
           <a:xfrm>
-            <a:off x="314247" y="1698084"/>
+            <a:off x="428234" y="1698084"/>
             <a:ext cx="1149435" cy="829801"/>
           </a:xfrm>
           <a:prstGeom prst="roundRect">
@@ -6561,7 +8641,7 @@
         </p:blipFill>
         <p:spPr>
           <a:xfrm>
-            <a:off x="460676" y="1857474"/>
+            <a:off x="574663" y="1857474"/>
             <a:ext cx="362901" cy="362901"/>
           </a:xfrm>
           <a:prstGeom prst="rect">
@@ -6591,7 +8671,7 @@
         </p:blipFill>
         <p:spPr>
           <a:xfrm>
-            <a:off x="853692" y="1810911"/>
+            <a:off x="967679" y="1810911"/>
             <a:ext cx="443484" cy="443484"/>
           </a:xfrm>
           <a:prstGeom prst="rect">
@@ -6620,7 +8700,7 @@
         </p:blipFill>
         <p:spPr>
           <a:xfrm>
-            <a:off x="475582" y="2186945"/>
+            <a:off x="589569" y="2186945"/>
             <a:ext cx="310852" cy="275370"/>
           </a:xfrm>
           <a:prstGeom prst="rect">
@@ -6652,7 +8732,7 @@
         </p:blipFill>
         <p:spPr>
           <a:xfrm>
-            <a:off x="975202" y="2248628"/>
+            <a:off x="1089189" y="2248628"/>
             <a:ext cx="240974" cy="237207"/>
           </a:xfrm>
           <a:prstGeom prst="rect">
@@ -6674,7 +8754,7 @@
         </p:nvSpPr>
         <p:spPr>
           <a:xfrm>
-            <a:off x="260347" y="1697418"/>
+            <a:off x="374334" y="1697418"/>
             <a:ext cx="1203335" cy="215444"/>
           </a:xfrm>
           <a:prstGeom prst="rect">
@@ -6717,7 +8797,7 @@
         </p:nvSpPr>
         <p:spPr>
           <a:xfrm>
-            <a:off x="299163" y="656625"/>
+            <a:off x="413150" y="656625"/>
             <a:ext cx="1164514" cy="879567"/>
           </a:xfrm>
           <a:prstGeom prst="roundRect">
@@ -6790,7 +8870,7 @@
         </p:blipFill>
         <p:spPr>
           <a:xfrm>
-            <a:off x="457856" y="892146"/>
+            <a:off x="571843" y="892146"/>
             <a:ext cx="362901" cy="362901"/>
           </a:xfrm>
           <a:prstGeom prst="rect">
@@ -6828,7 +8908,7 @@
         </p:blipFill>
         <p:spPr>
           <a:xfrm>
-            <a:off x="844229" y="851849"/>
+            <a:off x="958216" y="851849"/>
             <a:ext cx="443484" cy="443484"/>
           </a:xfrm>
           <a:prstGeom prst="rect">
@@ -6865,7 +8945,7 @@
         </p:blipFill>
         <p:spPr>
           <a:xfrm>
-            <a:off x="494159" y="1185382"/>
+            <a:off x="608146" y="1185382"/>
             <a:ext cx="310852" cy="275370"/>
           </a:xfrm>
           <a:prstGeom prst="rect">
@@ -6903,7 +8983,7 @@
         </p:blipFill>
         <p:spPr>
           <a:xfrm>
-            <a:off x="975202" y="1228417"/>
+            <a:off x="1089189" y="1228417"/>
             <a:ext cx="240974" cy="237207"/>
           </a:xfrm>
           <a:prstGeom prst="rect">
@@ -6925,7 +9005,7 @@
         </p:nvSpPr>
         <p:spPr>
           <a:xfrm>
-            <a:off x="260349" y="657315"/>
+            <a:off x="374336" y="657315"/>
             <a:ext cx="1203333" cy="338554"/>
           </a:xfrm>
           <a:prstGeom prst="rect">
@@ -6968,7 +9048,7 @@
         </p:nvSpPr>
         <p:spPr>
           <a:xfrm>
-            <a:off x="1574644" y="587321"/>
+            <a:off x="1688631" y="587321"/>
             <a:ext cx="1272179" cy="2039192"/>
           </a:xfrm>
           <a:prstGeom prst="roundRect">
@@ -7025,7 +9105,7 @@
         </p:nvSpPr>
         <p:spPr>
           <a:xfrm>
-            <a:off x="1642220" y="656622"/>
+            <a:off x="1756207" y="656622"/>
             <a:ext cx="1142476" cy="1916386"/>
           </a:xfrm>
           <a:prstGeom prst="roundRect">
@@ -7082,7 +9162,7 @@
         </p:nvSpPr>
         <p:spPr>
           <a:xfrm>
-            <a:off x="1574644" y="662745"/>
+            <a:off x="1688631" y="662745"/>
             <a:ext cx="1272179" cy="215444"/>
           </a:xfrm>
           <a:prstGeom prst="rect">
@@ -7148,7 +9228,7 @@
         </p:blipFill>
         <p:spPr>
           <a:xfrm>
-            <a:off x="2006591" y="1819456"/>
+            <a:off x="2120578" y="1819456"/>
             <a:ext cx="362901" cy="362901"/>
           </a:xfrm>
           <a:prstGeom prst="rect">
@@ -7186,7 +9266,7 @@
         </p:blipFill>
         <p:spPr>
           <a:xfrm>
-            <a:off x="1664692" y="1045040"/>
+            <a:off x="1778679" y="1045040"/>
             <a:ext cx="443484" cy="443484"/>
           </a:xfrm>
           <a:prstGeom prst="rect">
@@ -7223,7 +9303,7 @@
         </p:blipFill>
         <p:spPr>
           <a:xfrm>
-            <a:off x="2071317" y="1120994"/>
+            <a:off x="2185304" y="1120994"/>
             <a:ext cx="310852" cy="275370"/>
           </a:xfrm>
           <a:prstGeom prst="rect">
@@ -7261,7 +9341,7 @@
         </p:blipFill>
         <p:spPr>
           <a:xfrm>
-            <a:off x="2426367" y="1148183"/>
+            <a:off x="2540354" y="1148183"/>
             <a:ext cx="240974" cy="237207"/>
           </a:xfrm>
           <a:prstGeom prst="rect">
@@ -7283,7 +9363,7 @@
         </p:nvSpPr>
         <p:spPr>
           <a:xfrm>
-            <a:off x="1633739" y="1491501"/>
+            <a:off x="1747726" y="1491501"/>
             <a:ext cx="1091867" cy="230832"/>
           </a:xfrm>
           <a:prstGeom prst="rect">
@@ -7321,7 +9401,7 @@
         </p:nvSpPr>
         <p:spPr>
           <a:xfrm>
-            <a:off x="1642107" y="2089617"/>
+            <a:off x="1756094" y="2089617"/>
             <a:ext cx="1091867" cy="230832"/>
           </a:xfrm>
           <a:prstGeom prst="rect">
@@ -7370,7 +9450,7 @@
         </p:nvSpPr>
         <p:spPr>
           <a:xfrm>
-            <a:off x="2983813" y="656624"/>
+            <a:off x="3097800" y="656624"/>
             <a:ext cx="931172" cy="887334"/>
           </a:xfrm>
           <a:prstGeom prst="roundRect">
@@ -7427,7 +9507,7 @@
         </p:nvSpPr>
         <p:spPr>
           <a:xfrm>
-            <a:off x="2979751" y="1685673"/>
+            <a:off x="3093738" y="1685673"/>
             <a:ext cx="930065" cy="887334"/>
           </a:xfrm>
           <a:prstGeom prst="roundRect">
@@ -7494,7 +9574,7 @@
         </p:blipFill>
         <p:spPr>
           <a:xfrm>
-            <a:off x="3079345" y="777522"/>
+            <a:off x="3193332" y="777522"/>
             <a:ext cx="713033" cy="728609"/>
           </a:xfrm>
           <a:prstGeom prst="rect">
@@ -7529,7 +9609,7 @@
         </p:blipFill>
         <p:spPr>
           <a:xfrm>
-            <a:off x="3120455" y="1825836"/>
+            <a:off x="3234442" y="1825836"/>
             <a:ext cx="671918" cy="702230"/>
           </a:xfrm>
           <a:prstGeom prst="rect">
@@ -7551,7 +9631,7 @@
         </p:nvSpPr>
         <p:spPr>
           <a:xfrm>
-            <a:off x="2914399" y="1685660"/>
+            <a:off x="3028386" y="1685660"/>
             <a:ext cx="1062260" cy="215444"/>
           </a:xfrm>
           <a:prstGeom prst="rect">
@@ -7601,7 +9681,7 @@
         </p:nvSpPr>
         <p:spPr>
           <a:xfrm>
-            <a:off x="2982708" y="656621"/>
+            <a:off x="3096695" y="656621"/>
             <a:ext cx="931172" cy="230832"/>
           </a:xfrm>
           <a:prstGeom prst="rect">
@@ -7651,7 +9731,7 @@
         </p:nvSpPr>
         <p:spPr>
           <a:xfrm rot="16200000">
-            <a:off x="3394781" y="1567003"/>
+            <a:off x="3508768" y="1567003"/>
             <a:ext cx="134225" cy="88782"/>
           </a:xfrm>
           <a:prstGeom prst="rightArrow">
@@ -7705,7 +9785,7 @@
         </p:nvSpPr>
         <p:spPr>
           <a:xfrm>
-            <a:off x="1502215" y="2083950"/>
+            <a:off x="1616202" y="2083950"/>
             <a:ext cx="134225" cy="88782"/>
           </a:xfrm>
           <a:prstGeom prst="rightArrow">
@@ -7759,7 +9839,7 @@
         </p:nvSpPr>
         <p:spPr>
           <a:xfrm rot="16200000">
-            <a:off x="800800" y="1576399"/>
+            <a:off x="914787" y="1576399"/>
             <a:ext cx="134225" cy="88782"/>
           </a:xfrm>
           <a:prstGeom prst="rightArrow">
@@ -7813,7 +9893,7 @@
         </p:nvSpPr>
         <p:spPr>
           <a:xfrm>
-            <a:off x="1497804" y="1141879"/>
+            <a:off x="1611791" y="1141879"/>
             <a:ext cx="134225" cy="88782"/>
           </a:xfrm>
           <a:prstGeom prst="rightArrow">
@@ -7867,7 +9947,7 @@
         </p:nvSpPr>
         <p:spPr>
           <a:xfrm>
-            <a:off x="2815841" y="1147958"/>
+            <a:off x="2929828" y="1147958"/>
             <a:ext cx="134225" cy="88782"/>
           </a:xfrm>
           <a:prstGeom prst="rightArrow">
@@ -7921,7 +10001,7 @@
         </p:nvSpPr>
         <p:spPr>
           <a:xfrm>
-            <a:off x="4442140" y="1612842"/>
+            <a:off x="4556127" y="1612842"/>
             <a:ext cx="1265855" cy="1018016"/>
           </a:xfrm>
           <a:prstGeom prst="roundRect">
@@ -7978,7 +10058,7 @@
         </p:nvSpPr>
         <p:spPr>
           <a:xfrm>
-            <a:off x="4492411" y="1697423"/>
+            <a:off x="4606398" y="1697423"/>
             <a:ext cx="1184722" cy="875589"/>
           </a:xfrm>
           <a:prstGeom prst="roundRect">
@@ -8036,7 +10116,7 @@
         </p:nvCxnSpPr>
         <p:spPr>
           <a:xfrm>
-            <a:off x="4573931" y="2283867"/>
+            <a:off x="4687918" y="2283867"/>
             <a:ext cx="999959" cy="0"/>
           </a:xfrm>
           <a:prstGeom prst="straightConnector1">
@@ -8078,7 +10158,7 @@
         </p:nvSpPr>
         <p:spPr>
           <a:xfrm>
-            <a:off x="4881989" y="2115716"/>
+            <a:off x="4995976" y="2115716"/>
             <a:ext cx="38675" cy="38675"/>
           </a:xfrm>
           <a:prstGeom prst="ellipse">
@@ -8133,7 +10213,7 @@
         </p:nvSpPr>
         <p:spPr>
           <a:xfrm>
-            <a:off x="4887069" y="2085169"/>
+            <a:off x="5001056" y="2085169"/>
             <a:ext cx="38675" cy="38675"/>
           </a:xfrm>
           <a:prstGeom prst="ellipse">
@@ -8188,7 +10268,7 @@
         </p:nvSpPr>
         <p:spPr>
           <a:xfrm>
-            <a:off x="4899309" y="2050030"/>
+            <a:off x="5013296" y="2050030"/>
             <a:ext cx="38675" cy="38675"/>
           </a:xfrm>
           <a:prstGeom prst="ellipse">
@@ -8243,7 +10323,7 @@
         </p:nvSpPr>
         <p:spPr>
           <a:xfrm>
-            <a:off x="4912524" y="2085169"/>
+            <a:off x="5026511" y="2085169"/>
             <a:ext cx="38675" cy="38675"/>
           </a:xfrm>
           <a:prstGeom prst="ellipse">
@@ -8298,7 +10378,7 @@
         </p:nvSpPr>
         <p:spPr>
           <a:xfrm>
-            <a:off x="4918646" y="2115716"/>
+            <a:off x="5032633" y="2115716"/>
             <a:ext cx="38675" cy="38675"/>
           </a:xfrm>
           <a:prstGeom prst="ellipse">
@@ -8355,7 +10435,7 @@
         </p:nvCxnSpPr>
         <p:spPr>
           <a:xfrm>
-            <a:off x="4618766" y="2158985"/>
+            <a:off x="4732753" y="2158985"/>
             <a:ext cx="402198" cy="0"/>
           </a:xfrm>
           <a:prstGeom prst="line">
@@ -8396,7 +10476,7 @@
         </p:nvSpPr>
         <p:spPr>
           <a:xfrm>
-            <a:off x="4823881" y="2035028"/>
+            <a:off x="4937868" y="2035028"/>
             <a:ext cx="181468" cy="259478"/>
           </a:xfrm>
           <a:prstGeom prst="roundRect">
@@ -8450,7 +10530,7 @@
         </p:nvCxnSpPr>
         <p:spPr>
           <a:xfrm>
-            <a:off x="4614754" y="2292671"/>
+            <a:off x="4728741" y="2292671"/>
             <a:ext cx="135219" cy="0"/>
           </a:xfrm>
           <a:prstGeom prst="line">
@@ -8493,7 +10573,7 @@
         </p:nvCxnSpPr>
         <p:spPr>
           <a:xfrm rot="5400000">
-            <a:off x="4937734" y="1955386"/>
+            <a:off x="5051721" y="1955386"/>
             <a:ext cx="135219" cy="0"/>
           </a:xfrm>
           <a:prstGeom prst="line">
@@ -8534,7 +10614,7 @@
         </p:nvCxnSpPr>
         <p:spPr>
           <a:xfrm rot="5400000">
-            <a:off x="4751121" y="1958537"/>
+            <a:off x="4865108" y="1958537"/>
             <a:ext cx="135219" cy="0"/>
           </a:xfrm>
           <a:prstGeom prst="line">
@@ -8577,7 +10657,7 @@
         </p:nvCxnSpPr>
         <p:spPr>
           <a:xfrm flipH="1" flipV="1">
-            <a:off x="4818734" y="1962107"/>
+            <a:off x="4932721" y="1962107"/>
             <a:ext cx="181472" cy="3006"/>
           </a:xfrm>
           <a:prstGeom prst="straightConnector1">
@@ -8620,7 +10700,7 @@
         </p:nvSpPr>
         <p:spPr>
           <a:xfrm>
-            <a:off x="4455656" y="2287224"/>
+            <a:off x="4569643" y="2287224"/>
             <a:ext cx="588624" cy="206660"/>
           </a:xfrm>
           <a:prstGeom prst="rect">
@@ -8659,7 +10739,7 @@
         </p:nvSpPr>
         <p:spPr>
           <a:xfrm>
-            <a:off x="4935697" y="1832872"/>
+            <a:off x="5049684" y="1832872"/>
             <a:ext cx="613441" cy="206660"/>
           </a:xfrm>
           <a:prstGeom prst="rect">
@@ -8711,7 +10791,7 @@
         </p:nvCxnSpPr>
         <p:spPr>
           <a:xfrm>
-            <a:off x="4703371" y="2158900"/>
+            <a:off x="4817358" y="2158900"/>
             <a:ext cx="433" cy="140216"/>
           </a:xfrm>
           <a:prstGeom prst="straightConnector1">
@@ -8762,7 +10842,7 @@
         </p:blipFill>
         <p:spPr>
           <a:xfrm>
-            <a:off x="4573931" y="1907760"/>
+            <a:off x="4687918" y="1907760"/>
             <a:ext cx="999959" cy="752214"/>
           </a:xfrm>
           <a:prstGeom prst="rect">
@@ -8784,7 +10864,7 @@
         </p:nvSpPr>
         <p:spPr>
           <a:xfrm>
-            <a:off x="4881989" y="2116159"/>
+            <a:off x="4995976" y="2116159"/>
             <a:ext cx="38675" cy="38675"/>
           </a:xfrm>
           <a:prstGeom prst="ellipse">
@@ -8839,7 +10919,7 @@
         </p:nvSpPr>
         <p:spPr>
           <a:xfrm>
-            <a:off x="4887069" y="2085613"/>
+            <a:off x="5001056" y="2085613"/>
             <a:ext cx="38675" cy="38675"/>
           </a:xfrm>
           <a:prstGeom prst="ellipse">
@@ -8894,7 +10974,7 @@
         </p:nvSpPr>
         <p:spPr>
           <a:xfrm>
-            <a:off x="4899309" y="2050472"/>
+            <a:off x="5013296" y="2050472"/>
             <a:ext cx="38675" cy="38675"/>
           </a:xfrm>
           <a:prstGeom prst="ellipse">
@@ -8949,7 +11029,7 @@
         </p:nvSpPr>
         <p:spPr>
           <a:xfrm>
-            <a:off x="4912524" y="2085613"/>
+            <a:off x="5026511" y="2085613"/>
             <a:ext cx="38675" cy="38675"/>
           </a:xfrm>
           <a:prstGeom prst="ellipse">
@@ -9004,7 +11084,7 @@
         </p:nvSpPr>
         <p:spPr>
           <a:xfrm>
-            <a:off x="4918646" y="2116159"/>
+            <a:off x="5032633" y="2116159"/>
             <a:ext cx="38675" cy="38675"/>
           </a:xfrm>
           <a:prstGeom prst="ellipse">
@@ -9059,7 +11139,7 @@
         </p:nvSpPr>
         <p:spPr>
           <a:xfrm>
-            <a:off x="4444773" y="587696"/>
+            <a:off x="4558760" y="587696"/>
             <a:ext cx="1263218" cy="1024702"/>
           </a:xfrm>
           <a:prstGeom prst="roundRect">
@@ -9116,7 +11196,7 @@
         </p:nvSpPr>
         <p:spPr>
           <a:xfrm>
-            <a:off x="4502129" y="668265"/>
+            <a:off x="4616116" y="668265"/>
             <a:ext cx="1179072" cy="862800"/>
           </a:xfrm>
           <a:prstGeom prst="roundRect">
@@ -9177,7 +11257,7 @@
         </p:nvCxnSpPr>
         <p:spPr>
           <a:xfrm>
-            <a:off x="4581124" y="1259723"/>
+            <a:off x="4695111" y="1259723"/>
             <a:ext cx="999959" cy="0"/>
           </a:xfrm>
           <a:prstGeom prst="straightConnector1">
@@ -9219,7 +11299,7 @@
         </p:nvSpPr>
         <p:spPr>
           <a:xfrm>
-            <a:off x="4890950" y="1086563"/>
+            <a:off x="5004937" y="1086563"/>
             <a:ext cx="38675" cy="38675"/>
           </a:xfrm>
           <a:prstGeom prst="ellipse">
@@ -9274,7 +11354,7 @@
         </p:nvSpPr>
         <p:spPr>
           <a:xfrm>
-            <a:off x="4896030" y="1056016"/>
+            <a:off x="5010017" y="1056016"/>
             <a:ext cx="38675" cy="38675"/>
           </a:xfrm>
           <a:prstGeom prst="ellipse">
@@ -9329,7 +11409,7 @@
         </p:nvSpPr>
         <p:spPr>
           <a:xfrm>
-            <a:off x="4908270" y="1020877"/>
+            <a:off x="5022257" y="1020877"/>
             <a:ext cx="38675" cy="38675"/>
           </a:xfrm>
           <a:prstGeom prst="ellipse">
@@ -9384,7 +11464,7 @@
         </p:nvSpPr>
         <p:spPr>
           <a:xfrm>
-            <a:off x="4921485" y="1056016"/>
+            <a:off x="5035472" y="1056016"/>
             <a:ext cx="38675" cy="38675"/>
           </a:xfrm>
           <a:prstGeom prst="ellipse">
@@ -9439,7 +11519,7 @@
         </p:nvSpPr>
         <p:spPr>
           <a:xfrm>
-            <a:off x="4927607" y="1086563"/>
+            <a:off x="5041594" y="1086563"/>
             <a:ext cx="38675" cy="38675"/>
           </a:xfrm>
           <a:prstGeom prst="ellipse">
@@ -9496,7 +11576,7 @@
         </p:nvCxnSpPr>
         <p:spPr>
           <a:xfrm>
-            <a:off x="4627727" y="1129832"/>
+            <a:off x="4741714" y="1129832"/>
             <a:ext cx="402198" cy="0"/>
           </a:xfrm>
           <a:prstGeom prst="line">
@@ -9537,7 +11617,7 @@
         </p:nvSpPr>
         <p:spPr>
           <a:xfrm>
-            <a:off x="4832842" y="1005875"/>
+            <a:off x="4946829" y="1005875"/>
             <a:ext cx="181468" cy="259478"/>
           </a:xfrm>
           <a:prstGeom prst="roundRect">
@@ -9591,7 +11671,7 @@
         </p:nvCxnSpPr>
         <p:spPr>
           <a:xfrm>
-            <a:off x="4623715" y="1263518"/>
+            <a:off x="4737702" y="1263518"/>
             <a:ext cx="135219" cy="0"/>
           </a:xfrm>
           <a:prstGeom prst="line">
@@ -9634,7 +11714,7 @@
         </p:nvCxnSpPr>
         <p:spPr>
           <a:xfrm rot="5400000">
-            <a:off x="4946695" y="926233"/>
+            <a:off x="5060682" y="926233"/>
             <a:ext cx="135219" cy="0"/>
           </a:xfrm>
           <a:prstGeom prst="line">
@@ -9675,7 +11755,7 @@
         </p:nvCxnSpPr>
         <p:spPr>
           <a:xfrm rot="5400000">
-            <a:off x="4760082" y="929384"/>
+            <a:off x="4874069" y="929384"/>
             <a:ext cx="135219" cy="0"/>
           </a:xfrm>
           <a:prstGeom prst="line">
@@ -9718,7 +11798,7 @@
         </p:nvCxnSpPr>
         <p:spPr>
           <a:xfrm flipH="1" flipV="1">
-            <a:off x="4827695" y="932954"/>
+            <a:off x="4941682" y="932954"/>
             <a:ext cx="181472" cy="3006"/>
           </a:xfrm>
           <a:prstGeom prst="straightConnector1">
@@ -9761,7 +11841,7 @@
         </p:nvSpPr>
         <p:spPr>
           <a:xfrm>
-            <a:off x="4464617" y="1258071"/>
+            <a:off x="4578604" y="1258071"/>
             <a:ext cx="588624" cy="206660"/>
           </a:xfrm>
           <a:prstGeom prst="rect">
@@ -9800,7 +11880,7 @@
         </p:nvSpPr>
         <p:spPr>
           <a:xfrm>
-            <a:off x="4953939" y="810215"/>
+            <a:off x="5067926" y="810215"/>
             <a:ext cx="613441" cy="206660"/>
           </a:xfrm>
           <a:prstGeom prst="rect">
@@ -9852,7 +11932,7 @@
         </p:nvCxnSpPr>
         <p:spPr>
           <a:xfrm>
-            <a:off x="4712332" y="1129747"/>
+            <a:off x="4826319" y="1129747"/>
             <a:ext cx="433" cy="140216"/>
           </a:xfrm>
           <a:prstGeom prst="straightConnector1">
@@ -9911,7 +11991,7 @@
         </p:blipFill>
         <p:spPr>
           <a:xfrm>
-            <a:off x="4581124" y="883616"/>
+            <a:off x="4695111" y="883616"/>
             <a:ext cx="999959" cy="752214"/>
           </a:xfrm>
           <a:prstGeom prst="rect">
@@ -9933,7 +12013,7 @@
         </p:nvSpPr>
         <p:spPr>
           <a:xfrm>
-            <a:off x="4890950" y="1087006"/>
+            <a:off x="5004937" y="1087006"/>
             <a:ext cx="38675" cy="38675"/>
           </a:xfrm>
           <a:prstGeom prst="ellipse">
@@ -9988,7 +12068,7 @@
         </p:nvSpPr>
         <p:spPr>
           <a:xfrm>
-            <a:off x="4896030" y="1056460"/>
+            <a:off x="5010017" y="1056460"/>
             <a:ext cx="38675" cy="38675"/>
           </a:xfrm>
           <a:prstGeom prst="ellipse">
@@ -10043,7 +12123,7 @@
         </p:nvSpPr>
         <p:spPr>
           <a:xfrm>
-            <a:off x="4908270" y="1021319"/>
+            <a:off x="5022257" y="1021319"/>
             <a:ext cx="38675" cy="38675"/>
           </a:xfrm>
           <a:prstGeom prst="ellipse">
@@ -10098,7 +12178,7 @@
         </p:nvSpPr>
         <p:spPr>
           <a:xfrm>
-            <a:off x="4921485" y="1056460"/>
+            <a:off x="5035472" y="1056460"/>
             <a:ext cx="38675" cy="38675"/>
           </a:xfrm>
           <a:prstGeom prst="ellipse">
@@ -10153,7 +12233,7 @@
         </p:nvSpPr>
         <p:spPr>
           <a:xfrm>
-            <a:off x="4927607" y="1087006"/>
+            <a:off x="5041594" y="1087006"/>
             <a:ext cx="38675" cy="38675"/>
           </a:xfrm>
           <a:prstGeom prst="ellipse">
@@ -10208,7 +12288,7 @@
         </p:nvSpPr>
         <p:spPr>
           <a:xfrm>
-            <a:off x="4145114" y="1135614"/>
+            <a:off x="4259101" y="1135614"/>
             <a:ext cx="134225" cy="88782"/>
           </a:xfrm>
           <a:prstGeom prst="rightArrow">
@@ -10262,7 +12342,7 @@
         </p:nvSpPr>
         <p:spPr>
           <a:xfrm rot="16200000">
-            <a:off x="5019954" y="1570780"/>
+            <a:off x="5133941" y="1570780"/>
             <a:ext cx="134225" cy="88782"/>
           </a:xfrm>
           <a:prstGeom prst="rightArrow">
@@ -10316,7 +12396,7 @@
         </p:nvGrpSpPr>
         <p:grpSpPr>
           <a:xfrm flipH="1">
-            <a:off x="7608161" y="906866"/>
+            <a:off x="7722148" y="906866"/>
             <a:ext cx="485501" cy="489927"/>
             <a:chOff x="6615401" y="4207181"/>
             <a:chExt cx="485500" cy="489927"/>
@@ -11005,7 +13085,7 @@
         </p:nvGrpSpPr>
         <p:grpSpPr>
           <a:xfrm>
-            <a:off x="7614727" y="1830525"/>
+            <a:off x="7728714" y="1830525"/>
             <a:ext cx="485501" cy="489927"/>
             <a:chOff x="6203495" y="830903"/>
             <a:chExt cx="485501" cy="489927"/>
@@ -11694,7 +13774,7 @@
         </p:nvSpPr>
         <p:spPr>
           <a:xfrm rot="5400000">
-            <a:off x="5729412" y="949058"/>
+            <a:off x="5843399" y="949058"/>
             <a:ext cx="875693" cy="314112"/>
           </a:xfrm>
           <a:prstGeom prst="roundRect">
@@ -11763,7 +13843,7 @@
         </p:nvCxnSpPr>
         <p:spPr>
           <a:xfrm rot="16200000" flipH="1">
-            <a:off x="4801954" y="-697037"/>
+            <a:off x="4915941" y="-697037"/>
             <a:ext cx="11647" cy="2718962"/>
           </a:xfrm>
           <a:prstGeom prst="bentConnector3">
@@ -11808,7 +13888,7 @@
         </p:nvSpPr>
         <p:spPr>
           <a:xfrm>
-            <a:off x="6528718" y="1221306"/>
+            <a:off x="6642705" y="1221306"/>
             <a:ext cx="667894" cy="314112"/>
           </a:xfrm>
           <a:prstGeom prst="roundRect">
@@ -11874,7 +13954,7 @@
         </p:nvSpPr>
         <p:spPr>
           <a:xfrm>
-            <a:off x="6536771" y="797690"/>
+            <a:off x="6650758" y="797690"/>
             <a:ext cx="667894" cy="314112"/>
           </a:xfrm>
           <a:prstGeom prst="roundRect">
@@ -11940,7 +14020,7 @@
         </p:nvSpPr>
         <p:spPr>
           <a:xfrm>
-            <a:off x="6346874" y="1333971"/>
+            <a:off x="6460861" y="1333971"/>
             <a:ext cx="134225" cy="88782"/>
           </a:xfrm>
           <a:prstGeom prst="rightArrow">
@@ -11994,7 +14074,7 @@
         </p:nvSpPr>
         <p:spPr>
           <a:xfrm>
-            <a:off x="7323696" y="1333971"/>
+            <a:off x="7437683" y="1333971"/>
             <a:ext cx="134225" cy="88782"/>
           </a:xfrm>
           <a:prstGeom prst="rightArrow">
@@ -12048,7 +14128,7 @@
         </p:nvSpPr>
         <p:spPr>
           <a:xfrm>
-            <a:off x="7330129" y="914318"/>
+            <a:off x="7444116" y="914318"/>
             <a:ext cx="134225" cy="88782"/>
           </a:xfrm>
           <a:prstGeom prst="rightArrow">
@@ -12106,7 +14186,7 @@
         </p:nvCxnSpPr>
         <p:spPr>
           <a:xfrm rot="16200000" flipH="1">
-            <a:off x="5088974" y="-984057"/>
+            <a:off x="5202961" y="-984057"/>
             <a:ext cx="141069" cy="3422424"/>
           </a:xfrm>
           <a:prstGeom prst="bentConnector3">
@@ -12151,7 +14231,7 @@
         </p:nvSpPr>
         <p:spPr>
           <a:xfrm>
-            <a:off x="6061809" y="2111769"/>
+            <a:off x="6175796" y="2111769"/>
             <a:ext cx="1149273" cy="314112"/>
           </a:xfrm>
           <a:prstGeom prst="roundRect">
@@ -12217,7 +14297,7 @@
         </p:nvSpPr>
         <p:spPr>
           <a:xfrm>
-            <a:off x="6055395" y="1725681"/>
+            <a:off x="6169382" y="1725681"/>
             <a:ext cx="1149273" cy="314112"/>
           </a:xfrm>
           <a:prstGeom prst="roundRect">
@@ -12283,7 +14363,7 @@
         </p:nvSpPr>
         <p:spPr>
           <a:xfrm>
-            <a:off x="4400880" y="675874"/>
+            <a:off x="4514867" y="675874"/>
             <a:ext cx="1354556" cy="230832"/>
           </a:xfrm>
           <a:prstGeom prst="rect">
@@ -12326,7 +14406,7 @@
         </p:nvSpPr>
         <p:spPr>
           <a:xfrm>
-            <a:off x="4407103" y="1677966"/>
+            <a:off x="4521090" y="1677966"/>
             <a:ext cx="1354556" cy="230832"/>
           </a:xfrm>
           <a:prstGeom prst="rect">
@@ -12373,7 +14453,7 @@
         </p:nvCxnSpPr>
         <p:spPr>
           <a:xfrm>
-            <a:off x="5681204" y="1099665"/>
+            <a:off x="5795191" y="1099665"/>
             <a:ext cx="380605" cy="1169160"/>
           </a:xfrm>
           <a:prstGeom prst="bentConnector3">
@@ -12422,7 +14502,7 @@
         </p:nvCxnSpPr>
         <p:spPr>
           <a:xfrm>
-            <a:off x="5707994" y="1100047"/>
+            <a:off x="5821981" y="1100047"/>
             <a:ext cx="347401" cy="782690"/>
           </a:xfrm>
           <a:prstGeom prst="bentConnector3">
@@ -12475,7 +14555,7 @@
         </p:blipFill>
         <p:spPr>
           <a:xfrm>
-            <a:off x="4039351" y="639999"/>
+            <a:off x="4153338" y="639999"/>
             <a:ext cx="314251" cy="236394"/>
           </a:xfrm>
           <a:prstGeom prst="rect">
@@ -12497,7 +14577,7 @@
         </p:nvSpPr>
         <p:spPr>
           <a:xfrm>
-            <a:off x="3918963" y="863408"/>
+            <a:off x="4032950" y="863408"/>
             <a:ext cx="595585" cy="230832"/>
           </a:xfrm>
           <a:prstGeom prst="rect">
@@ -12535,7 +14615,7 @@
         </p:nvSpPr>
         <p:spPr>
           <a:xfrm>
-            <a:off x="7330128" y="2203118"/>
+            <a:off x="7444115" y="2203118"/>
             <a:ext cx="134225" cy="88782"/>
           </a:xfrm>
           <a:prstGeom prst="rightArrow">
@@ -12589,7 +14669,7 @@
         </p:nvSpPr>
         <p:spPr>
           <a:xfrm>
-            <a:off x="7330128" y="1853889"/>
+            <a:off x="7444115" y="1853889"/>
             <a:ext cx="134225" cy="88782"/>
           </a:xfrm>
           <a:prstGeom prst="rightArrow">
@@ -12643,7 +14723,7 @@
         </p:nvSpPr>
         <p:spPr>
           <a:xfrm>
-            <a:off x="7328699" y="1414403"/>
+            <a:off x="7442686" y="1414403"/>
             <a:ext cx="1044423" cy="369332"/>
           </a:xfrm>
           <a:prstGeom prst="rect">
@@ -12693,7 +14773,7 @@
         </p:nvSpPr>
         <p:spPr>
           <a:xfrm>
-            <a:off x="7320130" y="2306087"/>
+            <a:off x="7434117" y="2306087"/>
             <a:ext cx="1044423" cy="369332"/>
           </a:xfrm>
           <a:prstGeom prst="rect">
@@ -12732,7 +14812,7 @@
         </p:nvSpPr>
         <p:spPr>
           <a:xfrm>
-            <a:off x="999582" y="3103615"/>
+            <a:off x="999582" y="3377998"/>
             <a:ext cx="3906783" cy="1365343"/>
           </a:xfrm>
           <a:prstGeom prst="roundRect">
@@ -12789,7 +14869,7 @@
         </p:nvSpPr>
         <p:spPr>
           <a:xfrm>
-            <a:off x="1197365" y="3221852"/>
+            <a:off x="1197365" y="3496235"/>
             <a:ext cx="1142476" cy="1128045"/>
           </a:xfrm>
           <a:prstGeom prst="roundRect">
@@ -12846,7 +14926,7 @@
         </p:nvSpPr>
         <p:spPr>
           <a:xfrm>
-            <a:off x="1129789" y="3225023"/>
+            <a:off x="1129789" y="3499406"/>
             <a:ext cx="1272179" cy="215444"/>
           </a:xfrm>
           <a:prstGeom prst="rect">
@@ -12912,7 +14992,7 @@
         </p:blipFill>
         <p:spPr>
           <a:xfrm>
-            <a:off x="1561736" y="3845952"/>
+            <a:off x="1561736" y="4120335"/>
             <a:ext cx="362901" cy="362901"/>
           </a:xfrm>
           <a:prstGeom prst="rect">
@@ -12950,7 +15030,7 @@
         </p:blipFill>
         <p:spPr>
           <a:xfrm>
-            <a:off x="1219837" y="3366171"/>
+            <a:off x="1219837" y="3640554"/>
             <a:ext cx="443484" cy="443484"/>
           </a:xfrm>
           <a:prstGeom prst="rect">
@@ -12987,7 +15067,7 @@
         </p:blipFill>
         <p:spPr>
           <a:xfrm>
-            <a:off x="1626462" y="3442125"/>
+            <a:off x="1626462" y="3716508"/>
             <a:ext cx="310852" cy="275370"/>
           </a:xfrm>
           <a:prstGeom prst="rect">
@@ -13025,7 +15105,7 @@
         </p:blipFill>
         <p:spPr>
           <a:xfrm>
-            <a:off x="1981512" y="3469314"/>
+            <a:off x="1981512" y="3743697"/>
             <a:ext cx="240974" cy="237207"/>
           </a:xfrm>
           <a:prstGeom prst="rect">
@@ -13047,7 +15127,7 @@
         </p:nvSpPr>
         <p:spPr>
           <a:xfrm>
-            <a:off x="1188884" y="3678095"/>
+            <a:off x="1188884" y="3952478"/>
             <a:ext cx="1091867" cy="230832"/>
           </a:xfrm>
           <a:prstGeom prst="rect">
@@ -13085,7 +15165,7 @@
         </p:nvSpPr>
         <p:spPr>
           <a:xfrm>
-            <a:off x="1197252" y="4116113"/>
+            <a:off x="1197252" y="4390496"/>
             <a:ext cx="1091867" cy="230832"/>
           </a:xfrm>
           <a:prstGeom prst="rect">
@@ -13134,7 +15214,7 @@
         </p:nvSpPr>
         <p:spPr>
           <a:xfrm>
-            <a:off x="2407812" y="3159476"/>
+            <a:off x="2407812" y="3433859"/>
             <a:ext cx="1089600" cy="1019596"/>
           </a:xfrm>
           <a:prstGeom prst="roundRect">
@@ -13191,7 +15271,7 @@
         </p:nvSpPr>
         <p:spPr>
           <a:xfrm>
-            <a:off x="2495717" y="3226788"/>
+            <a:off x="2495717" y="3501171"/>
             <a:ext cx="1069666" cy="1118166"/>
           </a:xfrm>
           <a:prstGeom prst="roundRect">
@@ -13261,7 +15341,7 @@
         </p:blipFill>
         <p:spPr>
           <a:xfrm>
-            <a:off x="2601070" y="3403833"/>
+            <a:off x="2601070" y="3678216"/>
             <a:ext cx="840809" cy="859176"/>
           </a:xfrm>
           <a:prstGeom prst="rect">
@@ -13283,7 +15363,7 @@
         </p:nvSpPr>
         <p:spPr>
           <a:xfrm>
-            <a:off x="2494611" y="3228776"/>
+            <a:off x="2494611" y="3503159"/>
             <a:ext cx="1069666" cy="230832"/>
           </a:xfrm>
           <a:prstGeom prst="rect">
@@ -13333,7 +15413,7 @@
         </p:nvSpPr>
         <p:spPr>
           <a:xfrm>
-            <a:off x="3695185" y="3226788"/>
+            <a:off x="3695185" y="3501171"/>
             <a:ext cx="1069666" cy="1118166"/>
           </a:xfrm>
           <a:prstGeom prst="roundRect">
@@ -13390,7 +15470,7 @@
         </p:nvSpPr>
         <p:spPr>
           <a:xfrm>
-            <a:off x="3694079" y="3221479"/>
+            <a:off x="3694079" y="3495862"/>
             <a:ext cx="1069666" cy="230832"/>
           </a:xfrm>
           <a:prstGeom prst="rect">
@@ -13449,7 +15529,7 @@
         </p:blipFill>
         <p:spPr>
           <a:xfrm>
-            <a:off x="3761274" y="3510177"/>
+            <a:off x="3761274" y="3784560"/>
             <a:ext cx="919157" cy="691431"/>
           </a:xfrm>
           <a:prstGeom prst="rect">
@@ -13471,7 +15551,7 @@
         </p:nvSpPr>
         <p:spPr>
           <a:xfrm>
-            <a:off x="2358571" y="3735612"/>
+            <a:off x="2358571" y="4009995"/>
             <a:ext cx="134225" cy="88782"/>
           </a:xfrm>
           <a:prstGeom prst="rightArrow">
@@ -13525,7 +15605,7 @@
         </p:nvSpPr>
         <p:spPr>
           <a:xfrm>
-            <a:off x="3569682" y="3750093"/>
+            <a:off x="3569682" y="4024476"/>
             <a:ext cx="134225" cy="88782"/>
           </a:xfrm>
           <a:prstGeom prst="rightArrow">
@@ -13579,7 +15659,7 @@
         </p:nvSpPr>
         <p:spPr>
           <a:xfrm>
-            <a:off x="5324549" y="3105690"/>
+            <a:off x="5324549" y="3380073"/>
             <a:ext cx="2589848" cy="1373466"/>
           </a:xfrm>
           <a:prstGeom prst="roundRect">
@@ -13727,7 +15807,7 @@
         </p:nvSpPr>
         <p:spPr>
           <a:xfrm>
-            <a:off x="5480735" y="3217059"/>
+            <a:off x="5480735" y="3491442"/>
             <a:ext cx="2222298" cy="1120748"/>
           </a:xfrm>
           <a:prstGeom prst="roundRect">
@@ -13891,7 +15971,7 @@
         </p:blipFill>
         <p:spPr>
           <a:xfrm>
-            <a:off x="5916975" y="3366635"/>
+            <a:off x="5916975" y="3641018"/>
             <a:ext cx="1443324" cy="1085734"/>
           </a:xfrm>
           <a:prstGeom prst="rect">
@@ -13915,7 +15995,7 @@
         </p:nvCxnSpPr>
         <p:spPr>
           <a:xfrm>
-            <a:off x="5842945" y="3909502"/>
+            <a:off x="5842945" y="4183885"/>
             <a:ext cx="1626632" cy="0"/>
           </a:xfrm>
           <a:prstGeom prst="straightConnector1">
@@ -13957,7 +16037,7 @@
         </p:nvSpPr>
         <p:spPr>
           <a:xfrm>
-            <a:off x="6380584" y="3568175"/>
+            <a:off x="6380584" y="3842558"/>
             <a:ext cx="70720" cy="70720"/>
           </a:xfrm>
           <a:prstGeom prst="ellipse">
@@ -14105,7 +16185,7 @@
         </p:nvCxnSpPr>
         <p:spPr>
           <a:xfrm>
-            <a:off x="6083645" y="3763287"/>
+            <a:off x="6083645" y="4037670"/>
             <a:ext cx="554995" cy="0"/>
           </a:xfrm>
           <a:prstGeom prst="line">
@@ -14146,7 +16226,7 @@
         </p:nvSpPr>
         <p:spPr>
           <a:xfrm>
-            <a:off x="6297785" y="3548202"/>
+            <a:off x="6297785" y="3822585"/>
             <a:ext cx="242180" cy="416799"/>
           </a:xfrm>
           <a:prstGeom prst="roundRect">
@@ -14291,7 +16371,7 @@
         </p:nvCxnSpPr>
         <p:spPr>
           <a:xfrm>
-            <a:off x="6066804" y="3909320"/>
+            <a:off x="6066804" y="4183703"/>
             <a:ext cx="135219" cy="0"/>
           </a:xfrm>
           <a:prstGeom prst="line">
@@ -14334,7 +16414,7 @@
         </p:nvCxnSpPr>
         <p:spPr>
           <a:xfrm rot="5400000">
-            <a:off x="6472358" y="3452154"/>
+            <a:off x="6472358" y="3726537"/>
             <a:ext cx="135219" cy="0"/>
           </a:xfrm>
           <a:prstGeom prst="line">
@@ -14375,7 +16455,7 @@
         </p:nvCxnSpPr>
         <p:spPr>
           <a:xfrm rot="5400000">
-            <a:off x="6230173" y="3455305"/>
+            <a:off x="6230173" y="3729688"/>
             <a:ext cx="135219" cy="0"/>
           </a:xfrm>
           <a:prstGeom prst="line">
@@ -14418,7 +16498,7 @@
         </p:nvCxnSpPr>
         <p:spPr>
           <a:xfrm flipH="1">
-            <a:off x="6297788" y="3458874"/>
+            <a:off x="6297788" y="3733257"/>
             <a:ext cx="242179" cy="0"/>
           </a:xfrm>
           <a:prstGeom prst="straightConnector1">
@@ -14461,7 +16541,7 @@
         </p:nvSpPr>
         <p:spPr>
           <a:xfrm>
-            <a:off x="6143650" y="3198320"/>
+            <a:off x="6143650" y="3472703"/>
             <a:ext cx="613441" cy="206660"/>
           </a:xfrm>
           <a:prstGeom prst="rect">
@@ -14589,7 +16669,7 @@
         </p:nvCxnSpPr>
         <p:spPr>
           <a:xfrm>
-            <a:off x="6155849" y="3763290"/>
+            <a:off x="6155849" y="4037673"/>
             <a:ext cx="0" cy="152479"/>
           </a:xfrm>
           <a:prstGeom prst="straightConnector1">
@@ -14632,7 +16712,7 @@
         </p:nvSpPr>
         <p:spPr>
           <a:xfrm>
-            <a:off x="5588212" y="3741005"/>
+            <a:off x="5588212" y="4015388"/>
             <a:ext cx="583629" cy="206660"/>
           </a:xfrm>
           <a:prstGeom prst="rect">
@@ -14747,7 +16827,7 @@
         </p:nvSpPr>
         <p:spPr>
           <a:xfrm>
-            <a:off x="6353907" y="3631331"/>
+            <a:off x="6353907" y="3905714"/>
             <a:ext cx="70720" cy="70720"/>
           </a:xfrm>
           <a:prstGeom prst="ellipse">
@@ -14893,7 +16973,7 @@
         </p:nvSpPr>
         <p:spPr>
           <a:xfrm>
-            <a:off x="6408545" y="3631330"/>
+            <a:off x="6408545" y="3905713"/>
             <a:ext cx="70720" cy="70720"/>
           </a:xfrm>
           <a:prstGeom prst="ellipse">
@@ -15039,7 +17119,7 @@
         </p:nvSpPr>
         <p:spPr>
           <a:xfrm>
-            <a:off x="6344957" y="3683200"/>
+            <a:off x="6344957" y="3957583"/>
             <a:ext cx="70720" cy="70720"/>
           </a:xfrm>
           <a:prstGeom prst="ellipse">
@@ -15185,7 +17265,7 @@
         </p:nvSpPr>
         <p:spPr>
           <a:xfrm>
-            <a:off x="6418987" y="3681127"/>
+            <a:off x="6418987" y="3955510"/>
             <a:ext cx="70720" cy="70720"/>
           </a:xfrm>
           <a:prstGeom prst="ellipse">
@@ -15331,7 +17411,7 @@
         </p:nvSpPr>
         <p:spPr>
           <a:xfrm>
-            <a:off x="5181574" y="5703450"/>
+            <a:off x="5181574" y="5977833"/>
             <a:ext cx="2279345" cy="1348837"/>
           </a:xfrm>
           <a:prstGeom prst="roundRect">
@@ -15388,7 +17468,7 @@
         </p:nvSpPr>
         <p:spPr>
           <a:xfrm>
-            <a:off x="6550793" y="6256796"/>
+            <a:off x="6550793" y="6531179"/>
             <a:ext cx="681504" cy="206660"/>
           </a:xfrm>
           <a:prstGeom prst="rect">
@@ -15427,7 +17507,7 @@
         </p:nvSpPr>
         <p:spPr>
           <a:xfrm>
-            <a:off x="6602654" y="5847376"/>
+            <a:off x="6602654" y="6121759"/>
             <a:ext cx="592936" cy="403590"/>
           </a:xfrm>
           <a:prstGeom prst="roundRect">
@@ -15484,7 +17564,7 @@
         </p:nvSpPr>
         <p:spPr>
           <a:xfrm>
-            <a:off x="6747718" y="5842969"/>
+            <a:off x="6747718" y="6117352"/>
             <a:ext cx="314015" cy="206660"/>
           </a:xfrm>
           <a:prstGeom prst="rect">
@@ -15523,7 +17603,7 @@
         </p:nvSpPr>
         <p:spPr>
           <a:xfrm>
-            <a:off x="6632809" y="6064863"/>
+            <a:off x="6632809" y="6339246"/>
             <a:ext cx="534300" cy="206660"/>
           </a:xfrm>
           <a:prstGeom prst="rect">
@@ -15564,7 +17644,7 @@
         </p:nvCxnSpPr>
         <p:spPr>
           <a:xfrm>
-            <a:off x="6719371" y="6030859"/>
+            <a:off x="6719371" y="6305242"/>
             <a:ext cx="359513" cy="1374"/>
           </a:xfrm>
           <a:prstGeom prst="line">
@@ -15600,7 +17680,7 @@
         </p:nvSpPr>
         <p:spPr>
           <a:xfrm>
-            <a:off x="5424176" y="5965002"/>
+            <a:off x="5424176" y="6239385"/>
             <a:ext cx="893922" cy="776040"/>
           </a:xfrm>
           <a:prstGeom prst="roundRect">
@@ -15659,7 +17739,7 @@
             </p:nvSpPr>
             <p:spPr>
               <a:xfrm>
-                <a:off x="5481716" y="6308869"/>
+                <a:off x="5481716" y="6583252"/>
                 <a:ext cx="799065" cy="233718"/>
               </a:xfrm>
               <a:prstGeom prst="rect">
@@ -15836,7 +17916,7 @@
             </p:nvSpPr>
             <p:spPr>
               <a:xfrm>
-                <a:off x="5481716" y="6308869"/>
+                <a:off x="5481716" y="6583252"/>
                 <a:ext cx="799065" cy="233718"/>
               </a:xfrm>
               <a:prstGeom prst="rect">
@@ -15845,7 +17925,7 @@
               <a:blipFill>
                 <a:blip r:embed="rId7"/>
                 <a:stretch>
-                  <a:fillRect b="-20000"/>
+                  <a:fillRect t="-2632" r="-763" b="-18421"/>
                 </a:stretch>
               </a:blipFill>
             </p:spPr>
@@ -15880,7 +17960,7 @@
             </p:nvSpPr>
             <p:spPr>
               <a:xfrm>
-                <a:off x="5466944" y="6009918"/>
+                <a:off x="5466944" y="6284301"/>
                 <a:ext cx="221727" cy="234616"/>
               </a:xfrm>
               <a:prstGeom prst="rect">
@@ -15952,7 +18032,7 @@
             </p:nvSpPr>
             <p:spPr>
               <a:xfrm>
-                <a:off x="5466944" y="6009918"/>
+                <a:off x="5466944" y="6284301"/>
                 <a:ext cx="221727" cy="234616"/>
               </a:xfrm>
               <a:prstGeom prst="rect">
@@ -15961,7 +18041,7 @@
               <a:blipFill>
                 <a:blip r:embed="rId8"/>
                 <a:stretch>
-                  <a:fillRect l="-16667" r="-16667" b="-21053"/>
+                  <a:fillRect l="-19444" r="-13889" b="-26316"/>
                 </a:stretch>
               </a:blipFill>
             </p:spPr>
@@ -15994,7 +18074,7 @@
         </p:nvSpPr>
         <p:spPr>
           <a:xfrm rot="10800000">
-            <a:off x="6379602" y="5995950"/>
+            <a:off x="6379602" y="6270333"/>
             <a:ext cx="166587" cy="110188"/>
           </a:xfrm>
           <a:prstGeom prst="rightArrow">
@@ -16048,7 +18128,7 @@
         </p:nvSpPr>
         <p:spPr>
           <a:xfrm rot="10800000">
-            <a:off x="6383290" y="6581130"/>
+            <a:off x="6383290" y="6855513"/>
             <a:ext cx="166587" cy="110188"/>
           </a:xfrm>
           <a:prstGeom prst="rightArrow">
@@ -16102,7 +18182,7 @@
         </p:nvSpPr>
         <p:spPr>
           <a:xfrm>
-            <a:off x="6384620" y="6106804"/>
+            <a:off x="6384620" y="6381187"/>
             <a:ext cx="166587" cy="246221"/>
           </a:xfrm>
           <a:prstGeom prst="rect">
@@ -16140,7 +18220,7 @@
         </p:nvSpPr>
         <p:spPr>
           <a:xfrm>
-            <a:off x="6605369" y="6443613"/>
+            <a:off x="6605369" y="6717996"/>
             <a:ext cx="592936" cy="403590"/>
           </a:xfrm>
           <a:prstGeom prst="roundRect">
@@ -16197,7 +18277,7 @@
         </p:nvSpPr>
         <p:spPr>
           <a:xfrm>
-            <a:off x="6750433" y="6439206"/>
+            <a:off x="6750433" y="6713589"/>
             <a:ext cx="314015" cy="206660"/>
           </a:xfrm>
           <a:prstGeom prst="rect">
@@ -16236,7 +18316,7 @@
         </p:nvSpPr>
         <p:spPr>
           <a:xfrm>
-            <a:off x="6635524" y="6661100"/>
+            <a:off x="6635524" y="6935483"/>
             <a:ext cx="534300" cy="206660"/>
           </a:xfrm>
           <a:prstGeom prst="rect">
@@ -16277,7 +18357,7 @@
         </p:nvCxnSpPr>
         <p:spPr>
           <a:xfrm>
-            <a:off x="6722086" y="6627096"/>
+            <a:off x="6722086" y="6901479"/>
             <a:ext cx="359513" cy="1374"/>
           </a:xfrm>
           <a:prstGeom prst="line">
@@ -16313,7 +18393,7 @@
         </p:nvSpPr>
         <p:spPr>
           <a:xfrm>
-            <a:off x="6573848" y="6845623"/>
+            <a:off x="6573848" y="7120006"/>
             <a:ext cx="681504" cy="206660"/>
           </a:xfrm>
           <a:prstGeom prst="rect">
@@ -16352,7 +18432,7 @@
         </p:nvSpPr>
         <p:spPr>
           <a:xfrm>
-            <a:off x="6376505" y="6357985"/>
+            <a:off x="6376505" y="6632368"/>
             <a:ext cx="166587" cy="246221"/>
           </a:xfrm>
           <a:prstGeom prst="rect">
@@ -16390,7 +18470,7 @@
         </p:nvSpPr>
         <p:spPr>
           <a:xfrm>
-            <a:off x="999579" y="4453510"/>
+            <a:off x="999579" y="4727893"/>
             <a:ext cx="2729872" cy="225575"/>
           </a:xfrm>
           <a:prstGeom prst="rect">
@@ -16435,7 +18515,7 @@
         </p:nvSpPr>
         <p:spPr>
           <a:xfrm>
-            <a:off x="5283181" y="4466704"/>
+            <a:off x="5283181" y="4741087"/>
             <a:ext cx="2413052" cy="225575"/>
           </a:xfrm>
           <a:prstGeom prst="rect">
@@ -16480,7 +18560,7 @@
         </p:nvSpPr>
         <p:spPr>
           <a:xfrm>
-            <a:off x="5177988" y="7045613"/>
+            <a:off x="5177988" y="7319996"/>
             <a:ext cx="2413378" cy="225575"/>
           </a:xfrm>
           <a:prstGeom prst="rect">
@@ -16525,7 +18605,7 @@
         </p:nvSpPr>
         <p:spPr>
           <a:xfrm>
-            <a:off x="1158608" y="4914929"/>
+            <a:off x="1158608" y="5189312"/>
             <a:ext cx="90563" cy="159967"/>
           </a:xfrm>
           <a:prstGeom prst="roundRect">
@@ -16582,7 +18662,7 @@
         </p:nvSpPr>
         <p:spPr>
           <a:xfrm>
-            <a:off x="1158608" y="5266129"/>
+            <a:off x="1158608" y="5540512"/>
             <a:ext cx="90563" cy="159967"/>
           </a:xfrm>
           <a:prstGeom prst="roundRect">
@@ -16639,7 +18719,7 @@
         </p:nvSpPr>
         <p:spPr>
           <a:xfrm>
-            <a:off x="1158608" y="5617327"/>
+            <a:off x="1158608" y="5891710"/>
             <a:ext cx="90563" cy="159967"/>
           </a:xfrm>
           <a:prstGeom prst="roundRect">
@@ -16696,7 +18776,7 @@
         </p:nvSpPr>
         <p:spPr>
           <a:xfrm>
-            <a:off x="987143" y="4759443"/>
+            <a:off x="987143" y="5033826"/>
             <a:ext cx="3154879" cy="1316041"/>
           </a:xfrm>
           <a:prstGeom prst="roundRect">
@@ -16753,7 +18833,7 @@
         </p:nvSpPr>
         <p:spPr>
           <a:xfrm>
-            <a:off x="1148556" y="4918538"/>
+            <a:off x="1148556" y="5192921"/>
             <a:ext cx="1336628" cy="861236"/>
           </a:xfrm>
           <a:prstGeom prst="roundRect">
@@ -16810,7 +18890,7 @@
         </p:nvSpPr>
         <p:spPr>
           <a:xfrm>
-            <a:off x="2656733" y="4918538"/>
+            <a:off x="2656733" y="5192921"/>
             <a:ext cx="1336628" cy="861236"/>
           </a:xfrm>
           <a:prstGeom prst="roundRect">
@@ -16867,7 +18947,7 @@
         </p:nvSpPr>
         <p:spPr>
           <a:xfrm rot="1800000">
-            <a:off x="1210536" y="5461856"/>
+            <a:off x="1210536" y="5736239"/>
             <a:ext cx="668865" cy="206660"/>
           </a:xfrm>
           <a:prstGeom prst="rect">
@@ -16906,7 +18986,7 @@
         </p:nvSpPr>
         <p:spPr>
           <a:xfrm rot="19711124">
-            <a:off x="1732370" y="5465608"/>
+            <a:off x="1732370" y="5739991"/>
             <a:ext cx="613441" cy="206660"/>
           </a:xfrm>
           <a:prstGeom prst="rect">
@@ -16958,7 +19038,7 @@
             </p:nvSpPr>
             <p:spPr>
               <a:xfrm>
-                <a:off x="1221940" y="4985420"/>
+                <a:off x="1221940" y="5259803"/>
                 <a:ext cx="117532" cy="124842"/>
               </a:xfrm>
               <a:prstGeom prst="rect">
@@ -17030,7 +19110,7 @@
             </p:nvSpPr>
             <p:spPr>
               <a:xfrm>
-                <a:off x="1221940" y="4985420"/>
+                <a:off x="1221940" y="5259803"/>
                 <a:ext cx="117532" cy="124842"/>
               </a:xfrm>
               <a:prstGeom prst="rect">
@@ -17039,7 +19119,7 @@
               <a:blipFill>
                 <a:blip r:embed="rId9"/>
                 <a:stretch>
-                  <a:fillRect l="-20000" r="-20000" b="-27273"/>
+                  <a:fillRect l="-15000" r="-10000" b="-30000"/>
                 </a:stretch>
               </a:blipFill>
             </p:spPr>
@@ -17072,7 +19152,7 @@
         </p:nvSpPr>
         <p:spPr>
           <a:xfrm rot="1800000">
-            <a:off x="2749336" y="5456057"/>
+            <a:off x="2749336" y="5730440"/>
             <a:ext cx="668865" cy="206660"/>
           </a:xfrm>
           <a:prstGeom prst="rect">
@@ -17111,7 +19191,7 @@
         </p:nvSpPr>
         <p:spPr>
           <a:xfrm rot="19711124">
-            <a:off x="3271170" y="5459809"/>
+            <a:off x="3271170" y="5734192"/>
             <a:ext cx="613441" cy="206660"/>
           </a:xfrm>
           <a:prstGeom prst="rect">
@@ -17163,7 +19243,7 @@
             </p:nvSpPr>
             <p:spPr>
               <a:xfrm>
-                <a:off x="2760738" y="4979624"/>
+                <a:off x="2760738" y="5254007"/>
                 <a:ext cx="117532" cy="124842"/>
               </a:xfrm>
               <a:prstGeom prst="rect">
@@ -17235,7 +19315,7 @@
             </p:nvSpPr>
             <p:spPr>
               <a:xfrm>
-                <a:off x="2760738" y="4979624"/>
+                <a:off x="2760738" y="5254007"/>
                 <a:ext cx="117532" cy="124842"/>
               </a:xfrm>
               <a:prstGeom prst="rect">
@@ -17244,7 +19324,7 @@
               <a:blipFill>
                 <a:blip r:embed="rId10"/>
                 <a:stretch>
-                  <a:fillRect l="-20000" r="-20000" b="-40000"/>
+                  <a:fillRect l="-21053" r="-10526" b="-30000"/>
                 </a:stretch>
               </a:blipFill>
             </p:spPr>
@@ -17277,7 +19357,7 @@
         </p:nvSpPr>
         <p:spPr>
           <a:xfrm>
-            <a:off x="2512615" y="5343069"/>
+            <a:off x="2512615" y="5617452"/>
             <a:ext cx="134225" cy="88782"/>
           </a:xfrm>
           <a:prstGeom prst="rightArrow">
@@ -17331,7 +19411,7 @@
         </p:nvSpPr>
         <p:spPr>
           <a:xfrm>
-            <a:off x="1106130" y="5811613"/>
+            <a:off x="1106130" y="6085996"/>
             <a:ext cx="1404873" cy="206660"/>
           </a:xfrm>
           <a:prstGeom prst="rect">
@@ -17370,7 +19450,7 @@
         </p:nvSpPr>
         <p:spPr>
           <a:xfrm>
-            <a:off x="2623110" y="5811613"/>
+            <a:off x="2623110" y="6085996"/>
             <a:ext cx="1404873" cy="206660"/>
           </a:xfrm>
           <a:prstGeom prst="rect">
@@ -17422,7 +19502,7 @@
         </p:blipFill>
         <p:spPr>
           <a:xfrm>
-            <a:off x="2766322" y="5039792"/>
+            <a:off x="2766322" y="5314175"/>
             <a:ext cx="1150327" cy="590025"/>
           </a:xfrm>
           <a:prstGeom prst="rect">
@@ -17457,7 +19537,7 @@
         </p:blipFill>
         <p:spPr>
           <a:xfrm>
-            <a:off x="1227703" y="5027253"/>
+            <a:off x="1227703" y="5301636"/>
             <a:ext cx="1211619" cy="629717"/>
           </a:xfrm>
           <a:prstGeom prst="rect">
@@ -17479,7 +19559,7 @@
         </p:nvSpPr>
         <p:spPr>
           <a:xfrm>
-            <a:off x="999579" y="6079508"/>
+            <a:off x="999579" y="6353891"/>
             <a:ext cx="3142440" cy="253916"/>
           </a:xfrm>
           <a:prstGeom prst="rect">
@@ -17528,7 +19608,7 @@
         </p:nvCxnSpPr>
         <p:spPr>
           <a:xfrm flipV="1">
-            <a:off x="3993364" y="4070624"/>
+            <a:off x="3993364" y="4345007"/>
             <a:ext cx="1475581" cy="1278532"/>
           </a:xfrm>
           <a:prstGeom prst="bentConnector3">
@@ -17576,7 +19656,7 @@
         </p:nvCxnSpPr>
         <p:spPr>
           <a:xfrm>
-            <a:off x="4771153" y="3777433"/>
+            <a:off x="4771153" y="4051816"/>
             <a:ext cx="709582" cy="0"/>
           </a:xfrm>
           <a:prstGeom prst="straightConnector1">
@@ -17619,7 +19699,7 @@
         </p:nvSpPr>
         <p:spPr>
           <a:xfrm>
-            <a:off x="4250139" y="4889622"/>
+            <a:off x="4250139" y="5164005"/>
             <a:ext cx="683096" cy="255321"/>
           </a:xfrm>
           <a:prstGeom prst="rect">
@@ -17658,7 +19738,7 @@
         </p:nvSpPr>
         <p:spPr>
           <a:xfrm>
-            <a:off x="4250139" y="5093813"/>
+            <a:off x="4250139" y="5368196"/>
             <a:ext cx="683096" cy="246221"/>
           </a:xfrm>
           <a:prstGeom prst="rect">
@@ -17712,7 +19792,7 @@
         </p:nvCxnSpPr>
         <p:spPr>
           <a:xfrm flipH="1">
-            <a:off x="7460919" y="3777436"/>
+            <a:off x="7460919" y="4051819"/>
             <a:ext cx="242117" cy="2600433"/>
           </a:xfrm>
           <a:prstGeom prst="bentConnector3">
@@ -17757,7 +19837,7 @@
         </p:nvSpPr>
         <p:spPr>
           <a:xfrm>
-            <a:off x="7448732" y="6011207"/>
+            <a:off x="7448732" y="6285590"/>
             <a:ext cx="681504" cy="206660"/>
           </a:xfrm>
           <a:prstGeom prst="rect">
@@ -17800,7 +19880,7 @@
         </p:nvCxnSpPr>
         <p:spPr>
           <a:xfrm rot="10800000">
-            <a:off x="1149309" y="5534624"/>
+            <a:off x="1149309" y="5809007"/>
             <a:ext cx="4032262" cy="843242"/>
           </a:xfrm>
           <a:prstGeom prst="bentConnector3">
@@ -17849,7 +19929,7 @@
         </p:nvCxnSpPr>
         <p:spPr>
           <a:xfrm rot="10800000" flipH="1" flipV="1">
-            <a:off x="999579" y="3786286"/>
+            <a:off x="999579" y="4060669"/>
             <a:ext cx="146756" cy="1325815"/>
           </a:xfrm>
           <a:prstGeom prst="bentConnector3">
@@ -17894,8 +19974,8 @@
         </p:nvSpPr>
         <p:spPr>
           <a:xfrm>
-            <a:off x="163199" y="7557457"/>
-            <a:ext cx="8537176" cy="5645293"/>
+            <a:off x="163199" y="7840602"/>
+            <a:ext cx="8537176" cy="5749396"/>
           </a:xfrm>
           <a:prstGeom prst="rect">
             <a:avLst/>
@@ -17944,8 +20024,8 @@
         </p:nvSpPr>
         <p:spPr>
           <a:xfrm>
-            <a:off x="163202" y="7560436"/>
-            <a:ext cx="2047875" cy="307777"/>
+            <a:off x="163202" y="7843581"/>
+            <a:ext cx="4655528" cy="307777"/>
           </a:xfrm>
           <a:prstGeom prst="rect">
             <a:avLst/>
@@ -17963,7 +20043,7 @@
                 <a:latin typeface="Times New Roman" panose="02020603050405020304" pitchFamily="18" charset="0"/>
                 <a:cs typeface="Times New Roman" panose="02020603050405020304" pitchFamily="18" charset="0"/>
               </a:rPr>
-              <a:t>PHASE II</a:t>
+              <a:t>PHASE II – ON-BOARD OPTIMIZATION</a:t>
             </a:r>
           </a:p>
         </p:txBody>
@@ -17982,7 +20062,7 @@
         </p:nvSpPr>
         <p:spPr>
           <a:xfrm>
-            <a:off x="3950343" y="12751163"/>
+            <a:off x="3950343" y="13232343"/>
             <a:ext cx="2413378" cy="225575"/>
           </a:xfrm>
           <a:prstGeom prst="rect">
@@ -18027,7 +20107,7 @@
         </p:nvSpPr>
         <p:spPr>
           <a:xfrm>
-            <a:off x="1198338" y="7677964"/>
+            <a:off x="1198338" y="8159144"/>
             <a:ext cx="3702752" cy="1022558"/>
           </a:xfrm>
           <a:prstGeom prst="roundRect">
@@ -18084,7 +20164,7 @@
         </p:nvSpPr>
         <p:spPr>
           <a:xfrm>
-            <a:off x="1198338" y="8700521"/>
+            <a:off x="1198338" y="9181701"/>
             <a:ext cx="3702753" cy="1022558"/>
           </a:xfrm>
           <a:prstGeom prst="roundRect">
@@ -18141,7 +20221,7 @@
         </p:nvSpPr>
         <p:spPr>
           <a:xfrm>
-            <a:off x="1299273" y="8796034"/>
+            <a:off x="1299273" y="9277214"/>
             <a:ext cx="1435591" cy="813281"/>
           </a:xfrm>
           <a:prstGeom prst="roundRect">
@@ -18203,7 +20283,7 @@
         </p:blipFill>
         <p:spPr>
           <a:xfrm>
-            <a:off x="1345203" y="9087510"/>
+            <a:off x="1345203" y="9568690"/>
             <a:ext cx="362901" cy="362901"/>
           </a:xfrm>
           <a:prstGeom prst="rect">
@@ -18233,7 +20313,7 @@
         </p:blipFill>
         <p:spPr>
           <a:xfrm>
-            <a:off x="1623015" y="9047218"/>
+            <a:off x="1623015" y="9528398"/>
             <a:ext cx="443484" cy="443484"/>
           </a:xfrm>
           <a:prstGeom prst="rect">
@@ -18262,7 +20342,7 @@
         </p:blipFill>
         <p:spPr>
           <a:xfrm>
-            <a:off x="2047730" y="9131281"/>
+            <a:off x="2047730" y="9612461"/>
             <a:ext cx="310852" cy="275370"/>
           </a:xfrm>
           <a:prstGeom prst="rect">
@@ -18294,7 +20374,7 @@
         </p:blipFill>
         <p:spPr>
           <a:xfrm>
-            <a:off x="2392932" y="9150367"/>
+            <a:off x="2392932" y="9631547"/>
             <a:ext cx="240974" cy="237207"/>
           </a:xfrm>
           <a:prstGeom prst="rect">
@@ -18316,7 +20396,7 @@
         </p:nvSpPr>
         <p:spPr>
           <a:xfrm>
-            <a:off x="1299268" y="8775565"/>
+            <a:off x="1299268" y="9256745"/>
             <a:ext cx="1435415" cy="215444"/>
           </a:xfrm>
           <a:prstGeom prst="rect">
@@ -18355,7 +20435,7 @@
         </p:nvSpPr>
         <p:spPr>
           <a:xfrm>
-            <a:off x="1288190" y="7789298"/>
+            <a:off x="1288190" y="8270478"/>
             <a:ext cx="1435591" cy="813281"/>
           </a:xfrm>
           <a:prstGeom prst="roundRect">
@@ -18428,7 +20508,7 @@
         </p:blipFill>
         <p:spPr>
           <a:xfrm>
-            <a:off x="1334120" y="8080774"/>
+            <a:off x="1334120" y="8561954"/>
             <a:ext cx="362901" cy="362901"/>
           </a:xfrm>
           <a:prstGeom prst="rect">
@@ -18466,7 +20546,7 @@
         </p:blipFill>
         <p:spPr>
           <a:xfrm>
-            <a:off x="1611932" y="8040482"/>
+            <a:off x="1611932" y="8521662"/>
             <a:ext cx="443484" cy="443484"/>
           </a:xfrm>
           <a:prstGeom prst="rect">
@@ -18503,7 +20583,7 @@
         </p:blipFill>
         <p:spPr>
           <a:xfrm>
-            <a:off x="2036647" y="8124545"/>
+            <a:off x="2036647" y="8605725"/>
             <a:ext cx="310852" cy="275370"/>
           </a:xfrm>
           <a:prstGeom prst="rect">
@@ -18541,7 +20621,7 @@
         </p:blipFill>
         <p:spPr>
           <a:xfrm>
-            <a:off x="2381849" y="8143631"/>
+            <a:off x="2381849" y="8624811"/>
             <a:ext cx="240974" cy="237207"/>
           </a:xfrm>
           <a:prstGeom prst="rect">
@@ -18563,7 +20643,7 @@
         </p:nvSpPr>
         <p:spPr>
           <a:xfrm>
-            <a:off x="1288185" y="7768829"/>
+            <a:off x="1288185" y="8250009"/>
             <a:ext cx="1435415" cy="215444"/>
           </a:xfrm>
           <a:prstGeom prst="rect">
@@ -18602,7 +20682,7 @@
         </p:nvSpPr>
         <p:spPr>
           <a:xfrm>
-            <a:off x="2849141" y="7789298"/>
+            <a:off x="2849141" y="8270478"/>
             <a:ext cx="930906" cy="813281"/>
           </a:xfrm>
           <a:prstGeom prst="roundRect">
@@ -18672,7 +20752,7 @@
         </p:blipFill>
         <p:spPr>
           <a:xfrm>
-            <a:off x="3017188" y="7955690"/>
+            <a:off x="3017188" y="8436870"/>
             <a:ext cx="559751" cy="571978"/>
           </a:xfrm>
           <a:prstGeom prst="rect">
@@ -18694,7 +20774,7 @@
         </p:nvSpPr>
         <p:spPr>
           <a:xfrm>
-            <a:off x="2811706" y="7791285"/>
+            <a:off x="2811706" y="8272465"/>
             <a:ext cx="968341" cy="230832"/>
           </a:xfrm>
           <a:prstGeom prst="rect">
@@ -18744,7 +20824,7 @@
         </p:nvSpPr>
         <p:spPr>
           <a:xfrm>
-            <a:off x="2849141" y="8795620"/>
+            <a:off x="2849141" y="9276800"/>
             <a:ext cx="930906" cy="813281"/>
           </a:xfrm>
           <a:prstGeom prst="roundRect">
@@ -18804,7 +20884,7 @@
         </p:nvSpPr>
         <p:spPr>
           <a:xfrm>
-            <a:off x="2847616" y="8797607"/>
+            <a:off x="2847616" y="9278787"/>
             <a:ext cx="937597" cy="230832"/>
           </a:xfrm>
           <a:prstGeom prst="rect">
@@ -18860,7 +20940,7 @@
         </p:blipFill>
         <p:spPr>
           <a:xfrm>
-            <a:off x="2966879" y="8920085"/>
+            <a:off x="2966879" y="9401265"/>
             <a:ext cx="651058" cy="680429"/>
           </a:xfrm>
           <a:prstGeom prst="rect">
@@ -18882,7 +20962,7 @@
         </p:nvSpPr>
         <p:spPr>
           <a:xfrm>
-            <a:off x="3909598" y="7795718"/>
+            <a:off x="3909598" y="8276898"/>
             <a:ext cx="900166" cy="806860"/>
           </a:xfrm>
           <a:prstGeom prst="roundRect">
@@ -18939,7 +21019,7 @@
         </p:nvSpPr>
         <p:spPr>
           <a:xfrm>
-            <a:off x="3908492" y="7790409"/>
+            <a:off x="3908492" y="8271589"/>
             <a:ext cx="901272" cy="230832"/>
           </a:xfrm>
           <a:prstGeom prst="rect">
@@ -18998,7 +21078,7 @@
         </p:blipFill>
         <p:spPr>
           <a:xfrm>
-            <a:off x="4036710" y="8011316"/>
+            <a:off x="4036710" y="8492496"/>
             <a:ext cx="628321" cy="472651"/>
           </a:xfrm>
           <a:prstGeom prst="rect">
@@ -19020,7 +21100,7 @@
         </p:nvSpPr>
         <p:spPr>
           <a:xfrm>
-            <a:off x="3908492" y="8802040"/>
+            <a:off x="3908492" y="9283220"/>
             <a:ext cx="900166" cy="806860"/>
           </a:xfrm>
           <a:prstGeom prst="roundRect">
@@ -19077,7 +21157,7 @@
         </p:nvSpPr>
         <p:spPr>
           <a:xfrm>
-            <a:off x="3907386" y="8796731"/>
+            <a:off x="3907386" y="9277911"/>
             <a:ext cx="901272" cy="230832"/>
           </a:xfrm>
           <a:prstGeom prst="rect">
@@ -19136,7 +21216,7 @@
         </p:blipFill>
         <p:spPr>
           <a:xfrm>
-            <a:off x="4035604" y="9017638"/>
+            <a:off x="4035604" y="9498818"/>
             <a:ext cx="628321" cy="472651"/>
           </a:xfrm>
           <a:prstGeom prst="rect">
@@ -19158,7 +21238,7 @@
         </p:nvSpPr>
         <p:spPr>
           <a:xfrm>
-            <a:off x="2728500" y="8179154"/>
+            <a:off x="2728500" y="8660334"/>
             <a:ext cx="134225" cy="88782"/>
           </a:xfrm>
           <a:prstGeom prst="rightArrow">
@@ -19212,7 +21292,7 @@
         </p:nvSpPr>
         <p:spPr>
           <a:xfrm>
-            <a:off x="3772934" y="8182386"/>
+            <a:off x="3772934" y="8663566"/>
             <a:ext cx="134225" cy="88782"/>
           </a:xfrm>
           <a:prstGeom prst="rightArrow">
@@ -19266,7 +21346,7 @@
         </p:nvSpPr>
         <p:spPr>
           <a:xfrm>
-            <a:off x="2740905" y="9157023"/>
+            <a:off x="2740905" y="9638203"/>
             <a:ext cx="134225" cy="88782"/>
           </a:xfrm>
           <a:prstGeom prst="rightArrow">
@@ -19320,7 +21400,7 @@
         </p:nvSpPr>
         <p:spPr>
           <a:xfrm>
-            <a:off x="3785339" y="9160255"/>
+            <a:off x="3785339" y="9641435"/>
             <a:ext cx="134225" cy="88782"/>
           </a:xfrm>
           <a:prstGeom prst="rightArrow">
@@ -19374,7 +21454,7 @@
         </p:nvSpPr>
         <p:spPr>
           <a:xfrm>
-            <a:off x="5580993" y="7973494"/>
+            <a:off x="5580993" y="8454674"/>
             <a:ext cx="2589848" cy="1373466"/>
           </a:xfrm>
           <a:prstGeom prst="roundRect">
@@ -19522,7 +21602,7 @@
         </p:nvSpPr>
         <p:spPr>
           <a:xfrm>
-            <a:off x="5737179" y="8084863"/>
+            <a:off x="5737179" y="8566043"/>
             <a:ext cx="2222298" cy="1120748"/>
           </a:xfrm>
           <a:prstGeom prst="roundRect">
@@ -19686,7 +21766,7 @@
         </p:blipFill>
         <p:spPr>
           <a:xfrm>
-            <a:off x="6173419" y="8234439"/>
+            <a:off x="6173419" y="8715619"/>
             <a:ext cx="1443324" cy="1085734"/>
           </a:xfrm>
           <a:prstGeom prst="rect">
@@ -19710,7 +21790,7 @@
         </p:nvCxnSpPr>
         <p:spPr>
           <a:xfrm>
-            <a:off x="6099389" y="8777306"/>
+            <a:off x="6099389" y="9258486"/>
             <a:ext cx="1626632" cy="0"/>
           </a:xfrm>
           <a:prstGeom prst="straightConnector1">
@@ -19752,7 +21832,7 @@
         </p:nvSpPr>
         <p:spPr>
           <a:xfrm>
-            <a:off x="6637028" y="8435979"/>
+            <a:off x="6637028" y="8917159"/>
             <a:ext cx="70720" cy="70720"/>
           </a:xfrm>
           <a:prstGeom prst="ellipse">
@@ -19900,7 +21980,7 @@
         </p:nvCxnSpPr>
         <p:spPr>
           <a:xfrm>
-            <a:off x="6340089" y="8631091"/>
+            <a:off x="6340089" y="9112271"/>
             <a:ext cx="554995" cy="0"/>
           </a:xfrm>
           <a:prstGeom prst="line">
@@ -19941,7 +22021,7 @@
         </p:nvSpPr>
         <p:spPr>
           <a:xfrm>
-            <a:off x="6554229" y="8416006"/>
+            <a:off x="6554229" y="8897186"/>
             <a:ext cx="242180" cy="416799"/>
           </a:xfrm>
           <a:prstGeom prst="roundRect">
@@ -20086,7 +22166,7 @@
         </p:nvCxnSpPr>
         <p:spPr>
           <a:xfrm>
-            <a:off x="6323248" y="8777124"/>
+            <a:off x="6323248" y="9258304"/>
             <a:ext cx="135219" cy="0"/>
           </a:xfrm>
           <a:prstGeom prst="line">
@@ -20129,7 +22209,7 @@
         </p:nvCxnSpPr>
         <p:spPr>
           <a:xfrm rot="5400000">
-            <a:off x="6728802" y="8319958"/>
+            <a:off x="6728802" y="8801138"/>
             <a:ext cx="135219" cy="0"/>
           </a:xfrm>
           <a:prstGeom prst="line">
@@ -20170,7 +22250,7 @@
         </p:nvCxnSpPr>
         <p:spPr>
           <a:xfrm rot="5400000">
-            <a:off x="6486617" y="8323109"/>
+            <a:off x="6486617" y="8804289"/>
             <a:ext cx="135219" cy="0"/>
           </a:xfrm>
           <a:prstGeom prst="line">
@@ -20213,7 +22293,7 @@
         </p:nvCxnSpPr>
         <p:spPr>
           <a:xfrm flipH="1">
-            <a:off x="6554232" y="8326678"/>
+            <a:off x="6554232" y="8807858"/>
             <a:ext cx="242179" cy="0"/>
           </a:xfrm>
           <a:prstGeom prst="straightConnector1">
@@ -20256,7 +22336,7 @@
         </p:nvSpPr>
         <p:spPr>
           <a:xfrm>
-            <a:off x="6390857" y="8080876"/>
+            <a:off x="6390857" y="8562056"/>
             <a:ext cx="613441" cy="206660"/>
           </a:xfrm>
           <a:prstGeom prst="rect">
@@ -20384,7 +22464,7 @@
         </p:nvCxnSpPr>
         <p:spPr>
           <a:xfrm>
-            <a:off x="6412293" y="8631094"/>
+            <a:off x="6412293" y="9112274"/>
             <a:ext cx="0" cy="152479"/>
           </a:xfrm>
           <a:prstGeom prst="straightConnector1">
@@ -20427,7 +22507,7 @@
         </p:nvSpPr>
         <p:spPr>
           <a:xfrm>
-            <a:off x="5870941" y="8602578"/>
+            <a:off x="5870941" y="9083758"/>
             <a:ext cx="583629" cy="206660"/>
           </a:xfrm>
           <a:prstGeom prst="rect">
@@ -20542,7 +22622,7 @@
         </p:nvSpPr>
         <p:spPr>
           <a:xfrm>
-            <a:off x="6610351" y="8499135"/>
+            <a:off x="6610351" y="8980315"/>
             <a:ext cx="70720" cy="70720"/>
           </a:xfrm>
           <a:prstGeom prst="ellipse">
@@ -20688,7 +22768,7 @@
         </p:nvSpPr>
         <p:spPr>
           <a:xfrm>
-            <a:off x="6664989" y="8499134"/>
+            <a:off x="6664989" y="8980314"/>
             <a:ext cx="70720" cy="70720"/>
           </a:xfrm>
           <a:prstGeom prst="ellipse">
@@ -20834,7 +22914,7 @@
         </p:nvSpPr>
         <p:spPr>
           <a:xfrm>
-            <a:off x="6601401" y="8551004"/>
+            <a:off x="6601401" y="9032184"/>
             <a:ext cx="70720" cy="70720"/>
           </a:xfrm>
           <a:prstGeom prst="ellipse">
@@ -20980,7 +23060,7 @@
         </p:nvSpPr>
         <p:spPr>
           <a:xfrm>
-            <a:off x="6675431" y="8548931"/>
+            <a:off x="6675431" y="9030111"/>
             <a:ext cx="70720" cy="70720"/>
           </a:xfrm>
           <a:prstGeom prst="ellipse">
@@ -21126,7 +23206,7 @@
         </p:nvSpPr>
         <p:spPr>
           <a:xfrm>
-            <a:off x="5539625" y="9334508"/>
+            <a:off x="5539625" y="9815688"/>
             <a:ext cx="2413052" cy="225575"/>
           </a:xfrm>
           <a:prstGeom prst="rect">
@@ -21171,7 +23251,7 @@
         </p:nvSpPr>
         <p:spPr>
           <a:xfrm>
-            <a:off x="1177286" y="9724861"/>
+            <a:off x="1177286" y="10206041"/>
             <a:ext cx="2729872" cy="225575"/>
           </a:xfrm>
           <a:prstGeom prst="rect">
@@ -21220,7 +23300,7 @@
         </p:nvCxnSpPr>
         <p:spPr>
           <a:xfrm>
-            <a:off x="4809765" y="8199149"/>
+            <a:off x="4809765" y="8680329"/>
             <a:ext cx="937749" cy="179797"/>
           </a:xfrm>
           <a:prstGeom prst="bentConnector3">
@@ -21266,7 +23346,7 @@
         </p:nvCxnSpPr>
         <p:spPr>
           <a:xfrm flipV="1">
-            <a:off x="4808658" y="8645237"/>
+            <a:off x="4808658" y="9126417"/>
             <a:ext cx="928521" cy="560233"/>
           </a:xfrm>
           <a:prstGeom prst="bentConnector3">
@@ -21307,7 +23387,7 @@
         </p:nvSpPr>
         <p:spPr>
           <a:xfrm>
-            <a:off x="3958576" y="10868856"/>
+            <a:off x="3958576" y="11350036"/>
             <a:ext cx="4032661" cy="1887646"/>
           </a:xfrm>
           <a:prstGeom prst="roundRect">
@@ -21364,7 +23444,7 @@
         </p:nvSpPr>
         <p:spPr>
           <a:xfrm flipH="1">
-            <a:off x="6143047" y="11120540"/>
+            <a:off x="6143047" y="11601720"/>
             <a:ext cx="485500" cy="489927"/>
           </a:xfrm>
           <a:prstGeom prst="roundRect">
@@ -21418,7 +23498,7 @@
         </p:nvSpPr>
         <p:spPr>
           <a:xfrm flipH="1" flipV="1">
-            <a:off x="6442686" y="11145225"/>
+            <a:off x="6442686" y="11626405"/>
             <a:ext cx="72717" cy="71553"/>
           </a:xfrm>
           <a:prstGeom prst="ellipse">
@@ -21467,7 +23547,7 @@
         </p:nvSpPr>
         <p:spPr>
           <a:xfrm flipH="1" flipV="1">
-            <a:off x="6442686" y="11266939"/>
+            <a:off x="6442686" y="11748119"/>
             <a:ext cx="72717" cy="71553"/>
           </a:xfrm>
           <a:prstGeom prst="ellipse">
@@ -21516,7 +23596,7 @@
         </p:nvSpPr>
         <p:spPr>
           <a:xfrm flipH="1" flipV="1">
-            <a:off x="6442686" y="11388652"/>
+            <a:off x="6442686" y="11869832"/>
             <a:ext cx="72717" cy="71553"/>
           </a:xfrm>
           <a:prstGeom prst="ellipse">
@@ -21565,7 +23645,7 @@
         </p:nvSpPr>
         <p:spPr>
           <a:xfrm flipH="1" flipV="1">
-            <a:off x="6442686" y="11510365"/>
+            <a:off x="6442686" y="11991545"/>
             <a:ext cx="72717" cy="71553"/>
           </a:xfrm>
           <a:prstGeom prst="ellipse">
@@ -21614,7 +23694,7 @@
         </p:nvSpPr>
         <p:spPr>
           <a:xfrm flipH="1" flipV="1">
-            <a:off x="6253339" y="11258849"/>
+            <a:off x="6253339" y="11740029"/>
             <a:ext cx="72717" cy="71553"/>
           </a:xfrm>
           <a:prstGeom prst="ellipse">
@@ -21667,7 +23747,7 @@
         </p:nvCxnSpPr>
         <p:spPr>
           <a:xfrm flipH="1">
-            <a:off x="6326057" y="11180996"/>
+            <a:off x="6326057" y="11662176"/>
             <a:ext cx="116630" cy="113623"/>
           </a:xfrm>
           <a:prstGeom prst="line">
@@ -21707,7 +23787,7 @@
         </p:nvCxnSpPr>
         <p:spPr>
           <a:xfrm flipH="1" flipV="1">
-            <a:off x="6326057" y="11294622"/>
+            <a:off x="6326057" y="11775802"/>
             <a:ext cx="116630" cy="8090"/>
           </a:xfrm>
           <a:prstGeom prst="line">
@@ -21747,7 +23827,7 @@
         </p:nvCxnSpPr>
         <p:spPr>
           <a:xfrm flipH="1" flipV="1">
-            <a:off x="6326057" y="11294619"/>
+            <a:off x="6326057" y="11775799"/>
             <a:ext cx="116630" cy="129803"/>
           </a:xfrm>
           <a:prstGeom prst="line">
@@ -21787,7 +23867,7 @@
         </p:nvCxnSpPr>
         <p:spPr>
           <a:xfrm flipH="1" flipV="1">
-            <a:off x="6326057" y="11294617"/>
+            <a:off x="6326057" y="11775797"/>
             <a:ext cx="116630" cy="251515"/>
           </a:xfrm>
           <a:prstGeom prst="line">
@@ -21823,7 +23903,7 @@
         </p:nvSpPr>
         <p:spPr>
           <a:xfrm flipH="1" flipV="1">
-            <a:off x="6255385" y="11400521"/>
+            <a:off x="6255385" y="11881701"/>
             <a:ext cx="72717" cy="71553"/>
           </a:xfrm>
           <a:prstGeom prst="ellipse">
@@ -21876,7 +23956,7 @@
         </p:nvCxnSpPr>
         <p:spPr>
           <a:xfrm flipH="1">
-            <a:off x="6328096" y="11180991"/>
+            <a:off x="6328096" y="11662171"/>
             <a:ext cx="114584" cy="255296"/>
           </a:xfrm>
           <a:prstGeom prst="line">
@@ -21916,7 +23996,7 @@
         </p:nvCxnSpPr>
         <p:spPr>
           <a:xfrm flipH="1">
-            <a:off x="6328096" y="11302707"/>
+            <a:off x="6328096" y="11783887"/>
             <a:ext cx="114584" cy="133583"/>
           </a:xfrm>
           <a:prstGeom prst="line">
@@ -21956,7 +24036,7 @@
         </p:nvCxnSpPr>
         <p:spPr>
           <a:xfrm flipH="1">
-            <a:off x="6328096" y="11424424"/>
+            <a:off x="6328096" y="11905604"/>
             <a:ext cx="114584" cy="11869"/>
           </a:xfrm>
           <a:prstGeom prst="line">
@@ -21996,7 +24076,7 @@
         </p:nvCxnSpPr>
         <p:spPr>
           <a:xfrm flipH="1" flipV="1">
-            <a:off x="6328096" y="11436293"/>
+            <a:off x="6328096" y="11917473"/>
             <a:ext cx="114584" cy="109842"/>
           </a:xfrm>
           <a:prstGeom prst="line">
@@ -22032,7 +24112,7 @@
         </p:nvSpPr>
         <p:spPr>
           <a:xfrm>
-            <a:off x="5262949" y="12028918"/>
+            <a:off x="5262949" y="12510098"/>
             <a:ext cx="592936" cy="388762"/>
           </a:xfrm>
           <a:prstGeom prst="roundRect">
@@ -22094,7 +24174,7 @@
         </p:nvSpPr>
         <p:spPr>
           <a:xfrm>
-            <a:off x="5220852" y="11630673"/>
+            <a:off x="5220852" y="12111853"/>
             <a:ext cx="681504" cy="206660"/>
           </a:xfrm>
           <a:prstGeom prst="rect">
@@ -22133,7 +24213,7 @@
         </p:nvSpPr>
         <p:spPr>
           <a:xfrm>
-            <a:off x="5270766" y="12466842"/>
+            <a:off x="5270766" y="12948022"/>
             <a:ext cx="608148" cy="206660"/>
           </a:xfrm>
           <a:prstGeom prst="rect">
@@ -22177,7 +24257,7 @@
         </p:nvSpPr>
         <p:spPr>
           <a:xfrm>
-            <a:off x="5258342" y="11180990"/>
+            <a:off x="5258342" y="11662170"/>
             <a:ext cx="592936" cy="403590"/>
           </a:xfrm>
           <a:prstGeom prst="roundRect">
@@ -22231,7 +24311,7 @@
         </p:nvSpPr>
         <p:spPr>
           <a:xfrm>
-            <a:off x="5403404" y="11176583"/>
+            <a:off x="5403404" y="11657763"/>
             <a:ext cx="314015" cy="206660"/>
           </a:xfrm>
           <a:prstGeom prst="rect">
@@ -22270,7 +24350,7 @@
         </p:nvSpPr>
         <p:spPr>
           <a:xfrm>
-            <a:off x="5288497" y="11398477"/>
+            <a:off x="5288497" y="11879657"/>
             <a:ext cx="534300" cy="206660"/>
           </a:xfrm>
           <a:prstGeom prst="rect">
@@ -22309,7 +24389,7 @@
         </p:nvSpPr>
         <p:spPr>
           <a:xfrm rot="10800000">
-            <a:off x="5907021" y="11310398"/>
+            <a:off x="5907021" y="11791578"/>
             <a:ext cx="166587" cy="110188"/>
           </a:xfrm>
           <a:prstGeom prst="rightArrow">
@@ -22365,7 +24445,7 @@
         </p:nvCxnSpPr>
         <p:spPr>
           <a:xfrm>
-            <a:off x="5375057" y="11364473"/>
+            <a:off x="5375057" y="11845653"/>
             <a:ext cx="359513" cy="1374"/>
           </a:xfrm>
           <a:prstGeom prst="line">
@@ -22401,7 +24481,7 @@
         </p:nvSpPr>
         <p:spPr>
           <a:xfrm>
-            <a:off x="5403734" y="12131383"/>
+            <a:off x="5403734" y="12612563"/>
             <a:ext cx="314015" cy="206660"/>
           </a:xfrm>
           <a:prstGeom prst="rect">
@@ -22443,7 +24523,7 @@
         </p:nvSpPr>
         <p:spPr>
           <a:xfrm>
-            <a:off x="4078532" y="11360374"/>
+            <a:off x="4078532" y="11841554"/>
             <a:ext cx="893922" cy="952481"/>
           </a:xfrm>
           <a:prstGeom prst="roundRect">
@@ -22499,7 +24579,7 @@
             </p:nvSpPr>
             <p:spPr>
               <a:xfrm>
-                <a:off x="4136070" y="11704241"/>
+                <a:off x="4136070" y="12185421"/>
                 <a:ext cx="799065" cy="233718"/>
               </a:xfrm>
               <a:prstGeom prst="rect">
@@ -22686,7 +24766,7 @@
             </p:nvSpPr>
             <p:spPr>
               <a:xfrm>
-                <a:off x="4136070" y="11704241"/>
+                <a:off x="4136070" y="12185421"/>
                 <a:ext cx="799065" cy="233718"/>
               </a:xfrm>
               <a:prstGeom prst="rect">
@@ -22695,7 +24775,7 @@
               <a:blipFill>
                 <a:blip r:embed="rId13"/>
                 <a:stretch>
-                  <a:fillRect b="-26316"/>
+                  <a:fillRect t="-2632" b="-18421"/>
                 </a:stretch>
               </a:blipFill>
             </p:spPr>
@@ -22730,7 +24810,7 @@
             </p:nvSpPr>
             <p:spPr>
               <a:xfrm>
-                <a:off x="4121297" y="11405290"/>
+                <a:off x="4121297" y="11886470"/>
                 <a:ext cx="117532" cy="234616"/>
               </a:xfrm>
               <a:prstGeom prst="rect">
@@ -22817,7 +24897,7 @@
             </p:nvSpPr>
             <p:spPr>
               <a:xfrm>
-                <a:off x="4121297" y="11405290"/>
+                <a:off x="4121297" y="11886470"/>
                 <a:ext cx="117532" cy="234616"/>
               </a:xfrm>
               <a:prstGeom prst="rect">
@@ -22826,7 +24906,7 @@
               <a:blipFill>
                 <a:blip r:embed="rId14"/>
                 <a:stretch>
-                  <a:fillRect l="-50000" r="-90000" b="-21053"/>
+                  <a:fillRect l="-52632" r="-100000" b="-26316"/>
                 </a:stretch>
               </a:blipFill>
             </p:spPr>
@@ -22859,7 +24939,7 @@
         </p:nvSpPr>
         <p:spPr>
           <a:xfrm rot="10800000">
-            <a:off x="5913641" y="12180404"/>
+            <a:off x="5913641" y="12661584"/>
             <a:ext cx="166587" cy="110188"/>
           </a:xfrm>
           <a:prstGeom prst="rightArrow">
@@ -22913,7 +24993,7 @@
         </p:nvSpPr>
         <p:spPr>
           <a:xfrm rot="10800000">
-            <a:off x="5035288" y="11329564"/>
+            <a:off x="5035288" y="11810744"/>
             <a:ext cx="166587" cy="110188"/>
           </a:xfrm>
           <a:prstGeom prst="rightArrow">
@@ -22967,7 +25047,7 @@
         </p:nvSpPr>
         <p:spPr>
           <a:xfrm rot="10800000">
-            <a:off x="5038976" y="12180939"/>
+            <a:off x="5038976" y="12662119"/>
             <a:ext cx="166587" cy="110188"/>
           </a:xfrm>
           <a:prstGeom prst="rightArrow">
@@ -23021,7 +25101,7 @@
         </p:nvSpPr>
         <p:spPr>
           <a:xfrm>
-            <a:off x="5039302" y="12023834"/>
+            <a:off x="5039302" y="12505014"/>
             <a:ext cx="166587" cy="206660"/>
           </a:xfrm>
           <a:prstGeom prst="rect">
@@ -23062,7 +25142,7 @@
         </p:nvSpPr>
         <p:spPr>
           <a:xfrm>
-            <a:off x="5040306" y="11440415"/>
+            <a:off x="5040306" y="11921595"/>
             <a:ext cx="166587" cy="206660"/>
           </a:xfrm>
           <a:prstGeom prst="rect">
@@ -23100,7 +25180,7 @@
         </p:nvSpPr>
         <p:spPr>
           <a:xfrm flipH="1">
-            <a:off x="6152165" y="11989008"/>
+            <a:off x="6152165" y="12470188"/>
             <a:ext cx="485500" cy="489927"/>
           </a:xfrm>
           <a:prstGeom prst="roundRect">
@@ -23154,7 +25234,7 @@
         </p:nvSpPr>
         <p:spPr>
           <a:xfrm flipH="1" flipV="1">
-            <a:off x="6451803" y="12013697"/>
+            <a:off x="6451803" y="12494877"/>
             <a:ext cx="72717" cy="71553"/>
           </a:xfrm>
           <a:prstGeom prst="ellipse">
@@ -23203,7 +25283,7 @@
         </p:nvSpPr>
         <p:spPr>
           <a:xfrm flipH="1" flipV="1">
-            <a:off x="6451803" y="12135409"/>
+            <a:off x="6451803" y="12616589"/>
             <a:ext cx="72717" cy="71553"/>
           </a:xfrm>
           <a:prstGeom prst="ellipse">
@@ -23252,7 +25332,7 @@
         </p:nvSpPr>
         <p:spPr>
           <a:xfrm flipH="1" flipV="1">
-            <a:off x="6451803" y="12257122"/>
+            <a:off x="6451803" y="12738302"/>
             <a:ext cx="72717" cy="71553"/>
           </a:xfrm>
           <a:prstGeom prst="ellipse">
@@ -23301,7 +25381,7 @@
         </p:nvSpPr>
         <p:spPr>
           <a:xfrm flipH="1" flipV="1">
-            <a:off x="6451803" y="12378833"/>
+            <a:off x="6451803" y="12860013"/>
             <a:ext cx="72717" cy="71553"/>
           </a:xfrm>
           <a:prstGeom prst="ellipse">
@@ -23350,7 +25430,7 @@
         </p:nvSpPr>
         <p:spPr>
           <a:xfrm flipH="1" flipV="1">
-            <a:off x="6262457" y="12127321"/>
+            <a:off x="6262457" y="12608501"/>
             <a:ext cx="72717" cy="71553"/>
           </a:xfrm>
           <a:prstGeom prst="ellipse">
@@ -23403,7 +25483,7 @@
         </p:nvCxnSpPr>
         <p:spPr>
           <a:xfrm flipH="1">
-            <a:off x="6335175" y="12049466"/>
+            <a:off x="6335175" y="12530646"/>
             <a:ext cx="116630" cy="113623"/>
           </a:xfrm>
           <a:prstGeom prst="line">
@@ -23443,7 +25523,7 @@
         </p:nvCxnSpPr>
         <p:spPr>
           <a:xfrm flipH="1" flipV="1">
-            <a:off x="6335175" y="12163092"/>
+            <a:off x="6335175" y="12644272"/>
             <a:ext cx="116630" cy="8090"/>
           </a:xfrm>
           <a:prstGeom prst="line">
@@ -23483,7 +25563,7 @@
         </p:nvCxnSpPr>
         <p:spPr>
           <a:xfrm flipH="1" flipV="1">
-            <a:off x="6335175" y="12163089"/>
+            <a:off x="6335175" y="12644269"/>
             <a:ext cx="116630" cy="129803"/>
           </a:xfrm>
           <a:prstGeom prst="line">
@@ -23523,7 +25603,7 @@
         </p:nvCxnSpPr>
         <p:spPr>
           <a:xfrm flipH="1" flipV="1">
-            <a:off x="6335175" y="12163089"/>
+            <a:off x="6335175" y="12644269"/>
             <a:ext cx="116630" cy="251515"/>
           </a:xfrm>
           <a:prstGeom prst="line">
@@ -23559,7 +25639,7 @@
         </p:nvSpPr>
         <p:spPr>
           <a:xfrm flipH="1" flipV="1">
-            <a:off x="6264504" y="12268993"/>
+            <a:off x="6264504" y="12750173"/>
             <a:ext cx="72717" cy="71553"/>
           </a:xfrm>
           <a:prstGeom prst="ellipse">
@@ -23612,7 +25692,7 @@
         </p:nvCxnSpPr>
         <p:spPr>
           <a:xfrm flipH="1">
-            <a:off x="6337213" y="12049461"/>
+            <a:off x="6337213" y="12530641"/>
             <a:ext cx="114584" cy="255296"/>
           </a:xfrm>
           <a:prstGeom prst="line">
@@ -23652,7 +25732,7 @@
         </p:nvCxnSpPr>
         <p:spPr>
           <a:xfrm flipH="1">
-            <a:off x="6337213" y="12171177"/>
+            <a:off x="6337213" y="12652357"/>
             <a:ext cx="114584" cy="133583"/>
           </a:xfrm>
           <a:prstGeom prst="line">
@@ -23692,7 +25772,7 @@
         </p:nvCxnSpPr>
         <p:spPr>
           <a:xfrm flipH="1">
-            <a:off x="6337213" y="12292894"/>
+            <a:off x="6337213" y="12774074"/>
             <a:ext cx="114584" cy="11869"/>
           </a:xfrm>
           <a:prstGeom prst="line">
@@ -23732,7 +25812,7 @@
         </p:nvCxnSpPr>
         <p:spPr>
           <a:xfrm flipH="1" flipV="1">
-            <a:off x="6337213" y="12304763"/>
+            <a:off x="6337213" y="12785943"/>
             <a:ext cx="114584" cy="109842"/>
           </a:xfrm>
           <a:prstGeom prst="line">
@@ -23768,7 +25848,7 @@
         </p:nvSpPr>
         <p:spPr>
           <a:xfrm>
-            <a:off x="7807639" y="11778009"/>
+            <a:off x="7907216" y="12259189"/>
             <a:ext cx="703821" cy="246221"/>
           </a:xfrm>
           <a:prstGeom prst="rect">
@@ -23807,7 +25887,7 @@
         </p:nvSpPr>
         <p:spPr>
           <a:xfrm>
-            <a:off x="7810970" y="12272273"/>
+            <a:off x="7929947" y="12753453"/>
             <a:ext cx="699904" cy="246221"/>
           </a:xfrm>
           <a:prstGeom prst="rect">
@@ -23857,7 +25937,7 @@
         </p:nvSpPr>
         <p:spPr>
           <a:xfrm>
-            <a:off x="7676850" y="10799792"/>
+            <a:off x="7701234" y="11201610"/>
             <a:ext cx="1073472" cy="400110"/>
           </a:xfrm>
           <a:prstGeom prst="rect">
@@ -23913,7 +25993,7 @@
         </p:nvSpPr>
         <p:spPr>
           <a:xfrm>
-            <a:off x="6089410" y="11654351"/>
+            <a:off x="6089410" y="12135531"/>
             <a:ext cx="608148" cy="206660"/>
           </a:xfrm>
           <a:prstGeom prst="rect">
@@ -23952,7 +26032,7 @@
         </p:nvSpPr>
         <p:spPr>
           <a:xfrm>
-            <a:off x="6080296" y="12490803"/>
+            <a:off x="6080296" y="12971983"/>
             <a:ext cx="608148" cy="206660"/>
           </a:xfrm>
           <a:prstGeom prst="rect">
@@ -23991,7 +26071,7 @@
         </p:nvSpPr>
         <p:spPr>
           <a:xfrm>
-            <a:off x="7020209" y="11498749"/>
+            <a:off x="7020209" y="11979929"/>
             <a:ext cx="843945" cy="201149"/>
           </a:xfrm>
           <a:prstGeom prst="roundRect">
@@ -24054,7 +26134,7 @@
         </p:nvSpPr>
         <p:spPr>
           <a:xfrm rot="10800000">
-            <a:off x="6743492" y="11498748"/>
+            <a:off x="6743492" y="11979928"/>
             <a:ext cx="166587" cy="110188"/>
           </a:xfrm>
           <a:prstGeom prst="rightArrow">
@@ -24108,7 +26188,7 @@
         </p:nvSpPr>
         <p:spPr>
           <a:xfrm>
-            <a:off x="7020209" y="11027841"/>
+            <a:off x="7020209" y="11509021"/>
             <a:ext cx="843945" cy="201149"/>
           </a:xfrm>
           <a:prstGeom prst="roundRect">
@@ -24171,7 +26251,7 @@
         </p:nvSpPr>
         <p:spPr>
           <a:xfrm>
-            <a:off x="7020209" y="11894246"/>
+            <a:off x="7020209" y="12375426"/>
             <a:ext cx="843945" cy="201149"/>
           </a:xfrm>
           <a:prstGeom prst="roundRect">
@@ -24234,7 +26314,7 @@
         </p:nvSpPr>
         <p:spPr>
           <a:xfrm>
-            <a:off x="7011010" y="12378360"/>
+            <a:off x="7011010" y="12859540"/>
             <a:ext cx="843945" cy="201149"/>
           </a:xfrm>
           <a:prstGeom prst="roundRect">
@@ -24297,7 +26377,7 @@
         </p:nvSpPr>
         <p:spPr>
           <a:xfrm rot="10800000">
-            <a:off x="6747107" y="11937959"/>
+            <a:off x="6747107" y="12419139"/>
             <a:ext cx="166587" cy="110188"/>
           </a:xfrm>
           <a:prstGeom prst="rightArrow">
@@ -24351,7 +26431,7 @@
         </p:nvSpPr>
         <p:spPr>
           <a:xfrm rot="10800000">
-            <a:off x="6743491" y="12391173"/>
+            <a:off x="6743491" y="12872353"/>
             <a:ext cx="166587" cy="110188"/>
           </a:xfrm>
           <a:prstGeom prst="rightArrow">
@@ -24405,7 +26485,7 @@
         </p:nvSpPr>
         <p:spPr>
           <a:xfrm rot="5400000">
-            <a:off x="7363620" y="11308639"/>
+            <a:off x="7363620" y="11789819"/>
             <a:ext cx="166587" cy="110188"/>
           </a:xfrm>
           <a:prstGeom prst="rightArrow">
@@ -24463,7 +26543,7 @@
         </p:nvCxnSpPr>
         <p:spPr>
           <a:xfrm flipH="1">
-            <a:off x="7864154" y="8645237"/>
+            <a:off x="7864154" y="9126417"/>
             <a:ext cx="95323" cy="2483179"/>
           </a:xfrm>
           <a:prstGeom prst="bentConnector3">
@@ -24508,7 +26588,7 @@
         </p:nvCxnSpPr>
         <p:spPr>
           <a:xfrm flipH="1">
-            <a:off x="7864154" y="8645237"/>
+            <a:off x="7864154" y="9126417"/>
             <a:ext cx="95323" cy="3349584"/>
           </a:xfrm>
           <a:prstGeom prst="bentConnector3">
@@ -24553,12 +26633,12 @@
         </p:nvCxnSpPr>
         <p:spPr>
           <a:xfrm flipH="1">
-            <a:off x="7854955" y="8645237"/>
+            <a:off x="7854955" y="9126417"/>
             <a:ext cx="104522" cy="3833698"/>
           </a:xfrm>
           <a:prstGeom prst="bentConnector3">
             <a:avLst>
-              <a:gd name="adj1" fmla="val -573634"/>
+              <a:gd name="adj1" fmla="val -587303"/>
             </a:avLst>
           </a:prstGeom>
           <a:ln>
@@ -24594,7 +26674,7 @@
         </p:nvSpPr>
         <p:spPr>
           <a:xfrm>
-            <a:off x="793892" y="10146173"/>
+            <a:off x="793892" y="10627353"/>
             <a:ext cx="147004" cy="439563"/>
           </a:xfrm>
           <a:prstGeom prst="roundRect">
@@ -24742,7 +26822,7 @@
         </p:nvSpPr>
         <p:spPr>
           <a:xfrm>
-            <a:off x="796866" y="10568698"/>
+            <a:off x="796866" y="11049878"/>
             <a:ext cx="147004" cy="439563"/>
           </a:xfrm>
           <a:prstGeom prst="roundRect">
@@ -24890,7 +26970,7 @@
         </p:nvSpPr>
         <p:spPr>
           <a:xfrm>
-            <a:off x="806165" y="10168782"/>
+            <a:off x="806165" y="10649962"/>
             <a:ext cx="90563" cy="159967"/>
           </a:xfrm>
           <a:prstGeom prst="roundRect">
@@ -24947,7 +27027,7 @@
         </p:nvSpPr>
         <p:spPr>
           <a:xfrm>
-            <a:off x="806165" y="10519982"/>
+            <a:off x="806165" y="11001162"/>
             <a:ext cx="90563" cy="159967"/>
           </a:xfrm>
           <a:prstGeom prst="roundRect">
@@ -25004,7 +27084,7 @@
         </p:nvSpPr>
         <p:spPr>
           <a:xfrm>
-            <a:off x="806165" y="10871180"/>
+            <a:off x="806165" y="11352360"/>
             <a:ext cx="90563" cy="159967"/>
           </a:xfrm>
           <a:prstGeom prst="roundRect">
@@ -25061,7 +27141,7 @@
         </p:nvSpPr>
         <p:spPr>
           <a:xfrm>
-            <a:off x="634700" y="10013296"/>
+            <a:off x="634700" y="10494476"/>
             <a:ext cx="3154879" cy="1459847"/>
           </a:xfrm>
           <a:prstGeom prst="roundRect">
@@ -25118,7 +27198,7 @@
         </p:nvSpPr>
         <p:spPr>
           <a:xfrm>
-            <a:off x="796113" y="10172391"/>
+            <a:off x="796113" y="10653571"/>
             <a:ext cx="1336628" cy="861236"/>
           </a:xfrm>
           <a:prstGeom prst="roundRect">
@@ -25175,7 +27255,7 @@
         </p:nvSpPr>
         <p:spPr>
           <a:xfrm>
-            <a:off x="2304290" y="10172391"/>
+            <a:off x="2304290" y="10653571"/>
             <a:ext cx="1336628" cy="861236"/>
           </a:xfrm>
           <a:prstGeom prst="roundRect">
@@ -25232,7 +27312,7 @@
         </p:nvSpPr>
         <p:spPr>
           <a:xfrm rot="1800000">
-            <a:off x="858093" y="10715709"/>
+            <a:off x="858093" y="11196889"/>
             <a:ext cx="668865" cy="206660"/>
           </a:xfrm>
           <a:prstGeom prst="rect">
@@ -25271,7 +27351,7 @@
         </p:nvSpPr>
         <p:spPr>
           <a:xfrm rot="19711124">
-            <a:off x="1379927" y="10719461"/>
+            <a:off x="1379927" y="11200641"/>
             <a:ext cx="613441" cy="206660"/>
           </a:xfrm>
           <a:prstGeom prst="rect">
@@ -25323,7 +27403,7 @@
             </p:nvSpPr>
             <p:spPr>
               <a:xfrm>
-                <a:off x="869497" y="10239273"/>
+                <a:off x="869497" y="10720453"/>
                 <a:ext cx="117532" cy="124842"/>
               </a:xfrm>
               <a:prstGeom prst="rect">
@@ -25395,16 +27475,16 @@
             </p:nvSpPr>
             <p:spPr>
               <a:xfrm>
-                <a:off x="869497" y="10239273"/>
+                <a:off x="869497" y="10720453"/>
                 <a:ext cx="117532" cy="124842"/>
               </a:xfrm>
               <a:prstGeom prst="rect">
                 <a:avLst/>
               </a:prstGeom>
               <a:blipFill>
-                <a:blip r:embed="rId15"/>
+                <a:blip r:embed="rId10"/>
                 <a:stretch>
-                  <a:fillRect l="-20000" r="-20000" b="-27273"/>
+                  <a:fillRect l="-21053" r="-10526" b="-30000"/>
                 </a:stretch>
               </a:blipFill>
             </p:spPr>
@@ -25437,7 +27517,7 @@
         </p:nvSpPr>
         <p:spPr>
           <a:xfrm rot="1800000">
-            <a:off x="2396893" y="10709910"/>
+            <a:off x="2396893" y="11191090"/>
             <a:ext cx="668865" cy="206660"/>
           </a:xfrm>
           <a:prstGeom prst="rect">
@@ -25476,7 +27556,7 @@
         </p:nvSpPr>
         <p:spPr>
           <a:xfrm rot="19711124">
-            <a:off x="2918727" y="10713662"/>
+            <a:off x="2918727" y="11194842"/>
             <a:ext cx="613441" cy="206660"/>
           </a:xfrm>
           <a:prstGeom prst="rect">
@@ -25528,7 +27608,7 @@
             </p:nvSpPr>
             <p:spPr>
               <a:xfrm>
-                <a:off x="2408295" y="10233477"/>
+                <a:off x="2408295" y="10714657"/>
                 <a:ext cx="117532" cy="124842"/>
               </a:xfrm>
               <a:prstGeom prst="rect">
@@ -25600,16 +27680,16 @@
             </p:nvSpPr>
             <p:spPr>
               <a:xfrm>
-                <a:off x="2408295" y="10233477"/>
+                <a:off x="2408295" y="10714657"/>
                 <a:ext cx="117532" cy="124842"/>
               </a:xfrm>
               <a:prstGeom prst="rect">
                 <a:avLst/>
               </a:prstGeom>
               <a:blipFill>
-                <a:blip r:embed="rId16"/>
+                <a:blip r:embed="rId9"/>
                 <a:stretch>
-                  <a:fillRect l="-20000" r="-20000" b="-27273"/>
+                  <a:fillRect l="-15789" r="-15789" b="-30000"/>
                 </a:stretch>
               </a:blipFill>
             </p:spPr>
@@ -25642,7 +27722,7 @@
         </p:nvSpPr>
         <p:spPr>
           <a:xfrm>
-            <a:off x="2160172" y="10596922"/>
+            <a:off x="2160172" y="11078102"/>
             <a:ext cx="134225" cy="88782"/>
           </a:xfrm>
           <a:prstGeom prst="rightArrow">
@@ -25696,7 +27776,7 @@
         </p:nvSpPr>
         <p:spPr>
           <a:xfrm>
-            <a:off x="777710" y="11065466"/>
+            <a:off x="777710" y="11546646"/>
             <a:ext cx="1404873" cy="320985"/>
           </a:xfrm>
           <a:prstGeom prst="rect">
@@ -25758,7 +27838,7 @@
         </p:blipFill>
         <p:spPr>
           <a:xfrm>
-            <a:off x="875427" y="10287427"/>
+            <a:off x="875427" y="10768607"/>
             <a:ext cx="1150327" cy="590025"/>
           </a:xfrm>
           <a:prstGeom prst="rect">
@@ -25780,7 +27860,7 @@
         </p:nvSpPr>
         <p:spPr>
           <a:xfrm>
-            <a:off x="647136" y="11468955"/>
+            <a:off x="647136" y="11950135"/>
             <a:ext cx="3142440" cy="253916"/>
           </a:xfrm>
           <a:prstGeom prst="rect">
@@ -25825,7 +27905,7 @@
         </p:nvSpPr>
         <p:spPr>
           <a:xfrm>
-            <a:off x="2274163" y="11037651"/>
+            <a:off x="2274163" y="11518831"/>
             <a:ext cx="1404873" cy="320985"/>
           </a:xfrm>
           <a:prstGeom prst="rect">
@@ -25875,7 +27955,7 @@
           <p:nvPr/>
         </p:nvPicPr>
         <p:blipFill rotWithShape="1">
-          <a:blip r:embed="rId17" cstate="print">
+          <a:blip r:embed="rId15" cstate="print">
             <a:extLst>
               <a:ext uri="{28A0092B-C50C-407E-A947-70E740481C1C}">
                 <a14:useLocalDpi xmlns:a14="http://schemas.microsoft.com/office/drawing/2010/main" val="0"/>
@@ -25887,7 +27967,7 @@
         </p:blipFill>
         <p:spPr>
           <a:xfrm>
-            <a:off x="2408531" y="10275970"/>
+            <a:off x="2408531" y="10757150"/>
             <a:ext cx="1150327" cy="622444"/>
           </a:xfrm>
           <a:prstGeom prst="rect">
@@ -25913,7 +27993,7 @@
         </p:nvCxnSpPr>
         <p:spPr>
           <a:xfrm rot="10800000">
-            <a:off x="802490" y="10808621"/>
+            <a:off x="802490" y="11289801"/>
             <a:ext cx="3276042" cy="1027995"/>
           </a:xfrm>
           <a:prstGeom prst="bentConnector3">
@@ -25958,7 +28038,7 @@
         </p:nvCxnSpPr>
         <p:spPr>
           <a:xfrm rot="10800000" flipV="1">
-            <a:off x="800816" y="9211799"/>
+            <a:off x="800816" y="9692979"/>
             <a:ext cx="397523" cy="1074065"/>
           </a:xfrm>
           <a:prstGeom prst="bentConnector3">
@@ -26003,7 +28083,7 @@
         </p:nvCxnSpPr>
         <p:spPr>
           <a:xfrm rot="10800000" flipV="1">
-            <a:off x="800816" y="8189243"/>
+            <a:off x="800816" y="8670423"/>
             <a:ext cx="397523" cy="2289488"/>
           </a:xfrm>
           <a:prstGeom prst="bentConnector3">
@@ -26044,7 +28124,7 @@
         </p:nvSpPr>
         <p:spPr>
           <a:xfrm rot="16200000">
-            <a:off x="254069" y="4439414"/>
+            <a:off x="254069" y="4713797"/>
             <a:ext cx="683096" cy="255321"/>
           </a:xfrm>
           <a:prstGeom prst="rect">
@@ -26085,7 +28165,7 @@
             </p:nvSpPr>
             <p:spPr>
               <a:xfrm>
-                <a:off x="480150" y="5840868"/>
+                <a:off x="480150" y="6115251"/>
                 <a:ext cx="208685" cy="234616"/>
               </a:xfrm>
               <a:prstGeom prst="rect">
@@ -26157,16 +28237,16 @@
             </p:nvSpPr>
             <p:spPr>
               <a:xfrm>
-                <a:off x="480150" y="5840868"/>
+                <a:off x="480150" y="6115251"/>
                 <a:ext cx="208685" cy="234616"/>
               </a:xfrm>
               <a:prstGeom prst="rect">
                 <a:avLst/>
               </a:prstGeom>
               <a:blipFill>
-                <a:blip r:embed="rId18"/>
+                <a:blip r:embed="rId8"/>
                 <a:stretch>
-                  <a:fillRect l="-16667" r="-16667" b="-20000"/>
+                  <a:fillRect l="-23529" r="-17647" b="-23077"/>
                 </a:stretch>
               </a:blipFill>
             </p:spPr>
@@ -26201,7 +28281,7 @@
             </p:nvSpPr>
             <p:spPr>
               <a:xfrm>
-                <a:off x="282222" y="11231636"/>
+                <a:off x="282222" y="11712816"/>
                 <a:ext cx="117532" cy="234616"/>
               </a:xfrm>
               <a:prstGeom prst="rect">
@@ -26288,16 +28368,16 @@
             </p:nvSpPr>
             <p:spPr>
               <a:xfrm>
-                <a:off x="282222" y="11231636"/>
+                <a:off x="282222" y="11712816"/>
                 <a:ext cx="117532" cy="234616"/>
               </a:xfrm>
               <a:prstGeom prst="rect">
                 <a:avLst/>
               </a:prstGeom>
               <a:blipFill>
-                <a:blip r:embed="rId19"/>
+                <a:blip r:embed="rId14"/>
                 <a:stretch>
-                  <a:fillRect l="-50000" r="-90000" b="-26316"/>
+                  <a:fillRect l="-50000" r="-90000" b="-23077"/>
                 </a:stretch>
               </a:blipFill>
             </p:spPr>
@@ -26334,7 +28414,7 @@
         </p:nvCxnSpPr>
         <p:spPr>
           <a:xfrm flipV="1">
-            <a:off x="3640918" y="8912147"/>
+            <a:off x="3640918" y="9393327"/>
             <a:ext cx="2108706" cy="1690862"/>
           </a:xfrm>
           <a:prstGeom prst="bentConnector3">
@@ -26375,7 +28455,7 @@
         </p:nvSpPr>
         <p:spPr>
           <a:xfrm>
-            <a:off x="4187709" y="10130481"/>
+            <a:off x="4187709" y="10611661"/>
             <a:ext cx="683096" cy="255321"/>
           </a:xfrm>
           <a:prstGeom prst="rect">
@@ -26414,7 +28494,7 @@
         </p:nvSpPr>
         <p:spPr>
           <a:xfrm>
-            <a:off x="4187709" y="10334672"/>
+            <a:off x="4187709" y="10815852"/>
             <a:ext cx="683096" cy="246221"/>
           </a:xfrm>
           <a:prstGeom prst="rect">
@@ -26464,7 +28544,7 @@
         </p:nvSpPr>
         <p:spPr>
           <a:xfrm rot="16200000">
-            <a:off x="41894" y="9162881"/>
+            <a:off x="41894" y="9644061"/>
             <a:ext cx="683096" cy="255321"/>
           </a:xfrm>
           <a:prstGeom prst="rect">
@@ -26485,6 +28565,653 @@
                 <a:cs typeface="Times New Roman" panose="02020603050405020304" pitchFamily="18" charset="0"/>
               </a:rPr>
               <a:t>reference</a:t>
+            </a:r>
+          </a:p>
+        </p:txBody>
+      </p:sp>
+      <p:grpSp>
+        <p:nvGrpSpPr>
+          <p:cNvPr id="7" name="Group 6">
+            <a:extLst>
+              <a:ext uri="{FF2B5EF4-FFF2-40B4-BE49-F238E27FC236}">
+                <a16:creationId xmlns:a16="http://schemas.microsoft.com/office/drawing/2014/main" id="{719234D8-018C-BDC4-6BE8-3C38A2043787}"/>
+              </a:ext>
+            </a:extLst>
+          </p:cNvPr>
+          <p:cNvGrpSpPr/>
+          <p:nvPr/>
+        </p:nvGrpSpPr>
+        <p:grpSpPr>
+          <a:xfrm>
+            <a:off x="4179754" y="13970876"/>
+            <a:ext cx="893740" cy="261012"/>
+            <a:chOff x="4323523" y="10167997"/>
+            <a:chExt cx="1588872" cy="464021"/>
+          </a:xfrm>
+        </p:grpSpPr>
+        <p:sp>
+          <p:nvSpPr>
+            <p:cNvPr id="10" name="Rectangle: Rounded Corners 9">
+              <a:extLst>
+                <a:ext uri="{FF2B5EF4-FFF2-40B4-BE49-F238E27FC236}">
+                  <a16:creationId xmlns:a16="http://schemas.microsoft.com/office/drawing/2014/main" id="{95EB523B-89BE-93C4-A6F4-81F013BEF475}"/>
+                </a:ext>
+              </a:extLst>
+            </p:cNvPr>
+            <p:cNvSpPr/>
+            <p:nvPr/>
+          </p:nvSpPr>
+          <p:spPr>
+            <a:xfrm>
+              <a:off x="4323523" y="10167997"/>
+              <a:ext cx="1588872" cy="464021"/>
+            </a:xfrm>
+            <a:prstGeom prst="roundRect">
+              <a:avLst>
+                <a:gd name="adj" fmla="val 4639"/>
+              </a:avLst>
+            </a:prstGeom>
+            <a:solidFill>
+              <a:schemeClr val="accent1">
+                <a:lumMod val="20000"/>
+                <a:lumOff val="80000"/>
+              </a:schemeClr>
+            </a:solidFill>
+            <a:ln>
+              <a:noFill/>
+            </a:ln>
+          </p:spPr>
+          <p:style>
+            <a:lnRef idx="2">
+              <a:schemeClr val="accent1">
+                <a:shade val="15000"/>
+              </a:schemeClr>
+            </a:lnRef>
+            <a:fillRef idx="1">
+              <a:schemeClr val="accent1"/>
+            </a:fillRef>
+            <a:effectRef idx="0">
+              <a:schemeClr val="accent1"/>
+            </a:effectRef>
+            <a:fontRef idx="minor">
+              <a:schemeClr val="lt1"/>
+            </a:fontRef>
+          </p:style>
+          <p:txBody>
+            <a:bodyPr rtlCol="0" anchor="ctr"/>
+            <a:lstStyle/>
+            <a:p>
+              <a:pPr algn="ctr"/>
+              <a:endParaRPr lang="en-US" sz="1100"/>
+            </a:p>
+          </p:txBody>
+        </p:sp>
+        <p:sp>
+          <p:nvSpPr>
+            <p:cNvPr id="11" name="Rectangle: Rounded Corners 10">
+              <a:extLst>
+                <a:ext uri="{FF2B5EF4-FFF2-40B4-BE49-F238E27FC236}">
+                  <a16:creationId xmlns:a16="http://schemas.microsoft.com/office/drawing/2014/main" id="{5D100B3D-43FB-BEA5-5E45-31604CA9C0AF}"/>
+                </a:ext>
+              </a:extLst>
+            </p:cNvPr>
+            <p:cNvSpPr/>
+            <p:nvPr/>
+          </p:nvSpPr>
+          <p:spPr>
+            <a:xfrm>
+              <a:off x="4422168" y="10244755"/>
+              <a:ext cx="1356349" cy="303831"/>
+            </a:xfrm>
+            <a:prstGeom prst="roundRect">
+              <a:avLst>
+                <a:gd name="adj" fmla="val 8035"/>
+              </a:avLst>
+            </a:prstGeom>
+            <a:solidFill>
+              <a:schemeClr val="accent1">
+                <a:lumMod val="40000"/>
+                <a:lumOff val="60000"/>
+              </a:schemeClr>
+            </a:solidFill>
+          </p:spPr>
+          <p:style>
+            <a:lnRef idx="2">
+              <a:schemeClr val="accent1">
+                <a:shade val="15000"/>
+              </a:schemeClr>
+            </a:lnRef>
+            <a:fillRef idx="1">
+              <a:schemeClr val="accent1"/>
+            </a:fillRef>
+            <a:effectRef idx="0">
+              <a:schemeClr val="accent1"/>
+            </a:effectRef>
+            <a:fontRef idx="minor">
+              <a:schemeClr val="lt1"/>
+            </a:fontRef>
+          </p:style>
+          <p:txBody>
+            <a:bodyPr rtlCol="0" anchor="ctr"/>
+            <a:lstStyle/>
+            <a:p>
+              <a:pPr algn="ctr"/>
+              <a:r>
+                <a:rPr lang="en-US" sz="700" dirty="0">
+                  <a:solidFill>
+                    <a:schemeClr val="tx1"/>
+                  </a:solidFill>
+                  <a:latin typeface="Times New Roman" panose="02020603050405020304" pitchFamily="18" charset="0"/>
+                  <a:cs typeface="Times New Roman" panose="02020603050405020304" pitchFamily="18" charset="0"/>
+                </a:rPr>
+                <a:t>Physical Space</a:t>
+              </a:r>
+            </a:p>
+          </p:txBody>
+        </p:sp>
+      </p:grpSp>
+      <p:grpSp>
+        <p:nvGrpSpPr>
+          <p:cNvPr id="12" name="Group 11">
+            <a:extLst>
+              <a:ext uri="{FF2B5EF4-FFF2-40B4-BE49-F238E27FC236}">
+                <a16:creationId xmlns:a16="http://schemas.microsoft.com/office/drawing/2014/main" id="{B5BA3ED0-4032-E85E-6C95-8AFE14797EE7}"/>
+              </a:ext>
+            </a:extLst>
+          </p:cNvPr>
+          <p:cNvGrpSpPr/>
+          <p:nvPr/>
+        </p:nvGrpSpPr>
+        <p:grpSpPr>
+          <a:xfrm>
+            <a:off x="5885992" y="13970876"/>
+            <a:ext cx="893740" cy="261012"/>
+            <a:chOff x="6497809" y="10176574"/>
+            <a:chExt cx="1588872" cy="464021"/>
+          </a:xfrm>
+        </p:grpSpPr>
+        <p:sp>
+          <p:nvSpPr>
+            <p:cNvPr id="13" name="Rectangle: Rounded Corners 12">
+              <a:extLst>
+                <a:ext uri="{FF2B5EF4-FFF2-40B4-BE49-F238E27FC236}">
+                  <a16:creationId xmlns:a16="http://schemas.microsoft.com/office/drawing/2014/main" id="{6DA7DCCC-92D2-2A44-9DA8-694D75B530A7}"/>
+                </a:ext>
+              </a:extLst>
+            </p:cNvPr>
+            <p:cNvSpPr/>
+            <p:nvPr/>
+          </p:nvSpPr>
+          <p:spPr>
+            <a:xfrm>
+              <a:off x="6497809" y="10176574"/>
+              <a:ext cx="1588872" cy="464021"/>
+            </a:xfrm>
+            <a:prstGeom prst="roundRect">
+              <a:avLst>
+                <a:gd name="adj" fmla="val 4639"/>
+              </a:avLst>
+            </a:prstGeom>
+            <a:solidFill>
+              <a:schemeClr val="accent6">
+                <a:lumMod val="20000"/>
+                <a:lumOff val="80000"/>
+              </a:schemeClr>
+            </a:solidFill>
+            <a:ln>
+              <a:noFill/>
+            </a:ln>
+          </p:spPr>
+          <p:style>
+            <a:lnRef idx="2">
+              <a:schemeClr val="accent1">
+                <a:shade val="15000"/>
+              </a:schemeClr>
+            </a:lnRef>
+            <a:fillRef idx="1">
+              <a:schemeClr val="accent1"/>
+            </a:fillRef>
+            <a:effectRef idx="0">
+              <a:schemeClr val="accent1"/>
+            </a:effectRef>
+            <a:fontRef idx="minor">
+              <a:schemeClr val="lt1"/>
+            </a:fontRef>
+          </p:style>
+          <p:txBody>
+            <a:bodyPr rtlCol="0" anchor="ctr"/>
+            <a:lstStyle/>
+            <a:p>
+              <a:pPr algn="ctr"/>
+              <a:endParaRPr lang="en-US" sz="1100" dirty="0"/>
+            </a:p>
+          </p:txBody>
+        </p:sp>
+        <p:sp>
+          <p:nvSpPr>
+            <p:cNvPr id="14" name="Rectangle: Rounded Corners 13">
+              <a:extLst>
+                <a:ext uri="{FF2B5EF4-FFF2-40B4-BE49-F238E27FC236}">
+                  <a16:creationId xmlns:a16="http://schemas.microsoft.com/office/drawing/2014/main" id="{B76E91F7-5FEF-A56A-621C-BFEA6A47EB91}"/>
+                </a:ext>
+              </a:extLst>
+            </p:cNvPr>
+            <p:cNvSpPr/>
+            <p:nvPr/>
+          </p:nvSpPr>
+          <p:spPr>
+            <a:xfrm>
+              <a:off x="6596454" y="10253332"/>
+              <a:ext cx="1356349" cy="303831"/>
+            </a:xfrm>
+            <a:prstGeom prst="roundRect">
+              <a:avLst>
+                <a:gd name="adj" fmla="val 8035"/>
+              </a:avLst>
+            </a:prstGeom>
+            <a:solidFill>
+              <a:schemeClr val="accent6">
+                <a:lumMod val="60000"/>
+                <a:lumOff val="40000"/>
+              </a:schemeClr>
+            </a:solidFill>
+            <a:ln>
+              <a:prstDash val="dash"/>
+            </a:ln>
+          </p:spPr>
+          <p:style>
+            <a:lnRef idx="2">
+              <a:schemeClr val="accent1">
+                <a:shade val="15000"/>
+              </a:schemeClr>
+            </a:lnRef>
+            <a:fillRef idx="1">
+              <a:schemeClr val="accent1"/>
+            </a:fillRef>
+            <a:effectRef idx="0">
+              <a:schemeClr val="accent1"/>
+            </a:effectRef>
+            <a:fontRef idx="minor">
+              <a:schemeClr val="lt1"/>
+            </a:fontRef>
+          </p:style>
+          <p:txBody>
+            <a:bodyPr rtlCol="0" anchor="ctr"/>
+            <a:lstStyle/>
+            <a:p>
+              <a:pPr algn="ctr"/>
+              <a:r>
+                <a:rPr lang="en-US" sz="700" dirty="0">
+                  <a:solidFill>
+                    <a:schemeClr val="tx1"/>
+                  </a:solidFill>
+                  <a:latin typeface="Times New Roman" panose="02020603050405020304" pitchFamily="18" charset="0"/>
+                  <a:cs typeface="Times New Roman" panose="02020603050405020304" pitchFamily="18" charset="0"/>
+                </a:rPr>
+                <a:t>Digital Space</a:t>
+              </a:r>
+            </a:p>
+          </p:txBody>
+        </p:sp>
+      </p:grpSp>
+      <p:sp>
+        <p:nvSpPr>
+          <p:cNvPr id="17" name="Rectangle: Rounded Corners 16">
+            <a:extLst>
+              <a:ext uri="{FF2B5EF4-FFF2-40B4-BE49-F238E27FC236}">
+                <a16:creationId xmlns:a16="http://schemas.microsoft.com/office/drawing/2014/main" id="{47F4BBAA-2951-C9CA-2F6A-1CECDCE0C712}"/>
+              </a:ext>
+            </a:extLst>
+          </p:cNvPr>
+          <p:cNvSpPr/>
+          <p:nvPr/>
+        </p:nvSpPr>
+        <p:spPr>
+          <a:xfrm>
+            <a:off x="7592231" y="14014052"/>
+            <a:ext cx="762946" cy="170905"/>
+          </a:xfrm>
+          <a:prstGeom prst="roundRect">
+            <a:avLst>
+              <a:gd name="adj" fmla="val 8035"/>
+            </a:avLst>
+          </a:prstGeom>
+          <a:solidFill>
+            <a:schemeClr val="accent1">
+              <a:lumMod val="40000"/>
+              <a:lumOff val="60000"/>
+            </a:schemeClr>
+          </a:solidFill>
+          <a:ln w="38100">
+            <a:solidFill>
+              <a:schemeClr val="accent1">
+                <a:lumMod val="75000"/>
+              </a:schemeClr>
+            </a:solidFill>
+          </a:ln>
+        </p:spPr>
+        <p:style>
+          <a:lnRef idx="2">
+            <a:schemeClr val="accent1">
+              <a:shade val="15000"/>
+            </a:schemeClr>
+          </a:lnRef>
+          <a:fillRef idx="1">
+            <a:schemeClr val="accent1"/>
+          </a:fillRef>
+          <a:effectRef idx="0">
+            <a:schemeClr val="accent1"/>
+          </a:effectRef>
+          <a:fontRef idx="minor">
+            <a:schemeClr val="lt1"/>
+          </a:fontRef>
+        </p:style>
+        <p:txBody>
+          <a:bodyPr rtlCol="0" anchor="ctr"/>
+          <a:lstStyle/>
+          <a:p>
+            <a:pPr algn="ctr"/>
+            <a:r>
+              <a:rPr lang="en-US" sz="700" dirty="0">
+                <a:solidFill>
+                  <a:schemeClr val="tx1"/>
+                </a:solidFill>
+                <a:latin typeface="Times New Roman" panose="02020603050405020304" pitchFamily="18" charset="0"/>
+                <a:cs typeface="Times New Roman" panose="02020603050405020304" pitchFamily="18" charset="0"/>
+              </a:rPr>
+              <a:t>Estimation</a:t>
+            </a:r>
+          </a:p>
+        </p:txBody>
+      </p:sp>
+      <p:sp>
+        <p:nvSpPr>
+          <p:cNvPr id="18" name="Rectangle 17">
+            <a:extLst>
+              <a:ext uri="{FF2B5EF4-FFF2-40B4-BE49-F238E27FC236}">
+                <a16:creationId xmlns:a16="http://schemas.microsoft.com/office/drawing/2014/main" id="{EE676353-7BD8-9F63-280B-408BCE7923D2}"/>
+              </a:ext>
+            </a:extLst>
+          </p:cNvPr>
+          <p:cNvSpPr/>
+          <p:nvPr/>
+        </p:nvSpPr>
+        <p:spPr>
+          <a:xfrm>
+            <a:off x="161480" y="13757418"/>
+            <a:ext cx="8537176" cy="537002"/>
+          </a:xfrm>
+          <a:prstGeom prst="rect">
+            <a:avLst/>
+          </a:prstGeom>
+          <a:noFill/>
+          <a:ln>
+            <a:solidFill>
+              <a:schemeClr val="tx1"/>
+            </a:solidFill>
+          </a:ln>
+        </p:spPr>
+        <p:style>
+          <a:lnRef idx="2">
+            <a:schemeClr val="accent1">
+              <a:shade val="15000"/>
+            </a:schemeClr>
+          </a:lnRef>
+          <a:fillRef idx="1">
+            <a:schemeClr val="accent1"/>
+          </a:fillRef>
+          <a:effectRef idx="0">
+            <a:schemeClr val="accent1"/>
+          </a:effectRef>
+          <a:fontRef idx="minor">
+            <a:schemeClr val="lt1"/>
+          </a:fontRef>
+        </p:style>
+        <p:txBody>
+          <a:bodyPr rtlCol="0" anchor="ctr"/>
+          <a:lstStyle/>
+          <a:p>
+            <a:pPr algn="ctr"/>
+            <a:endParaRPr lang="en-US" sz="1115"/>
+          </a:p>
+        </p:txBody>
+      </p:sp>
+      <p:grpSp>
+        <p:nvGrpSpPr>
+          <p:cNvPr id="19" name="Group 18">
+            <a:extLst>
+              <a:ext uri="{FF2B5EF4-FFF2-40B4-BE49-F238E27FC236}">
+                <a16:creationId xmlns:a16="http://schemas.microsoft.com/office/drawing/2014/main" id="{910D8C76-1609-70FA-677D-56F87A74CB0D}"/>
+              </a:ext>
+            </a:extLst>
+          </p:cNvPr>
+          <p:cNvGrpSpPr/>
+          <p:nvPr/>
+        </p:nvGrpSpPr>
+        <p:grpSpPr>
+          <a:xfrm>
+            <a:off x="465329" y="14018266"/>
+            <a:ext cx="986303" cy="206660"/>
+            <a:chOff x="536771" y="10211675"/>
+            <a:chExt cx="1753428" cy="367395"/>
+          </a:xfrm>
+        </p:grpSpPr>
+        <p:sp>
+          <p:nvSpPr>
+            <p:cNvPr id="20" name="TextBox 19">
+              <a:extLst>
+                <a:ext uri="{FF2B5EF4-FFF2-40B4-BE49-F238E27FC236}">
+                  <a16:creationId xmlns:a16="http://schemas.microsoft.com/office/drawing/2014/main" id="{22D45907-6C95-615B-2575-166FBC428092}"/>
+                </a:ext>
+              </a:extLst>
+            </p:cNvPr>
+            <p:cNvSpPr txBox="1"/>
+            <p:nvPr/>
+          </p:nvSpPr>
+          <p:spPr>
+            <a:xfrm>
+              <a:off x="1162474" y="10211675"/>
+              <a:ext cx="1127725" cy="367395"/>
+            </a:xfrm>
+            <a:prstGeom prst="rect">
+              <a:avLst/>
+            </a:prstGeom>
+            <a:noFill/>
+          </p:spPr>
+          <p:txBody>
+            <a:bodyPr wrap="square" rtlCol="0">
+              <a:spAutoFit/>
+            </a:bodyPr>
+            <a:lstStyle/>
+            <a:p>
+              <a:r>
+                <a:rPr lang="en-US" sz="743" dirty="0">
+                  <a:latin typeface="Times New Roman" panose="02020603050405020304" pitchFamily="18" charset="0"/>
+                  <a:cs typeface="Times New Roman" panose="02020603050405020304" pitchFamily="18" charset="0"/>
+                </a:rPr>
+                <a:t>Real Data</a:t>
+              </a:r>
+            </a:p>
+          </p:txBody>
+        </p:sp>
+        <p:cxnSp>
+          <p:nvCxnSpPr>
+            <p:cNvPr id="21" name="Straight Connector 20">
+              <a:extLst>
+                <a:ext uri="{FF2B5EF4-FFF2-40B4-BE49-F238E27FC236}">
+                  <a16:creationId xmlns:a16="http://schemas.microsoft.com/office/drawing/2014/main" id="{7E0591CC-2B5E-74FA-2B51-F817521F69C8}"/>
+                </a:ext>
+              </a:extLst>
+            </p:cNvPr>
+            <p:cNvCxnSpPr/>
+            <p:nvPr/>
+          </p:nvCxnSpPr>
+          <p:spPr>
+            <a:xfrm>
+              <a:off x="536771" y="10367260"/>
+              <a:ext cx="443628" cy="0"/>
+            </a:xfrm>
+            <a:prstGeom prst="line">
+              <a:avLst/>
+            </a:prstGeom>
+            <a:ln w="12700"/>
+          </p:spPr>
+          <p:style>
+            <a:lnRef idx="1">
+              <a:schemeClr val="dk1"/>
+            </a:lnRef>
+            <a:fillRef idx="0">
+              <a:schemeClr val="dk1"/>
+            </a:fillRef>
+            <a:effectRef idx="0">
+              <a:schemeClr val="dk1"/>
+            </a:effectRef>
+            <a:fontRef idx="minor">
+              <a:schemeClr val="tx1"/>
+            </a:fontRef>
+          </p:style>
+        </p:cxnSp>
+      </p:grpSp>
+      <p:grpSp>
+        <p:nvGrpSpPr>
+          <p:cNvPr id="22" name="Group 21">
+            <a:extLst>
+              <a:ext uri="{FF2B5EF4-FFF2-40B4-BE49-F238E27FC236}">
+                <a16:creationId xmlns:a16="http://schemas.microsoft.com/office/drawing/2014/main" id="{B2766121-1778-12F4-6F0D-C6AE5DBF56B3}"/>
+              </a:ext>
+            </a:extLst>
+          </p:cNvPr>
+          <p:cNvGrpSpPr/>
+          <p:nvPr/>
+        </p:nvGrpSpPr>
+        <p:grpSpPr>
+          <a:xfrm>
+            <a:off x="2264130" y="14018266"/>
+            <a:ext cx="1103126" cy="206660"/>
+            <a:chOff x="2271608" y="10205958"/>
+            <a:chExt cx="1961115" cy="367395"/>
+          </a:xfrm>
+        </p:grpSpPr>
+        <p:sp>
+          <p:nvSpPr>
+            <p:cNvPr id="23" name="TextBox 22">
+              <a:extLst>
+                <a:ext uri="{FF2B5EF4-FFF2-40B4-BE49-F238E27FC236}">
+                  <a16:creationId xmlns:a16="http://schemas.microsoft.com/office/drawing/2014/main" id="{26479A2B-6C48-9803-DE1D-365C49360B2E}"/>
+                </a:ext>
+              </a:extLst>
+            </p:cNvPr>
+            <p:cNvSpPr txBox="1"/>
+            <p:nvPr/>
+          </p:nvSpPr>
+          <p:spPr>
+            <a:xfrm>
+              <a:off x="2877758" y="10205958"/>
+              <a:ext cx="1354965" cy="367395"/>
+            </a:xfrm>
+            <a:prstGeom prst="rect">
+              <a:avLst/>
+            </a:prstGeom>
+            <a:noFill/>
+          </p:spPr>
+          <p:txBody>
+            <a:bodyPr wrap="square" rtlCol="0">
+              <a:spAutoFit/>
+            </a:bodyPr>
+            <a:lstStyle/>
+            <a:p>
+              <a:r>
+                <a:rPr lang="en-US" sz="743" dirty="0">
+                  <a:latin typeface="Times New Roman" panose="02020603050405020304" pitchFamily="18" charset="0"/>
+                  <a:cs typeface="Times New Roman" panose="02020603050405020304" pitchFamily="18" charset="0"/>
+                </a:rPr>
+                <a:t>Virtual Data</a:t>
+              </a:r>
+            </a:p>
+          </p:txBody>
+        </p:sp>
+        <p:cxnSp>
+          <p:nvCxnSpPr>
+            <p:cNvPr id="24" name="Straight Connector 23">
+              <a:extLst>
+                <a:ext uri="{FF2B5EF4-FFF2-40B4-BE49-F238E27FC236}">
+                  <a16:creationId xmlns:a16="http://schemas.microsoft.com/office/drawing/2014/main" id="{7456A233-C4DF-0434-EAE1-3A00F9F0AFE8}"/>
+                </a:ext>
+              </a:extLst>
+            </p:cNvPr>
+            <p:cNvCxnSpPr>
+              <a:cxnSpLocks/>
+            </p:cNvCxnSpPr>
+            <p:nvPr/>
+          </p:nvCxnSpPr>
+          <p:spPr>
+            <a:xfrm>
+              <a:off x="2271608" y="10354832"/>
+              <a:ext cx="443628" cy="0"/>
+            </a:xfrm>
+            <a:prstGeom prst="line">
+              <a:avLst/>
+            </a:prstGeom>
+            <a:ln w="19050">
+              <a:solidFill>
+                <a:schemeClr val="accent6">
+                  <a:lumMod val="75000"/>
+                </a:schemeClr>
+              </a:solidFill>
+              <a:prstDash val="dash"/>
+            </a:ln>
+          </p:spPr>
+          <p:style>
+            <a:lnRef idx="1">
+              <a:schemeClr val="dk1"/>
+            </a:lnRef>
+            <a:fillRef idx="0">
+              <a:schemeClr val="dk1"/>
+            </a:fillRef>
+            <a:effectRef idx="0">
+              <a:schemeClr val="dk1"/>
+            </a:effectRef>
+            <a:fontRef idx="minor">
+              <a:schemeClr val="tx1"/>
+            </a:fontRef>
+          </p:style>
+        </p:cxnSp>
+      </p:grpSp>
+      <p:sp>
+        <p:nvSpPr>
+          <p:cNvPr id="25" name="TextBox 24">
+            <a:extLst>
+              <a:ext uri="{FF2B5EF4-FFF2-40B4-BE49-F238E27FC236}">
+                <a16:creationId xmlns:a16="http://schemas.microsoft.com/office/drawing/2014/main" id="{22F04627-3257-287A-7FDF-5DD7053F22A3}"/>
+              </a:ext>
+            </a:extLst>
+          </p:cNvPr>
+          <p:cNvSpPr txBox="1"/>
+          <p:nvPr/>
+        </p:nvSpPr>
+        <p:spPr>
+          <a:xfrm>
+            <a:off x="165678" y="13766078"/>
+            <a:ext cx="871972" cy="206660"/>
+          </a:xfrm>
+          <a:prstGeom prst="rect">
+            <a:avLst/>
+          </a:prstGeom>
+          <a:noFill/>
+        </p:spPr>
+        <p:txBody>
+          <a:bodyPr wrap="square" rtlCol="0">
+            <a:spAutoFit/>
+          </a:bodyPr>
+          <a:lstStyle/>
+          <a:p>
+            <a:pPr algn="ctr"/>
+            <a:r>
+              <a:rPr lang="en-US" sz="743" b="1" dirty="0">
+                <a:latin typeface="Times New Roman" panose="02020603050405020304" pitchFamily="18" charset="0"/>
+                <a:cs typeface="Times New Roman" panose="02020603050405020304" pitchFamily="18" charset="0"/>
+              </a:rPr>
+              <a:t>LEGEND</a:t>
             </a:r>
           </a:p>
         </p:txBody>
